--- a/предзащита/Федотов_ПИН-41_Презентация.pptx
+++ b/предзащита/Федотов_ПИН-41_Презентация.pptx
@@ -317,7 +317,7 @@
             <a:fld id="{D3F45E69-51FF-4017-B855-FA6AEE2AB1D5}" type="datetimeFigureOut">
               <a:rPr lang="ru-RU" smtClean="0"/>
               <a:pPr/>
-              <a:t>31.05.2021</a:t>
+              <a:t>03.06.2021</a:t>
             </a:fld>
             <a:endParaRPr lang="ru-RU"/>
           </a:p>
@@ -482,7 +482,7 @@
             <a:fld id="{D3F45E69-51FF-4017-B855-FA6AEE2AB1D5}" type="datetimeFigureOut">
               <a:rPr lang="ru-RU" smtClean="0"/>
               <a:pPr/>
-              <a:t>31.05.2021</a:t>
+              <a:t>03.06.2021</a:t>
             </a:fld>
             <a:endParaRPr lang="ru-RU"/>
           </a:p>
@@ -657,7 +657,7 @@
             <a:fld id="{D3F45E69-51FF-4017-B855-FA6AEE2AB1D5}" type="datetimeFigureOut">
               <a:rPr lang="ru-RU" smtClean="0"/>
               <a:pPr/>
-              <a:t>31.05.2021</a:t>
+              <a:t>03.06.2021</a:t>
             </a:fld>
             <a:endParaRPr lang="ru-RU"/>
           </a:p>
@@ -822,7 +822,7 @@
             <a:fld id="{D3F45E69-51FF-4017-B855-FA6AEE2AB1D5}" type="datetimeFigureOut">
               <a:rPr lang="ru-RU" smtClean="0"/>
               <a:pPr/>
-              <a:t>31.05.2021</a:t>
+              <a:t>03.06.2021</a:t>
             </a:fld>
             <a:endParaRPr lang="ru-RU"/>
           </a:p>
@@ -1064,7 +1064,7 @@
             <a:fld id="{D3F45E69-51FF-4017-B855-FA6AEE2AB1D5}" type="datetimeFigureOut">
               <a:rPr lang="ru-RU" smtClean="0"/>
               <a:pPr/>
-              <a:t>31.05.2021</a:t>
+              <a:t>03.06.2021</a:t>
             </a:fld>
             <a:endParaRPr lang="ru-RU"/>
           </a:p>
@@ -1346,7 +1346,7 @@
             <a:fld id="{D3F45E69-51FF-4017-B855-FA6AEE2AB1D5}" type="datetimeFigureOut">
               <a:rPr lang="ru-RU" smtClean="0"/>
               <a:pPr/>
-              <a:t>31.05.2021</a:t>
+              <a:t>03.06.2021</a:t>
             </a:fld>
             <a:endParaRPr lang="ru-RU"/>
           </a:p>
@@ -1762,7 +1762,7 @@
             <a:fld id="{D3F45E69-51FF-4017-B855-FA6AEE2AB1D5}" type="datetimeFigureOut">
               <a:rPr lang="ru-RU" smtClean="0"/>
               <a:pPr/>
-              <a:t>31.05.2021</a:t>
+              <a:t>03.06.2021</a:t>
             </a:fld>
             <a:endParaRPr lang="ru-RU"/>
           </a:p>
@@ -1876,7 +1876,7 @@
             <a:fld id="{D3F45E69-51FF-4017-B855-FA6AEE2AB1D5}" type="datetimeFigureOut">
               <a:rPr lang="ru-RU" smtClean="0"/>
               <a:pPr/>
-              <a:t>31.05.2021</a:t>
+              <a:t>03.06.2021</a:t>
             </a:fld>
             <a:endParaRPr lang="ru-RU"/>
           </a:p>
@@ -1968,7 +1968,7 @@
             <a:fld id="{D3F45E69-51FF-4017-B855-FA6AEE2AB1D5}" type="datetimeFigureOut">
               <a:rPr lang="ru-RU" smtClean="0"/>
               <a:pPr/>
-              <a:t>31.05.2021</a:t>
+              <a:t>03.06.2021</a:t>
             </a:fld>
             <a:endParaRPr lang="ru-RU"/>
           </a:p>
@@ -2240,7 +2240,7 @@
             <a:fld id="{D3F45E69-51FF-4017-B855-FA6AEE2AB1D5}" type="datetimeFigureOut">
               <a:rPr lang="ru-RU" smtClean="0"/>
               <a:pPr/>
-              <a:t>31.05.2021</a:t>
+              <a:t>03.06.2021</a:t>
             </a:fld>
             <a:endParaRPr lang="ru-RU"/>
           </a:p>
@@ -2489,7 +2489,7 @@
             <a:fld id="{D3F45E69-51FF-4017-B855-FA6AEE2AB1D5}" type="datetimeFigureOut">
               <a:rPr lang="ru-RU" smtClean="0"/>
               <a:pPr/>
-              <a:t>31.05.2021</a:t>
+              <a:t>03.06.2021</a:t>
             </a:fld>
             <a:endParaRPr lang="ru-RU"/>
           </a:p>
@@ -2697,7 +2697,7 @@
             <a:fld id="{D3F45E69-51FF-4017-B855-FA6AEE2AB1D5}" type="datetimeFigureOut">
               <a:rPr lang="ru-RU" smtClean="0"/>
               <a:pPr/>
-              <a:t>31.05.2021</a:t>
+              <a:t>03.06.2021</a:t>
             </a:fld>
             <a:endParaRPr lang="ru-RU"/>
           </a:p>
@@ -3988,7 +3988,7 @@
             <a:pPr algn="ctr"/>
             <a:r>
               <a:rPr lang="ru-RU" sz="2200" b="1" dirty="0"/>
-              <a:t>Тема: разработка программного модуля настройки конфигурации сетевых сервисов</a:t>
+              <a:t>Тема: «Разработка программного модуля настройки конфигурации сетевых сервисов»</a:t>
             </a:r>
             <a:br>
               <a:rPr lang="ru-RU" sz="2200" b="1" dirty="0"/>
@@ -4010,7 +4010,7 @@
         </p:nvSpPr>
         <p:spPr bwMode="auto">
           <a:xfrm>
-            <a:off x="539552" y="1412776"/>
+            <a:off x="355728" y="1444169"/>
             <a:ext cx="8594597" cy="707886"/>
           </a:xfrm>
           <a:prstGeom prst="rect">
@@ -4044,15 +4044,7 @@
             </a:r>
             <a:r>
               <a:rPr lang="ru-RU" sz="2000" dirty="0"/>
-              <a:t>, </a:t>
-            </a:r>
-            <a:r>
-              <a:rPr lang="ru-RU" sz="2000" dirty="0" err="1"/>
-              <a:t>к.т.н</a:t>
-            </a:r>
-            <a:r>
-              <a:rPr lang="ru-RU" sz="2000" dirty="0"/>
-              <a:t> Касимов Рустам Азатович</a:t>
+              <a:t>, к.т.н. Касимов Рустам Азатович</a:t>
             </a:r>
           </a:p>
           <a:p>
@@ -4077,8 +4069,8 @@
         </p:nvSpPr>
         <p:spPr bwMode="auto">
           <a:xfrm>
-            <a:off x="611560" y="3212976"/>
-            <a:ext cx="8105911" cy="3647152"/>
+            <a:off x="372818" y="2502357"/>
+            <a:ext cx="8105911" cy="3816429"/>
           </a:xfrm>
           <a:prstGeom prst="rect">
             <a:avLst/>
@@ -4103,8 +4095,11 @@
             </a:r>
             <a:r>
               <a:rPr lang="ru-RU" sz="2000" dirty="0"/>
-              <a:t>настроить конфигурацию сетевых сервисов</a:t>
+              <a:t>конфигурация сетевых сервисов</a:t>
             </a:r>
+          </a:p>
+          <a:p>
+            <a:endParaRPr lang="ru-RU" sz="1100" b="1" dirty="0"/>
           </a:p>
           <a:p>
             <a:endParaRPr lang="ru-RU" sz="1100" b="1" dirty="0"/>
@@ -5233,7 +5228,7 @@
         </p:nvSpPr>
         <p:spPr>
           <a:xfrm>
-            <a:off x="755576" y="908720"/>
+            <a:off x="567983" y="1340678"/>
             <a:ext cx="2448268" cy="369332"/>
           </a:xfrm>
           <a:prstGeom prst="rect">
@@ -5268,7 +5263,7 @@
         </p:nvSpPr>
         <p:spPr>
           <a:xfrm>
-            <a:off x="5364092" y="908720"/>
+            <a:off x="4787885" y="1340678"/>
             <a:ext cx="2448268" cy="369332"/>
           </a:xfrm>
           <a:prstGeom prst="rect">
@@ -5283,20 +5278,8 @@
           <a:lstStyle/>
           <a:p>
             <a:r>
-              <a:rPr lang="ru-RU"/>
-              <a:t>Посл</a:t>
-            </a:r>
-            <a:r>
               <a:rPr lang="ru-RU" dirty="0"/>
-              <a:t>е</a:t>
-            </a:r>
-            <a:r>
-              <a:rPr lang="ru-RU"/>
-              <a:t> </a:t>
-            </a:r>
-            <a:r>
-              <a:rPr lang="ru-RU" dirty="0"/>
-              <a:t>разработки </a:t>
+              <a:t>После разработки </a:t>
             </a:r>
           </a:p>
         </p:txBody>
@@ -6335,14 +6318,14 @@
               <p:nvPr>
                 <p:extLst>
                   <p:ext uri="{D42A27DB-BD31-4B8C-83A1-F6EECF244321}">
-                    <p14:modId xmlns:p14="http://schemas.microsoft.com/office/powerpoint/2010/main" val="2896672826"/>
+                    <p14:modId xmlns:p14="http://schemas.microsoft.com/office/powerpoint/2010/main" val="2062198097"/>
                   </p:ext>
                 </p:extLst>
               </p:nvPr>
             </p:nvGraphicFramePr>
             <p:xfrm>
               <a:off x="552015" y="689834"/>
-              <a:ext cx="8136316" cy="4661100"/>
+              <a:ext cx="8136316" cy="4727642"/>
             </p:xfrm>
             <a:graphic>
               <a:graphicData uri="http://schemas.openxmlformats.org/drawingml/2006/table">
@@ -7224,13 +7207,31 @@
                             </a:spcAft>
                           </a:pPr>
                           <a:r>
-                            <a:rPr lang="ru-RU" sz="1300">
+                            <a:rPr lang="ru-RU" sz="1300" dirty="0">
                               <a:effectLst/>
                               <a:latin typeface="Times New Roman" panose="02020603050405020304" pitchFamily="18" charset="0"/>
                               <a:ea typeface="Calibri" panose="020F0502020204030204" pitchFamily="34" charset="0"/>
                               <a:cs typeface="Times New Roman" panose="02020603050405020304" pitchFamily="18" charset="0"/>
                             </a:rPr>
-                            <a:t>С помощью конфигурационных файлов и команд</a:t>
+                            <a:t>С помощью </a:t>
+                          </a:r>
+                          <a:r>
+                            <a:rPr lang="ru-RU" sz="1300" dirty="0" err="1">
+                              <a:effectLst/>
+                              <a:latin typeface="Times New Roman" panose="02020603050405020304" pitchFamily="18" charset="0"/>
+                              <a:ea typeface="Calibri" panose="020F0502020204030204" pitchFamily="34" charset="0"/>
+                              <a:cs typeface="Times New Roman" panose="02020603050405020304" pitchFamily="18" charset="0"/>
+                            </a:rPr>
+                            <a:t>конфигурацион-ных</a:t>
+                          </a:r>
+                          <a:r>
+                            <a:rPr lang="ru-RU" sz="1300" dirty="0">
+                              <a:effectLst/>
+                              <a:latin typeface="Times New Roman" panose="02020603050405020304" pitchFamily="18" charset="0"/>
+                              <a:ea typeface="Calibri" panose="020F0502020204030204" pitchFamily="34" charset="0"/>
+                              <a:cs typeface="Times New Roman" panose="02020603050405020304" pitchFamily="18" charset="0"/>
+                            </a:rPr>
+                            <a:t> файлов и команд</a:t>
                           </a:r>
                         </a:p>
                       </a:txBody>
@@ -7578,7 +7579,7 @@
                               <a:ea typeface="Calibri" panose="020F0502020204030204" pitchFamily="34" charset="0"/>
                               <a:cs typeface="Times New Roman" panose="02020603050405020304" pitchFamily="18" charset="0"/>
                             </a:rPr>
-                            <a:t>Необходимость загрузки дополнительных файлов</a:t>
+                            <a:t>Необходимость загрузки дополнительных файлов конфигурации</a:t>
                           </a:r>
                         </a:p>
                       </a:txBody>
@@ -7756,7 +7757,25 @@
                               <a:ea typeface="Calibri" panose="020F0502020204030204" pitchFamily="34" charset="0"/>
                               <a:cs typeface="Times New Roman" panose="02020603050405020304" pitchFamily="18" charset="0"/>
                             </a:rPr>
-                            <a:t>Наличие пользовательского интерфейса</a:t>
+                            <a:t>Тип </a:t>
+                          </a:r>
+                          <a:r>
+                            <a:rPr lang="ru-RU" sz="1300" dirty="0" err="1">
+                              <a:effectLst/>
+                              <a:latin typeface="Times New Roman" panose="02020603050405020304" pitchFamily="18" charset="0"/>
+                              <a:ea typeface="Calibri" panose="020F0502020204030204" pitchFamily="34" charset="0"/>
+                              <a:cs typeface="Times New Roman" panose="02020603050405020304" pitchFamily="18" charset="0"/>
+                            </a:rPr>
+                            <a:t>пользова-тельского</a:t>
+                          </a:r>
+                          <a:r>
+                            <a:rPr lang="ru-RU" sz="1300" dirty="0">
+                              <a:effectLst/>
+                              <a:latin typeface="Times New Roman" panose="02020603050405020304" pitchFamily="18" charset="0"/>
+                              <a:ea typeface="Calibri" panose="020F0502020204030204" pitchFamily="34" charset="0"/>
+                              <a:cs typeface="Times New Roman" panose="02020603050405020304" pitchFamily="18" charset="0"/>
+                            </a:rPr>
+                            <a:t> интерфейса</a:t>
                           </a:r>
                         </a:p>
                       </a:txBody>
@@ -7934,14 +7953,14 @@
               <p:nvPr>
                 <p:extLst>
                   <p:ext uri="{D42A27DB-BD31-4B8C-83A1-F6EECF244321}">
-                    <p14:modId xmlns:p14="http://schemas.microsoft.com/office/powerpoint/2010/main" val="2896672826"/>
+                    <p14:modId xmlns:p14="http://schemas.microsoft.com/office/powerpoint/2010/main" val="2062198097"/>
                   </p:ext>
                 </p:extLst>
               </p:nvPr>
             </p:nvGraphicFramePr>
             <p:xfrm>
               <a:off x="552015" y="689834"/>
-              <a:ext cx="8136316" cy="4661100"/>
+              <a:ext cx="8136316" cy="4727642"/>
             </p:xfrm>
             <a:graphic>
               <a:graphicData uri="http://schemas.openxmlformats.org/drawingml/2006/table">
@@ -8032,7 +8051,7 @@
                         <a:blipFill>
                           <a:blip r:embed="rId3"/>
                           <a:stretch>
-                            <a:fillRect l="-100000" t="-7080" r="-403153" b="-578761"/>
+                            <a:fillRect l="-100000" t="-7080" r="-403153" b="-588496"/>
                           </a:stretch>
                         </a:blipFill>
                       </a:tcPr>
@@ -8049,7 +8068,7 @@
                         <a:blipFill>
                           <a:blip r:embed="rId3"/>
                           <a:stretch>
-                            <a:fillRect l="-200905" t="-7080" r="-304977" b="-578761"/>
+                            <a:fillRect l="-200905" t="-7080" r="-304977" b="-588496"/>
                           </a:stretch>
                         </a:blipFill>
                       </a:tcPr>
@@ -8066,7 +8085,7 @@
                         <a:blipFill>
                           <a:blip r:embed="rId3"/>
                           <a:stretch>
-                            <a:fillRect l="-322816" t="-7080" r="-227184" b="-578761"/>
+                            <a:fillRect l="-322816" t="-7080" r="-227184" b="-588496"/>
                           </a:stretch>
                         </a:blipFill>
                       </a:tcPr>
@@ -8083,7 +8102,7 @@
                         <a:blipFill>
                           <a:blip r:embed="rId3"/>
                           <a:stretch>
-                            <a:fillRect l="-408920" t="-7080" r="-119718" b="-578761"/>
+                            <a:fillRect l="-408920" t="-7080" r="-119718" b="-588496"/>
                           </a:stretch>
                         </a:blipFill>
                       </a:tcPr>
@@ -8100,7 +8119,7 @@
                         <a:blipFill>
                           <a:blip r:embed="rId3"/>
                           <a:stretch>
-                            <a:fillRect l="-428458" t="-7080" r="-791" b="-578761"/>
+                            <a:fillRect l="-428458" t="-7080" r="-791" b="-588496"/>
                           </a:stretch>
                         </a:blipFill>
                       </a:tcPr>
@@ -8124,7 +8143,7 @@
                         <a:blipFill>
                           <a:blip r:embed="rId3"/>
                           <a:stretch>
-                            <a:fillRect l="-452" t="-165753" r="-505430" b="-795890"/>
+                            <a:fillRect l="-452" t="-165753" r="-505430" b="-810959"/>
                           </a:stretch>
                         </a:blipFill>
                       </a:tcPr>
@@ -8358,13 +8377,31 @@
                             </a:spcAft>
                           </a:pPr>
                           <a:r>
-                            <a:rPr lang="ru-RU" sz="1300">
+                            <a:rPr lang="ru-RU" sz="1300" dirty="0">
                               <a:effectLst/>
                               <a:latin typeface="Times New Roman" panose="02020603050405020304" pitchFamily="18" charset="0"/>
                               <a:ea typeface="Calibri" panose="020F0502020204030204" pitchFamily="34" charset="0"/>
                               <a:cs typeface="Times New Roman" panose="02020603050405020304" pitchFamily="18" charset="0"/>
                             </a:rPr>
-                            <a:t>С помощью конфигурационных файлов и команд</a:t>
+                            <a:t>С помощью </a:t>
+                          </a:r>
+                          <a:r>
+                            <a:rPr lang="ru-RU" sz="1300" dirty="0" err="1">
+                              <a:effectLst/>
+                              <a:latin typeface="Times New Roman" panose="02020603050405020304" pitchFamily="18" charset="0"/>
+                              <a:ea typeface="Calibri" panose="020F0502020204030204" pitchFamily="34" charset="0"/>
+                              <a:cs typeface="Times New Roman" panose="02020603050405020304" pitchFamily="18" charset="0"/>
+                            </a:rPr>
+                            <a:t>конфигурацион-ных</a:t>
+                          </a:r>
+                          <a:r>
+                            <a:rPr lang="ru-RU" sz="1300" dirty="0">
+                              <a:effectLst/>
+                              <a:latin typeface="Times New Roman" panose="02020603050405020304" pitchFamily="18" charset="0"/>
+                              <a:ea typeface="Calibri" panose="020F0502020204030204" pitchFamily="34" charset="0"/>
+                              <a:cs typeface="Times New Roman" panose="02020603050405020304" pitchFamily="18" charset="0"/>
+                            </a:rPr>
+                            <a:t> файлов и команд</a:t>
                           </a:r>
                         </a:p>
                       </a:txBody>
@@ -8691,7 +8728,7 @@
                       </a:ext>
                     </a:extLst>
                   </a:tr>
-                  <a:tr h="924058">
+                  <a:tr h="990600">
                     <a:tc>
                       <a:txBody>
                         <a:bodyPr/>
@@ -8712,7 +8749,7 @@
                               <a:ea typeface="Calibri" panose="020F0502020204030204" pitchFamily="34" charset="0"/>
                               <a:cs typeface="Times New Roman" panose="02020603050405020304" pitchFamily="18" charset="0"/>
                             </a:rPr>
-                            <a:t>Необходимость загрузки дополнительных файлов</a:t>
+                            <a:t>Необходимость загрузки дополнительных файлов конфигурации</a:t>
                           </a:r>
                         </a:p>
                       </a:txBody>
@@ -8890,7 +8927,25 @@
                               <a:ea typeface="Calibri" panose="020F0502020204030204" pitchFamily="34" charset="0"/>
                               <a:cs typeface="Times New Roman" panose="02020603050405020304" pitchFamily="18" charset="0"/>
                             </a:rPr>
-                            <a:t>Наличие пользовательского интерфейса</a:t>
+                            <a:t>Тип </a:t>
+                          </a:r>
+                          <a:r>
+                            <a:rPr lang="ru-RU" sz="1300" dirty="0" err="1">
+                              <a:effectLst/>
+                              <a:latin typeface="Times New Roman" panose="02020603050405020304" pitchFamily="18" charset="0"/>
+                              <a:ea typeface="Calibri" panose="020F0502020204030204" pitchFamily="34" charset="0"/>
+                              <a:cs typeface="Times New Roman" panose="02020603050405020304" pitchFamily="18" charset="0"/>
+                            </a:rPr>
+                            <a:t>пользова-тельского</a:t>
+                          </a:r>
+                          <a:r>
+                            <a:rPr lang="ru-RU" sz="1300" dirty="0">
+                              <a:effectLst/>
+                              <a:latin typeface="Times New Roman" panose="02020603050405020304" pitchFamily="18" charset="0"/>
+                              <a:ea typeface="Calibri" panose="020F0502020204030204" pitchFamily="34" charset="0"/>
+                              <a:cs typeface="Times New Roman" panose="02020603050405020304" pitchFamily="18" charset="0"/>
+                            </a:rPr>
+                            <a:t> интерфейса</a:t>
                           </a:r>
                         </a:p>
                       </a:txBody>
@@ -10075,8 +10130,8 @@
           </a:p>
         </p:txBody>
       </p:sp>
-      <mc:AlternateContent xmlns:mc="http://schemas.openxmlformats.org/markup-compatibility/2006" xmlns:a14="http://schemas.microsoft.com/office/drawing/2010/main">
-        <mc:Choice Requires="a14">
+      <mc:AlternateContent xmlns:mc="http://schemas.openxmlformats.org/markup-compatibility/2006">
+        <mc:Choice xmlns:a14="http://schemas.microsoft.com/office/drawing/2010/main" Requires="a14">
           <p:graphicFrame>
             <p:nvGraphicFramePr>
               <p:cNvPr id="16" name="Таблица 15">
@@ -10092,14 +10147,14 @@
               <p:nvPr>
                 <p:extLst>
                   <p:ext uri="{D42A27DB-BD31-4B8C-83A1-F6EECF244321}">
-                    <p14:modId xmlns:p14="http://schemas.microsoft.com/office/powerpoint/2010/main" val="2644171985"/>
+                    <p14:modId xmlns:p14="http://schemas.microsoft.com/office/powerpoint/2010/main" val="2658026079"/>
                   </p:ext>
                 </p:extLst>
               </p:nvPr>
             </p:nvGraphicFramePr>
             <p:xfrm>
-              <a:off x="279400" y="739738"/>
-              <a:ext cx="8670924" cy="2275406"/>
+              <a:off x="279400" y="875079"/>
+              <a:ext cx="8670924" cy="2193881"/>
             </p:xfrm>
             <a:graphic>
               <a:graphicData uri="http://schemas.openxmlformats.org/drawingml/2006/table">
@@ -10151,7 +10206,7 @@
                       </a:extLst>
                     </a:gridCol>
                   </a:tblGrid>
-                  <a:tr h="492326">
+                  <a:tr h="398429">
                     <a:tc>
                       <a:txBody>
                         <a:bodyPr/>
@@ -10692,7 +10747,7 @@
                       </a:ext>
                     </a:extLst>
                   </a:tr>
-                  <a:tr h="199112">
+                  <a:tr h="496584">
                     <a:tc>
                       <a:txBody>
                         <a:bodyPr/>
@@ -10861,7 +10916,7 @@
                       </a:ext>
                     </a:extLst>
                   </a:tr>
-                  <a:tr h="393852">
+                  <a:tr h="584671">
                     <a:tc>
                       <a:txBody>
                         <a:bodyPr/>
@@ -11021,7 +11076,7 @@
                       </a:ext>
                     </a:extLst>
                   </a:tr>
-                  <a:tr h="956711">
+                  <a:tr h="707877">
                     <a:tc>
                       <a:txBody>
                         <a:bodyPr/>
@@ -11034,12 +11089,15 @@
                           </a:pPr>
                           <a:r>
                             <a:rPr lang="ru-RU" sz="1300" dirty="0">
+                              <a:solidFill>
+                                <a:schemeClr val="tx1"/>
+                              </a:solidFill>
                               <a:effectLst/>
                               <a:latin typeface="Times New Roman" panose="02020603050405020304" pitchFamily="18" charset="0"/>
                               <a:ea typeface="Calibri" panose="020F0502020204030204" pitchFamily="34" charset="0"/>
                               <a:cs typeface="Times New Roman" panose="02020603050405020304" pitchFamily="18" charset="0"/>
                             </a:rPr>
-                            <a:t>Простота соединения со смежными ПМ</a:t>
+                            <a:t>Скорость работы</a:t>
                           </a:r>
                         </a:p>
                       </a:txBody>
@@ -11062,7 +11120,7 @@
                               <a:ea typeface="Calibri" panose="020F0502020204030204" pitchFamily="34" charset="0"/>
                               <a:cs typeface="Times New Roman" panose="02020603050405020304" pitchFamily="18" charset="0"/>
                             </a:rPr>
-                            <a:t>Просто, т.к смежные модули написаны на этом языке</a:t>
+                            <a:t>Высокая</a:t>
                           </a:r>
                         </a:p>
                       </a:txBody>
@@ -11086,56 +11144,13 @@
                             </a:spcAft>
                           </a:pPr>
                           <a:r>
-                            <a:rPr lang="ru-RU" sz="1300">
-                              <a:effectLst/>
-                              <a:latin typeface="Times New Roman" panose="02020603050405020304" pitchFamily="18" charset="0"/>
-                              <a:ea typeface="Calibri" panose="020F0502020204030204" pitchFamily="34" charset="0"/>
-                              <a:cs typeface="Times New Roman" panose="02020603050405020304" pitchFamily="18" charset="0"/>
-                            </a:rPr>
-                            <a:t>Сложно</a:t>
-                          </a:r>
-                        </a:p>
-                        <a:p>
-                          <a:pPr algn="l">
-                            <a:spcAft>
-                              <a:spcPts val="0"/>
-                            </a:spcAft>
-                          </a:pPr>
-                          <a:r>
-                            <a:rPr lang="ru-RU" sz="1300">
-                              <a:effectLst/>
-                              <a:latin typeface="Times New Roman" panose="02020603050405020304" pitchFamily="18" charset="0"/>
-                              <a:ea typeface="Calibri" panose="020F0502020204030204" pitchFamily="34" charset="0"/>
-                              <a:cs typeface="Times New Roman" panose="02020603050405020304" pitchFamily="18" charset="0"/>
-                            </a:rPr>
-                            <a:t> </a:t>
-                          </a:r>
-                        </a:p>
-                      </a:txBody>
-                      <a:tcPr marL="68580" marR="68580" marT="0" marB="0">
-                        <a:solidFill>
-                          <a:srgbClr val="CBCBCB"/>
-                        </a:solidFill>
-                      </a:tcPr>
-                    </a:tc>
-                    <a:tc>
-                      <a:txBody>
-                        <a:bodyPr/>
-                        <a:lstStyle/>
-                        <a:p>
-                          <a:pPr algn="l">
-                            <a:spcAft>
-                              <a:spcPts val="0"/>
-                            </a:spcAft>
-                          </a:pPr>
-                          <a:r>
                             <a:rPr lang="ru-RU" sz="1300" dirty="0">
                               <a:effectLst/>
                               <a:latin typeface="Times New Roman" panose="02020603050405020304" pitchFamily="18" charset="0"/>
                               <a:ea typeface="Calibri" panose="020F0502020204030204" pitchFamily="34" charset="0"/>
                               <a:cs typeface="Times New Roman" panose="02020603050405020304" pitchFamily="18" charset="0"/>
                             </a:rPr>
-                            <a:t>Сложно</a:t>
+                            <a:t>Средняя</a:t>
                           </a:r>
                         </a:p>
                         <a:p>
@@ -11172,13 +11187,13 @@
                             </a:spcAft>
                           </a:pPr>
                           <a:r>
-                            <a:rPr lang="ru-RU" sz="1300">
+                            <a:rPr lang="ru-RU" sz="1300" dirty="0">
                               <a:effectLst/>
                               <a:latin typeface="Times New Roman" panose="02020603050405020304" pitchFamily="18" charset="0"/>
                               <a:ea typeface="Calibri" panose="020F0502020204030204" pitchFamily="34" charset="0"/>
                               <a:cs typeface="Times New Roman" panose="02020603050405020304" pitchFamily="18" charset="0"/>
                             </a:rPr>
-                            <a:t>Сложно</a:t>
+                            <a:t>Низкая</a:t>
                           </a:r>
                         </a:p>
                         <a:p>
@@ -11188,7 +11203,50 @@
                             </a:spcAft>
                           </a:pPr>
                           <a:r>
-                            <a:rPr lang="ru-RU" sz="1300">
+                            <a:rPr lang="ru-RU" sz="1300" dirty="0">
+                              <a:effectLst/>
+                              <a:latin typeface="Times New Roman" panose="02020603050405020304" pitchFamily="18" charset="0"/>
+                              <a:ea typeface="Calibri" panose="020F0502020204030204" pitchFamily="34" charset="0"/>
+                              <a:cs typeface="Times New Roman" panose="02020603050405020304" pitchFamily="18" charset="0"/>
+                            </a:rPr>
+                            <a:t> </a:t>
+                          </a:r>
+                        </a:p>
+                      </a:txBody>
+                      <a:tcPr marL="68580" marR="68580" marT="0" marB="0">
+                        <a:solidFill>
+                          <a:srgbClr val="CBCBCB"/>
+                        </a:solidFill>
+                      </a:tcPr>
+                    </a:tc>
+                    <a:tc>
+                      <a:txBody>
+                        <a:bodyPr/>
+                        <a:lstStyle/>
+                        <a:p>
+                          <a:pPr algn="l">
+                            <a:spcAft>
+                              <a:spcPts val="0"/>
+                            </a:spcAft>
+                          </a:pPr>
+                          <a:r>
+                            <a:rPr lang="ru-RU" sz="1300" dirty="0">
+                              <a:effectLst/>
+                              <a:latin typeface="Times New Roman" panose="02020603050405020304" pitchFamily="18" charset="0"/>
+                              <a:ea typeface="Calibri" panose="020F0502020204030204" pitchFamily="34" charset="0"/>
+                              <a:cs typeface="Times New Roman" panose="02020603050405020304" pitchFamily="18" charset="0"/>
+                            </a:rPr>
+                            <a:t>Средняя</a:t>
+                          </a:r>
+                        </a:p>
+                        <a:p>
+                          <a:pPr algn="l">
+                            <a:spcAft>
+                              <a:spcPts val="0"/>
+                            </a:spcAft>
+                          </a:pPr>
+                          <a:r>
+                            <a:rPr lang="ru-RU" sz="1300" dirty="0">
                               <a:effectLst/>
                               <a:latin typeface="Times New Roman" panose="02020603050405020304" pitchFamily="18" charset="0"/>
                               <a:ea typeface="Calibri" panose="020F0502020204030204" pitchFamily="34" charset="0"/>
@@ -11217,7 +11275,7 @@
                               <a:ea typeface="Calibri" panose="020F0502020204030204" pitchFamily="34" charset="0"/>
                               <a:cs typeface="Times New Roman" panose="02020603050405020304" pitchFamily="18" charset="0"/>
                             </a:rPr>
-                            <a:t>Сложно</a:t>
+                            <a:t>Высокая</a:t>
                           </a:r>
                         </a:p>
                         <a:p>
@@ -11250,7 +11308,7 @@
             </a:graphic>
           </p:graphicFrame>
         </mc:Choice>
-        <mc:Fallback xmlns="">
+        <mc:Fallback>
           <p:graphicFrame>
             <p:nvGraphicFramePr>
               <p:cNvPr id="16" name="Таблица 15">
@@ -11266,14 +11324,14 @@
               <p:nvPr>
                 <p:extLst>
                   <p:ext uri="{D42A27DB-BD31-4B8C-83A1-F6EECF244321}">
-                    <p14:modId xmlns:p14="http://schemas.microsoft.com/office/powerpoint/2010/main" val="2644171985"/>
+                    <p14:modId xmlns:p14="http://schemas.microsoft.com/office/powerpoint/2010/main" val="2658026079"/>
                   </p:ext>
                 </p:extLst>
               </p:nvPr>
             </p:nvGraphicFramePr>
             <p:xfrm>
-              <a:off x="279400" y="739738"/>
-              <a:ext cx="8670924" cy="2275406"/>
+              <a:off x="279400" y="875079"/>
+              <a:ext cx="8670924" cy="2193881"/>
             </p:xfrm>
             <a:graphic>
               <a:graphicData uri="http://schemas.openxmlformats.org/drawingml/2006/table">
@@ -11325,7 +11383,7 @@
                       </a:extLst>
                     </a:gridCol>
                   </a:tblGrid>
-                  <a:tr h="492326">
+                  <a:tr h="404749">
                     <a:tc>
                       <a:txBody>
                         <a:bodyPr/>
@@ -11361,7 +11419,7 @@
                         <a:blipFill>
                           <a:blip r:embed="rId4"/>
                           <a:stretch>
-                            <a:fillRect l="-192488" t="-9877" r="-377465" b="-381481"/>
+                            <a:fillRect l="-192488" t="-11940" r="-377465" b="-441791"/>
                           </a:stretch>
                         </a:blipFill>
                       </a:tcPr>
@@ -11378,7 +11436,7 @@
                         <a:blipFill>
                           <a:blip r:embed="rId4"/>
                           <a:stretch>
-                            <a:fillRect l="-292488" t="-9877" r="-277465" b="-381481"/>
+                            <a:fillRect l="-292488" t="-11940" r="-277465" b="-441791"/>
                           </a:stretch>
                         </a:blipFill>
                       </a:tcPr>
@@ -11395,7 +11453,7 @@
                         <a:blipFill>
                           <a:blip r:embed="rId4"/>
                           <a:stretch>
-                            <a:fillRect l="-392488" t="-9877" r="-177465" b="-381481"/>
+                            <a:fillRect l="-392488" t="-11940" r="-177465" b="-441791"/>
                           </a:stretch>
                         </a:blipFill>
                       </a:tcPr>
@@ -11412,7 +11470,7 @@
                         <a:blipFill>
                           <a:blip r:embed="rId4"/>
                           <a:stretch>
-                            <a:fillRect l="-592655" t="-9877" r="-113559" b="-381481"/>
+                            <a:fillRect l="-592655" t="-11940" r="-113559" b="-441791"/>
                           </a:stretch>
                         </a:blipFill>
                       </a:tcPr>
@@ -11429,7 +11487,7 @@
                         <a:blipFill>
                           <a:blip r:embed="rId4"/>
                           <a:stretch>
-                            <a:fillRect l="-616080" t="-9877" r="-1005" b="-381481"/>
+                            <a:fillRect l="-616080" t="-11940" r="-1005" b="-441791"/>
                           </a:stretch>
                         </a:blipFill>
                       </a:tcPr>
@@ -11440,7 +11498,7 @@
                       </a:ext>
                     </a:extLst>
                   </a:tr>
-                  <a:tr h="396240">
+                  <a:tr h="496584">
                     <a:tc>
                       <a:txBody>
                         <a:bodyPr/>
@@ -11609,7 +11667,7 @@
                       </a:ext>
                     </a:extLst>
                   </a:tr>
-                  <a:tr h="396240">
+                  <a:tr h="584671">
                     <a:tc>
                       <a:txBody>
                         <a:bodyPr/>
@@ -11769,7 +11827,7 @@
                       </a:ext>
                     </a:extLst>
                   </a:tr>
-                  <a:tr h="990600">
+                  <a:tr h="707877">
                     <a:tc>
                       <a:txBody>
                         <a:bodyPr/>
@@ -11782,12 +11840,15 @@
                           </a:pPr>
                           <a:r>
                             <a:rPr lang="ru-RU" sz="1300" dirty="0">
+                              <a:solidFill>
+                                <a:schemeClr val="tx1"/>
+                              </a:solidFill>
                               <a:effectLst/>
                               <a:latin typeface="Times New Roman" panose="02020603050405020304" pitchFamily="18" charset="0"/>
                               <a:ea typeface="Calibri" panose="020F0502020204030204" pitchFamily="34" charset="0"/>
                               <a:cs typeface="Times New Roman" panose="02020603050405020304" pitchFamily="18" charset="0"/>
                             </a:rPr>
-                            <a:t>Простота соединения со смежными ПМ</a:t>
+                            <a:t>Скорость работы</a:t>
                           </a:r>
                         </a:p>
                       </a:txBody>
@@ -11810,7 +11871,7 @@
                               <a:ea typeface="Calibri" panose="020F0502020204030204" pitchFamily="34" charset="0"/>
                               <a:cs typeface="Times New Roman" panose="02020603050405020304" pitchFamily="18" charset="0"/>
                             </a:rPr>
-                            <a:t>Просто, т.к смежные модули написаны на этом языке</a:t>
+                            <a:t>Высокая</a:t>
                           </a:r>
                         </a:p>
                       </a:txBody>
@@ -11834,56 +11895,13 @@
                             </a:spcAft>
                           </a:pPr>
                           <a:r>
-                            <a:rPr lang="ru-RU" sz="1300">
-                              <a:effectLst/>
-                              <a:latin typeface="Times New Roman" panose="02020603050405020304" pitchFamily="18" charset="0"/>
-                              <a:ea typeface="Calibri" panose="020F0502020204030204" pitchFamily="34" charset="0"/>
-                              <a:cs typeface="Times New Roman" panose="02020603050405020304" pitchFamily="18" charset="0"/>
-                            </a:rPr>
-                            <a:t>Сложно</a:t>
-                          </a:r>
-                        </a:p>
-                        <a:p>
-                          <a:pPr algn="l">
-                            <a:spcAft>
-                              <a:spcPts val="0"/>
-                            </a:spcAft>
-                          </a:pPr>
-                          <a:r>
-                            <a:rPr lang="ru-RU" sz="1300">
-                              <a:effectLst/>
-                              <a:latin typeface="Times New Roman" panose="02020603050405020304" pitchFamily="18" charset="0"/>
-                              <a:ea typeface="Calibri" panose="020F0502020204030204" pitchFamily="34" charset="0"/>
-                              <a:cs typeface="Times New Roman" panose="02020603050405020304" pitchFamily="18" charset="0"/>
-                            </a:rPr>
-                            <a:t> </a:t>
-                          </a:r>
-                        </a:p>
-                      </a:txBody>
-                      <a:tcPr marL="68580" marR="68580" marT="0" marB="0">
-                        <a:solidFill>
-                          <a:srgbClr val="CBCBCB"/>
-                        </a:solidFill>
-                      </a:tcPr>
-                    </a:tc>
-                    <a:tc>
-                      <a:txBody>
-                        <a:bodyPr/>
-                        <a:lstStyle/>
-                        <a:p>
-                          <a:pPr algn="l">
-                            <a:spcAft>
-                              <a:spcPts val="0"/>
-                            </a:spcAft>
-                          </a:pPr>
-                          <a:r>
                             <a:rPr lang="ru-RU" sz="1300" dirty="0">
                               <a:effectLst/>
                               <a:latin typeface="Times New Roman" panose="02020603050405020304" pitchFamily="18" charset="0"/>
                               <a:ea typeface="Calibri" panose="020F0502020204030204" pitchFamily="34" charset="0"/>
                               <a:cs typeface="Times New Roman" panose="02020603050405020304" pitchFamily="18" charset="0"/>
                             </a:rPr>
-                            <a:t>Сложно</a:t>
+                            <a:t>Средняя</a:t>
                           </a:r>
                         </a:p>
                         <a:p>
@@ -11920,13 +11938,13 @@
                             </a:spcAft>
                           </a:pPr>
                           <a:r>
-                            <a:rPr lang="ru-RU" sz="1300">
+                            <a:rPr lang="ru-RU" sz="1300" dirty="0">
                               <a:effectLst/>
                               <a:latin typeface="Times New Roman" panose="02020603050405020304" pitchFamily="18" charset="0"/>
                               <a:ea typeface="Calibri" panose="020F0502020204030204" pitchFamily="34" charset="0"/>
                               <a:cs typeface="Times New Roman" panose="02020603050405020304" pitchFamily="18" charset="0"/>
                             </a:rPr>
-                            <a:t>Сложно</a:t>
+                            <a:t>Низкая</a:t>
                           </a:r>
                         </a:p>
                         <a:p>
@@ -11936,7 +11954,50 @@
                             </a:spcAft>
                           </a:pPr>
                           <a:r>
-                            <a:rPr lang="ru-RU" sz="1300">
+                            <a:rPr lang="ru-RU" sz="1300" dirty="0">
+                              <a:effectLst/>
+                              <a:latin typeface="Times New Roman" panose="02020603050405020304" pitchFamily="18" charset="0"/>
+                              <a:ea typeface="Calibri" panose="020F0502020204030204" pitchFamily="34" charset="0"/>
+                              <a:cs typeface="Times New Roman" panose="02020603050405020304" pitchFamily="18" charset="0"/>
+                            </a:rPr>
+                            <a:t> </a:t>
+                          </a:r>
+                        </a:p>
+                      </a:txBody>
+                      <a:tcPr marL="68580" marR="68580" marT="0" marB="0">
+                        <a:solidFill>
+                          <a:srgbClr val="CBCBCB"/>
+                        </a:solidFill>
+                      </a:tcPr>
+                    </a:tc>
+                    <a:tc>
+                      <a:txBody>
+                        <a:bodyPr/>
+                        <a:lstStyle/>
+                        <a:p>
+                          <a:pPr algn="l">
+                            <a:spcAft>
+                              <a:spcPts val="0"/>
+                            </a:spcAft>
+                          </a:pPr>
+                          <a:r>
+                            <a:rPr lang="ru-RU" sz="1300" dirty="0">
+                              <a:effectLst/>
+                              <a:latin typeface="Times New Roman" panose="02020603050405020304" pitchFamily="18" charset="0"/>
+                              <a:ea typeface="Calibri" panose="020F0502020204030204" pitchFamily="34" charset="0"/>
+                              <a:cs typeface="Times New Roman" panose="02020603050405020304" pitchFamily="18" charset="0"/>
+                            </a:rPr>
+                            <a:t>Средняя</a:t>
+                          </a:r>
+                        </a:p>
+                        <a:p>
+                          <a:pPr algn="l">
+                            <a:spcAft>
+                              <a:spcPts val="0"/>
+                            </a:spcAft>
+                          </a:pPr>
+                          <a:r>
+                            <a:rPr lang="ru-RU" sz="1300" dirty="0">
                               <a:effectLst/>
                               <a:latin typeface="Times New Roman" panose="02020603050405020304" pitchFamily="18" charset="0"/>
                               <a:ea typeface="Calibri" panose="020F0502020204030204" pitchFamily="34" charset="0"/>
@@ -11965,7 +12026,7 @@
                               <a:ea typeface="Calibri" panose="020F0502020204030204" pitchFamily="34" charset="0"/>
                               <a:cs typeface="Times New Roman" panose="02020603050405020304" pitchFamily="18" charset="0"/>
                             </a:rPr>
-                            <a:t>Сложно</a:t>
+                            <a:t>Высокая</a:t>
                           </a:r>
                         </a:p>
                         <a:p>
@@ -11999,8 +12060,8 @@
           </p:graphicFrame>
         </mc:Fallback>
       </mc:AlternateContent>
-      <mc:AlternateContent xmlns:mc="http://schemas.openxmlformats.org/markup-compatibility/2006">
-        <mc:Choice xmlns:a14="http://schemas.microsoft.com/office/drawing/2010/main" Requires="a14">
+      <mc:AlternateContent xmlns:mc="http://schemas.openxmlformats.org/markup-compatibility/2006" xmlns:a14="http://schemas.microsoft.com/office/drawing/2010/main">
+        <mc:Choice Requires="a14">
           <p:graphicFrame>
             <p:nvGraphicFramePr>
               <p:cNvPr id="3" name="Таблица 2">
@@ -13568,7 +13629,7 @@
             </a:graphic>
           </p:graphicFrame>
         </mc:Choice>
-        <mc:Fallback>
+        <mc:Fallback xmlns="">
           <p:graphicFrame>
             <p:nvGraphicFramePr>
               <p:cNvPr id="3" name="Таблица 2">
@@ -15770,10 +15831,10 @@
       </p:sp>
       <p:pic>
         <p:nvPicPr>
-          <p:cNvPr id="3" name="Рисунок 2">
+          <p:cNvPr id="12" name="Рисунок 11">
             <a:extLst>
               <a:ext uri="{FF2B5EF4-FFF2-40B4-BE49-F238E27FC236}">
-                <a16:creationId xmlns:a16="http://schemas.microsoft.com/office/drawing/2014/main" id="{9ECD79FB-9CCF-4F6C-A707-9F0A7AA48074}"/>
+                <a16:creationId xmlns:a16="http://schemas.microsoft.com/office/drawing/2014/main" id="{75575956-A16B-4C37-A266-707545A4AD71}"/>
               </a:ext>
             </a:extLst>
           </p:cNvPr>
@@ -15790,8 +15851,8 @@
         </p:blipFill>
         <p:spPr>
           <a:xfrm>
-            <a:off x="341787" y="1772816"/>
-            <a:ext cx="8460426" cy="3557224"/>
+            <a:off x="308916" y="723433"/>
+            <a:ext cx="8669984" cy="5417662"/>
           </a:xfrm>
           <a:prstGeom prst="rect">
             <a:avLst/>
@@ -20276,6 +20337,1151 @@
           </a:ln>
         </p:spPr>
       </p:cxnSp>
+      <p:graphicFrame>
+        <p:nvGraphicFramePr>
+          <p:cNvPr id="11" name="Таблица 10">
+            <a:extLst>
+              <a:ext uri="{FF2B5EF4-FFF2-40B4-BE49-F238E27FC236}">
+                <a16:creationId xmlns:a16="http://schemas.microsoft.com/office/drawing/2014/main" id="{3FBC3394-A238-4FD3-8790-DA19BEDBF9D8}"/>
+              </a:ext>
+            </a:extLst>
+          </p:cNvPr>
+          <p:cNvGraphicFramePr>
+            <a:graphicFrameLocks noGrp="1"/>
+          </p:cNvGraphicFramePr>
+          <p:nvPr>
+            <p:extLst>
+              <p:ext uri="{D42A27DB-BD31-4B8C-83A1-F6EECF244321}">
+                <p14:modId xmlns:p14="http://schemas.microsoft.com/office/powerpoint/2010/main" val="3371536003"/>
+              </p:ext>
+            </p:extLst>
+          </p:nvPr>
+        </p:nvGraphicFramePr>
+        <p:xfrm>
+          <a:off x="3077129" y="927206"/>
+          <a:ext cx="5877517" cy="5492565"/>
+        </p:xfrm>
+        <a:graphic>
+          <a:graphicData uri="http://schemas.openxmlformats.org/drawingml/2006/table">
+            <a:tbl>
+              <a:tblPr firstRow="1" firstCol="1" bandRow="1">
+                <a:tableStyleId>{5C22544A-7EE6-4342-B048-85BDC9FD1C3A}</a:tableStyleId>
+              </a:tblPr>
+              <a:tblGrid>
+                <a:gridCol w="1190414">
+                  <a:extLst>
+                    <a:ext uri="{9D8B030D-6E8A-4147-A177-3AD203B41FA5}">
+                      <a16:colId xmlns:a16="http://schemas.microsoft.com/office/drawing/2014/main" val="1257805774"/>
+                    </a:ext>
+                  </a:extLst>
+                </a:gridCol>
+                <a:gridCol w="1533711">
+                  <a:extLst>
+                    <a:ext uri="{9D8B030D-6E8A-4147-A177-3AD203B41FA5}">
+                      <a16:colId xmlns:a16="http://schemas.microsoft.com/office/drawing/2014/main" val="1659384672"/>
+                    </a:ext>
+                  </a:extLst>
+                </a:gridCol>
+                <a:gridCol w="1193420">
+                  <a:extLst>
+                    <a:ext uri="{9D8B030D-6E8A-4147-A177-3AD203B41FA5}">
+                      <a16:colId xmlns:a16="http://schemas.microsoft.com/office/drawing/2014/main" val="3330221367"/>
+                    </a:ext>
+                  </a:extLst>
+                </a:gridCol>
+                <a:gridCol w="1192818">
+                  <a:extLst>
+                    <a:ext uri="{9D8B030D-6E8A-4147-A177-3AD203B41FA5}">
+                      <a16:colId xmlns:a16="http://schemas.microsoft.com/office/drawing/2014/main" val="3712783889"/>
+                    </a:ext>
+                  </a:extLst>
+                </a:gridCol>
+                <a:gridCol w="767154">
+                  <a:extLst>
+                    <a:ext uri="{9D8B030D-6E8A-4147-A177-3AD203B41FA5}">
+                      <a16:colId xmlns:a16="http://schemas.microsoft.com/office/drawing/2014/main" val="71922888"/>
+                    </a:ext>
+                  </a:extLst>
+                </a:gridCol>
+              </a:tblGrid>
+              <a:tr h="588489">
+                <a:tc>
+                  <a:txBody>
+                    <a:bodyPr/>
+                    <a:lstStyle/>
+                    <a:p>
+                      <a:pPr indent="0">
+                        <a:lnSpc>
+                          <a:spcPct val="100000"/>
+                        </a:lnSpc>
+                        <a:spcAft>
+                          <a:spcPts val="0"/>
+                        </a:spcAft>
+                      </a:pPr>
+                      <a:r>
+                        <a:rPr lang="ru-RU" sz="1100" dirty="0">
+                          <a:effectLst/>
+                        </a:rPr>
+                        <a:t>Название теста</a:t>
+                      </a:r>
+                      <a:endParaRPr lang="ru-RU" sz="1100" dirty="0">
+                        <a:effectLst/>
+                        <a:latin typeface="Times New Roman" panose="02020603050405020304" pitchFamily="18" charset="0"/>
+                        <a:ea typeface="Calibri" panose="020F0502020204030204" pitchFamily="34" charset="0"/>
+                        <a:cs typeface="Times New Roman" panose="02020603050405020304" pitchFamily="18" charset="0"/>
+                      </a:endParaRPr>
+                    </a:p>
+                  </a:txBody>
+                  <a:tcPr marL="25375" marR="25375" marT="0" marB="0"/>
+                </a:tc>
+                <a:tc>
+                  <a:txBody>
+                    <a:bodyPr/>
+                    <a:lstStyle/>
+                    <a:p>
+                      <a:pPr indent="0">
+                        <a:lnSpc>
+                          <a:spcPct val="100000"/>
+                        </a:lnSpc>
+                        <a:spcAft>
+                          <a:spcPts val="0"/>
+                        </a:spcAft>
+                      </a:pPr>
+                      <a:r>
+                        <a:rPr lang="ru-RU" sz="1100" dirty="0">
+                          <a:effectLst/>
+                        </a:rPr>
+                        <a:t>Выполняемые действия</a:t>
+                      </a:r>
+                      <a:endParaRPr lang="ru-RU" sz="1100" dirty="0">
+                        <a:effectLst/>
+                        <a:latin typeface="Times New Roman" panose="02020603050405020304" pitchFamily="18" charset="0"/>
+                        <a:ea typeface="Calibri" panose="020F0502020204030204" pitchFamily="34" charset="0"/>
+                        <a:cs typeface="Times New Roman" panose="02020603050405020304" pitchFamily="18" charset="0"/>
+                      </a:endParaRPr>
+                    </a:p>
+                  </a:txBody>
+                  <a:tcPr marL="25375" marR="25375" marT="0" marB="0"/>
+                </a:tc>
+                <a:tc>
+                  <a:txBody>
+                    <a:bodyPr/>
+                    <a:lstStyle/>
+                    <a:p>
+                      <a:pPr indent="0">
+                        <a:lnSpc>
+                          <a:spcPct val="100000"/>
+                        </a:lnSpc>
+                        <a:spcAft>
+                          <a:spcPts val="0"/>
+                        </a:spcAft>
+                      </a:pPr>
+                      <a:r>
+                        <a:rPr lang="ru-RU" sz="1100">
+                          <a:effectLst/>
+                        </a:rPr>
+                        <a:t>Ожидаемый результат</a:t>
+                      </a:r>
+                      <a:endParaRPr lang="ru-RU" sz="1100">
+                        <a:effectLst/>
+                        <a:latin typeface="Times New Roman" panose="02020603050405020304" pitchFamily="18" charset="0"/>
+                        <a:ea typeface="Calibri" panose="020F0502020204030204" pitchFamily="34" charset="0"/>
+                        <a:cs typeface="Times New Roman" panose="02020603050405020304" pitchFamily="18" charset="0"/>
+                      </a:endParaRPr>
+                    </a:p>
+                  </a:txBody>
+                  <a:tcPr marL="25375" marR="25375" marT="0" marB="0"/>
+                </a:tc>
+                <a:tc>
+                  <a:txBody>
+                    <a:bodyPr/>
+                    <a:lstStyle/>
+                    <a:p>
+                      <a:pPr indent="0">
+                        <a:lnSpc>
+                          <a:spcPct val="100000"/>
+                        </a:lnSpc>
+                        <a:spcAft>
+                          <a:spcPts val="0"/>
+                        </a:spcAft>
+                      </a:pPr>
+                      <a:r>
+                        <a:rPr lang="ru-RU" sz="1100">
+                          <a:effectLst/>
+                        </a:rPr>
+                        <a:t>Реальный результат</a:t>
+                      </a:r>
+                      <a:endParaRPr lang="ru-RU" sz="1100">
+                        <a:effectLst/>
+                        <a:latin typeface="Times New Roman" panose="02020603050405020304" pitchFamily="18" charset="0"/>
+                        <a:ea typeface="Calibri" panose="020F0502020204030204" pitchFamily="34" charset="0"/>
+                        <a:cs typeface="Times New Roman" panose="02020603050405020304" pitchFamily="18" charset="0"/>
+                      </a:endParaRPr>
+                    </a:p>
+                  </a:txBody>
+                  <a:tcPr marL="25375" marR="25375" marT="0" marB="0"/>
+                </a:tc>
+                <a:tc>
+                  <a:txBody>
+                    <a:bodyPr/>
+                    <a:lstStyle/>
+                    <a:p>
+                      <a:pPr indent="0">
+                        <a:lnSpc>
+                          <a:spcPct val="100000"/>
+                        </a:lnSpc>
+                        <a:spcAft>
+                          <a:spcPts val="0"/>
+                        </a:spcAft>
+                      </a:pPr>
+                      <a:r>
+                        <a:rPr lang="ru-RU" sz="1100">
+                          <a:effectLst/>
+                        </a:rPr>
+                        <a:t>Результат прохождения</a:t>
+                      </a:r>
+                      <a:endParaRPr lang="ru-RU" sz="1100">
+                        <a:effectLst/>
+                        <a:latin typeface="Times New Roman" panose="02020603050405020304" pitchFamily="18" charset="0"/>
+                        <a:ea typeface="Calibri" panose="020F0502020204030204" pitchFamily="34" charset="0"/>
+                        <a:cs typeface="Times New Roman" panose="02020603050405020304" pitchFamily="18" charset="0"/>
+                      </a:endParaRPr>
+                    </a:p>
+                  </a:txBody>
+                  <a:tcPr marL="25375" marR="25375" marT="0" marB="0"/>
+                </a:tc>
+                <a:extLst>
+                  <a:ext uri="{0D108BD9-81ED-4DB2-BD59-A6C34878D82A}">
+                    <a16:rowId xmlns:a16="http://schemas.microsoft.com/office/drawing/2014/main" val="2831594482"/>
+                  </a:ext>
+                </a:extLst>
+              </a:tr>
+              <a:tr h="980816">
+                <a:tc>
+                  <a:txBody>
+                    <a:bodyPr/>
+                    <a:lstStyle/>
+                    <a:p>
+                      <a:pPr indent="0">
+                        <a:lnSpc>
+                          <a:spcPct val="100000"/>
+                        </a:lnSpc>
+                        <a:spcAft>
+                          <a:spcPts val="0"/>
+                        </a:spcAft>
+                      </a:pPr>
+                      <a:r>
+                        <a:rPr lang="ru-RU" sz="1100" dirty="0">
+                          <a:effectLst/>
+                        </a:rPr>
+                        <a:t>Правильное добавление сервера</a:t>
+                      </a:r>
+                      <a:endParaRPr lang="ru-RU" sz="1100" dirty="0">
+                        <a:effectLst/>
+                        <a:latin typeface="Times New Roman" panose="02020603050405020304" pitchFamily="18" charset="0"/>
+                        <a:ea typeface="Calibri" panose="020F0502020204030204" pitchFamily="34" charset="0"/>
+                        <a:cs typeface="Times New Roman" panose="02020603050405020304" pitchFamily="18" charset="0"/>
+                      </a:endParaRPr>
+                    </a:p>
+                  </a:txBody>
+                  <a:tcPr marL="25375" marR="25375" marT="0" marB="0"/>
+                </a:tc>
+                <a:tc>
+                  <a:txBody>
+                    <a:bodyPr/>
+                    <a:lstStyle/>
+                    <a:p>
+                      <a:pPr indent="0">
+                        <a:lnSpc>
+                          <a:spcPct val="100000"/>
+                        </a:lnSpc>
+                        <a:spcAft>
+                          <a:spcPts val="0"/>
+                        </a:spcAft>
+                      </a:pPr>
+                      <a:r>
+                        <a:rPr lang="ru-RU" sz="1100" dirty="0">
+                          <a:effectLst/>
+                        </a:rPr>
+                        <a:t>Правильный ввод команды на добавление сервера</a:t>
+                      </a:r>
+                      <a:endParaRPr lang="ru-RU" sz="1100" dirty="0">
+                        <a:effectLst/>
+                        <a:latin typeface="Times New Roman" panose="02020603050405020304" pitchFamily="18" charset="0"/>
+                        <a:ea typeface="Calibri" panose="020F0502020204030204" pitchFamily="34" charset="0"/>
+                        <a:cs typeface="Times New Roman" panose="02020603050405020304" pitchFamily="18" charset="0"/>
+                      </a:endParaRPr>
+                    </a:p>
+                  </a:txBody>
+                  <a:tcPr marL="25375" marR="25375" marT="0" marB="0"/>
+                </a:tc>
+                <a:tc>
+                  <a:txBody>
+                    <a:bodyPr/>
+                    <a:lstStyle/>
+                    <a:p>
+                      <a:pPr indent="0">
+                        <a:lnSpc>
+                          <a:spcPct val="100000"/>
+                        </a:lnSpc>
+                        <a:spcAft>
+                          <a:spcPts val="0"/>
+                        </a:spcAft>
+                      </a:pPr>
+                      <a:r>
+                        <a:rPr lang="ru-RU" sz="1100">
+                          <a:effectLst/>
+                        </a:rPr>
+                        <a:t>В файлах конфигурации должны появиться введенные настройки</a:t>
+                      </a:r>
+                      <a:endParaRPr lang="ru-RU" sz="1100">
+                        <a:effectLst/>
+                        <a:latin typeface="Times New Roman" panose="02020603050405020304" pitchFamily="18" charset="0"/>
+                        <a:ea typeface="Calibri" panose="020F0502020204030204" pitchFamily="34" charset="0"/>
+                        <a:cs typeface="Times New Roman" panose="02020603050405020304" pitchFamily="18" charset="0"/>
+                      </a:endParaRPr>
+                    </a:p>
+                  </a:txBody>
+                  <a:tcPr marL="25375" marR="25375" marT="0" marB="0"/>
+                </a:tc>
+                <a:tc>
+                  <a:txBody>
+                    <a:bodyPr/>
+                    <a:lstStyle/>
+                    <a:p>
+                      <a:pPr indent="0">
+                        <a:lnSpc>
+                          <a:spcPct val="100000"/>
+                        </a:lnSpc>
+                        <a:spcAft>
+                          <a:spcPts val="0"/>
+                        </a:spcAft>
+                      </a:pPr>
+                      <a:r>
+                        <a:rPr lang="ru-RU" sz="1100">
+                          <a:effectLst/>
+                        </a:rPr>
+                        <a:t>В конфигурации появились введенные настройки</a:t>
+                      </a:r>
+                      <a:endParaRPr lang="ru-RU" sz="1100">
+                        <a:effectLst/>
+                        <a:latin typeface="Times New Roman" panose="02020603050405020304" pitchFamily="18" charset="0"/>
+                        <a:ea typeface="Calibri" panose="020F0502020204030204" pitchFamily="34" charset="0"/>
+                        <a:cs typeface="Times New Roman" panose="02020603050405020304" pitchFamily="18" charset="0"/>
+                      </a:endParaRPr>
+                    </a:p>
+                  </a:txBody>
+                  <a:tcPr marL="25375" marR="25375" marT="0" marB="0"/>
+                </a:tc>
+                <a:tc>
+                  <a:txBody>
+                    <a:bodyPr/>
+                    <a:lstStyle/>
+                    <a:p>
+                      <a:pPr indent="0">
+                        <a:lnSpc>
+                          <a:spcPct val="100000"/>
+                        </a:lnSpc>
+                        <a:spcAft>
+                          <a:spcPts val="0"/>
+                        </a:spcAft>
+                      </a:pPr>
+                      <a:r>
+                        <a:rPr lang="ru-RU" sz="1100">
+                          <a:effectLst/>
+                        </a:rPr>
+                        <a:t>Тест пройден</a:t>
+                      </a:r>
+                      <a:endParaRPr lang="ru-RU" sz="1100">
+                        <a:effectLst/>
+                        <a:latin typeface="Times New Roman" panose="02020603050405020304" pitchFamily="18" charset="0"/>
+                        <a:ea typeface="Calibri" panose="020F0502020204030204" pitchFamily="34" charset="0"/>
+                        <a:cs typeface="Times New Roman" panose="02020603050405020304" pitchFamily="18" charset="0"/>
+                      </a:endParaRPr>
+                    </a:p>
+                  </a:txBody>
+                  <a:tcPr marL="25375" marR="25375" marT="0" marB="0"/>
+                </a:tc>
+                <a:extLst>
+                  <a:ext uri="{0D108BD9-81ED-4DB2-BD59-A6C34878D82A}">
+                    <a16:rowId xmlns:a16="http://schemas.microsoft.com/office/drawing/2014/main" val="3300971842"/>
+                  </a:ext>
+                </a:extLst>
+              </a:tr>
+              <a:tr h="784652">
+                <a:tc>
+                  <a:txBody>
+                    <a:bodyPr/>
+                    <a:lstStyle/>
+                    <a:p>
+                      <a:pPr indent="0">
+                        <a:lnSpc>
+                          <a:spcPct val="100000"/>
+                        </a:lnSpc>
+                        <a:spcAft>
+                          <a:spcPts val="0"/>
+                        </a:spcAft>
+                      </a:pPr>
+                      <a:r>
+                        <a:rPr lang="ru-RU" sz="1100">
+                          <a:effectLst/>
+                        </a:rPr>
+                        <a:t>Неправильное добавление сервера</a:t>
+                      </a:r>
+                      <a:endParaRPr lang="ru-RU" sz="1100">
+                        <a:effectLst/>
+                        <a:latin typeface="Times New Roman" panose="02020603050405020304" pitchFamily="18" charset="0"/>
+                        <a:ea typeface="Calibri" panose="020F0502020204030204" pitchFamily="34" charset="0"/>
+                        <a:cs typeface="Times New Roman" panose="02020603050405020304" pitchFamily="18" charset="0"/>
+                      </a:endParaRPr>
+                    </a:p>
+                  </a:txBody>
+                  <a:tcPr marL="25375" marR="25375" marT="0" marB="0"/>
+                </a:tc>
+                <a:tc>
+                  <a:txBody>
+                    <a:bodyPr/>
+                    <a:lstStyle/>
+                    <a:p>
+                      <a:pPr indent="0">
+                        <a:lnSpc>
+                          <a:spcPct val="100000"/>
+                        </a:lnSpc>
+                        <a:spcAft>
+                          <a:spcPts val="0"/>
+                        </a:spcAft>
+                      </a:pPr>
+                      <a:r>
+                        <a:rPr lang="ru-RU" sz="1100" dirty="0">
+                          <a:effectLst/>
+                        </a:rPr>
+                        <a:t>Неправильный ввод команды на добавление сервера</a:t>
+                      </a:r>
+                      <a:endParaRPr lang="ru-RU" sz="1100" dirty="0">
+                        <a:effectLst/>
+                        <a:latin typeface="Times New Roman" panose="02020603050405020304" pitchFamily="18" charset="0"/>
+                        <a:ea typeface="Calibri" panose="020F0502020204030204" pitchFamily="34" charset="0"/>
+                        <a:cs typeface="Times New Roman" panose="02020603050405020304" pitchFamily="18" charset="0"/>
+                      </a:endParaRPr>
+                    </a:p>
+                  </a:txBody>
+                  <a:tcPr marL="25375" marR="25375" marT="0" marB="0"/>
+                </a:tc>
+                <a:tc>
+                  <a:txBody>
+                    <a:bodyPr/>
+                    <a:lstStyle/>
+                    <a:p>
+                      <a:pPr indent="0">
+                        <a:lnSpc>
+                          <a:spcPct val="100000"/>
+                        </a:lnSpc>
+                        <a:spcAft>
+                          <a:spcPts val="0"/>
+                        </a:spcAft>
+                      </a:pPr>
+                      <a:r>
+                        <a:rPr lang="ru-RU" sz="1100">
+                          <a:effectLst/>
+                        </a:rPr>
+                        <a:t>Должно отобразиться сообщение об ошибке </a:t>
+                      </a:r>
+                      <a:endParaRPr lang="ru-RU" sz="1100">
+                        <a:effectLst/>
+                        <a:latin typeface="Times New Roman" panose="02020603050405020304" pitchFamily="18" charset="0"/>
+                        <a:ea typeface="Calibri" panose="020F0502020204030204" pitchFamily="34" charset="0"/>
+                        <a:cs typeface="Times New Roman" panose="02020603050405020304" pitchFamily="18" charset="0"/>
+                      </a:endParaRPr>
+                    </a:p>
+                  </a:txBody>
+                  <a:tcPr marL="25375" marR="25375" marT="0" marB="0"/>
+                </a:tc>
+                <a:tc>
+                  <a:txBody>
+                    <a:bodyPr/>
+                    <a:lstStyle/>
+                    <a:p>
+                      <a:pPr indent="0">
+                        <a:lnSpc>
+                          <a:spcPct val="100000"/>
+                        </a:lnSpc>
+                        <a:spcAft>
+                          <a:spcPts val="0"/>
+                        </a:spcAft>
+                      </a:pPr>
+                      <a:r>
+                        <a:rPr lang="ru-RU" sz="1100">
+                          <a:effectLst/>
+                        </a:rPr>
+                        <a:t>Отобразилось сообщение об ошибке</a:t>
+                      </a:r>
+                      <a:endParaRPr lang="ru-RU" sz="1100">
+                        <a:effectLst/>
+                        <a:latin typeface="Times New Roman" panose="02020603050405020304" pitchFamily="18" charset="0"/>
+                        <a:ea typeface="Calibri" panose="020F0502020204030204" pitchFamily="34" charset="0"/>
+                        <a:cs typeface="Times New Roman" panose="02020603050405020304" pitchFamily="18" charset="0"/>
+                      </a:endParaRPr>
+                    </a:p>
+                  </a:txBody>
+                  <a:tcPr marL="25375" marR="25375" marT="0" marB="0"/>
+                </a:tc>
+                <a:tc>
+                  <a:txBody>
+                    <a:bodyPr/>
+                    <a:lstStyle/>
+                    <a:p>
+                      <a:pPr indent="0">
+                        <a:lnSpc>
+                          <a:spcPct val="100000"/>
+                        </a:lnSpc>
+                        <a:spcAft>
+                          <a:spcPts val="0"/>
+                        </a:spcAft>
+                      </a:pPr>
+                      <a:r>
+                        <a:rPr lang="ru-RU" sz="1100">
+                          <a:effectLst/>
+                        </a:rPr>
+                        <a:t>Тест пройден</a:t>
+                      </a:r>
+                      <a:endParaRPr lang="ru-RU" sz="1100">
+                        <a:effectLst/>
+                        <a:latin typeface="Times New Roman" panose="02020603050405020304" pitchFamily="18" charset="0"/>
+                        <a:ea typeface="Calibri" panose="020F0502020204030204" pitchFamily="34" charset="0"/>
+                        <a:cs typeface="Times New Roman" panose="02020603050405020304" pitchFamily="18" charset="0"/>
+                      </a:endParaRPr>
+                    </a:p>
+                  </a:txBody>
+                  <a:tcPr marL="25375" marR="25375" marT="0" marB="0"/>
+                </a:tc>
+                <a:extLst>
+                  <a:ext uri="{0D108BD9-81ED-4DB2-BD59-A6C34878D82A}">
+                    <a16:rowId xmlns:a16="http://schemas.microsoft.com/office/drawing/2014/main" val="1647918488"/>
+                  </a:ext>
+                </a:extLst>
+              </a:tr>
+              <a:tr h="1176978">
+                <a:tc>
+                  <a:txBody>
+                    <a:bodyPr/>
+                    <a:lstStyle/>
+                    <a:p>
+                      <a:pPr indent="0">
+                        <a:lnSpc>
+                          <a:spcPct val="100000"/>
+                        </a:lnSpc>
+                        <a:spcAft>
+                          <a:spcPts val="0"/>
+                        </a:spcAft>
+                      </a:pPr>
+                      <a:r>
+                        <a:rPr lang="ru-RU" sz="1100" dirty="0">
+                          <a:effectLst/>
+                        </a:rPr>
+                        <a:t>Правильное удаление сервера</a:t>
+                      </a:r>
+                      <a:endParaRPr lang="ru-RU" sz="1100" dirty="0">
+                        <a:effectLst/>
+                        <a:latin typeface="Times New Roman" panose="02020603050405020304" pitchFamily="18" charset="0"/>
+                        <a:ea typeface="Calibri" panose="020F0502020204030204" pitchFamily="34" charset="0"/>
+                        <a:cs typeface="Times New Roman" panose="02020603050405020304" pitchFamily="18" charset="0"/>
+                      </a:endParaRPr>
+                    </a:p>
+                  </a:txBody>
+                  <a:tcPr marL="25375" marR="25375" marT="0" marB="0"/>
+                </a:tc>
+                <a:tc>
+                  <a:txBody>
+                    <a:bodyPr/>
+                    <a:lstStyle/>
+                    <a:p>
+                      <a:pPr indent="0">
+                        <a:lnSpc>
+                          <a:spcPct val="100000"/>
+                        </a:lnSpc>
+                        <a:spcAft>
+                          <a:spcPts val="0"/>
+                        </a:spcAft>
+                      </a:pPr>
+                      <a:r>
+                        <a:rPr lang="ru-RU" sz="1100" dirty="0">
+                          <a:effectLst/>
+                        </a:rPr>
+                        <a:t>Правильный ввод команды на удаление сервера</a:t>
+                      </a:r>
+                      <a:endParaRPr lang="ru-RU" sz="1100" dirty="0">
+                        <a:effectLst/>
+                        <a:latin typeface="Times New Roman" panose="02020603050405020304" pitchFamily="18" charset="0"/>
+                        <a:ea typeface="Calibri" panose="020F0502020204030204" pitchFamily="34" charset="0"/>
+                        <a:cs typeface="Times New Roman" panose="02020603050405020304" pitchFamily="18" charset="0"/>
+                      </a:endParaRPr>
+                    </a:p>
+                  </a:txBody>
+                  <a:tcPr marL="25375" marR="25375" marT="0" marB="0"/>
+                </a:tc>
+                <a:tc>
+                  <a:txBody>
+                    <a:bodyPr/>
+                    <a:lstStyle/>
+                    <a:p>
+                      <a:pPr indent="0">
+                        <a:lnSpc>
+                          <a:spcPct val="100000"/>
+                        </a:lnSpc>
+                        <a:spcAft>
+                          <a:spcPts val="0"/>
+                        </a:spcAft>
+                      </a:pPr>
+                      <a:r>
+                        <a:rPr lang="ru-RU" sz="1100" dirty="0">
+                          <a:effectLst/>
+                        </a:rPr>
+                        <a:t>В файлах конфигурации не должны быть строки с введенными настройками</a:t>
+                      </a:r>
+                      <a:endParaRPr lang="ru-RU" sz="1100" dirty="0">
+                        <a:effectLst/>
+                        <a:latin typeface="Times New Roman" panose="02020603050405020304" pitchFamily="18" charset="0"/>
+                        <a:ea typeface="Calibri" panose="020F0502020204030204" pitchFamily="34" charset="0"/>
+                        <a:cs typeface="Times New Roman" panose="02020603050405020304" pitchFamily="18" charset="0"/>
+                      </a:endParaRPr>
+                    </a:p>
+                  </a:txBody>
+                  <a:tcPr marL="25375" marR="25375" marT="0" marB="0"/>
+                </a:tc>
+                <a:tc>
+                  <a:txBody>
+                    <a:bodyPr/>
+                    <a:lstStyle/>
+                    <a:p>
+                      <a:pPr indent="0">
+                        <a:lnSpc>
+                          <a:spcPct val="100000"/>
+                        </a:lnSpc>
+                        <a:spcAft>
+                          <a:spcPts val="0"/>
+                        </a:spcAft>
+                      </a:pPr>
+                      <a:r>
+                        <a:rPr lang="ru-RU" sz="1100">
+                          <a:effectLst/>
+                        </a:rPr>
+                        <a:t>В конфигурации введенные настройки не найдены</a:t>
+                      </a:r>
+                      <a:endParaRPr lang="ru-RU" sz="1100">
+                        <a:effectLst/>
+                        <a:latin typeface="Times New Roman" panose="02020603050405020304" pitchFamily="18" charset="0"/>
+                        <a:ea typeface="Calibri" panose="020F0502020204030204" pitchFamily="34" charset="0"/>
+                        <a:cs typeface="Times New Roman" panose="02020603050405020304" pitchFamily="18" charset="0"/>
+                      </a:endParaRPr>
+                    </a:p>
+                  </a:txBody>
+                  <a:tcPr marL="25375" marR="25375" marT="0" marB="0"/>
+                </a:tc>
+                <a:tc>
+                  <a:txBody>
+                    <a:bodyPr/>
+                    <a:lstStyle/>
+                    <a:p>
+                      <a:pPr indent="0">
+                        <a:lnSpc>
+                          <a:spcPct val="100000"/>
+                        </a:lnSpc>
+                        <a:spcAft>
+                          <a:spcPts val="0"/>
+                        </a:spcAft>
+                      </a:pPr>
+                      <a:r>
+                        <a:rPr lang="ru-RU" sz="1100">
+                          <a:effectLst/>
+                        </a:rPr>
+                        <a:t>Тест пройден</a:t>
+                      </a:r>
+                      <a:endParaRPr lang="ru-RU" sz="1100">
+                        <a:effectLst/>
+                        <a:latin typeface="Times New Roman" panose="02020603050405020304" pitchFamily="18" charset="0"/>
+                        <a:ea typeface="Calibri" panose="020F0502020204030204" pitchFamily="34" charset="0"/>
+                        <a:cs typeface="Times New Roman" panose="02020603050405020304" pitchFamily="18" charset="0"/>
+                      </a:endParaRPr>
+                    </a:p>
+                  </a:txBody>
+                  <a:tcPr marL="25375" marR="25375" marT="0" marB="0"/>
+                </a:tc>
+                <a:extLst>
+                  <a:ext uri="{0D108BD9-81ED-4DB2-BD59-A6C34878D82A}">
+                    <a16:rowId xmlns:a16="http://schemas.microsoft.com/office/drawing/2014/main" val="4122312321"/>
+                  </a:ext>
+                </a:extLst>
+              </a:tr>
+              <a:tr h="1176978">
+                <a:tc>
+                  <a:txBody>
+                    <a:bodyPr/>
+                    <a:lstStyle/>
+                    <a:p>
+                      <a:pPr indent="0">
+                        <a:lnSpc>
+                          <a:spcPct val="100000"/>
+                        </a:lnSpc>
+                        <a:spcAft>
+                          <a:spcPts val="0"/>
+                        </a:spcAft>
+                      </a:pPr>
+                      <a:r>
+                        <a:rPr lang="ru-RU" sz="1100">
+                          <a:effectLst/>
+                        </a:rPr>
+                        <a:t>Неправильное удаление сервера</a:t>
+                      </a:r>
+                      <a:endParaRPr lang="ru-RU" sz="1100">
+                        <a:effectLst/>
+                        <a:latin typeface="Times New Roman" panose="02020603050405020304" pitchFamily="18" charset="0"/>
+                        <a:ea typeface="Calibri" panose="020F0502020204030204" pitchFamily="34" charset="0"/>
+                        <a:cs typeface="Times New Roman" panose="02020603050405020304" pitchFamily="18" charset="0"/>
+                      </a:endParaRPr>
+                    </a:p>
+                  </a:txBody>
+                  <a:tcPr marL="25375" marR="25375" marT="0" marB="0"/>
+                </a:tc>
+                <a:tc>
+                  <a:txBody>
+                    <a:bodyPr/>
+                    <a:lstStyle/>
+                    <a:p>
+                      <a:pPr indent="0">
+                        <a:lnSpc>
+                          <a:spcPct val="100000"/>
+                        </a:lnSpc>
+                        <a:spcAft>
+                          <a:spcPts val="0"/>
+                        </a:spcAft>
+                      </a:pPr>
+                      <a:r>
+                        <a:rPr lang="ru-RU" sz="1100">
+                          <a:effectLst/>
+                        </a:rPr>
+                        <a:t>Неправильный ввод команды на добавление сервера</a:t>
+                      </a:r>
+                      <a:endParaRPr lang="ru-RU" sz="1100">
+                        <a:effectLst/>
+                        <a:latin typeface="Times New Roman" panose="02020603050405020304" pitchFamily="18" charset="0"/>
+                        <a:ea typeface="Calibri" panose="020F0502020204030204" pitchFamily="34" charset="0"/>
+                        <a:cs typeface="Times New Roman" panose="02020603050405020304" pitchFamily="18" charset="0"/>
+                      </a:endParaRPr>
+                    </a:p>
+                  </a:txBody>
+                  <a:tcPr marL="25375" marR="25375" marT="0" marB="0"/>
+                </a:tc>
+                <a:tc>
+                  <a:txBody>
+                    <a:bodyPr/>
+                    <a:lstStyle/>
+                    <a:p>
+                      <a:pPr indent="0">
+                        <a:lnSpc>
+                          <a:spcPct val="100000"/>
+                        </a:lnSpc>
+                        <a:spcAft>
+                          <a:spcPts val="0"/>
+                        </a:spcAft>
+                      </a:pPr>
+                      <a:r>
+                        <a:rPr lang="ru-RU" sz="1100" dirty="0">
+                          <a:effectLst/>
+                        </a:rPr>
+                        <a:t>Должно отобразиться сообщение об ошибке, файлы меняться не должны</a:t>
+                      </a:r>
+                      <a:endParaRPr lang="ru-RU" sz="1100" dirty="0">
+                        <a:effectLst/>
+                        <a:latin typeface="Times New Roman" panose="02020603050405020304" pitchFamily="18" charset="0"/>
+                        <a:ea typeface="Calibri" panose="020F0502020204030204" pitchFamily="34" charset="0"/>
+                        <a:cs typeface="Times New Roman" panose="02020603050405020304" pitchFamily="18" charset="0"/>
+                      </a:endParaRPr>
+                    </a:p>
+                  </a:txBody>
+                  <a:tcPr marL="25375" marR="25375" marT="0" marB="0"/>
+                </a:tc>
+                <a:tc>
+                  <a:txBody>
+                    <a:bodyPr/>
+                    <a:lstStyle/>
+                    <a:p>
+                      <a:pPr indent="0">
+                        <a:lnSpc>
+                          <a:spcPct val="100000"/>
+                        </a:lnSpc>
+                        <a:spcAft>
+                          <a:spcPts val="0"/>
+                        </a:spcAft>
+                      </a:pPr>
+                      <a:r>
+                        <a:rPr lang="ru-RU" sz="1100" dirty="0">
+                          <a:effectLst/>
+                        </a:rPr>
+                        <a:t>Отобразилось сообщение об ошибке. Конфигурационные файлы не изменились</a:t>
+                      </a:r>
+                      <a:endParaRPr lang="ru-RU" sz="1100" dirty="0">
+                        <a:effectLst/>
+                        <a:latin typeface="Times New Roman" panose="02020603050405020304" pitchFamily="18" charset="0"/>
+                        <a:ea typeface="Calibri" panose="020F0502020204030204" pitchFamily="34" charset="0"/>
+                        <a:cs typeface="Times New Roman" panose="02020603050405020304" pitchFamily="18" charset="0"/>
+                      </a:endParaRPr>
+                    </a:p>
+                  </a:txBody>
+                  <a:tcPr marL="25375" marR="25375" marT="0" marB="0"/>
+                </a:tc>
+                <a:tc>
+                  <a:txBody>
+                    <a:bodyPr/>
+                    <a:lstStyle/>
+                    <a:p>
+                      <a:pPr indent="0">
+                        <a:lnSpc>
+                          <a:spcPct val="100000"/>
+                        </a:lnSpc>
+                        <a:spcAft>
+                          <a:spcPts val="0"/>
+                        </a:spcAft>
+                      </a:pPr>
+                      <a:r>
+                        <a:rPr lang="ru-RU" sz="1100" dirty="0">
+                          <a:effectLst/>
+                        </a:rPr>
+                        <a:t>Тест пройден</a:t>
+                      </a:r>
+                      <a:endParaRPr lang="ru-RU" sz="1100" dirty="0">
+                        <a:effectLst/>
+                        <a:latin typeface="Times New Roman" panose="02020603050405020304" pitchFamily="18" charset="0"/>
+                        <a:ea typeface="Calibri" panose="020F0502020204030204" pitchFamily="34" charset="0"/>
+                        <a:cs typeface="Times New Roman" panose="02020603050405020304" pitchFamily="18" charset="0"/>
+                      </a:endParaRPr>
+                    </a:p>
+                  </a:txBody>
+                  <a:tcPr marL="25375" marR="25375" marT="0" marB="0"/>
+                </a:tc>
+                <a:extLst>
+                  <a:ext uri="{0D108BD9-81ED-4DB2-BD59-A6C34878D82A}">
+                    <a16:rowId xmlns:a16="http://schemas.microsoft.com/office/drawing/2014/main" val="2918257659"/>
+                  </a:ext>
+                </a:extLst>
+              </a:tr>
+              <a:tr h="784652">
+                <a:tc>
+                  <a:txBody>
+                    <a:bodyPr/>
+                    <a:lstStyle/>
+                    <a:p>
+                      <a:pPr indent="0">
+                        <a:lnSpc>
+                          <a:spcPct val="100000"/>
+                        </a:lnSpc>
+                        <a:spcAft>
+                          <a:spcPts val="0"/>
+                        </a:spcAft>
+                      </a:pPr>
+                      <a:r>
+                        <a:rPr lang="ru-RU" sz="1100" dirty="0">
+                          <a:effectLst/>
+                        </a:rPr>
+                        <a:t>Проверка на</a:t>
+                      </a:r>
+                      <a:r>
+                        <a:rPr lang="en-US" sz="1100" dirty="0">
+                          <a:effectLst/>
+                        </a:rPr>
+                        <a:t> show run | include </a:t>
+                      </a:r>
+                      <a:r>
+                        <a:rPr lang="en-US" sz="1100" dirty="0" err="1">
+                          <a:effectLst/>
+                        </a:rPr>
+                        <a:t>ntp</a:t>
+                      </a:r>
+                      <a:endParaRPr lang="ru-RU" sz="1100" dirty="0">
+                        <a:effectLst/>
+                        <a:latin typeface="Times New Roman" panose="02020603050405020304" pitchFamily="18" charset="0"/>
+                        <a:ea typeface="Calibri" panose="020F0502020204030204" pitchFamily="34" charset="0"/>
+                        <a:cs typeface="Times New Roman" panose="02020603050405020304" pitchFamily="18" charset="0"/>
+                      </a:endParaRPr>
+                    </a:p>
+                  </a:txBody>
+                  <a:tcPr marL="25375" marR="25375" marT="0" marB="0"/>
+                </a:tc>
+                <a:tc>
+                  <a:txBody>
+                    <a:bodyPr/>
+                    <a:lstStyle/>
+                    <a:p>
+                      <a:pPr indent="0">
+                        <a:lnSpc>
+                          <a:spcPct val="100000"/>
+                        </a:lnSpc>
+                        <a:spcAft>
+                          <a:spcPts val="0"/>
+                        </a:spcAft>
+                      </a:pPr>
+                      <a:r>
+                        <a:rPr lang="ru-RU" sz="1100" dirty="0">
+                          <a:effectLst/>
+                        </a:rPr>
+                        <a:t>Вводится команда на добавление сервера</a:t>
+                      </a:r>
+                    </a:p>
+                    <a:p>
+                      <a:pPr indent="0">
+                        <a:lnSpc>
+                          <a:spcPct val="100000"/>
+                        </a:lnSpc>
+                        <a:spcAft>
+                          <a:spcPts val="0"/>
+                        </a:spcAft>
+                      </a:pPr>
+                      <a:r>
+                        <a:rPr lang="ru-RU" sz="1100" dirty="0">
+                          <a:effectLst/>
+                        </a:rPr>
+                        <a:t>Вводится команда </a:t>
+                      </a:r>
+                      <a:r>
+                        <a:rPr lang="en-US" sz="1100" dirty="0">
+                          <a:effectLst/>
+                        </a:rPr>
+                        <a:t>show run</a:t>
+                      </a:r>
+                      <a:r>
+                        <a:rPr lang="ru-RU" sz="1100" dirty="0">
+                          <a:effectLst/>
+                        </a:rPr>
+                        <a:t> | </a:t>
+                      </a:r>
+                      <a:r>
+                        <a:rPr lang="en-US" sz="1100" dirty="0">
+                          <a:effectLst/>
+                        </a:rPr>
+                        <a:t>include </a:t>
+                      </a:r>
+                      <a:r>
+                        <a:rPr lang="en-US" sz="1100" dirty="0" err="1">
+                          <a:effectLst/>
+                        </a:rPr>
+                        <a:t>ntp</a:t>
+                      </a:r>
+                      <a:endParaRPr lang="ru-RU" sz="1100" dirty="0">
+                        <a:effectLst/>
+                        <a:latin typeface="Times New Roman" panose="02020603050405020304" pitchFamily="18" charset="0"/>
+                        <a:ea typeface="Calibri" panose="020F0502020204030204" pitchFamily="34" charset="0"/>
+                        <a:cs typeface="Times New Roman" panose="02020603050405020304" pitchFamily="18" charset="0"/>
+                      </a:endParaRPr>
+                    </a:p>
+                  </a:txBody>
+                  <a:tcPr marL="25375" marR="25375" marT="0" marB="0"/>
+                </a:tc>
+                <a:tc>
+                  <a:txBody>
+                    <a:bodyPr/>
+                    <a:lstStyle/>
+                    <a:p>
+                      <a:pPr indent="0">
+                        <a:lnSpc>
+                          <a:spcPct val="100000"/>
+                        </a:lnSpc>
+                        <a:spcAft>
+                          <a:spcPts val="0"/>
+                        </a:spcAft>
+                      </a:pPr>
+                      <a:r>
+                        <a:rPr lang="ru-RU" sz="1100" dirty="0">
+                          <a:effectLst/>
+                        </a:rPr>
+                        <a:t>Должны появиться строки только с введенными серверами</a:t>
+                      </a:r>
+                      <a:endParaRPr lang="ru-RU" sz="1100" dirty="0">
+                        <a:effectLst/>
+                        <a:latin typeface="Times New Roman" panose="02020603050405020304" pitchFamily="18" charset="0"/>
+                        <a:ea typeface="Calibri" panose="020F0502020204030204" pitchFamily="34" charset="0"/>
+                        <a:cs typeface="Times New Roman" panose="02020603050405020304" pitchFamily="18" charset="0"/>
+                      </a:endParaRPr>
+                    </a:p>
+                  </a:txBody>
+                  <a:tcPr marL="25375" marR="25375" marT="0" marB="0"/>
+                </a:tc>
+                <a:tc>
+                  <a:txBody>
+                    <a:bodyPr/>
+                    <a:lstStyle/>
+                    <a:p>
+                      <a:pPr indent="0">
+                        <a:lnSpc>
+                          <a:spcPct val="100000"/>
+                        </a:lnSpc>
+                        <a:spcAft>
+                          <a:spcPts val="0"/>
+                        </a:spcAft>
+                      </a:pPr>
+                      <a:r>
+                        <a:rPr lang="ru-RU" sz="1100" dirty="0">
+                          <a:effectLst/>
+                        </a:rPr>
+                        <a:t>Появились строки с введенными серверами</a:t>
+                      </a:r>
+                      <a:endParaRPr lang="ru-RU" sz="1100" dirty="0">
+                        <a:effectLst/>
+                        <a:latin typeface="Times New Roman" panose="02020603050405020304" pitchFamily="18" charset="0"/>
+                        <a:ea typeface="Calibri" panose="020F0502020204030204" pitchFamily="34" charset="0"/>
+                        <a:cs typeface="Times New Roman" panose="02020603050405020304" pitchFamily="18" charset="0"/>
+                      </a:endParaRPr>
+                    </a:p>
+                  </a:txBody>
+                  <a:tcPr marL="25375" marR="25375" marT="0" marB="0"/>
+                </a:tc>
+                <a:tc>
+                  <a:txBody>
+                    <a:bodyPr/>
+                    <a:lstStyle/>
+                    <a:p>
+                      <a:pPr indent="0">
+                        <a:lnSpc>
+                          <a:spcPct val="100000"/>
+                        </a:lnSpc>
+                        <a:spcAft>
+                          <a:spcPts val="0"/>
+                        </a:spcAft>
+                      </a:pPr>
+                      <a:r>
+                        <a:rPr lang="ru-RU" sz="1100" dirty="0">
+                          <a:effectLst/>
+                        </a:rPr>
+                        <a:t>Тест пройден</a:t>
+                      </a:r>
+                      <a:endParaRPr lang="ru-RU" sz="1100" dirty="0">
+                        <a:effectLst/>
+                        <a:latin typeface="Times New Roman" panose="02020603050405020304" pitchFamily="18" charset="0"/>
+                        <a:ea typeface="Calibri" panose="020F0502020204030204" pitchFamily="34" charset="0"/>
+                        <a:cs typeface="Times New Roman" panose="02020603050405020304" pitchFamily="18" charset="0"/>
+                      </a:endParaRPr>
+                    </a:p>
+                  </a:txBody>
+                  <a:tcPr marL="25375" marR="25375" marT="0" marB="0"/>
+                </a:tc>
+                <a:extLst>
+                  <a:ext uri="{0D108BD9-81ED-4DB2-BD59-A6C34878D82A}">
+                    <a16:rowId xmlns:a16="http://schemas.microsoft.com/office/drawing/2014/main" val="775528474"/>
+                  </a:ext>
+                </a:extLst>
+              </a:tr>
+            </a:tbl>
+          </a:graphicData>
+        </a:graphic>
+      </p:graphicFrame>
+      <p:sp>
+        <p:nvSpPr>
+          <p:cNvPr id="12" name="TextBox 11">
+            <a:extLst>
+              <a:ext uri="{FF2B5EF4-FFF2-40B4-BE49-F238E27FC236}">
+                <a16:creationId xmlns:a16="http://schemas.microsoft.com/office/drawing/2014/main" id="{03B3D5A9-5E12-40C3-8375-EAFCE07D9FE4}"/>
+              </a:ext>
+            </a:extLst>
+          </p:cNvPr>
+          <p:cNvSpPr txBox="1"/>
+          <p:nvPr/>
+        </p:nvSpPr>
+        <p:spPr>
+          <a:xfrm>
+            <a:off x="5062084" y="587261"/>
+            <a:ext cx="2539028" cy="369332"/>
+          </a:xfrm>
+          <a:prstGeom prst="rect">
+            <a:avLst/>
+          </a:prstGeom>
+          <a:noFill/>
+        </p:spPr>
+        <p:txBody>
+          <a:bodyPr wrap="none" rtlCol="0">
+            <a:spAutoFit/>
+          </a:bodyPr>
+          <a:lstStyle/>
+          <a:p>
+            <a:r>
+              <a:rPr lang="ru-RU" dirty="0"/>
+              <a:t>Сценарии тестирования</a:t>
+            </a:r>
+          </a:p>
+        </p:txBody>
+      </p:sp>
+      <p:pic>
+        <p:nvPicPr>
+          <p:cNvPr id="14" name="Рисунок 13">
+            <a:extLst>
+              <a:ext uri="{FF2B5EF4-FFF2-40B4-BE49-F238E27FC236}">
+                <a16:creationId xmlns:a16="http://schemas.microsoft.com/office/drawing/2014/main" id="{7920DBD7-1DEC-4975-9615-CE1FB5992AC3}"/>
+              </a:ext>
+            </a:extLst>
+          </p:cNvPr>
+          <p:cNvPicPr/>
+          <p:nvPr/>
+        </p:nvPicPr>
+        <p:blipFill rotWithShape="1">
+          <a:blip r:embed="rId2"/>
+          <a:srcRect l="14271" r="45706" b="7815"/>
+          <a:stretch/>
+        </p:blipFill>
+        <p:spPr bwMode="auto">
+          <a:xfrm>
+            <a:off x="243409" y="1950055"/>
+            <a:ext cx="2764881" cy="4220399"/>
+          </a:xfrm>
+          <a:prstGeom prst="rect">
+            <a:avLst/>
+          </a:prstGeom>
+          <a:ln>
+            <a:noFill/>
+          </a:ln>
+          <a:extLst>
+            <a:ext uri="{53640926-AAD7-44D8-BBD7-CCE9431645EC}">
+              <a14:shadowObscured xmlns:a14="http://schemas.microsoft.com/office/drawing/2010/main"/>
+            </a:ext>
+          </a:extLst>
+        </p:spPr>
+      </p:pic>
+      <p:sp>
+        <p:nvSpPr>
+          <p:cNvPr id="7" name="TextBox 6">
+            <a:extLst>
+              <a:ext uri="{FF2B5EF4-FFF2-40B4-BE49-F238E27FC236}">
+                <a16:creationId xmlns:a16="http://schemas.microsoft.com/office/drawing/2014/main" id="{24EAEC79-CAB9-4D88-B0DC-99B48AEC4480}"/>
+              </a:ext>
+            </a:extLst>
+          </p:cNvPr>
+          <p:cNvSpPr txBox="1"/>
+          <p:nvPr/>
+        </p:nvSpPr>
+        <p:spPr>
+          <a:xfrm>
+            <a:off x="299119" y="855866"/>
+            <a:ext cx="2493145" cy="923330"/>
+          </a:xfrm>
+          <a:prstGeom prst="rect">
+            <a:avLst/>
+          </a:prstGeom>
+          <a:noFill/>
+        </p:spPr>
+        <p:txBody>
+          <a:bodyPr wrap="square" rtlCol="0">
+            <a:spAutoFit/>
+          </a:bodyPr>
+          <a:lstStyle/>
+          <a:p>
+            <a:r>
+              <a:rPr lang="ru-RU" dirty="0"/>
+              <a:t>Отладка проводилась стандартными средствами </a:t>
+            </a:r>
+            <a:r>
+              <a:rPr lang="en-US" dirty="0" err="1"/>
+              <a:t>VSCode</a:t>
+            </a:r>
+            <a:endParaRPr lang="ru-RU" dirty="0"/>
+          </a:p>
+        </p:txBody>
+      </p:sp>
     </p:spTree>
     <p:extLst>
       <p:ext uri="{BB962C8B-B14F-4D97-AF65-F5344CB8AC3E}">

--- a/предзащита/Федотов_ПИН-41_Презентация.pptx
+++ b/предзащита/Федотов_ПИН-41_Презентация.pptx
@@ -11,9 +11,10 @@
     <p:sldId id="260" r:id="rId5"/>
     <p:sldId id="261" r:id="rId6"/>
     <p:sldId id="262" r:id="rId7"/>
-    <p:sldId id="266" r:id="rId8"/>
-    <p:sldId id="267" r:id="rId9"/>
-    <p:sldId id="264" r:id="rId10"/>
+    <p:sldId id="268" r:id="rId8"/>
+    <p:sldId id="266" r:id="rId9"/>
+    <p:sldId id="267" r:id="rId10"/>
+    <p:sldId id="264" r:id="rId11"/>
   </p:sldIdLst>
   <p:sldSz cx="9144000" cy="6858000" type="screen4x3"/>
   <p:notesSz cx="6797675" cy="9926638"/>
@@ -317,7 +318,7 @@
             <a:fld id="{D3F45E69-51FF-4017-B855-FA6AEE2AB1D5}" type="datetimeFigureOut">
               <a:rPr lang="ru-RU" smtClean="0"/>
               <a:pPr/>
-              <a:t>31.05.2021</a:t>
+              <a:t>07.06.2021</a:t>
             </a:fld>
             <a:endParaRPr lang="ru-RU"/>
           </a:p>
@@ -482,7 +483,7 @@
             <a:fld id="{D3F45E69-51FF-4017-B855-FA6AEE2AB1D5}" type="datetimeFigureOut">
               <a:rPr lang="ru-RU" smtClean="0"/>
               <a:pPr/>
-              <a:t>31.05.2021</a:t>
+              <a:t>07.06.2021</a:t>
             </a:fld>
             <a:endParaRPr lang="ru-RU"/>
           </a:p>
@@ -657,7 +658,7 @@
             <a:fld id="{D3F45E69-51FF-4017-B855-FA6AEE2AB1D5}" type="datetimeFigureOut">
               <a:rPr lang="ru-RU" smtClean="0"/>
               <a:pPr/>
-              <a:t>31.05.2021</a:t>
+              <a:t>07.06.2021</a:t>
             </a:fld>
             <a:endParaRPr lang="ru-RU"/>
           </a:p>
@@ -822,7 +823,7 @@
             <a:fld id="{D3F45E69-51FF-4017-B855-FA6AEE2AB1D5}" type="datetimeFigureOut">
               <a:rPr lang="ru-RU" smtClean="0"/>
               <a:pPr/>
-              <a:t>31.05.2021</a:t>
+              <a:t>07.06.2021</a:t>
             </a:fld>
             <a:endParaRPr lang="ru-RU"/>
           </a:p>
@@ -1064,7 +1065,7 @@
             <a:fld id="{D3F45E69-51FF-4017-B855-FA6AEE2AB1D5}" type="datetimeFigureOut">
               <a:rPr lang="ru-RU" smtClean="0"/>
               <a:pPr/>
-              <a:t>31.05.2021</a:t>
+              <a:t>07.06.2021</a:t>
             </a:fld>
             <a:endParaRPr lang="ru-RU"/>
           </a:p>
@@ -1346,7 +1347,7 @@
             <a:fld id="{D3F45E69-51FF-4017-B855-FA6AEE2AB1D5}" type="datetimeFigureOut">
               <a:rPr lang="ru-RU" smtClean="0"/>
               <a:pPr/>
-              <a:t>31.05.2021</a:t>
+              <a:t>07.06.2021</a:t>
             </a:fld>
             <a:endParaRPr lang="ru-RU"/>
           </a:p>
@@ -1762,7 +1763,7 @@
             <a:fld id="{D3F45E69-51FF-4017-B855-FA6AEE2AB1D5}" type="datetimeFigureOut">
               <a:rPr lang="ru-RU" smtClean="0"/>
               <a:pPr/>
-              <a:t>31.05.2021</a:t>
+              <a:t>07.06.2021</a:t>
             </a:fld>
             <a:endParaRPr lang="ru-RU"/>
           </a:p>
@@ -1876,7 +1877,7 @@
             <a:fld id="{D3F45E69-51FF-4017-B855-FA6AEE2AB1D5}" type="datetimeFigureOut">
               <a:rPr lang="ru-RU" smtClean="0"/>
               <a:pPr/>
-              <a:t>31.05.2021</a:t>
+              <a:t>07.06.2021</a:t>
             </a:fld>
             <a:endParaRPr lang="ru-RU"/>
           </a:p>
@@ -1968,7 +1969,7 @@
             <a:fld id="{D3F45E69-51FF-4017-B855-FA6AEE2AB1D5}" type="datetimeFigureOut">
               <a:rPr lang="ru-RU" smtClean="0"/>
               <a:pPr/>
-              <a:t>31.05.2021</a:t>
+              <a:t>07.06.2021</a:t>
             </a:fld>
             <a:endParaRPr lang="ru-RU"/>
           </a:p>
@@ -2240,7 +2241,7 @@
             <a:fld id="{D3F45E69-51FF-4017-B855-FA6AEE2AB1D5}" type="datetimeFigureOut">
               <a:rPr lang="ru-RU" smtClean="0"/>
               <a:pPr/>
-              <a:t>31.05.2021</a:t>
+              <a:t>07.06.2021</a:t>
             </a:fld>
             <a:endParaRPr lang="ru-RU"/>
           </a:p>
@@ -2489,7 +2490,7 @@
             <a:fld id="{D3F45E69-51FF-4017-B855-FA6AEE2AB1D5}" type="datetimeFigureOut">
               <a:rPr lang="ru-RU" smtClean="0"/>
               <a:pPr/>
-              <a:t>31.05.2021</a:t>
+              <a:t>07.06.2021</a:t>
             </a:fld>
             <a:endParaRPr lang="ru-RU"/>
           </a:p>
@@ -2697,7 +2698,7 @@
             <a:fld id="{D3F45E69-51FF-4017-B855-FA6AEE2AB1D5}" type="datetimeFigureOut">
               <a:rPr lang="ru-RU" smtClean="0"/>
               <a:pPr/>
-              <a:t>31.05.2021</a:t>
+              <a:t>07.06.2021</a:t>
             </a:fld>
             <a:endParaRPr lang="ru-RU"/>
           </a:p>
@@ -3988,7 +3989,7 @@
             <a:pPr algn="ctr"/>
             <a:r>
               <a:rPr lang="ru-RU" sz="2200" b="1" dirty="0"/>
-              <a:t>Тема: разработка программного модуля настройки конфигурации сетевых сервисов</a:t>
+              <a:t>Тема: «Разработка программного модуля настройки конфигурации сетевых сервисов»</a:t>
             </a:r>
             <a:br>
               <a:rPr lang="ru-RU" sz="2200" b="1" dirty="0"/>
@@ -4010,7 +4011,7 @@
         </p:nvSpPr>
         <p:spPr bwMode="auto">
           <a:xfrm>
-            <a:off x="539552" y="1412776"/>
+            <a:off x="355728" y="1444169"/>
             <a:ext cx="8594597" cy="707886"/>
           </a:xfrm>
           <a:prstGeom prst="rect">
@@ -4044,15 +4045,7 @@
             </a:r>
             <a:r>
               <a:rPr lang="ru-RU" sz="2000" dirty="0"/>
-              <a:t>, </a:t>
-            </a:r>
-            <a:r>
-              <a:rPr lang="ru-RU" sz="2000" dirty="0" err="1"/>
-              <a:t>к.т.н</a:t>
-            </a:r>
-            <a:r>
-              <a:rPr lang="ru-RU" sz="2000" dirty="0"/>
-              <a:t> Касимов Рустам Азатович</a:t>
+              <a:t>, к.т.н. Касимов Рустам Азатович</a:t>
             </a:r>
           </a:p>
           <a:p>
@@ -4077,8 +4070,8 @@
         </p:nvSpPr>
         <p:spPr bwMode="auto">
           <a:xfrm>
-            <a:off x="611560" y="3212976"/>
-            <a:ext cx="8105911" cy="3647152"/>
+            <a:off x="372818" y="2502357"/>
+            <a:ext cx="8105911" cy="3816429"/>
           </a:xfrm>
           <a:prstGeom prst="rect">
             <a:avLst/>
@@ -4103,8 +4096,11 @@
             </a:r>
             <a:r>
               <a:rPr lang="ru-RU" sz="2000" dirty="0"/>
-              <a:t>настроить конфигурацию сетевых сервисов</a:t>
+              <a:t>упростить настройку конфигурации сетевых сервисов</a:t>
             </a:r>
+          </a:p>
+          <a:p>
+            <a:endParaRPr lang="ru-RU" sz="1100" b="1" dirty="0"/>
           </a:p>
           <a:p>
             <a:endParaRPr lang="ru-RU" sz="1100" b="1" dirty="0"/>
@@ -4203,16 +4199,21 @@
             </a:pPr>
             <a:r>
               <a:rPr lang="ru-RU" sz="2000" dirty="0"/>
-              <a:t>провести отладку и тестирование</a:t>
+              <a:t>отладка и тестирование</a:t>
             </a:r>
           </a:p>
           <a:p>
-            <a:pPr>
+            <a:pPr marL="266700" indent="-266700">
+              <a:buFont typeface="Times New Roman" pitchFamily="18" charset="0"/>
+              <a:buChar char="•"/>
               <a:tabLst>
                 <a:tab pos="266700" algn="l"/>
               </a:tabLst>
             </a:pPr>
-            <a:endParaRPr lang="ru-RU" sz="2000" dirty="0"/>
+            <a:r>
+              <a:rPr lang="ru-RU" sz="2000" dirty="0"/>
+              <a:t>разработка руководства оператора</a:t>
+            </a:r>
           </a:p>
           <a:p>
             <a:pPr marL="266700" indent="-266700">
@@ -4223,6 +4224,1101 @@
               </a:tabLst>
             </a:pPr>
             <a:endParaRPr lang="ru-RU" sz="2000" dirty="0"/>
+          </a:p>
+        </p:txBody>
+      </p:sp>
+    </p:spTree>
+  </p:cSld>
+  <p:clrMapOvr>
+    <a:masterClrMapping/>
+  </p:clrMapOvr>
+</p:sld>
+</file>
+
+<file path=ppt/slides/slide10.xml><?xml version="1.0" encoding="utf-8"?>
+<p:sld xmlns:a="http://schemas.openxmlformats.org/drawingml/2006/main" xmlns:r="http://schemas.openxmlformats.org/officeDocument/2006/relationships" xmlns:p="http://schemas.openxmlformats.org/presentationml/2006/main">
+  <p:cSld>
+    <p:spTree>
+      <p:nvGrpSpPr>
+        <p:cNvPr id="1" name=""/>
+        <p:cNvGrpSpPr/>
+        <p:nvPr/>
+      </p:nvGrpSpPr>
+      <p:grpSpPr>
+        <a:xfrm>
+          <a:off x="0" y="0"/>
+          <a:ext cx="0" cy="0"/>
+          <a:chOff x="0" y="0"/>
+          <a:chExt cx="0" cy="0"/>
+        </a:xfrm>
+      </p:grpSpPr>
+      <p:sp>
+        <p:nvSpPr>
+          <p:cNvPr id="4" name="Rectangle 23"/>
+          <p:cNvSpPr>
+            <a:spLocks noChangeArrowheads="1"/>
+          </p:cNvSpPr>
+          <p:nvPr/>
+        </p:nvSpPr>
+        <p:spPr bwMode="auto">
+          <a:xfrm>
+            <a:off x="250825" y="260350"/>
+            <a:ext cx="8642350" cy="427038"/>
+          </a:xfrm>
+          <a:prstGeom prst="rect">
+            <a:avLst/>
+          </a:prstGeom>
+          <a:noFill/>
+          <a:ln w="9525">
+            <a:noFill/>
+            <a:miter lim="800000"/>
+            <a:headEnd/>
+            <a:tailEnd/>
+          </a:ln>
+        </p:spPr>
+        <p:txBody>
+          <a:bodyPr>
+            <a:spAutoFit/>
+          </a:bodyPr>
+          <a:lstStyle/>
+          <a:p>
+            <a:pPr algn="ctr"/>
+            <a:r>
+              <a:rPr lang="ru-RU" sz="2200" b="1" dirty="0"/>
+              <a:t>Результаты работы</a:t>
+            </a:r>
+          </a:p>
+        </p:txBody>
+      </p:sp>
+      <p:sp>
+        <p:nvSpPr>
+          <p:cNvPr id="5" name="Line 137"/>
+          <p:cNvSpPr>
+            <a:spLocks noChangeShapeType="1"/>
+          </p:cNvSpPr>
+          <p:nvPr/>
+        </p:nvSpPr>
+        <p:spPr bwMode="auto">
+          <a:xfrm>
+            <a:off x="193675" y="188913"/>
+            <a:ext cx="0" cy="6480175"/>
+          </a:xfrm>
+          <a:prstGeom prst="line">
+            <a:avLst/>
+          </a:prstGeom>
+          <a:noFill/>
+          <a:ln w="12700" cap="sq">
+            <a:solidFill>
+              <a:schemeClr val="tx1"/>
+            </a:solidFill>
+            <a:round/>
+            <a:headEnd/>
+            <a:tailEnd/>
+          </a:ln>
+        </p:spPr>
+        <p:txBody>
+          <a:bodyPr/>
+          <a:lstStyle/>
+          <a:p>
+            <a:endParaRPr lang="ru-RU"/>
+          </a:p>
+        </p:txBody>
+      </p:sp>
+      <p:sp>
+        <p:nvSpPr>
+          <p:cNvPr id="6" name="Line 138"/>
+          <p:cNvSpPr>
+            <a:spLocks noChangeShapeType="1"/>
+          </p:cNvSpPr>
+          <p:nvPr/>
+        </p:nvSpPr>
+        <p:spPr bwMode="auto">
+          <a:xfrm>
+            <a:off x="8978900" y="188913"/>
+            <a:ext cx="0" cy="6480175"/>
+          </a:xfrm>
+          <a:prstGeom prst="line">
+            <a:avLst/>
+          </a:prstGeom>
+          <a:noFill/>
+          <a:ln w="12700" cap="sq">
+            <a:solidFill>
+              <a:schemeClr val="tx1"/>
+            </a:solidFill>
+            <a:round/>
+            <a:headEnd/>
+            <a:tailEnd/>
+          </a:ln>
+        </p:spPr>
+        <p:txBody>
+          <a:bodyPr/>
+          <a:lstStyle/>
+          <a:p>
+            <a:endParaRPr lang="ru-RU"/>
+          </a:p>
+        </p:txBody>
+      </p:sp>
+      <p:graphicFrame>
+        <p:nvGraphicFramePr>
+          <p:cNvPr id="7" name="Group 10"/>
+          <p:cNvGraphicFramePr>
+            <a:graphicFrameLocks noGrp="1"/>
+          </p:cNvGraphicFramePr>
+          <p:nvPr>
+            <p:extLst>
+              <p:ext uri="{D42A27DB-BD31-4B8C-83A1-F6EECF244321}">
+                <p14:modId xmlns:p14="http://schemas.microsoft.com/office/powerpoint/2010/main" val="1470591850"/>
+              </p:ext>
+            </p:extLst>
+          </p:nvPr>
+        </p:nvGraphicFramePr>
+        <p:xfrm>
+          <a:off x="6156325" y="6093297"/>
+          <a:ext cx="2822575" cy="574194"/>
+        </p:xfrm>
+        <a:graphic>
+          <a:graphicData uri="http://schemas.openxmlformats.org/drawingml/2006/table">
+            <a:tbl>
+              <a:tblPr/>
+              <a:tblGrid>
+                <a:gridCol w="792163">
+                  <a:extLst>
+                    <a:ext uri="{9D8B030D-6E8A-4147-A177-3AD203B41FA5}">
+                      <a16:colId xmlns:a16="http://schemas.microsoft.com/office/drawing/2014/main" val="20000"/>
+                    </a:ext>
+                  </a:extLst>
+                </a:gridCol>
+                <a:gridCol w="1008062">
+                  <a:extLst>
+                    <a:ext uri="{9D8B030D-6E8A-4147-A177-3AD203B41FA5}">
+                      <a16:colId xmlns:a16="http://schemas.microsoft.com/office/drawing/2014/main" val="20001"/>
+                    </a:ext>
+                  </a:extLst>
+                </a:gridCol>
+                <a:gridCol w="649288">
+                  <a:extLst>
+                    <a:ext uri="{9D8B030D-6E8A-4147-A177-3AD203B41FA5}">
+                      <a16:colId xmlns:a16="http://schemas.microsoft.com/office/drawing/2014/main" val="20002"/>
+                    </a:ext>
+                  </a:extLst>
+                </a:gridCol>
+                <a:gridCol w="373062">
+                  <a:extLst>
+                    <a:ext uri="{9D8B030D-6E8A-4147-A177-3AD203B41FA5}">
+                      <a16:colId xmlns:a16="http://schemas.microsoft.com/office/drawing/2014/main" val="20003"/>
+                    </a:ext>
+                  </a:extLst>
+                </a:gridCol>
+              </a:tblGrid>
+              <a:tr h="367824">
+                <a:tc>
+                  <a:txBody>
+                    <a:bodyPr/>
+                    <a:lstStyle/>
+                    <a:p>
+                      <a:pPr marL="0" marR="0" lvl="0" indent="0" algn="l" defTabSz="914400" rtl="0" eaLnBrk="1" fontAlgn="base" latinLnBrk="0" hangingPunct="1">
+                        <a:lnSpc>
+                          <a:spcPct val="100000"/>
+                        </a:lnSpc>
+                        <a:spcBef>
+                          <a:spcPct val="0"/>
+                        </a:spcBef>
+                        <a:spcAft>
+                          <a:spcPct val="0"/>
+                        </a:spcAft>
+                        <a:buClrTx/>
+                        <a:buSzTx/>
+                        <a:buFontTx/>
+                        <a:buNone/>
+                        <a:tabLst/>
+                      </a:pPr>
+                      <a:r>
+                        <a:rPr kumimoji="0" lang="ru-RU" sz="1000" b="0" i="0" u="none" strike="noStrike" cap="none" normalizeH="0" baseline="0" dirty="0">
+                          <a:ln>
+                            <a:noFill/>
+                          </a:ln>
+                          <a:solidFill>
+                            <a:schemeClr val="tx1"/>
+                          </a:solidFill>
+                          <a:effectLst/>
+                          <a:latin typeface="Times New Roman" pitchFamily="18" charset="0"/>
+                          <a:cs typeface="Times New Roman" pitchFamily="18" charset="0"/>
+                        </a:rPr>
+                        <a:t>Разработал</a:t>
+                      </a:r>
+                      <a:endParaRPr kumimoji="0" lang="ru-RU" sz="1000" b="0" i="0" u="none" strike="noStrike" cap="none" normalizeH="0" baseline="0" dirty="0">
+                        <a:ln>
+                          <a:noFill/>
+                        </a:ln>
+                        <a:solidFill>
+                          <a:schemeClr val="tx1"/>
+                        </a:solidFill>
+                        <a:effectLst/>
+                        <a:latin typeface="Arial" charset="0"/>
+                      </a:endParaRPr>
+                    </a:p>
+                  </a:txBody>
+                  <a:tcPr marL="71962" marR="71962" marT="17991" marB="35979" horzOverflow="overflow">
+                    <a:lnL w="12700" cap="flat" cmpd="sng" algn="ctr">
+                      <a:solidFill>
+                        <a:srgbClr val="000000"/>
+                      </a:solidFill>
+                      <a:prstDash val="solid"/>
+                      <a:round/>
+                      <a:headEnd type="none" w="med" len="med"/>
+                      <a:tailEnd type="none" w="med" len="med"/>
+                    </a:lnL>
+                    <a:lnR w="12700" cap="flat" cmpd="sng" algn="ctr">
+                      <a:solidFill>
+                        <a:srgbClr val="000000"/>
+                      </a:solidFill>
+                      <a:prstDash val="solid"/>
+                      <a:round/>
+                      <a:headEnd type="none" w="med" len="med"/>
+                      <a:tailEnd type="none" w="med" len="med"/>
+                    </a:lnR>
+                    <a:lnT w="12700" cap="flat" cmpd="sng" algn="ctr">
+                      <a:solidFill>
+                        <a:srgbClr val="000000"/>
+                      </a:solidFill>
+                      <a:prstDash val="solid"/>
+                      <a:round/>
+                      <a:headEnd type="none" w="med" len="med"/>
+                      <a:tailEnd type="none" w="med" len="med"/>
+                    </a:lnT>
+                    <a:lnB w="12700" cap="flat" cmpd="sng" algn="ctr">
+                      <a:solidFill>
+                        <a:srgbClr val="000000"/>
+                      </a:solidFill>
+                      <a:prstDash val="solid"/>
+                      <a:round/>
+                      <a:headEnd type="none" w="med" len="med"/>
+                      <a:tailEnd type="none" w="med" len="med"/>
+                    </a:lnB>
+                    <a:lnTlToBr>
+                      <a:noFill/>
+                    </a:lnTlToBr>
+                    <a:lnBlToTr>
+                      <a:noFill/>
+                    </a:lnBlToTr>
+                    <a:noFill/>
+                  </a:tcPr>
+                </a:tc>
+                <a:tc>
+                  <a:txBody>
+                    <a:bodyPr/>
+                    <a:lstStyle/>
+                    <a:p>
+                      <a:pPr marL="0" marR="0" lvl="0" indent="0" algn="l" defTabSz="914400" rtl="0" eaLnBrk="1" fontAlgn="base" latinLnBrk="0" hangingPunct="1">
+                        <a:lnSpc>
+                          <a:spcPct val="100000"/>
+                        </a:lnSpc>
+                        <a:spcBef>
+                          <a:spcPct val="0"/>
+                        </a:spcBef>
+                        <a:spcAft>
+                          <a:spcPct val="0"/>
+                        </a:spcAft>
+                        <a:buClrTx/>
+                        <a:buSzTx/>
+                        <a:buFontTx/>
+                        <a:buNone/>
+                        <a:tabLst/>
+                      </a:pPr>
+                      <a:r>
+                        <a:rPr kumimoji="0" lang="ru-RU" sz="1000" b="0" i="0" u="none" strike="noStrike" cap="none" normalizeH="0" baseline="0" dirty="0">
+                          <a:ln>
+                            <a:noFill/>
+                          </a:ln>
+                          <a:solidFill>
+                            <a:schemeClr val="tx1"/>
+                          </a:solidFill>
+                          <a:effectLst/>
+                          <a:latin typeface="Times New Roman" pitchFamily="18" charset="0"/>
+                          <a:cs typeface="Times New Roman" pitchFamily="18" charset="0"/>
+                        </a:rPr>
+                        <a:t>Федотов А. А</a:t>
+                      </a:r>
+                    </a:p>
+                  </a:txBody>
+                  <a:tcPr marL="71962" marR="71962" marT="17991" marB="35979" horzOverflow="overflow">
+                    <a:lnL w="12700" cap="flat" cmpd="sng" algn="ctr">
+                      <a:solidFill>
+                        <a:srgbClr val="000000"/>
+                      </a:solidFill>
+                      <a:prstDash val="solid"/>
+                      <a:round/>
+                      <a:headEnd type="none" w="med" len="med"/>
+                      <a:tailEnd type="none" w="med" len="med"/>
+                    </a:lnL>
+                    <a:lnR w="12700" cap="flat" cmpd="sng" algn="ctr">
+                      <a:solidFill>
+                        <a:srgbClr val="000000"/>
+                      </a:solidFill>
+                      <a:prstDash val="solid"/>
+                      <a:round/>
+                      <a:headEnd type="none" w="med" len="med"/>
+                      <a:tailEnd type="none" w="med" len="med"/>
+                    </a:lnR>
+                    <a:lnT w="12700" cap="flat" cmpd="sng" algn="ctr">
+                      <a:solidFill>
+                        <a:srgbClr val="000000"/>
+                      </a:solidFill>
+                      <a:prstDash val="solid"/>
+                      <a:round/>
+                      <a:headEnd type="none" w="med" len="med"/>
+                      <a:tailEnd type="none" w="med" len="med"/>
+                    </a:lnT>
+                    <a:lnB w="12700" cap="flat" cmpd="sng" algn="ctr">
+                      <a:solidFill>
+                        <a:srgbClr val="000000"/>
+                      </a:solidFill>
+                      <a:prstDash val="solid"/>
+                      <a:round/>
+                      <a:headEnd type="none" w="med" len="med"/>
+                      <a:tailEnd type="none" w="med" len="med"/>
+                    </a:lnB>
+                    <a:lnTlToBr>
+                      <a:noFill/>
+                    </a:lnTlToBr>
+                    <a:lnBlToTr>
+                      <a:noFill/>
+                    </a:lnBlToTr>
+                    <a:noFill/>
+                  </a:tcPr>
+                </a:tc>
+                <a:tc>
+                  <a:txBody>
+                    <a:bodyPr/>
+                    <a:lstStyle/>
+                    <a:p>
+                      <a:pPr marL="0" marR="0" lvl="0" indent="0" algn="l" defTabSz="914400" rtl="0" eaLnBrk="1" fontAlgn="base" latinLnBrk="0" hangingPunct="1">
+                        <a:lnSpc>
+                          <a:spcPct val="100000"/>
+                        </a:lnSpc>
+                        <a:spcBef>
+                          <a:spcPct val="20000"/>
+                        </a:spcBef>
+                        <a:spcAft>
+                          <a:spcPct val="0"/>
+                        </a:spcAft>
+                        <a:buClrTx/>
+                        <a:buSzTx/>
+                        <a:buFontTx/>
+                        <a:buNone/>
+                        <a:tabLst/>
+                      </a:pPr>
+                      <a:endParaRPr kumimoji="0" lang="ru-RU" sz="1000" b="0" i="0" u="none" strike="noStrike" cap="none" normalizeH="0" baseline="0">
+                        <a:ln>
+                          <a:noFill/>
+                        </a:ln>
+                        <a:solidFill>
+                          <a:schemeClr val="tx1"/>
+                        </a:solidFill>
+                        <a:effectLst/>
+                        <a:latin typeface="Arial" charset="0"/>
+                      </a:endParaRPr>
+                    </a:p>
+                  </a:txBody>
+                  <a:tcPr marL="71962" marR="71962" marT="17991" marB="35979" horzOverflow="overflow">
+                    <a:lnL w="12700" cap="flat" cmpd="sng" algn="ctr">
+                      <a:solidFill>
+                        <a:srgbClr val="000000"/>
+                      </a:solidFill>
+                      <a:prstDash val="solid"/>
+                      <a:round/>
+                      <a:headEnd type="none" w="med" len="med"/>
+                      <a:tailEnd type="none" w="med" len="med"/>
+                    </a:lnL>
+                    <a:lnR w="12700" cap="flat" cmpd="sng" algn="ctr">
+                      <a:solidFill>
+                        <a:srgbClr val="000000"/>
+                      </a:solidFill>
+                      <a:prstDash val="solid"/>
+                      <a:round/>
+                      <a:headEnd type="none" w="med" len="med"/>
+                      <a:tailEnd type="none" w="med" len="med"/>
+                    </a:lnR>
+                    <a:lnT w="12700" cap="flat" cmpd="sng" algn="ctr">
+                      <a:solidFill>
+                        <a:srgbClr val="000000"/>
+                      </a:solidFill>
+                      <a:prstDash val="solid"/>
+                      <a:round/>
+                      <a:headEnd type="none" w="med" len="med"/>
+                      <a:tailEnd type="none" w="med" len="med"/>
+                    </a:lnT>
+                    <a:lnB w="12700" cap="flat" cmpd="sng" algn="ctr">
+                      <a:solidFill>
+                        <a:srgbClr val="000000"/>
+                      </a:solidFill>
+                      <a:prstDash val="solid"/>
+                      <a:round/>
+                      <a:headEnd type="none" w="med" len="med"/>
+                      <a:tailEnd type="none" w="med" len="med"/>
+                    </a:lnB>
+                    <a:lnTlToBr>
+                      <a:noFill/>
+                    </a:lnTlToBr>
+                    <a:lnBlToTr>
+                      <a:noFill/>
+                    </a:lnBlToTr>
+                    <a:noFill/>
+                  </a:tcPr>
+                </a:tc>
+                <a:tc>
+                  <a:txBody>
+                    <a:bodyPr/>
+                    <a:lstStyle/>
+                    <a:p>
+                      <a:pPr marL="0" marR="0" lvl="0" indent="0" algn="l" defTabSz="914400" rtl="0" eaLnBrk="1" fontAlgn="base" latinLnBrk="0" hangingPunct="1">
+                        <a:lnSpc>
+                          <a:spcPct val="100000"/>
+                        </a:lnSpc>
+                        <a:spcBef>
+                          <a:spcPct val="20000"/>
+                        </a:spcBef>
+                        <a:spcAft>
+                          <a:spcPct val="0"/>
+                        </a:spcAft>
+                        <a:buClrTx/>
+                        <a:buSzTx/>
+                        <a:buFontTx/>
+                        <a:buNone/>
+                        <a:tabLst/>
+                      </a:pPr>
+                      <a:r>
+                        <a:rPr kumimoji="0" lang="ru-RU" sz="1000" b="0" i="0" u="none" strike="noStrike" cap="none" normalizeH="0" baseline="0" dirty="0">
+                          <a:ln>
+                            <a:noFill/>
+                          </a:ln>
+                          <a:solidFill>
+                            <a:schemeClr val="tx1"/>
+                          </a:solidFill>
+                          <a:effectLst/>
+                          <a:latin typeface="Times New Roman" pitchFamily="18" charset="0"/>
+                        </a:rPr>
+                        <a:t>10</a:t>
+                      </a:r>
+                    </a:p>
+                  </a:txBody>
+                  <a:tcPr marL="71962" marR="71962" marT="17991" marB="35979" horzOverflow="overflow">
+                    <a:lnL w="12700" cap="flat" cmpd="sng" algn="ctr">
+                      <a:solidFill>
+                        <a:srgbClr val="000000"/>
+                      </a:solidFill>
+                      <a:prstDash val="solid"/>
+                      <a:round/>
+                      <a:headEnd type="none" w="med" len="med"/>
+                      <a:tailEnd type="none" w="med" len="med"/>
+                    </a:lnL>
+                    <a:lnR w="12700" cap="flat" cmpd="sng" algn="ctr">
+                      <a:solidFill>
+                        <a:srgbClr val="000000"/>
+                      </a:solidFill>
+                      <a:prstDash val="solid"/>
+                      <a:round/>
+                      <a:headEnd type="none" w="med" len="med"/>
+                      <a:tailEnd type="none" w="med" len="med"/>
+                    </a:lnR>
+                    <a:lnT w="12700" cap="flat" cmpd="sng" algn="ctr">
+                      <a:solidFill>
+                        <a:srgbClr val="000000"/>
+                      </a:solidFill>
+                      <a:prstDash val="solid"/>
+                      <a:round/>
+                      <a:headEnd type="none" w="med" len="med"/>
+                      <a:tailEnd type="none" w="med" len="med"/>
+                    </a:lnT>
+                    <a:lnB w="12700" cap="flat" cmpd="sng" algn="ctr">
+                      <a:solidFill>
+                        <a:srgbClr val="000000"/>
+                      </a:solidFill>
+                      <a:prstDash val="solid"/>
+                      <a:round/>
+                      <a:headEnd type="none" w="med" len="med"/>
+                      <a:tailEnd type="none" w="med" len="med"/>
+                    </a:lnB>
+                    <a:lnTlToBr>
+                      <a:noFill/>
+                    </a:lnTlToBr>
+                    <a:lnBlToTr>
+                      <a:noFill/>
+                    </a:lnBlToTr>
+                    <a:noFill/>
+                  </a:tcPr>
+                </a:tc>
+                <a:extLst>
+                  <a:ext uri="{0D108BD9-81ED-4DB2-BD59-A6C34878D82A}">
+                    <a16:rowId xmlns:a16="http://schemas.microsoft.com/office/drawing/2014/main" val="10000"/>
+                  </a:ext>
+                </a:extLst>
+              </a:tr>
+              <a:tr h="0">
+                <a:tc>
+                  <a:txBody>
+                    <a:bodyPr/>
+                    <a:lstStyle/>
+                    <a:p>
+                      <a:pPr marL="0" marR="0" lvl="0" indent="0" algn="l" defTabSz="914400" rtl="0" eaLnBrk="1" fontAlgn="base" latinLnBrk="0" hangingPunct="1">
+                        <a:lnSpc>
+                          <a:spcPct val="100000"/>
+                        </a:lnSpc>
+                        <a:spcBef>
+                          <a:spcPct val="0"/>
+                        </a:spcBef>
+                        <a:spcAft>
+                          <a:spcPct val="0"/>
+                        </a:spcAft>
+                        <a:buClrTx/>
+                        <a:buSzTx/>
+                        <a:buFontTx/>
+                        <a:buNone/>
+                        <a:tabLst/>
+                      </a:pPr>
+                      <a:r>
+                        <a:rPr kumimoji="0" lang="ru-RU" sz="1000" b="0" i="0" u="none" strike="noStrike" cap="none" normalizeH="0" baseline="0">
+                          <a:ln>
+                            <a:noFill/>
+                          </a:ln>
+                          <a:solidFill>
+                            <a:schemeClr val="tx1"/>
+                          </a:solidFill>
+                          <a:effectLst/>
+                          <a:latin typeface="Times New Roman" pitchFamily="18" charset="0"/>
+                          <a:cs typeface="Times New Roman" pitchFamily="18" charset="0"/>
+                        </a:rPr>
+                        <a:t>Утвердил</a:t>
+                      </a:r>
+                      <a:endParaRPr kumimoji="0" lang="ru-RU" sz="1000" b="0" i="0" u="none" strike="noStrike" cap="none" normalizeH="0" baseline="0">
+                        <a:ln>
+                          <a:noFill/>
+                        </a:ln>
+                        <a:solidFill>
+                          <a:schemeClr val="tx1"/>
+                        </a:solidFill>
+                        <a:effectLst/>
+                        <a:latin typeface="Arial" charset="0"/>
+                      </a:endParaRPr>
+                    </a:p>
+                  </a:txBody>
+                  <a:tcPr marL="71962" marR="71962" marT="17991" marB="35979" horzOverflow="overflow">
+                    <a:lnL w="12700" cap="flat" cmpd="sng" algn="ctr">
+                      <a:solidFill>
+                        <a:srgbClr val="000000"/>
+                      </a:solidFill>
+                      <a:prstDash val="solid"/>
+                      <a:round/>
+                      <a:headEnd type="none" w="med" len="med"/>
+                      <a:tailEnd type="none" w="med" len="med"/>
+                    </a:lnL>
+                    <a:lnR w="12700" cap="flat" cmpd="sng" algn="ctr">
+                      <a:solidFill>
+                        <a:srgbClr val="000000"/>
+                      </a:solidFill>
+                      <a:prstDash val="solid"/>
+                      <a:round/>
+                      <a:headEnd type="none" w="med" len="med"/>
+                      <a:tailEnd type="none" w="med" len="med"/>
+                    </a:lnR>
+                    <a:lnT w="12700" cap="flat" cmpd="sng" algn="ctr">
+                      <a:solidFill>
+                        <a:srgbClr val="000000"/>
+                      </a:solidFill>
+                      <a:prstDash val="solid"/>
+                      <a:round/>
+                      <a:headEnd type="none" w="med" len="med"/>
+                      <a:tailEnd type="none" w="med" len="med"/>
+                    </a:lnT>
+                    <a:lnB w="12700" cap="flat" cmpd="sng" algn="ctr">
+                      <a:solidFill>
+                        <a:srgbClr val="000000"/>
+                      </a:solidFill>
+                      <a:prstDash val="solid"/>
+                      <a:round/>
+                      <a:headEnd type="none" w="med" len="med"/>
+                      <a:tailEnd type="none" w="med" len="med"/>
+                    </a:lnB>
+                    <a:lnTlToBr>
+                      <a:noFill/>
+                    </a:lnTlToBr>
+                    <a:lnBlToTr>
+                      <a:noFill/>
+                    </a:lnBlToTr>
+                    <a:noFill/>
+                  </a:tcPr>
+                </a:tc>
+                <a:tc>
+                  <a:txBody>
+                    <a:bodyPr/>
+                    <a:lstStyle/>
+                    <a:p>
+                      <a:pPr marL="0" marR="0" lvl="0" indent="0" algn="l" defTabSz="914400" rtl="0" eaLnBrk="1" fontAlgn="base" latinLnBrk="0" hangingPunct="1">
+                        <a:lnSpc>
+                          <a:spcPct val="100000"/>
+                        </a:lnSpc>
+                        <a:spcBef>
+                          <a:spcPct val="0"/>
+                        </a:spcBef>
+                        <a:spcAft>
+                          <a:spcPct val="0"/>
+                        </a:spcAft>
+                        <a:buClrTx/>
+                        <a:buSzTx/>
+                        <a:buFontTx/>
+                        <a:buNone/>
+                        <a:tabLst/>
+                      </a:pPr>
+                      <a:r>
+                        <a:rPr kumimoji="0" lang="ru-RU" sz="1000" b="0" i="0" u="none" strike="noStrike" cap="none" normalizeH="0" baseline="0" dirty="0">
+                          <a:ln>
+                            <a:noFill/>
+                          </a:ln>
+                          <a:solidFill>
+                            <a:schemeClr val="tx1"/>
+                          </a:solidFill>
+                          <a:effectLst/>
+                          <a:latin typeface="Times New Roman" pitchFamily="18" charset="0"/>
+                          <a:cs typeface="Times New Roman" pitchFamily="18" charset="0"/>
+                        </a:rPr>
+                        <a:t>Касимов Р. А</a:t>
+                      </a:r>
+                    </a:p>
+                  </a:txBody>
+                  <a:tcPr marL="71962" marR="71962" marT="17991" marB="35979" horzOverflow="overflow">
+                    <a:lnL w="12700" cap="flat" cmpd="sng" algn="ctr">
+                      <a:solidFill>
+                        <a:srgbClr val="000000"/>
+                      </a:solidFill>
+                      <a:prstDash val="solid"/>
+                      <a:round/>
+                      <a:headEnd type="none" w="med" len="med"/>
+                      <a:tailEnd type="none" w="med" len="med"/>
+                    </a:lnL>
+                    <a:lnR w="12700" cap="flat" cmpd="sng" algn="ctr">
+                      <a:solidFill>
+                        <a:srgbClr val="000000"/>
+                      </a:solidFill>
+                      <a:prstDash val="solid"/>
+                      <a:round/>
+                      <a:headEnd type="none" w="med" len="med"/>
+                      <a:tailEnd type="none" w="med" len="med"/>
+                    </a:lnR>
+                    <a:lnT w="12700" cap="flat" cmpd="sng" algn="ctr">
+                      <a:solidFill>
+                        <a:srgbClr val="000000"/>
+                      </a:solidFill>
+                      <a:prstDash val="solid"/>
+                      <a:round/>
+                      <a:headEnd type="none" w="med" len="med"/>
+                      <a:tailEnd type="none" w="med" len="med"/>
+                    </a:lnT>
+                    <a:lnB w="12700" cap="flat" cmpd="sng" algn="ctr">
+                      <a:solidFill>
+                        <a:srgbClr val="000000"/>
+                      </a:solidFill>
+                      <a:prstDash val="solid"/>
+                      <a:round/>
+                      <a:headEnd type="none" w="med" len="med"/>
+                      <a:tailEnd type="none" w="med" len="med"/>
+                    </a:lnB>
+                    <a:lnTlToBr>
+                      <a:noFill/>
+                    </a:lnTlToBr>
+                    <a:lnBlToTr>
+                      <a:noFill/>
+                    </a:lnBlToTr>
+                    <a:noFill/>
+                  </a:tcPr>
+                </a:tc>
+                <a:tc>
+                  <a:txBody>
+                    <a:bodyPr/>
+                    <a:lstStyle/>
+                    <a:p>
+                      <a:pPr marL="0" marR="0" lvl="0" indent="0" algn="l" defTabSz="914400" rtl="0" eaLnBrk="1" fontAlgn="base" latinLnBrk="0" hangingPunct="1">
+                        <a:lnSpc>
+                          <a:spcPct val="100000"/>
+                        </a:lnSpc>
+                        <a:spcBef>
+                          <a:spcPct val="20000"/>
+                        </a:spcBef>
+                        <a:spcAft>
+                          <a:spcPct val="0"/>
+                        </a:spcAft>
+                        <a:buClrTx/>
+                        <a:buSzTx/>
+                        <a:buFontTx/>
+                        <a:buNone/>
+                        <a:tabLst/>
+                      </a:pPr>
+                      <a:endParaRPr kumimoji="0" lang="ru-RU" sz="1000" b="0" i="0" u="none" strike="noStrike" cap="none" normalizeH="0" baseline="0">
+                        <a:ln>
+                          <a:noFill/>
+                        </a:ln>
+                        <a:solidFill>
+                          <a:schemeClr val="tx1"/>
+                        </a:solidFill>
+                        <a:effectLst/>
+                        <a:latin typeface="Arial" charset="0"/>
+                      </a:endParaRPr>
+                    </a:p>
+                  </a:txBody>
+                  <a:tcPr marL="71962" marR="71962" marT="17991" marB="35979" horzOverflow="overflow">
+                    <a:lnL w="12700" cap="flat" cmpd="sng" algn="ctr">
+                      <a:solidFill>
+                        <a:srgbClr val="000000"/>
+                      </a:solidFill>
+                      <a:prstDash val="solid"/>
+                      <a:round/>
+                      <a:headEnd type="none" w="med" len="med"/>
+                      <a:tailEnd type="none" w="med" len="med"/>
+                    </a:lnL>
+                    <a:lnR w="12700" cap="flat" cmpd="sng" algn="ctr">
+                      <a:solidFill>
+                        <a:srgbClr val="000000"/>
+                      </a:solidFill>
+                      <a:prstDash val="solid"/>
+                      <a:round/>
+                      <a:headEnd type="none" w="med" len="med"/>
+                      <a:tailEnd type="none" w="med" len="med"/>
+                    </a:lnR>
+                    <a:lnT w="12700" cap="flat" cmpd="sng" algn="ctr">
+                      <a:solidFill>
+                        <a:srgbClr val="000000"/>
+                      </a:solidFill>
+                      <a:prstDash val="solid"/>
+                      <a:round/>
+                      <a:headEnd type="none" w="med" len="med"/>
+                      <a:tailEnd type="none" w="med" len="med"/>
+                    </a:lnT>
+                    <a:lnB w="12700" cap="flat" cmpd="sng" algn="ctr">
+                      <a:solidFill>
+                        <a:srgbClr val="000000"/>
+                      </a:solidFill>
+                      <a:prstDash val="solid"/>
+                      <a:round/>
+                      <a:headEnd type="none" w="med" len="med"/>
+                      <a:tailEnd type="none" w="med" len="med"/>
+                    </a:lnB>
+                    <a:lnTlToBr>
+                      <a:noFill/>
+                    </a:lnTlToBr>
+                    <a:lnBlToTr>
+                      <a:noFill/>
+                    </a:lnBlToTr>
+                    <a:noFill/>
+                  </a:tcPr>
+                </a:tc>
+                <a:tc>
+                  <a:txBody>
+                    <a:bodyPr/>
+                    <a:lstStyle/>
+                    <a:p>
+                      <a:pPr marL="0" marR="0" lvl="0" indent="0" algn="l" defTabSz="914400" rtl="0" eaLnBrk="1" fontAlgn="base" latinLnBrk="0" hangingPunct="1">
+                        <a:lnSpc>
+                          <a:spcPct val="100000"/>
+                        </a:lnSpc>
+                        <a:spcBef>
+                          <a:spcPct val="20000"/>
+                        </a:spcBef>
+                        <a:spcAft>
+                          <a:spcPct val="0"/>
+                        </a:spcAft>
+                        <a:buClrTx/>
+                        <a:buSzTx/>
+                        <a:buFontTx/>
+                        <a:buNone/>
+                        <a:tabLst/>
+                      </a:pPr>
+                      <a:endParaRPr kumimoji="0" lang="ru-RU" sz="1000" b="0" i="0" u="none" strike="noStrike" cap="none" normalizeH="0" baseline="0" dirty="0">
+                        <a:ln>
+                          <a:noFill/>
+                        </a:ln>
+                        <a:solidFill>
+                          <a:schemeClr val="tx1"/>
+                        </a:solidFill>
+                        <a:effectLst/>
+                        <a:latin typeface="Arial" charset="0"/>
+                      </a:endParaRPr>
+                    </a:p>
+                  </a:txBody>
+                  <a:tcPr marL="71962" marR="71962" marT="17991" marB="35979" horzOverflow="overflow">
+                    <a:lnL w="12700" cap="flat" cmpd="sng" algn="ctr">
+                      <a:solidFill>
+                        <a:srgbClr val="000000"/>
+                      </a:solidFill>
+                      <a:prstDash val="solid"/>
+                      <a:round/>
+                      <a:headEnd type="none" w="med" len="med"/>
+                      <a:tailEnd type="none" w="med" len="med"/>
+                    </a:lnL>
+                    <a:lnR w="12700" cap="flat" cmpd="sng" algn="ctr">
+                      <a:solidFill>
+                        <a:srgbClr val="000000"/>
+                      </a:solidFill>
+                      <a:prstDash val="solid"/>
+                      <a:round/>
+                      <a:headEnd type="none" w="med" len="med"/>
+                      <a:tailEnd type="none" w="med" len="med"/>
+                    </a:lnR>
+                    <a:lnT w="12700" cap="flat" cmpd="sng" algn="ctr">
+                      <a:solidFill>
+                        <a:srgbClr val="000000"/>
+                      </a:solidFill>
+                      <a:prstDash val="solid"/>
+                      <a:round/>
+                      <a:headEnd type="none" w="med" len="med"/>
+                      <a:tailEnd type="none" w="med" len="med"/>
+                    </a:lnT>
+                    <a:lnB w="12700" cap="flat" cmpd="sng" algn="ctr">
+                      <a:solidFill>
+                        <a:srgbClr val="000000"/>
+                      </a:solidFill>
+                      <a:prstDash val="solid"/>
+                      <a:round/>
+                      <a:headEnd type="none" w="med" len="med"/>
+                      <a:tailEnd type="none" w="med" len="med"/>
+                    </a:lnB>
+                    <a:lnTlToBr>
+                      <a:noFill/>
+                    </a:lnTlToBr>
+                    <a:lnBlToTr>
+                      <a:noFill/>
+                    </a:lnBlToTr>
+                    <a:noFill/>
+                  </a:tcPr>
+                </a:tc>
+                <a:extLst>
+                  <a:ext uri="{0D108BD9-81ED-4DB2-BD59-A6C34878D82A}">
+                    <a16:rowId xmlns:a16="http://schemas.microsoft.com/office/drawing/2014/main" val="10001"/>
+                  </a:ext>
+                </a:extLst>
+              </a:tr>
+            </a:tbl>
+          </a:graphicData>
+        </a:graphic>
+      </p:graphicFrame>
+      <p:sp>
+        <p:nvSpPr>
+          <p:cNvPr id="8" name="Line 158"/>
+          <p:cNvSpPr>
+            <a:spLocks noChangeShapeType="1"/>
+          </p:cNvSpPr>
+          <p:nvPr/>
+        </p:nvSpPr>
+        <p:spPr bwMode="auto">
+          <a:xfrm>
+            <a:off x="193675" y="188913"/>
+            <a:ext cx="8785225" cy="0"/>
+          </a:xfrm>
+          <a:prstGeom prst="line">
+            <a:avLst/>
+          </a:prstGeom>
+          <a:noFill/>
+          <a:ln w="12700" cap="sq">
+            <a:solidFill>
+              <a:schemeClr val="tx1"/>
+            </a:solidFill>
+            <a:round/>
+            <a:headEnd/>
+            <a:tailEnd/>
+          </a:ln>
+        </p:spPr>
+        <p:txBody>
+          <a:bodyPr/>
+          <a:lstStyle/>
+          <a:p>
+            <a:endParaRPr lang="ru-RU"/>
+          </a:p>
+        </p:txBody>
+      </p:sp>
+      <p:sp>
+        <p:nvSpPr>
+          <p:cNvPr id="9" name="Line 159"/>
+          <p:cNvSpPr>
+            <a:spLocks noChangeShapeType="1"/>
+          </p:cNvSpPr>
+          <p:nvPr/>
+        </p:nvSpPr>
+        <p:spPr bwMode="auto">
+          <a:xfrm>
+            <a:off x="193675" y="6669088"/>
+            <a:ext cx="8785225" cy="0"/>
+          </a:xfrm>
+          <a:prstGeom prst="line">
+            <a:avLst/>
+          </a:prstGeom>
+          <a:noFill/>
+          <a:ln w="12700" cap="sq">
+            <a:solidFill>
+              <a:schemeClr val="tx1"/>
+            </a:solidFill>
+            <a:round/>
+            <a:headEnd/>
+            <a:tailEnd/>
+          </a:ln>
+        </p:spPr>
+        <p:txBody>
+          <a:bodyPr/>
+          <a:lstStyle/>
+          <a:p>
+            <a:endParaRPr lang="ru-RU" dirty="0"/>
+          </a:p>
+        </p:txBody>
+      </p:sp>
+      <p:sp>
+        <p:nvSpPr>
+          <p:cNvPr id="10" name="Rectangle 25"/>
+          <p:cNvSpPr>
+            <a:spLocks noChangeArrowheads="1"/>
+          </p:cNvSpPr>
+          <p:nvPr/>
+        </p:nvSpPr>
+        <p:spPr bwMode="auto">
+          <a:xfrm>
+            <a:off x="342900" y="826857"/>
+            <a:ext cx="8333556" cy="3785652"/>
+          </a:xfrm>
+          <a:prstGeom prst="rect">
+            <a:avLst/>
+          </a:prstGeom>
+          <a:noFill/>
+          <a:ln w="9525">
+            <a:noFill/>
+            <a:miter lim="800000"/>
+            <a:headEnd/>
+            <a:tailEnd/>
+          </a:ln>
+        </p:spPr>
+        <p:txBody>
+          <a:bodyPr wrap="square" anchor="ctr">
+            <a:spAutoFit/>
+          </a:bodyPr>
+          <a:lstStyle/>
+          <a:p>
+            <a:pPr>
+              <a:buFontTx/>
+              <a:buChar char="•"/>
+              <a:tabLst>
+                <a:tab pos="457200" algn="l"/>
+              </a:tabLst>
+            </a:pPr>
+            <a:r>
+              <a:rPr lang="ru-RU" sz="2400" dirty="0"/>
+              <a:t> исследована предметная область;</a:t>
+            </a:r>
+          </a:p>
+          <a:p>
+            <a:pPr>
+              <a:buFontTx/>
+              <a:buChar char="•"/>
+              <a:tabLst>
+                <a:tab pos="457200" algn="l"/>
+              </a:tabLst>
+            </a:pPr>
+            <a:r>
+              <a:rPr lang="ru-RU" sz="2400" dirty="0"/>
+              <a:t> проведён обзор существующих программных решений;</a:t>
+            </a:r>
+          </a:p>
+          <a:p>
+            <a:pPr>
+              <a:buFontTx/>
+              <a:buChar char="•"/>
+              <a:tabLst>
+                <a:tab pos="457200" algn="l"/>
+              </a:tabLst>
+            </a:pPr>
+            <a:r>
+              <a:rPr lang="ru-RU" sz="2400" dirty="0"/>
+              <a:t> выбраны язык и среда программирования;</a:t>
+            </a:r>
+          </a:p>
+          <a:p>
+            <a:pPr>
+              <a:buFontTx/>
+              <a:buChar char="•"/>
+              <a:tabLst>
+                <a:tab pos="457200" algn="l"/>
+              </a:tabLst>
+            </a:pPr>
+            <a:r>
+              <a:rPr lang="ru-RU" sz="2400" dirty="0"/>
+              <a:t> разработана схема данных ПМ НКСО;</a:t>
+            </a:r>
+          </a:p>
+          <a:p>
+            <a:pPr>
+              <a:buFontTx/>
+              <a:buChar char="•"/>
+              <a:tabLst>
+                <a:tab pos="457200" algn="l"/>
+              </a:tabLst>
+            </a:pPr>
+            <a:r>
+              <a:rPr lang="ru-RU" sz="2400" dirty="0"/>
+              <a:t> разработана схема алгоритма ПМ НКСО;</a:t>
+            </a:r>
+          </a:p>
+          <a:p>
+            <a:pPr>
+              <a:buFontTx/>
+              <a:buChar char="•"/>
+              <a:tabLst>
+                <a:tab pos="457200" algn="l"/>
+              </a:tabLst>
+            </a:pPr>
+            <a:r>
+              <a:rPr lang="ru-RU" sz="2400" dirty="0"/>
+              <a:t> выполнена программная реализация;</a:t>
+            </a:r>
+          </a:p>
+          <a:p>
+            <a:pPr>
+              <a:buFontTx/>
+              <a:buChar char="•"/>
+              <a:tabLst>
+                <a:tab pos="457200" algn="l"/>
+              </a:tabLst>
+            </a:pPr>
+            <a:r>
+              <a:rPr lang="ru-RU" sz="2400" dirty="0"/>
+              <a:t> проведены отладка и тестирование</a:t>
+            </a:r>
+          </a:p>
+          <a:p>
+            <a:pPr>
+              <a:buFontTx/>
+              <a:buChar char="•"/>
+              <a:tabLst>
+                <a:tab pos="457200" algn="l"/>
+              </a:tabLst>
+            </a:pPr>
+            <a:r>
+              <a:rPr lang="ru-RU" sz="2400"/>
+              <a:t> разработано </a:t>
+            </a:r>
+            <a:r>
+              <a:rPr lang="ru-RU" sz="2400" dirty="0"/>
+              <a:t>руководство оператора</a:t>
+            </a:r>
+          </a:p>
+          <a:p>
+            <a:pPr>
+              <a:tabLst>
+                <a:tab pos="457200" algn="l"/>
+              </a:tabLst>
+            </a:pPr>
+            <a:endParaRPr lang="ru-RU" sz="2400" dirty="0"/>
+          </a:p>
+          <a:p>
+            <a:pPr>
+              <a:tabLst>
+                <a:tab pos="457200" algn="l"/>
+              </a:tabLst>
+            </a:pPr>
+            <a:endParaRPr lang="ru-RU" sz="2400" dirty="0"/>
           </a:p>
         </p:txBody>
       </p:sp>
@@ -5233,8 +6329,8 @@
         </p:nvSpPr>
         <p:spPr>
           <a:xfrm>
-            <a:off x="755576" y="908720"/>
-            <a:ext cx="2448268" cy="369332"/>
+            <a:off x="567982" y="1340678"/>
+            <a:ext cx="2851881" cy="369332"/>
           </a:xfrm>
           <a:prstGeom prst="rect">
             <a:avLst/>
@@ -5249,7 +6345,7 @@
           <a:p>
             <a:r>
               <a:rPr lang="ru-RU" dirty="0"/>
-              <a:t>До разработки </a:t>
+              <a:t>До разработки ПМ НКСС</a:t>
             </a:r>
           </a:p>
         </p:txBody>
@@ -5268,8 +6364,8 @@
         </p:nvSpPr>
         <p:spPr>
           <a:xfrm>
-            <a:off x="5364092" y="908720"/>
-            <a:ext cx="2448268" cy="369332"/>
+            <a:off x="4787884" y="1340678"/>
+            <a:ext cx="3157685" cy="369332"/>
           </a:xfrm>
           <a:prstGeom prst="rect">
             <a:avLst/>
@@ -5283,20 +6379,8 @@
           <a:lstStyle/>
           <a:p>
             <a:r>
-              <a:rPr lang="ru-RU"/>
-              <a:t>Посл</a:t>
-            </a:r>
-            <a:r>
               <a:rPr lang="ru-RU" dirty="0"/>
-              <a:t>е</a:t>
-            </a:r>
-            <a:r>
-              <a:rPr lang="ru-RU"/>
-              <a:t> </a:t>
-            </a:r>
-            <a:r>
-              <a:rPr lang="ru-RU" dirty="0"/>
-              <a:t>разработки </a:t>
+              <a:t>После разработки ПМ НКСС</a:t>
             </a:r>
           </a:p>
         </p:txBody>
@@ -6304,9 +7388,30 @@
             </a:r>
             <a:r>
               <a:rPr lang="en-US" sz="1200" u="sng" dirty="0">
-                <a:hlinkClick r:id="rId2"/>
+                <a:solidFill>
+                  <a:srgbClr val="0000FF"/>
+                </a:solidFill>
+                <a:hlinkClick r:id="rId2">
+                  <a:extLst>
+                    <a:ext uri="{A12FA001-AC4F-418D-AE19-62706E023703}">
+                      <ahyp:hlinkClr xmlns:ahyp="http://schemas.microsoft.com/office/drawing/2018/hyperlinkcolor" val="tx"/>
+                    </a:ext>
+                  </a:extLst>
+                </a:hlinkClick>
               </a:rPr>
-              <a:t> https://www.s-terra.ru/</a:t>
+              <a:t> </a:t>
+            </a:r>
+            <a:r>
+              <a:rPr lang="en-US" sz="1200" u="sng" dirty="0">
+                <a:hlinkClick r:id="rId2">
+                  <a:extLst>
+                    <a:ext uri="{A12FA001-AC4F-418D-AE19-62706E023703}">
+                      <ahyp:hlinkClr xmlns:ahyp="http://schemas.microsoft.com/office/drawing/2018/hyperlinkcolor" val="tx"/>
+                    </a:ext>
+                  </a:extLst>
+                </a:hlinkClick>
+              </a:rPr>
+              <a:t>https://www.s-terra.ru/</a:t>
             </a:r>
             <a:endParaRPr lang="ru-RU" sz="1200" u="sng" dirty="0"/>
           </a:p>
@@ -6335,14 +7440,14 @@
               <p:nvPr>
                 <p:extLst>
                   <p:ext uri="{D42A27DB-BD31-4B8C-83A1-F6EECF244321}">
-                    <p14:modId xmlns:p14="http://schemas.microsoft.com/office/powerpoint/2010/main" val="2896672826"/>
+                    <p14:modId xmlns:p14="http://schemas.microsoft.com/office/powerpoint/2010/main" val="1273398857"/>
                   </p:ext>
                 </p:extLst>
               </p:nvPr>
             </p:nvGraphicFramePr>
             <p:xfrm>
               <a:off x="552015" y="689834"/>
-              <a:ext cx="8136316" cy="4661100"/>
+              <a:ext cx="8136316" cy="4727642"/>
             </p:xfrm>
             <a:graphic>
               <a:graphicData uri="http://schemas.openxmlformats.org/drawingml/2006/table">
@@ -6351,21 +7456,21 @@
                     <a:tableStyleId>{D7AC3CCA-C797-4891-BE02-D94E43425B78}</a:tableStyleId>
                   </a:tblPr>
                   <a:tblGrid>
-                    <a:gridCol w="1347831">
+                    <a:gridCol w="1427697">
                       <a:extLst>
                         <a:ext uri="{9D8B030D-6E8A-4147-A177-3AD203B41FA5}">
                           <a16:colId xmlns:a16="http://schemas.microsoft.com/office/drawing/2014/main" val="1288979779"/>
                         </a:ext>
                       </a:extLst>
                     </a:gridCol>
-                    <a:gridCol w="1347831">
+                    <a:gridCol w="1368152">
                       <a:extLst>
                         <a:ext uri="{9D8B030D-6E8A-4147-A177-3AD203B41FA5}">
                           <a16:colId xmlns:a16="http://schemas.microsoft.com/office/drawing/2014/main" val="836490692"/>
                         </a:ext>
                       </a:extLst>
                     </a:gridCol>
-                    <a:gridCol w="1347831">
+                    <a:gridCol w="1247644">
                       <a:extLst>
                         <a:ext uri="{9D8B030D-6E8A-4147-A177-3AD203B41FA5}">
                           <a16:colId xmlns:a16="http://schemas.microsoft.com/office/drawing/2014/main" val="602037206"/>
@@ -7224,13 +8329,31 @@
                             </a:spcAft>
                           </a:pPr>
                           <a:r>
-                            <a:rPr lang="ru-RU" sz="1300">
+                            <a:rPr lang="ru-RU" sz="1300" dirty="0">
                               <a:effectLst/>
                               <a:latin typeface="Times New Roman" panose="02020603050405020304" pitchFamily="18" charset="0"/>
                               <a:ea typeface="Calibri" panose="020F0502020204030204" pitchFamily="34" charset="0"/>
                               <a:cs typeface="Times New Roman" panose="02020603050405020304" pitchFamily="18" charset="0"/>
                             </a:rPr>
-                            <a:t>С помощью конфигурационных файлов и команд</a:t>
+                            <a:t>С помощью </a:t>
+                          </a:r>
+                          <a:r>
+                            <a:rPr lang="ru-RU" sz="1300" dirty="0" err="1">
+                              <a:effectLst/>
+                              <a:latin typeface="Times New Roman" panose="02020603050405020304" pitchFamily="18" charset="0"/>
+                              <a:ea typeface="Calibri" panose="020F0502020204030204" pitchFamily="34" charset="0"/>
+                              <a:cs typeface="Times New Roman" panose="02020603050405020304" pitchFamily="18" charset="0"/>
+                            </a:rPr>
+                            <a:t>конфигурацион-ных</a:t>
+                          </a:r>
+                          <a:r>
+                            <a:rPr lang="ru-RU" sz="1300" dirty="0">
+                              <a:effectLst/>
+                              <a:latin typeface="Times New Roman" panose="02020603050405020304" pitchFamily="18" charset="0"/>
+                              <a:ea typeface="Calibri" panose="020F0502020204030204" pitchFamily="34" charset="0"/>
+                              <a:cs typeface="Times New Roman" panose="02020603050405020304" pitchFamily="18" charset="0"/>
+                            </a:rPr>
+                            <a:t> файлов и команд</a:t>
                           </a:r>
                         </a:p>
                       </a:txBody>
@@ -7578,7 +8701,7 @@
                               <a:ea typeface="Calibri" panose="020F0502020204030204" pitchFamily="34" charset="0"/>
                               <a:cs typeface="Times New Roman" panose="02020603050405020304" pitchFamily="18" charset="0"/>
                             </a:rPr>
-                            <a:t>Необходимость загрузки дополнительных файлов</a:t>
+                            <a:t>Необходимость загрузки дополнительных файлов конфигурации</a:t>
                           </a:r>
                         </a:p>
                       </a:txBody>
@@ -7756,7 +8879,25 @@
                               <a:ea typeface="Calibri" panose="020F0502020204030204" pitchFamily="34" charset="0"/>
                               <a:cs typeface="Times New Roman" panose="02020603050405020304" pitchFamily="18" charset="0"/>
                             </a:rPr>
-                            <a:t>Наличие пользовательского интерфейса</a:t>
+                            <a:t>Тип </a:t>
+                          </a:r>
+                          <a:r>
+                            <a:rPr lang="ru-RU" sz="1300" dirty="0" err="1">
+                              <a:effectLst/>
+                              <a:latin typeface="Times New Roman" panose="02020603050405020304" pitchFamily="18" charset="0"/>
+                              <a:ea typeface="Calibri" panose="020F0502020204030204" pitchFamily="34" charset="0"/>
+                              <a:cs typeface="Times New Roman" panose="02020603050405020304" pitchFamily="18" charset="0"/>
+                            </a:rPr>
+                            <a:t>пользова-тельского</a:t>
+                          </a:r>
+                          <a:r>
+                            <a:rPr lang="ru-RU" sz="1300" dirty="0">
+                              <a:effectLst/>
+                              <a:latin typeface="Times New Roman" panose="02020603050405020304" pitchFamily="18" charset="0"/>
+                              <a:ea typeface="Calibri" panose="020F0502020204030204" pitchFamily="34" charset="0"/>
+                              <a:cs typeface="Times New Roman" panose="02020603050405020304" pitchFamily="18" charset="0"/>
+                            </a:rPr>
+                            <a:t> интерфейса</a:t>
                           </a:r>
                         </a:p>
                       </a:txBody>
@@ -7934,14 +9075,14 @@
               <p:nvPr>
                 <p:extLst>
                   <p:ext uri="{D42A27DB-BD31-4B8C-83A1-F6EECF244321}">
-                    <p14:modId xmlns:p14="http://schemas.microsoft.com/office/powerpoint/2010/main" val="2896672826"/>
+                    <p14:modId xmlns:p14="http://schemas.microsoft.com/office/powerpoint/2010/main" val="1273398857"/>
                   </p:ext>
                 </p:extLst>
               </p:nvPr>
             </p:nvGraphicFramePr>
             <p:xfrm>
               <a:off x="552015" y="689834"/>
-              <a:ext cx="8136316" cy="4661100"/>
+              <a:ext cx="8136316" cy="4727642"/>
             </p:xfrm>
             <a:graphic>
               <a:graphicData uri="http://schemas.openxmlformats.org/drawingml/2006/table">
@@ -7950,21 +9091,21 @@
                     <a:tableStyleId>{D7AC3CCA-C797-4891-BE02-D94E43425B78}</a:tableStyleId>
                   </a:tblPr>
                   <a:tblGrid>
-                    <a:gridCol w="1347831">
+                    <a:gridCol w="1427697">
                       <a:extLst>
                         <a:ext uri="{9D8B030D-6E8A-4147-A177-3AD203B41FA5}">
                           <a16:colId xmlns:a16="http://schemas.microsoft.com/office/drawing/2014/main" val="1288979779"/>
                         </a:ext>
                       </a:extLst>
                     </a:gridCol>
-                    <a:gridCol w="1347831">
+                    <a:gridCol w="1368152">
                       <a:extLst>
                         <a:ext uri="{9D8B030D-6E8A-4147-A177-3AD203B41FA5}">
                           <a16:colId xmlns:a16="http://schemas.microsoft.com/office/drawing/2014/main" val="836490692"/>
                         </a:ext>
                       </a:extLst>
                     </a:gridCol>
-                    <a:gridCol w="1347831">
+                    <a:gridCol w="1247644">
                       <a:extLst>
                         <a:ext uri="{9D8B030D-6E8A-4147-A177-3AD203B41FA5}">
                           <a16:colId xmlns:a16="http://schemas.microsoft.com/office/drawing/2014/main" val="602037206"/>
@@ -8032,7 +9173,7 @@
                         <a:blipFill>
                           <a:blip r:embed="rId3"/>
                           <a:stretch>
-                            <a:fillRect l="-100000" t="-7080" r="-403153" b="-578761"/>
+                            <a:fillRect l="-104444" t="-7080" r="-390667" b="-588496"/>
                           </a:stretch>
                         </a:blipFill>
                       </a:tcPr>
@@ -8049,7 +9190,7 @@
                         <a:blipFill>
                           <a:blip r:embed="rId3"/>
                           <a:stretch>
-                            <a:fillRect l="-200905" t="-7080" r="-304977" b="-578761"/>
+                            <a:fillRect l="-224390" t="-7080" r="-328780" b="-588496"/>
                           </a:stretch>
                         </a:blipFill>
                       </a:tcPr>
@@ -8066,7 +9207,7 @@
                         <a:blipFill>
                           <a:blip r:embed="rId3"/>
                           <a:stretch>
-                            <a:fillRect l="-322816" t="-7080" r="-227184" b="-578761"/>
+                            <a:fillRect l="-322816" t="-7080" r="-227184" b="-588496"/>
                           </a:stretch>
                         </a:blipFill>
                       </a:tcPr>
@@ -8083,7 +9224,7 @@
                         <a:blipFill>
                           <a:blip r:embed="rId3"/>
                           <a:stretch>
-                            <a:fillRect l="-408920" t="-7080" r="-119718" b="-578761"/>
+                            <a:fillRect l="-408920" t="-7080" r="-119718" b="-588496"/>
                           </a:stretch>
                         </a:blipFill>
                       </a:tcPr>
@@ -8100,7 +9241,7 @@
                         <a:blipFill>
                           <a:blip r:embed="rId3"/>
                           <a:stretch>
-                            <a:fillRect l="-428458" t="-7080" r="-791" b="-578761"/>
+                            <a:fillRect l="-428458" t="-7080" r="-791" b="-588496"/>
                           </a:stretch>
                         </a:blipFill>
                       </a:tcPr>
@@ -8124,7 +9265,7 @@
                         <a:blipFill>
                           <a:blip r:embed="rId3"/>
                           <a:stretch>
-                            <a:fillRect l="-452" t="-165753" r="-505430" b="-795890"/>
+                            <a:fillRect l="-427" t="-165753" r="-471795" b="-810959"/>
                           </a:stretch>
                         </a:blipFill>
                       </a:tcPr>
@@ -8358,13 +9499,31 @@
                             </a:spcAft>
                           </a:pPr>
                           <a:r>
-                            <a:rPr lang="ru-RU" sz="1300">
+                            <a:rPr lang="ru-RU" sz="1300" dirty="0">
                               <a:effectLst/>
                               <a:latin typeface="Times New Roman" panose="02020603050405020304" pitchFamily="18" charset="0"/>
                               <a:ea typeface="Calibri" panose="020F0502020204030204" pitchFamily="34" charset="0"/>
                               <a:cs typeface="Times New Roman" panose="02020603050405020304" pitchFamily="18" charset="0"/>
                             </a:rPr>
-                            <a:t>С помощью конфигурационных файлов и команд</a:t>
+                            <a:t>С помощью </a:t>
+                          </a:r>
+                          <a:r>
+                            <a:rPr lang="ru-RU" sz="1300" dirty="0" err="1">
+                              <a:effectLst/>
+                              <a:latin typeface="Times New Roman" panose="02020603050405020304" pitchFamily="18" charset="0"/>
+                              <a:ea typeface="Calibri" panose="020F0502020204030204" pitchFamily="34" charset="0"/>
+                              <a:cs typeface="Times New Roman" panose="02020603050405020304" pitchFamily="18" charset="0"/>
+                            </a:rPr>
+                            <a:t>конфигурацион-ных</a:t>
+                          </a:r>
+                          <a:r>
+                            <a:rPr lang="ru-RU" sz="1300" dirty="0">
+                              <a:effectLst/>
+                              <a:latin typeface="Times New Roman" panose="02020603050405020304" pitchFamily="18" charset="0"/>
+                              <a:ea typeface="Calibri" panose="020F0502020204030204" pitchFamily="34" charset="0"/>
+                              <a:cs typeface="Times New Roman" panose="02020603050405020304" pitchFamily="18" charset="0"/>
+                            </a:rPr>
+                            <a:t> файлов и команд</a:t>
                           </a:r>
                         </a:p>
                       </a:txBody>
@@ -8691,7 +9850,7 @@
                       </a:ext>
                     </a:extLst>
                   </a:tr>
-                  <a:tr h="924058">
+                  <a:tr h="990600">
                     <a:tc>
                       <a:txBody>
                         <a:bodyPr/>
@@ -8712,7 +9871,7 @@
                               <a:ea typeface="Calibri" panose="020F0502020204030204" pitchFamily="34" charset="0"/>
                               <a:cs typeface="Times New Roman" panose="02020603050405020304" pitchFamily="18" charset="0"/>
                             </a:rPr>
-                            <a:t>Необходимость загрузки дополнительных файлов</a:t>
+                            <a:t>Необходимость загрузки дополнительных файлов конфигурации</a:t>
                           </a:r>
                         </a:p>
                       </a:txBody>
@@ -8890,7 +10049,25 @@
                               <a:ea typeface="Calibri" panose="020F0502020204030204" pitchFamily="34" charset="0"/>
                               <a:cs typeface="Times New Roman" panose="02020603050405020304" pitchFamily="18" charset="0"/>
                             </a:rPr>
-                            <a:t>Наличие пользовательского интерфейса</a:t>
+                            <a:t>Тип </a:t>
+                          </a:r>
+                          <a:r>
+                            <a:rPr lang="ru-RU" sz="1300" dirty="0" err="1">
+                              <a:effectLst/>
+                              <a:latin typeface="Times New Roman" panose="02020603050405020304" pitchFamily="18" charset="0"/>
+                              <a:ea typeface="Calibri" panose="020F0502020204030204" pitchFamily="34" charset="0"/>
+                              <a:cs typeface="Times New Roman" panose="02020603050405020304" pitchFamily="18" charset="0"/>
+                            </a:rPr>
+                            <a:t>пользова-тельского</a:t>
+                          </a:r>
+                          <a:r>
+                            <a:rPr lang="ru-RU" sz="1300" dirty="0">
+                              <a:effectLst/>
+                              <a:latin typeface="Times New Roman" panose="02020603050405020304" pitchFamily="18" charset="0"/>
+                              <a:ea typeface="Calibri" panose="020F0502020204030204" pitchFamily="34" charset="0"/>
+                              <a:cs typeface="Times New Roman" panose="02020603050405020304" pitchFamily="18" charset="0"/>
+                            </a:rPr>
+                            <a:t> интерфейса</a:t>
                           </a:r>
                         </a:p>
                       </a:txBody>
@@ -10042,7 +11219,13 @@
             </a:r>
             <a:r>
               <a:rPr lang="ru-RU" sz="1000" u="sng" dirty="0">
-                <a:hlinkClick r:id="rId2"/>
+                <a:hlinkClick r:id="rId2">
+                  <a:extLst>
+                    <a:ext uri="{A12FA001-AC4F-418D-AE19-62706E023703}">
+                      <ahyp:hlinkClr xmlns:ahyp="http://schemas.microsoft.com/office/drawing/2018/hyperlinkcolor" val="tx"/>
+                    </a:ext>
+                  </a:extLst>
+                </a:hlinkClick>
               </a:rPr>
               <a:t> http://www.oracle.com/technetwork/java/index.html</a:t>
             </a:r>
@@ -10061,7 +11244,13 @@
             </a:r>
             <a:r>
               <a:rPr lang="ru-RU" sz="1000" u="sng" dirty="0">
-                <a:hlinkClick r:id="rId3"/>
+                <a:hlinkClick r:id="rId3">
+                  <a:extLst>
+                    <a:ext uri="{A12FA001-AC4F-418D-AE19-62706E023703}">
+                      <ahyp:hlinkClr xmlns:ahyp="http://schemas.microsoft.com/office/drawing/2018/hyperlinkcolor" val="tx"/>
+                    </a:ext>
+                  </a:extLst>
+                </a:hlinkClick>
               </a:rPr>
               <a:t> http://msdn.microsoft.com/ru-ru/vcsharp/default.aspx</a:t>
             </a:r>
@@ -10075,8 +11264,8 @@
           </a:p>
         </p:txBody>
       </p:sp>
-      <mc:AlternateContent xmlns:mc="http://schemas.openxmlformats.org/markup-compatibility/2006" xmlns:a14="http://schemas.microsoft.com/office/drawing/2010/main">
-        <mc:Choice Requires="a14">
+      <mc:AlternateContent xmlns:mc="http://schemas.openxmlformats.org/markup-compatibility/2006">
+        <mc:Choice xmlns:a14="http://schemas.microsoft.com/office/drawing/2010/main" Requires="a14">
           <p:graphicFrame>
             <p:nvGraphicFramePr>
               <p:cNvPr id="16" name="Таблица 15">
@@ -10092,14 +11281,14 @@
               <p:nvPr>
                 <p:extLst>
                   <p:ext uri="{D42A27DB-BD31-4B8C-83A1-F6EECF244321}">
-                    <p14:modId xmlns:p14="http://schemas.microsoft.com/office/powerpoint/2010/main" val="2644171985"/>
+                    <p14:modId xmlns:p14="http://schemas.microsoft.com/office/powerpoint/2010/main" val="4279498861"/>
                   </p:ext>
                 </p:extLst>
               </p:nvPr>
             </p:nvGraphicFramePr>
             <p:xfrm>
-              <a:off x="279400" y="739738"/>
-              <a:ext cx="8670924" cy="2275406"/>
+              <a:off x="279400" y="875079"/>
+              <a:ext cx="8670924" cy="2193881"/>
             </p:xfrm>
             <a:graphic>
               <a:graphicData uri="http://schemas.openxmlformats.org/drawingml/2006/table">
@@ -10151,7 +11340,7 @@
                       </a:extLst>
                     </a:gridCol>
                   </a:tblGrid>
-                  <a:tr h="492326">
+                  <a:tr h="398429">
                     <a:tc>
                       <a:txBody>
                         <a:bodyPr/>
@@ -10692,7 +11881,7 @@
                       </a:ext>
                     </a:extLst>
                   </a:tr>
-                  <a:tr h="199112">
+                  <a:tr h="496584">
                     <a:tc>
                       <a:txBody>
                         <a:bodyPr/>
@@ -10861,7 +12050,7 @@
                       </a:ext>
                     </a:extLst>
                   </a:tr>
-                  <a:tr h="393852">
+                  <a:tr h="584671">
                     <a:tc>
                       <a:txBody>
                         <a:bodyPr/>
@@ -11021,7 +12210,7 @@
                       </a:ext>
                     </a:extLst>
                   </a:tr>
-                  <a:tr h="956711">
+                  <a:tr h="707877">
                     <a:tc>
                       <a:txBody>
                         <a:bodyPr/>
@@ -11034,12 +12223,15 @@
                           </a:pPr>
                           <a:r>
                             <a:rPr lang="ru-RU" sz="1300" dirty="0">
+                              <a:solidFill>
+                                <a:schemeClr val="tx1"/>
+                              </a:solidFill>
                               <a:effectLst/>
                               <a:latin typeface="Times New Roman" panose="02020603050405020304" pitchFamily="18" charset="0"/>
                               <a:ea typeface="Calibri" panose="020F0502020204030204" pitchFamily="34" charset="0"/>
                               <a:cs typeface="Times New Roman" panose="02020603050405020304" pitchFamily="18" charset="0"/>
                             </a:rPr>
-                            <a:t>Простота соединения со смежными ПМ</a:t>
+                            <a:t>Возможность перегрузки операторов</a:t>
                           </a:r>
                         </a:p>
                       </a:txBody>
@@ -11062,7 +12254,7 @@
                               <a:ea typeface="Calibri" panose="020F0502020204030204" pitchFamily="34" charset="0"/>
                               <a:cs typeface="Times New Roman" panose="02020603050405020304" pitchFamily="18" charset="0"/>
                             </a:rPr>
-                            <a:t>Просто, т.к смежные модули написаны на этом языке</a:t>
+                            <a:t>Да</a:t>
                           </a:r>
                         </a:p>
                       </a:txBody>
@@ -11086,29 +12278,13 @@
                             </a:spcAft>
                           </a:pPr>
                           <a:r>
-                            <a:rPr lang="ru-RU" sz="1300">
+                            <a:rPr lang="ru-RU" sz="1300" dirty="0">
                               <a:effectLst/>
                               <a:latin typeface="Times New Roman" panose="02020603050405020304" pitchFamily="18" charset="0"/>
                               <a:ea typeface="Calibri" panose="020F0502020204030204" pitchFamily="34" charset="0"/>
                               <a:cs typeface="Times New Roman" panose="02020603050405020304" pitchFamily="18" charset="0"/>
                             </a:rPr>
-                            <a:t>Сложно</a:t>
-                          </a:r>
-                        </a:p>
-                        <a:p>
-                          <a:pPr algn="l">
-                            <a:spcAft>
-                              <a:spcPts val="0"/>
-                            </a:spcAft>
-                          </a:pPr>
-                          <a:r>
-                            <a:rPr lang="ru-RU" sz="1300">
-                              <a:effectLst/>
-                              <a:latin typeface="Times New Roman" panose="02020603050405020304" pitchFamily="18" charset="0"/>
-                              <a:ea typeface="Calibri" panose="020F0502020204030204" pitchFamily="34" charset="0"/>
-                              <a:cs typeface="Times New Roman" panose="02020603050405020304" pitchFamily="18" charset="0"/>
-                            </a:rPr>
-                            <a:t> </a:t>
+                            <a:t>Нет</a:t>
                           </a:r>
                         </a:p>
                       </a:txBody>
@@ -11135,7 +12311,7 @@
                               <a:ea typeface="Calibri" panose="020F0502020204030204" pitchFamily="34" charset="0"/>
                               <a:cs typeface="Times New Roman" panose="02020603050405020304" pitchFamily="18" charset="0"/>
                             </a:rPr>
-                            <a:t>Сложно</a:t>
+                            <a:t>Да</a:t>
                           </a:r>
                         </a:p>
                         <a:p>
@@ -11172,29 +12348,13 @@
                             </a:spcAft>
                           </a:pPr>
                           <a:r>
-                            <a:rPr lang="ru-RU" sz="1300">
+                            <a:rPr lang="ru-RU" sz="1300" dirty="0">
                               <a:effectLst/>
                               <a:latin typeface="Times New Roman" panose="02020603050405020304" pitchFamily="18" charset="0"/>
                               <a:ea typeface="Calibri" panose="020F0502020204030204" pitchFamily="34" charset="0"/>
                               <a:cs typeface="Times New Roman" panose="02020603050405020304" pitchFamily="18" charset="0"/>
                             </a:rPr>
-                            <a:t>Сложно</a:t>
-                          </a:r>
-                        </a:p>
-                        <a:p>
-                          <a:pPr algn="l">
-                            <a:spcAft>
-                              <a:spcPts val="0"/>
-                            </a:spcAft>
-                          </a:pPr>
-                          <a:r>
-                            <a:rPr lang="ru-RU" sz="1300">
-                              <a:effectLst/>
-                              <a:latin typeface="Times New Roman" panose="02020603050405020304" pitchFamily="18" charset="0"/>
-                              <a:ea typeface="Calibri" panose="020F0502020204030204" pitchFamily="34" charset="0"/>
-                              <a:cs typeface="Times New Roman" panose="02020603050405020304" pitchFamily="18" charset="0"/>
-                            </a:rPr>
-                            <a:t> </a:t>
+                            <a:t>Да</a:t>
                           </a:r>
                         </a:p>
                       </a:txBody>
@@ -11217,23 +12377,7 @@
                               <a:ea typeface="Calibri" panose="020F0502020204030204" pitchFamily="34" charset="0"/>
                               <a:cs typeface="Times New Roman" panose="02020603050405020304" pitchFamily="18" charset="0"/>
                             </a:rPr>
-                            <a:t>Сложно</a:t>
-                          </a:r>
-                        </a:p>
-                        <a:p>
-                          <a:pPr algn="l">
-                            <a:spcAft>
-                              <a:spcPts val="0"/>
-                            </a:spcAft>
-                          </a:pPr>
-                          <a:r>
-                            <a:rPr lang="ru-RU" sz="1300" dirty="0">
-                              <a:effectLst/>
-                              <a:latin typeface="Times New Roman" panose="02020603050405020304" pitchFamily="18" charset="0"/>
-                              <a:ea typeface="Calibri" panose="020F0502020204030204" pitchFamily="34" charset="0"/>
-                              <a:cs typeface="Times New Roman" panose="02020603050405020304" pitchFamily="18" charset="0"/>
-                            </a:rPr>
-                            <a:t> </a:t>
+                            <a:t>Нет </a:t>
                           </a:r>
                         </a:p>
                       </a:txBody>
@@ -11250,7 +12394,7 @@
             </a:graphic>
           </p:graphicFrame>
         </mc:Choice>
-        <mc:Fallback xmlns="">
+        <mc:Fallback>
           <p:graphicFrame>
             <p:nvGraphicFramePr>
               <p:cNvPr id="16" name="Таблица 15">
@@ -11266,14 +12410,14 @@
               <p:nvPr>
                 <p:extLst>
                   <p:ext uri="{D42A27DB-BD31-4B8C-83A1-F6EECF244321}">
-                    <p14:modId xmlns:p14="http://schemas.microsoft.com/office/powerpoint/2010/main" val="2644171985"/>
+                    <p14:modId xmlns:p14="http://schemas.microsoft.com/office/powerpoint/2010/main" val="4279498861"/>
                   </p:ext>
                 </p:extLst>
               </p:nvPr>
             </p:nvGraphicFramePr>
             <p:xfrm>
-              <a:off x="279400" y="739738"/>
-              <a:ext cx="8670924" cy="2275406"/>
+              <a:off x="279400" y="875079"/>
+              <a:ext cx="8670924" cy="2193881"/>
             </p:xfrm>
             <a:graphic>
               <a:graphicData uri="http://schemas.openxmlformats.org/drawingml/2006/table">
@@ -11325,7 +12469,7 @@
                       </a:extLst>
                     </a:gridCol>
                   </a:tblGrid>
-                  <a:tr h="492326">
+                  <a:tr h="404749">
                     <a:tc>
                       <a:txBody>
                         <a:bodyPr/>
@@ -11361,7 +12505,7 @@
                         <a:blipFill>
                           <a:blip r:embed="rId4"/>
                           <a:stretch>
-                            <a:fillRect l="-192488" t="-9877" r="-377465" b="-381481"/>
+                            <a:fillRect l="-192488" t="-11940" r="-377465" b="-441791"/>
                           </a:stretch>
                         </a:blipFill>
                       </a:tcPr>
@@ -11378,7 +12522,7 @@
                         <a:blipFill>
                           <a:blip r:embed="rId4"/>
                           <a:stretch>
-                            <a:fillRect l="-292488" t="-9877" r="-277465" b="-381481"/>
+                            <a:fillRect l="-292488" t="-11940" r="-277465" b="-441791"/>
                           </a:stretch>
                         </a:blipFill>
                       </a:tcPr>
@@ -11395,7 +12539,7 @@
                         <a:blipFill>
                           <a:blip r:embed="rId4"/>
                           <a:stretch>
-                            <a:fillRect l="-392488" t="-9877" r="-177465" b="-381481"/>
+                            <a:fillRect l="-392488" t="-11940" r="-177465" b="-441791"/>
                           </a:stretch>
                         </a:blipFill>
                       </a:tcPr>
@@ -11412,7 +12556,7 @@
                         <a:blipFill>
                           <a:blip r:embed="rId4"/>
                           <a:stretch>
-                            <a:fillRect l="-592655" t="-9877" r="-113559" b="-381481"/>
+                            <a:fillRect l="-592655" t="-11940" r="-113559" b="-441791"/>
                           </a:stretch>
                         </a:blipFill>
                       </a:tcPr>
@@ -11429,7 +12573,7 @@
                         <a:blipFill>
                           <a:blip r:embed="rId4"/>
                           <a:stretch>
-                            <a:fillRect l="-616080" t="-9877" r="-1005" b="-381481"/>
+                            <a:fillRect l="-616080" t="-11940" r="-1005" b="-441791"/>
                           </a:stretch>
                         </a:blipFill>
                       </a:tcPr>
@@ -11440,7 +12584,7 @@
                       </a:ext>
                     </a:extLst>
                   </a:tr>
-                  <a:tr h="396240">
+                  <a:tr h="496584">
                     <a:tc>
                       <a:txBody>
                         <a:bodyPr/>
@@ -11609,7 +12753,7 @@
                       </a:ext>
                     </a:extLst>
                   </a:tr>
-                  <a:tr h="396240">
+                  <a:tr h="584671">
                     <a:tc>
                       <a:txBody>
                         <a:bodyPr/>
@@ -11769,7 +12913,7 @@
                       </a:ext>
                     </a:extLst>
                   </a:tr>
-                  <a:tr h="990600">
+                  <a:tr h="707877">
                     <a:tc>
                       <a:txBody>
                         <a:bodyPr/>
@@ -11782,12 +12926,15 @@
                           </a:pPr>
                           <a:r>
                             <a:rPr lang="ru-RU" sz="1300" dirty="0">
+                              <a:solidFill>
+                                <a:schemeClr val="tx1"/>
+                              </a:solidFill>
                               <a:effectLst/>
                               <a:latin typeface="Times New Roman" panose="02020603050405020304" pitchFamily="18" charset="0"/>
                               <a:ea typeface="Calibri" panose="020F0502020204030204" pitchFamily="34" charset="0"/>
                               <a:cs typeface="Times New Roman" panose="02020603050405020304" pitchFamily="18" charset="0"/>
                             </a:rPr>
-                            <a:t>Простота соединения со смежными ПМ</a:t>
+                            <a:t>Возможность перегрузки операторов</a:t>
                           </a:r>
                         </a:p>
                       </a:txBody>
@@ -11810,7 +12957,7 @@
                               <a:ea typeface="Calibri" panose="020F0502020204030204" pitchFamily="34" charset="0"/>
                               <a:cs typeface="Times New Roman" panose="02020603050405020304" pitchFamily="18" charset="0"/>
                             </a:rPr>
-                            <a:t>Просто, т.к смежные модули написаны на этом языке</a:t>
+                            <a:t>Да</a:t>
                           </a:r>
                         </a:p>
                       </a:txBody>
@@ -11834,29 +12981,13 @@
                             </a:spcAft>
                           </a:pPr>
                           <a:r>
-                            <a:rPr lang="ru-RU" sz="1300">
+                            <a:rPr lang="ru-RU" sz="1300" dirty="0">
                               <a:effectLst/>
                               <a:latin typeface="Times New Roman" panose="02020603050405020304" pitchFamily="18" charset="0"/>
                               <a:ea typeface="Calibri" panose="020F0502020204030204" pitchFamily="34" charset="0"/>
                               <a:cs typeface="Times New Roman" panose="02020603050405020304" pitchFamily="18" charset="0"/>
                             </a:rPr>
-                            <a:t>Сложно</a:t>
-                          </a:r>
-                        </a:p>
-                        <a:p>
-                          <a:pPr algn="l">
-                            <a:spcAft>
-                              <a:spcPts val="0"/>
-                            </a:spcAft>
-                          </a:pPr>
-                          <a:r>
-                            <a:rPr lang="ru-RU" sz="1300">
-                              <a:effectLst/>
-                              <a:latin typeface="Times New Roman" panose="02020603050405020304" pitchFamily="18" charset="0"/>
-                              <a:ea typeface="Calibri" panose="020F0502020204030204" pitchFamily="34" charset="0"/>
-                              <a:cs typeface="Times New Roman" panose="02020603050405020304" pitchFamily="18" charset="0"/>
-                            </a:rPr>
-                            <a:t> </a:t>
+                            <a:t>Нет</a:t>
                           </a:r>
                         </a:p>
                       </a:txBody>
@@ -11883,7 +13014,7 @@
                               <a:ea typeface="Calibri" panose="020F0502020204030204" pitchFamily="34" charset="0"/>
                               <a:cs typeface="Times New Roman" panose="02020603050405020304" pitchFamily="18" charset="0"/>
                             </a:rPr>
-                            <a:t>Сложно</a:t>
+                            <a:t>Да</a:t>
                           </a:r>
                         </a:p>
                         <a:p>
@@ -11920,29 +13051,13 @@
                             </a:spcAft>
                           </a:pPr>
                           <a:r>
-                            <a:rPr lang="ru-RU" sz="1300">
+                            <a:rPr lang="ru-RU" sz="1300" dirty="0">
                               <a:effectLst/>
                               <a:latin typeface="Times New Roman" panose="02020603050405020304" pitchFamily="18" charset="0"/>
                               <a:ea typeface="Calibri" panose="020F0502020204030204" pitchFamily="34" charset="0"/>
                               <a:cs typeface="Times New Roman" panose="02020603050405020304" pitchFamily="18" charset="0"/>
                             </a:rPr>
-                            <a:t>Сложно</a:t>
-                          </a:r>
-                        </a:p>
-                        <a:p>
-                          <a:pPr algn="l">
-                            <a:spcAft>
-                              <a:spcPts val="0"/>
-                            </a:spcAft>
-                          </a:pPr>
-                          <a:r>
-                            <a:rPr lang="ru-RU" sz="1300">
-                              <a:effectLst/>
-                              <a:latin typeface="Times New Roman" panose="02020603050405020304" pitchFamily="18" charset="0"/>
-                              <a:ea typeface="Calibri" panose="020F0502020204030204" pitchFamily="34" charset="0"/>
-                              <a:cs typeface="Times New Roman" panose="02020603050405020304" pitchFamily="18" charset="0"/>
-                            </a:rPr>
-                            <a:t> </a:t>
+                            <a:t>Да</a:t>
                           </a:r>
                         </a:p>
                       </a:txBody>
@@ -11965,23 +13080,7 @@
                               <a:ea typeface="Calibri" panose="020F0502020204030204" pitchFamily="34" charset="0"/>
                               <a:cs typeface="Times New Roman" panose="02020603050405020304" pitchFamily="18" charset="0"/>
                             </a:rPr>
-                            <a:t>Сложно</a:t>
-                          </a:r>
-                        </a:p>
-                        <a:p>
-                          <a:pPr algn="l">
-                            <a:spcAft>
-                              <a:spcPts val="0"/>
-                            </a:spcAft>
-                          </a:pPr>
-                          <a:r>
-                            <a:rPr lang="ru-RU" sz="1300" dirty="0">
-                              <a:effectLst/>
-                              <a:latin typeface="Times New Roman" panose="02020603050405020304" pitchFamily="18" charset="0"/>
-                              <a:ea typeface="Calibri" panose="020F0502020204030204" pitchFamily="34" charset="0"/>
-                              <a:cs typeface="Times New Roman" panose="02020603050405020304" pitchFamily="18" charset="0"/>
-                            </a:rPr>
-                            <a:t> </a:t>
+                            <a:t>Нет </a:t>
                           </a:r>
                         </a:p>
                       </a:txBody>
@@ -11999,8 +13098,8 @@
           </p:graphicFrame>
         </mc:Fallback>
       </mc:AlternateContent>
-      <mc:AlternateContent xmlns:mc="http://schemas.openxmlformats.org/markup-compatibility/2006">
-        <mc:Choice xmlns:a14="http://schemas.microsoft.com/office/drawing/2010/main" Requires="a14">
+      <mc:AlternateContent xmlns:mc="http://schemas.openxmlformats.org/markup-compatibility/2006" xmlns:a14="http://schemas.microsoft.com/office/drawing/2010/main">
+        <mc:Choice Requires="a14">
           <p:graphicFrame>
             <p:nvGraphicFramePr>
               <p:cNvPr id="3" name="Таблица 2">
@@ -13568,7 +14667,7 @@
             </a:graphic>
           </p:graphicFrame>
         </mc:Choice>
-        <mc:Fallback>
+        <mc:Fallback xmlns="">
           <p:graphicFrame>
             <p:nvGraphicFramePr>
               <p:cNvPr id="3" name="Таблица 2">
@@ -14779,13 +15878,25 @@
             </a:r>
             <a:r>
               <a:rPr lang="ru-RU" sz="1000" u="sng" dirty="0">
-                <a:hlinkClick r:id="rId2"/>
+                <a:hlinkClick r:id="rId2">
+                  <a:extLst>
+                    <a:ext uri="{A12FA001-AC4F-418D-AE19-62706E023703}">
+                      <ahyp:hlinkClr xmlns:ahyp="http://schemas.microsoft.com/office/drawing/2018/hyperlinkcolor" val="tx"/>
+                    </a:ext>
+                  </a:extLst>
+                </a:hlinkClick>
               </a:rPr>
               <a:t> </a:t>
             </a:r>
             <a:r>
               <a:rPr lang="en-US" sz="1000" u="sng" dirty="0">
-                <a:hlinkClick r:id="rId6"/>
+                <a:hlinkClick r:id="rId6">
+                  <a:extLst>
+                    <a:ext uri="{A12FA001-AC4F-418D-AE19-62706E023703}">
+                      <ahyp:hlinkClr xmlns:ahyp="http://schemas.microsoft.com/office/drawing/2018/hyperlinkcolor" val="tx"/>
+                    </a:ext>
+                  </a:extLst>
+                </a:hlinkClick>
               </a:rPr>
               <a:t>https://code.visualstudio.com/docs</a:t>
             </a:r>
@@ -14798,7 +15909,13 @@
             </a:r>
             <a:r>
               <a:rPr lang="en-US" sz="1000" u="sng" dirty="0">
-                <a:hlinkClick r:id="rId7"/>
+                <a:hlinkClick r:id="rId7">
+                  <a:extLst>
+                    <a:ext uri="{A12FA001-AC4F-418D-AE19-62706E023703}">
+                      <ahyp:hlinkClr xmlns:ahyp="http://schemas.microsoft.com/office/drawing/2018/hyperlinkcolor" val="tx"/>
+                    </a:ext>
+                  </a:extLst>
+                </a:hlinkClick>
               </a:rPr>
               <a:t>https://docs.microsoft.com/ru-ru/visualstudio</a:t>
             </a:r>
@@ -14968,7 +16085,7 @@
           <p:nvPr>
             <p:extLst>
               <p:ext uri="{D42A27DB-BD31-4B8C-83A1-F6EECF244321}">
-                <p14:modId xmlns:p14="http://schemas.microsoft.com/office/powerpoint/2010/main" val="2562601114"/>
+                <p14:modId xmlns:p14="http://schemas.microsoft.com/office/powerpoint/2010/main" val="1711725607"/>
               </p:ext>
             </p:extLst>
           </p:nvPr>
@@ -15299,7 +16416,7 @@
                           <a:effectLst/>
                           <a:latin typeface="Times New Roman" pitchFamily="18" charset="0"/>
                         </a:rPr>
-                        <a:t>6</a:t>
+                        <a:t>5</a:t>
                       </a:r>
                     </a:p>
                   </a:txBody>
@@ -15770,10 +16887,10 @@
       </p:sp>
       <p:pic>
         <p:nvPicPr>
-          <p:cNvPr id="3" name="Рисунок 2">
+          <p:cNvPr id="12" name="Рисунок 11">
             <a:extLst>
               <a:ext uri="{FF2B5EF4-FFF2-40B4-BE49-F238E27FC236}">
-                <a16:creationId xmlns:a16="http://schemas.microsoft.com/office/drawing/2014/main" id="{9ECD79FB-9CCF-4F6C-A707-9F0A7AA48074}"/>
+                <a16:creationId xmlns:a16="http://schemas.microsoft.com/office/drawing/2014/main" id="{75575956-A16B-4C37-A266-707545A4AD71}"/>
               </a:ext>
             </a:extLst>
           </p:cNvPr>
@@ -15790,8 +16907,8 @@
         </p:blipFill>
         <p:spPr>
           <a:xfrm>
-            <a:off x="341787" y="1772816"/>
-            <a:ext cx="8460426" cy="3557224"/>
+            <a:off x="308916" y="723433"/>
+            <a:ext cx="8669984" cy="5417662"/>
           </a:xfrm>
           <a:prstGeom prst="rect">
             <a:avLst/>
@@ -15823,6 +16940,36 @@
           <a:chExt cx="0" cy="0"/>
         </a:xfrm>
       </p:grpSpPr>
+      <p:pic>
+        <p:nvPicPr>
+          <p:cNvPr id="9" name="Рисунок 8">
+            <a:extLst>
+              <a:ext uri="{FF2B5EF4-FFF2-40B4-BE49-F238E27FC236}">
+                <a16:creationId xmlns:a16="http://schemas.microsoft.com/office/drawing/2014/main" id="{D37BDCAD-81A1-4F5A-B3F9-1B90D12CCC69}"/>
+              </a:ext>
+            </a:extLst>
+          </p:cNvPr>
+          <p:cNvPicPr>
+            <a:picLocks noChangeAspect="1"/>
+          </p:cNvPicPr>
+          <p:nvPr/>
+        </p:nvPicPr>
+        <p:blipFill>
+          <a:blip r:embed="rId2"/>
+          <a:stretch>
+            <a:fillRect/>
+          </a:stretch>
+        </p:blipFill>
+        <p:spPr>
+          <a:xfrm>
+            <a:off x="424675" y="376457"/>
+            <a:ext cx="7817145" cy="5905597"/>
+          </a:xfrm>
+          <a:prstGeom prst="rect">
+            <a:avLst/>
+          </a:prstGeom>
+        </p:spPr>
+      </p:pic>
       <p:sp>
         <p:nvSpPr>
           <p:cNvPr id="138" name="Прямоугольник 137"/>
@@ -16749,18 +17896,11 @@
                 <a:tabLst/>
               </a:pPr>
               <a:r>
-                <a:rPr kumimoji="0" lang="ru-RU" sz="800" b="0" i="1" u="none" strike="noStrike" cap="none" normalizeH="0" baseline="0" dirty="0">
-                  <a:ln>
-                    <a:noFill/>
-                  </a:ln>
-                  <a:solidFill>
-                    <a:schemeClr val="tx1"/>
-                  </a:solidFill>
-                  <a:effectLst/>
+                <a:rPr lang="ru-RU" sz="800" i="1" dirty="0">
                   <a:latin typeface="Times New Roman" pitchFamily="18" charset="0"/>
                   <a:cs typeface="Arial" pitchFamily="34" charset="0"/>
                 </a:rPr>
-                <a:t>7</a:t>
+                <a:t>6</a:t>
               </a:r>
               <a:endParaRPr kumimoji="0" lang="ru-RU" sz="800" b="0" i="0" u="none" strike="noStrike" cap="none" normalizeH="0" baseline="0" dirty="0">
                 <a:ln>
@@ -19008,12 +20148,37 @@
           </p:txBody>
         </p:sp>
       </p:grpSp>
+    </p:spTree>
+  </p:cSld>
+  <p:clrMapOvr>
+    <a:masterClrMapping/>
+  </p:clrMapOvr>
+</p:sld>
+</file>
+
+<file path=ppt/slides/slide7.xml><?xml version="1.0" encoding="utf-8"?>
+<p:sld xmlns:a="http://schemas.openxmlformats.org/drawingml/2006/main" xmlns:r="http://schemas.openxmlformats.org/officeDocument/2006/relationships" xmlns:p="http://schemas.openxmlformats.org/presentationml/2006/main">
+  <p:cSld>
+    <p:spTree>
+      <p:nvGrpSpPr>
+        <p:cNvPr id="1" name=""/>
+        <p:cNvGrpSpPr/>
+        <p:nvPr/>
+      </p:nvGrpSpPr>
+      <p:grpSpPr>
+        <a:xfrm>
+          <a:off x="0" y="0"/>
+          <a:ext cx="0" cy="0"/>
+          <a:chOff x="0" y="0"/>
+          <a:chExt cx="0" cy="0"/>
+        </a:xfrm>
+      </p:grpSpPr>
       <p:pic>
         <p:nvPicPr>
-          <p:cNvPr id="14" name="Рисунок 13">
+          <p:cNvPr id="16" name="Рисунок 15">
             <a:extLst>
               <a:ext uri="{FF2B5EF4-FFF2-40B4-BE49-F238E27FC236}">
-                <a16:creationId xmlns:a16="http://schemas.microsoft.com/office/drawing/2014/main" id="{E1BF416B-A17D-4E91-AF80-B5E8221D7FC9}"/>
+                <a16:creationId xmlns:a16="http://schemas.microsoft.com/office/drawing/2014/main" id="{AA4F453F-2214-46E2-86E4-FEA6BAF4A738}"/>
               </a:ext>
             </a:extLst>
           </p:cNvPr>
@@ -19030,15 +20195,1041 @@
         </p:blipFill>
         <p:spPr>
           <a:xfrm>
-            <a:off x="306435" y="417738"/>
-            <a:ext cx="8509862" cy="6074564"/>
+            <a:off x="1816219" y="1289523"/>
+            <a:ext cx="7029450" cy="5086350"/>
           </a:xfrm>
           <a:prstGeom prst="rect">
             <a:avLst/>
           </a:prstGeom>
         </p:spPr>
       </p:pic>
+      <p:sp>
+        <p:nvSpPr>
+          <p:cNvPr id="4" name="Rectangle 25">
+            <a:extLst>
+              <a:ext uri="{FF2B5EF4-FFF2-40B4-BE49-F238E27FC236}">
+                <a16:creationId xmlns:a16="http://schemas.microsoft.com/office/drawing/2014/main" id="{393B0B9D-6A52-4F1E-A74F-C54B51234849}"/>
+              </a:ext>
+            </a:extLst>
+          </p:cNvPr>
+          <p:cNvSpPr>
+            <a:spLocks noChangeArrowheads="1"/>
+          </p:cNvSpPr>
+          <p:nvPr/>
+        </p:nvSpPr>
+        <p:spPr bwMode="auto">
+          <a:xfrm>
+            <a:off x="250825" y="260350"/>
+            <a:ext cx="8642350" cy="427038"/>
+          </a:xfrm>
+          <a:prstGeom prst="rect">
+            <a:avLst/>
+          </a:prstGeom>
+          <a:noFill/>
+          <a:ln w="9525">
+            <a:noFill/>
+            <a:miter lim="800000"/>
+            <a:headEnd/>
+            <a:tailEnd/>
+          </a:ln>
+        </p:spPr>
+        <p:txBody>
+          <a:bodyPr>
+            <a:spAutoFit/>
+          </a:bodyPr>
+          <a:lstStyle/>
+          <a:p>
+            <a:pPr algn="ctr"/>
+            <a:r>
+              <a:rPr lang="ru-RU" sz="2200" b="1" dirty="0"/>
+              <a:t>Продолжение схемы алгоритма</a:t>
+            </a:r>
+          </a:p>
+        </p:txBody>
+      </p:sp>
+      <p:sp>
+        <p:nvSpPr>
+          <p:cNvPr id="6" name="Line 137">
+            <a:extLst>
+              <a:ext uri="{FF2B5EF4-FFF2-40B4-BE49-F238E27FC236}">
+                <a16:creationId xmlns:a16="http://schemas.microsoft.com/office/drawing/2014/main" id="{3CFE9799-2FB7-4A96-A551-DAA84C16E170}"/>
+              </a:ext>
+            </a:extLst>
+          </p:cNvPr>
+          <p:cNvSpPr>
+            <a:spLocks noChangeShapeType="1"/>
+          </p:cNvSpPr>
+          <p:nvPr/>
+        </p:nvSpPr>
+        <p:spPr bwMode="auto">
+          <a:xfrm>
+            <a:off x="193675" y="188913"/>
+            <a:ext cx="0" cy="6480175"/>
+          </a:xfrm>
+          <a:prstGeom prst="line">
+            <a:avLst/>
+          </a:prstGeom>
+          <a:noFill/>
+          <a:ln w="12700" cap="sq">
+            <a:solidFill>
+              <a:schemeClr val="tx1"/>
+            </a:solidFill>
+            <a:round/>
+            <a:headEnd/>
+            <a:tailEnd/>
+          </a:ln>
+        </p:spPr>
+        <p:txBody>
+          <a:bodyPr/>
+          <a:lstStyle/>
+          <a:p>
+            <a:endParaRPr lang="ru-RU"/>
+          </a:p>
+        </p:txBody>
+      </p:sp>
+      <p:sp>
+        <p:nvSpPr>
+          <p:cNvPr id="7" name="Line 138">
+            <a:extLst>
+              <a:ext uri="{FF2B5EF4-FFF2-40B4-BE49-F238E27FC236}">
+                <a16:creationId xmlns:a16="http://schemas.microsoft.com/office/drawing/2014/main" id="{CA761A1F-61A3-4F12-956A-15CAAB02AD24}"/>
+              </a:ext>
+            </a:extLst>
+          </p:cNvPr>
+          <p:cNvSpPr>
+            <a:spLocks noChangeShapeType="1"/>
+          </p:cNvSpPr>
+          <p:nvPr/>
+        </p:nvSpPr>
+        <p:spPr bwMode="auto">
+          <a:xfrm>
+            <a:off x="8978900" y="188913"/>
+            <a:ext cx="0" cy="6480175"/>
+          </a:xfrm>
+          <a:prstGeom prst="line">
+            <a:avLst/>
+          </a:prstGeom>
+          <a:noFill/>
+          <a:ln w="12700" cap="sq">
+            <a:solidFill>
+              <a:schemeClr val="tx1"/>
+            </a:solidFill>
+            <a:round/>
+            <a:headEnd/>
+            <a:tailEnd/>
+          </a:ln>
+        </p:spPr>
+        <p:txBody>
+          <a:bodyPr/>
+          <a:lstStyle/>
+          <a:p>
+            <a:endParaRPr lang="ru-RU"/>
+          </a:p>
+        </p:txBody>
+      </p:sp>
+      <p:graphicFrame>
+        <p:nvGraphicFramePr>
+          <p:cNvPr id="8" name="Group 10">
+            <a:extLst>
+              <a:ext uri="{FF2B5EF4-FFF2-40B4-BE49-F238E27FC236}">
+                <a16:creationId xmlns:a16="http://schemas.microsoft.com/office/drawing/2014/main" id="{22A01D60-98A3-4891-BCB3-AFDF989EABD4}"/>
+              </a:ext>
+            </a:extLst>
+          </p:cNvPr>
+          <p:cNvGraphicFramePr>
+            <a:graphicFrameLocks noGrp="1"/>
+          </p:cNvGraphicFramePr>
+          <p:nvPr>
+            <p:extLst>
+              <p:ext uri="{D42A27DB-BD31-4B8C-83A1-F6EECF244321}">
+                <p14:modId xmlns:p14="http://schemas.microsoft.com/office/powerpoint/2010/main" val="2488448790"/>
+              </p:ext>
+            </p:extLst>
+          </p:nvPr>
+        </p:nvGraphicFramePr>
+        <p:xfrm>
+          <a:off x="6156325" y="6254750"/>
+          <a:ext cx="2822575" cy="412740"/>
+        </p:xfrm>
+        <a:graphic>
+          <a:graphicData uri="http://schemas.openxmlformats.org/drawingml/2006/table">
+            <a:tbl>
+              <a:tblPr/>
+              <a:tblGrid>
+                <a:gridCol w="792163">
+                  <a:extLst>
+                    <a:ext uri="{9D8B030D-6E8A-4147-A177-3AD203B41FA5}">
+                      <a16:colId xmlns:a16="http://schemas.microsoft.com/office/drawing/2014/main" val="20000"/>
+                    </a:ext>
+                  </a:extLst>
+                </a:gridCol>
+                <a:gridCol w="1008062">
+                  <a:extLst>
+                    <a:ext uri="{9D8B030D-6E8A-4147-A177-3AD203B41FA5}">
+                      <a16:colId xmlns:a16="http://schemas.microsoft.com/office/drawing/2014/main" val="20001"/>
+                    </a:ext>
+                  </a:extLst>
+                </a:gridCol>
+                <a:gridCol w="649288">
+                  <a:extLst>
+                    <a:ext uri="{9D8B030D-6E8A-4147-A177-3AD203B41FA5}">
+                      <a16:colId xmlns:a16="http://schemas.microsoft.com/office/drawing/2014/main" val="20002"/>
+                    </a:ext>
+                  </a:extLst>
+                </a:gridCol>
+                <a:gridCol w="373062">
+                  <a:extLst>
+                    <a:ext uri="{9D8B030D-6E8A-4147-A177-3AD203B41FA5}">
+                      <a16:colId xmlns:a16="http://schemas.microsoft.com/office/drawing/2014/main" val="20003"/>
+                    </a:ext>
+                  </a:extLst>
+                </a:gridCol>
+              </a:tblGrid>
+              <a:tr h="0">
+                <a:tc>
+                  <a:txBody>
+                    <a:bodyPr/>
+                    <a:lstStyle/>
+                    <a:p>
+                      <a:pPr marL="0" marR="0" lvl="0" indent="0" algn="l" defTabSz="914400" rtl="0" eaLnBrk="1" fontAlgn="base" latinLnBrk="0" hangingPunct="1">
+                        <a:lnSpc>
+                          <a:spcPct val="100000"/>
+                        </a:lnSpc>
+                        <a:spcBef>
+                          <a:spcPct val="0"/>
+                        </a:spcBef>
+                        <a:spcAft>
+                          <a:spcPct val="0"/>
+                        </a:spcAft>
+                        <a:buClrTx/>
+                        <a:buSzTx/>
+                        <a:buFontTx/>
+                        <a:buNone/>
+                        <a:tabLst/>
+                      </a:pPr>
+                      <a:r>
+                        <a:rPr kumimoji="0" lang="ru-RU" sz="1000" b="0" i="0" u="none" strike="noStrike" cap="none" normalizeH="0" baseline="0" dirty="0">
+                          <a:ln>
+                            <a:noFill/>
+                          </a:ln>
+                          <a:solidFill>
+                            <a:schemeClr val="tx1"/>
+                          </a:solidFill>
+                          <a:effectLst/>
+                          <a:latin typeface="Times New Roman" pitchFamily="18" charset="0"/>
+                          <a:cs typeface="Times New Roman" pitchFamily="18" charset="0"/>
+                        </a:rPr>
+                        <a:t>Разработал</a:t>
+                      </a:r>
+                      <a:endParaRPr kumimoji="0" lang="ru-RU" sz="1000" b="0" i="0" u="none" strike="noStrike" cap="none" normalizeH="0" baseline="0" dirty="0">
+                        <a:ln>
+                          <a:noFill/>
+                        </a:ln>
+                        <a:solidFill>
+                          <a:schemeClr val="tx1"/>
+                        </a:solidFill>
+                        <a:effectLst/>
+                        <a:latin typeface="Arial" charset="0"/>
+                      </a:endParaRPr>
+                    </a:p>
+                  </a:txBody>
+                  <a:tcPr marL="71962" marR="71962" marT="17991" marB="35979" horzOverflow="overflow">
+                    <a:lnL w="12700" cap="flat" cmpd="sng" algn="ctr">
+                      <a:solidFill>
+                        <a:srgbClr val="000000"/>
+                      </a:solidFill>
+                      <a:prstDash val="solid"/>
+                      <a:round/>
+                      <a:headEnd type="none" w="med" len="med"/>
+                      <a:tailEnd type="none" w="med" len="med"/>
+                    </a:lnL>
+                    <a:lnR w="12700" cap="flat" cmpd="sng" algn="ctr">
+                      <a:solidFill>
+                        <a:srgbClr val="000000"/>
+                      </a:solidFill>
+                      <a:prstDash val="solid"/>
+                      <a:round/>
+                      <a:headEnd type="none" w="med" len="med"/>
+                      <a:tailEnd type="none" w="med" len="med"/>
+                    </a:lnR>
+                    <a:lnT w="12700" cap="flat" cmpd="sng" algn="ctr">
+                      <a:solidFill>
+                        <a:srgbClr val="000000"/>
+                      </a:solidFill>
+                      <a:prstDash val="solid"/>
+                      <a:round/>
+                      <a:headEnd type="none" w="med" len="med"/>
+                      <a:tailEnd type="none" w="med" len="med"/>
+                    </a:lnT>
+                    <a:lnB w="12700" cap="flat" cmpd="sng" algn="ctr">
+                      <a:solidFill>
+                        <a:srgbClr val="000000"/>
+                      </a:solidFill>
+                      <a:prstDash val="solid"/>
+                      <a:round/>
+                      <a:headEnd type="none" w="med" len="med"/>
+                      <a:tailEnd type="none" w="med" len="med"/>
+                    </a:lnB>
+                    <a:lnTlToBr>
+                      <a:noFill/>
+                    </a:lnTlToBr>
+                    <a:lnBlToTr>
+                      <a:noFill/>
+                    </a:lnBlToTr>
+                    <a:noFill/>
+                  </a:tcPr>
+                </a:tc>
+                <a:tc>
+                  <a:txBody>
+                    <a:bodyPr/>
+                    <a:lstStyle/>
+                    <a:p>
+                      <a:pPr marL="0" marR="0" lvl="0" indent="0" algn="l" defTabSz="914400" rtl="0" eaLnBrk="1" fontAlgn="base" latinLnBrk="0" hangingPunct="1">
+                        <a:lnSpc>
+                          <a:spcPct val="100000"/>
+                        </a:lnSpc>
+                        <a:spcBef>
+                          <a:spcPct val="0"/>
+                        </a:spcBef>
+                        <a:spcAft>
+                          <a:spcPct val="0"/>
+                        </a:spcAft>
+                        <a:buClrTx/>
+                        <a:buSzTx/>
+                        <a:buFontTx/>
+                        <a:buNone/>
+                        <a:tabLst/>
+                      </a:pPr>
+                      <a:r>
+                        <a:rPr kumimoji="0" lang="ru-RU" sz="1000" b="0" i="0" u="none" strike="noStrike" cap="none" normalizeH="0" baseline="0" dirty="0">
+                          <a:ln>
+                            <a:noFill/>
+                          </a:ln>
+                          <a:solidFill>
+                            <a:schemeClr val="tx1"/>
+                          </a:solidFill>
+                          <a:effectLst/>
+                          <a:latin typeface="Times New Roman" pitchFamily="18" charset="0"/>
+                          <a:cs typeface="Times New Roman" pitchFamily="18" charset="0"/>
+                        </a:rPr>
+                        <a:t>Федотов А. А</a:t>
+                      </a:r>
+                    </a:p>
+                  </a:txBody>
+                  <a:tcPr marL="71962" marR="71962" marT="17991" marB="35979" horzOverflow="overflow">
+                    <a:lnL w="12700" cap="flat" cmpd="sng" algn="ctr">
+                      <a:solidFill>
+                        <a:srgbClr val="000000"/>
+                      </a:solidFill>
+                      <a:prstDash val="solid"/>
+                      <a:round/>
+                      <a:headEnd type="none" w="med" len="med"/>
+                      <a:tailEnd type="none" w="med" len="med"/>
+                    </a:lnL>
+                    <a:lnR w="12700" cap="flat" cmpd="sng" algn="ctr">
+                      <a:solidFill>
+                        <a:srgbClr val="000000"/>
+                      </a:solidFill>
+                      <a:prstDash val="solid"/>
+                      <a:round/>
+                      <a:headEnd type="none" w="med" len="med"/>
+                      <a:tailEnd type="none" w="med" len="med"/>
+                    </a:lnR>
+                    <a:lnT w="12700" cap="flat" cmpd="sng" algn="ctr">
+                      <a:solidFill>
+                        <a:srgbClr val="000000"/>
+                      </a:solidFill>
+                      <a:prstDash val="solid"/>
+                      <a:round/>
+                      <a:headEnd type="none" w="med" len="med"/>
+                      <a:tailEnd type="none" w="med" len="med"/>
+                    </a:lnT>
+                    <a:lnB w="12700" cap="flat" cmpd="sng" algn="ctr">
+                      <a:solidFill>
+                        <a:srgbClr val="000000"/>
+                      </a:solidFill>
+                      <a:prstDash val="solid"/>
+                      <a:round/>
+                      <a:headEnd type="none" w="med" len="med"/>
+                      <a:tailEnd type="none" w="med" len="med"/>
+                    </a:lnB>
+                    <a:lnTlToBr>
+                      <a:noFill/>
+                    </a:lnTlToBr>
+                    <a:lnBlToTr>
+                      <a:noFill/>
+                    </a:lnBlToTr>
+                    <a:noFill/>
+                  </a:tcPr>
+                </a:tc>
+                <a:tc>
+                  <a:txBody>
+                    <a:bodyPr/>
+                    <a:lstStyle/>
+                    <a:p>
+                      <a:pPr marL="0" marR="0" lvl="0" indent="0" algn="l" defTabSz="914400" rtl="0" eaLnBrk="1" fontAlgn="base" latinLnBrk="0" hangingPunct="1">
+                        <a:lnSpc>
+                          <a:spcPct val="100000"/>
+                        </a:lnSpc>
+                        <a:spcBef>
+                          <a:spcPct val="20000"/>
+                        </a:spcBef>
+                        <a:spcAft>
+                          <a:spcPct val="0"/>
+                        </a:spcAft>
+                        <a:buClrTx/>
+                        <a:buSzTx/>
+                        <a:buFontTx/>
+                        <a:buNone/>
+                        <a:tabLst/>
+                      </a:pPr>
+                      <a:endParaRPr kumimoji="0" lang="ru-RU" sz="1000" b="0" i="0" u="none" strike="noStrike" cap="none" normalizeH="0" baseline="0" dirty="0">
+                        <a:ln>
+                          <a:noFill/>
+                        </a:ln>
+                        <a:solidFill>
+                          <a:schemeClr val="tx1"/>
+                        </a:solidFill>
+                        <a:effectLst/>
+                        <a:latin typeface="Arial" charset="0"/>
+                      </a:endParaRPr>
+                    </a:p>
+                  </a:txBody>
+                  <a:tcPr marL="71962" marR="71962" marT="17991" marB="35979" horzOverflow="overflow">
+                    <a:lnL w="12700" cap="flat" cmpd="sng" algn="ctr">
+                      <a:solidFill>
+                        <a:srgbClr val="000000"/>
+                      </a:solidFill>
+                      <a:prstDash val="solid"/>
+                      <a:round/>
+                      <a:headEnd type="none" w="med" len="med"/>
+                      <a:tailEnd type="none" w="med" len="med"/>
+                    </a:lnL>
+                    <a:lnR w="12700" cap="flat" cmpd="sng" algn="ctr">
+                      <a:solidFill>
+                        <a:srgbClr val="000000"/>
+                      </a:solidFill>
+                      <a:prstDash val="solid"/>
+                      <a:round/>
+                      <a:headEnd type="none" w="med" len="med"/>
+                      <a:tailEnd type="none" w="med" len="med"/>
+                    </a:lnR>
+                    <a:lnT w="12700" cap="flat" cmpd="sng" algn="ctr">
+                      <a:solidFill>
+                        <a:srgbClr val="000000"/>
+                      </a:solidFill>
+                      <a:prstDash val="solid"/>
+                      <a:round/>
+                      <a:headEnd type="none" w="med" len="med"/>
+                      <a:tailEnd type="none" w="med" len="med"/>
+                    </a:lnT>
+                    <a:lnB w="12700" cap="flat" cmpd="sng" algn="ctr">
+                      <a:solidFill>
+                        <a:srgbClr val="000000"/>
+                      </a:solidFill>
+                      <a:prstDash val="solid"/>
+                      <a:round/>
+                      <a:headEnd type="none" w="med" len="med"/>
+                      <a:tailEnd type="none" w="med" len="med"/>
+                    </a:lnB>
+                    <a:lnTlToBr>
+                      <a:noFill/>
+                    </a:lnTlToBr>
+                    <a:lnBlToTr>
+                      <a:noFill/>
+                    </a:lnBlToTr>
+                    <a:noFill/>
+                  </a:tcPr>
+                </a:tc>
+                <a:tc>
+                  <a:txBody>
+                    <a:bodyPr/>
+                    <a:lstStyle/>
+                    <a:p>
+                      <a:pPr marL="0" marR="0" lvl="0" indent="0" algn="l" defTabSz="914400" rtl="0" eaLnBrk="1" fontAlgn="base" latinLnBrk="0" hangingPunct="1">
+                        <a:lnSpc>
+                          <a:spcPct val="100000"/>
+                        </a:lnSpc>
+                        <a:spcBef>
+                          <a:spcPct val="20000"/>
+                        </a:spcBef>
+                        <a:spcAft>
+                          <a:spcPct val="0"/>
+                        </a:spcAft>
+                        <a:buClrTx/>
+                        <a:buSzTx/>
+                        <a:buFontTx/>
+                        <a:buNone/>
+                        <a:tabLst/>
+                      </a:pPr>
+                      <a:r>
+                        <a:rPr kumimoji="0" lang="ru-RU" sz="1000" b="0" i="0" u="none" strike="noStrike" cap="none" normalizeH="0" baseline="0" dirty="0">
+                          <a:ln>
+                            <a:noFill/>
+                          </a:ln>
+                          <a:solidFill>
+                            <a:schemeClr val="tx1"/>
+                          </a:solidFill>
+                          <a:effectLst/>
+                          <a:latin typeface="Times New Roman" pitchFamily="18" charset="0"/>
+                        </a:rPr>
+                        <a:t>7</a:t>
+                      </a:r>
+                    </a:p>
+                  </a:txBody>
+                  <a:tcPr marL="71962" marR="71962" marT="17991" marB="35979" horzOverflow="overflow">
+                    <a:lnL w="12700" cap="flat" cmpd="sng" algn="ctr">
+                      <a:solidFill>
+                        <a:srgbClr val="000000"/>
+                      </a:solidFill>
+                      <a:prstDash val="solid"/>
+                      <a:round/>
+                      <a:headEnd type="none" w="med" len="med"/>
+                      <a:tailEnd type="none" w="med" len="med"/>
+                    </a:lnL>
+                    <a:lnR w="12700" cap="flat" cmpd="sng" algn="ctr">
+                      <a:solidFill>
+                        <a:srgbClr val="000000"/>
+                      </a:solidFill>
+                      <a:prstDash val="solid"/>
+                      <a:round/>
+                      <a:headEnd type="none" w="med" len="med"/>
+                      <a:tailEnd type="none" w="med" len="med"/>
+                    </a:lnR>
+                    <a:lnT w="12700" cap="flat" cmpd="sng" algn="ctr">
+                      <a:solidFill>
+                        <a:srgbClr val="000000"/>
+                      </a:solidFill>
+                      <a:prstDash val="solid"/>
+                      <a:round/>
+                      <a:headEnd type="none" w="med" len="med"/>
+                      <a:tailEnd type="none" w="med" len="med"/>
+                    </a:lnT>
+                    <a:lnB w="12700" cap="flat" cmpd="sng" algn="ctr">
+                      <a:solidFill>
+                        <a:srgbClr val="000000"/>
+                      </a:solidFill>
+                      <a:prstDash val="solid"/>
+                      <a:round/>
+                      <a:headEnd type="none" w="med" len="med"/>
+                      <a:tailEnd type="none" w="med" len="med"/>
+                    </a:lnB>
+                    <a:lnTlToBr>
+                      <a:noFill/>
+                    </a:lnTlToBr>
+                    <a:lnBlToTr>
+                      <a:noFill/>
+                    </a:lnBlToTr>
+                    <a:noFill/>
+                  </a:tcPr>
+                </a:tc>
+                <a:extLst>
+                  <a:ext uri="{0D108BD9-81ED-4DB2-BD59-A6C34878D82A}">
+                    <a16:rowId xmlns:a16="http://schemas.microsoft.com/office/drawing/2014/main" val="10000"/>
+                  </a:ext>
+                </a:extLst>
+              </a:tr>
+              <a:tr h="0">
+                <a:tc>
+                  <a:txBody>
+                    <a:bodyPr/>
+                    <a:lstStyle/>
+                    <a:p>
+                      <a:pPr marL="0" marR="0" lvl="0" indent="0" algn="l" defTabSz="914400" rtl="0" eaLnBrk="1" fontAlgn="base" latinLnBrk="0" hangingPunct="1">
+                        <a:lnSpc>
+                          <a:spcPct val="100000"/>
+                        </a:lnSpc>
+                        <a:spcBef>
+                          <a:spcPct val="0"/>
+                        </a:spcBef>
+                        <a:spcAft>
+                          <a:spcPct val="0"/>
+                        </a:spcAft>
+                        <a:buClrTx/>
+                        <a:buSzTx/>
+                        <a:buFontTx/>
+                        <a:buNone/>
+                        <a:tabLst/>
+                      </a:pPr>
+                      <a:r>
+                        <a:rPr kumimoji="0" lang="ru-RU" sz="1000" b="0" i="0" u="none" strike="noStrike" cap="none" normalizeH="0" baseline="0">
+                          <a:ln>
+                            <a:noFill/>
+                          </a:ln>
+                          <a:solidFill>
+                            <a:schemeClr val="tx1"/>
+                          </a:solidFill>
+                          <a:effectLst/>
+                          <a:latin typeface="Times New Roman" pitchFamily="18" charset="0"/>
+                          <a:cs typeface="Times New Roman" pitchFamily="18" charset="0"/>
+                        </a:rPr>
+                        <a:t>Утвердил</a:t>
+                      </a:r>
+                      <a:endParaRPr kumimoji="0" lang="ru-RU" sz="1000" b="0" i="0" u="none" strike="noStrike" cap="none" normalizeH="0" baseline="0">
+                        <a:ln>
+                          <a:noFill/>
+                        </a:ln>
+                        <a:solidFill>
+                          <a:schemeClr val="tx1"/>
+                        </a:solidFill>
+                        <a:effectLst/>
+                        <a:latin typeface="Arial" charset="0"/>
+                      </a:endParaRPr>
+                    </a:p>
+                  </a:txBody>
+                  <a:tcPr marL="71962" marR="71962" marT="17991" marB="35979" horzOverflow="overflow">
+                    <a:lnL w="12700" cap="flat" cmpd="sng" algn="ctr">
+                      <a:solidFill>
+                        <a:srgbClr val="000000"/>
+                      </a:solidFill>
+                      <a:prstDash val="solid"/>
+                      <a:round/>
+                      <a:headEnd type="none" w="med" len="med"/>
+                      <a:tailEnd type="none" w="med" len="med"/>
+                    </a:lnL>
+                    <a:lnR w="12700" cap="flat" cmpd="sng" algn="ctr">
+                      <a:solidFill>
+                        <a:srgbClr val="000000"/>
+                      </a:solidFill>
+                      <a:prstDash val="solid"/>
+                      <a:round/>
+                      <a:headEnd type="none" w="med" len="med"/>
+                      <a:tailEnd type="none" w="med" len="med"/>
+                    </a:lnR>
+                    <a:lnT w="12700" cap="flat" cmpd="sng" algn="ctr">
+                      <a:solidFill>
+                        <a:srgbClr val="000000"/>
+                      </a:solidFill>
+                      <a:prstDash val="solid"/>
+                      <a:round/>
+                      <a:headEnd type="none" w="med" len="med"/>
+                      <a:tailEnd type="none" w="med" len="med"/>
+                    </a:lnT>
+                    <a:lnB w="12700" cap="flat" cmpd="sng" algn="ctr">
+                      <a:solidFill>
+                        <a:srgbClr val="000000"/>
+                      </a:solidFill>
+                      <a:prstDash val="solid"/>
+                      <a:round/>
+                      <a:headEnd type="none" w="med" len="med"/>
+                      <a:tailEnd type="none" w="med" len="med"/>
+                    </a:lnB>
+                    <a:lnTlToBr>
+                      <a:noFill/>
+                    </a:lnTlToBr>
+                    <a:lnBlToTr>
+                      <a:noFill/>
+                    </a:lnBlToTr>
+                    <a:noFill/>
+                  </a:tcPr>
+                </a:tc>
+                <a:tc>
+                  <a:txBody>
+                    <a:bodyPr/>
+                    <a:lstStyle/>
+                    <a:p>
+                      <a:pPr marL="0" marR="0" lvl="0" indent="0" algn="l" defTabSz="914400" rtl="0" eaLnBrk="1" fontAlgn="base" latinLnBrk="0" hangingPunct="1">
+                        <a:lnSpc>
+                          <a:spcPct val="100000"/>
+                        </a:lnSpc>
+                        <a:spcBef>
+                          <a:spcPct val="0"/>
+                        </a:spcBef>
+                        <a:spcAft>
+                          <a:spcPct val="0"/>
+                        </a:spcAft>
+                        <a:buClrTx/>
+                        <a:buSzTx/>
+                        <a:buFontTx/>
+                        <a:buNone/>
+                        <a:tabLst/>
+                      </a:pPr>
+                      <a:r>
+                        <a:rPr kumimoji="0" lang="ru-RU" sz="1000" b="0" i="0" u="none" strike="noStrike" cap="none" normalizeH="0" baseline="0" dirty="0">
+                          <a:ln>
+                            <a:noFill/>
+                          </a:ln>
+                          <a:solidFill>
+                            <a:schemeClr val="tx1"/>
+                          </a:solidFill>
+                          <a:effectLst/>
+                          <a:latin typeface="Times New Roman" pitchFamily="18" charset="0"/>
+                          <a:cs typeface="Times New Roman" pitchFamily="18" charset="0"/>
+                        </a:rPr>
+                        <a:t>Касимов Р. А</a:t>
+                      </a:r>
+                    </a:p>
+                  </a:txBody>
+                  <a:tcPr marL="71962" marR="71962" marT="17991" marB="35979" horzOverflow="overflow">
+                    <a:lnL w="12700" cap="flat" cmpd="sng" algn="ctr">
+                      <a:solidFill>
+                        <a:srgbClr val="000000"/>
+                      </a:solidFill>
+                      <a:prstDash val="solid"/>
+                      <a:round/>
+                      <a:headEnd type="none" w="med" len="med"/>
+                      <a:tailEnd type="none" w="med" len="med"/>
+                    </a:lnL>
+                    <a:lnR w="12700" cap="flat" cmpd="sng" algn="ctr">
+                      <a:solidFill>
+                        <a:srgbClr val="000000"/>
+                      </a:solidFill>
+                      <a:prstDash val="solid"/>
+                      <a:round/>
+                      <a:headEnd type="none" w="med" len="med"/>
+                      <a:tailEnd type="none" w="med" len="med"/>
+                    </a:lnR>
+                    <a:lnT w="12700" cap="flat" cmpd="sng" algn="ctr">
+                      <a:solidFill>
+                        <a:srgbClr val="000000"/>
+                      </a:solidFill>
+                      <a:prstDash val="solid"/>
+                      <a:round/>
+                      <a:headEnd type="none" w="med" len="med"/>
+                      <a:tailEnd type="none" w="med" len="med"/>
+                    </a:lnT>
+                    <a:lnB w="12700" cap="flat" cmpd="sng" algn="ctr">
+                      <a:solidFill>
+                        <a:srgbClr val="000000"/>
+                      </a:solidFill>
+                      <a:prstDash val="solid"/>
+                      <a:round/>
+                      <a:headEnd type="none" w="med" len="med"/>
+                      <a:tailEnd type="none" w="med" len="med"/>
+                    </a:lnB>
+                    <a:lnTlToBr>
+                      <a:noFill/>
+                    </a:lnTlToBr>
+                    <a:lnBlToTr>
+                      <a:noFill/>
+                    </a:lnBlToTr>
+                    <a:noFill/>
+                  </a:tcPr>
+                </a:tc>
+                <a:tc>
+                  <a:txBody>
+                    <a:bodyPr/>
+                    <a:lstStyle/>
+                    <a:p>
+                      <a:pPr marL="0" marR="0" lvl="0" indent="0" algn="l" defTabSz="914400" rtl="0" eaLnBrk="1" fontAlgn="base" latinLnBrk="0" hangingPunct="1">
+                        <a:lnSpc>
+                          <a:spcPct val="100000"/>
+                        </a:lnSpc>
+                        <a:spcBef>
+                          <a:spcPct val="20000"/>
+                        </a:spcBef>
+                        <a:spcAft>
+                          <a:spcPct val="0"/>
+                        </a:spcAft>
+                        <a:buClrTx/>
+                        <a:buSzTx/>
+                        <a:buFontTx/>
+                        <a:buNone/>
+                        <a:tabLst/>
+                      </a:pPr>
+                      <a:endParaRPr kumimoji="0" lang="ru-RU" sz="1000" b="0" i="0" u="none" strike="noStrike" cap="none" normalizeH="0" baseline="0">
+                        <a:ln>
+                          <a:noFill/>
+                        </a:ln>
+                        <a:solidFill>
+                          <a:schemeClr val="tx1"/>
+                        </a:solidFill>
+                        <a:effectLst/>
+                        <a:latin typeface="Arial" charset="0"/>
+                      </a:endParaRPr>
+                    </a:p>
+                  </a:txBody>
+                  <a:tcPr marL="71962" marR="71962" marT="17991" marB="35979" horzOverflow="overflow">
+                    <a:lnL w="12700" cap="flat" cmpd="sng" algn="ctr">
+                      <a:solidFill>
+                        <a:srgbClr val="000000"/>
+                      </a:solidFill>
+                      <a:prstDash val="solid"/>
+                      <a:round/>
+                      <a:headEnd type="none" w="med" len="med"/>
+                      <a:tailEnd type="none" w="med" len="med"/>
+                    </a:lnL>
+                    <a:lnR w="12700" cap="flat" cmpd="sng" algn="ctr">
+                      <a:solidFill>
+                        <a:srgbClr val="000000"/>
+                      </a:solidFill>
+                      <a:prstDash val="solid"/>
+                      <a:round/>
+                      <a:headEnd type="none" w="med" len="med"/>
+                      <a:tailEnd type="none" w="med" len="med"/>
+                    </a:lnR>
+                    <a:lnT w="12700" cap="flat" cmpd="sng" algn="ctr">
+                      <a:solidFill>
+                        <a:srgbClr val="000000"/>
+                      </a:solidFill>
+                      <a:prstDash val="solid"/>
+                      <a:round/>
+                      <a:headEnd type="none" w="med" len="med"/>
+                      <a:tailEnd type="none" w="med" len="med"/>
+                    </a:lnT>
+                    <a:lnB w="12700" cap="flat" cmpd="sng" algn="ctr">
+                      <a:solidFill>
+                        <a:srgbClr val="000000"/>
+                      </a:solidFill>
+                      <a:prstDash val="solid"/>
+                      <a:round/>
+                      <a:headEnd type="none" w="med" len="med"/>
+                      <a:tailEnd type="none" w="med" len="med"/>
+                    </a:lnB>
+                    <a:lnTlToBr>
+                      <a:noFill/>
+                    </a:lnTlToBr>
+                    <a:lnBlToTr>
+                      <a:noFill/>
+                    </a:lnBlToTr>
+                    <a:noFill/>
+                  </a:tcPr>
+                </a:tc>
+                <a:tc>
+                  <a:txBody>
+                    <a:bodyPr/>
+                    <a:lstStyle/>
+                    <a:p>
+                      <a:pPr marL="0" marR="0" lvl="0" indent="0" algn="l" defTabSz="914400" rtl="0" eaLnBrk="1" fontAlgn="base" latinLnBrk="0" hangingPunct="1">
+                        <a:lnSpc>
+                          <a:spcPct val="100000"/>
+                        </a:lnSpc>
+                        <a:spcBef>
+                          <a:spcPct val="20000"/>
+                        </a:spcBef>
+                        <a:spcAft>
+                          <a:spcPct val="0"/>
+                        </a:spcAft>
+                        <a:buClrTx/>
+                        <a:buSzTx/>
+                        <a:buFontTx/>
+                        <a:buNone/>
+                        <a:tabLst/>
+                      </a:pPr>
+                      <a:endParaRPr kumimoji="0" lang="ru-RU" sz="1000" b="0" i="0" u="none" strike="noStrike" cap="none" normalizeH="0" baseline="0" dirty="0">
+                        <a:ln>
+                          <a:noFill/>
+                        </a:ln>
+                        <a:solidFill>
+                          <a:schemeClr val="tx1"/>
+                        </a:solidFill>
+                        <a:effectLst/>
+                        <a:latin typeface="Arial" charset="0"/>
+                      </a:endParaRPr>
+                    </a:p>
+                  </a:txBody>
+                  <a:tcPr marL="71962" marR="71962" marT="17991" marB="35979" horzOverflow="overflow">
+                    <a:lnL w="12700" cap="flat" cmpd="sng" algn="ctr">
+                      <a:solidFill>
+                        <a:srgbClr val="000000"/>
+                      </a:solidFill>
+                      <a:prstDash val="solid"/>
+                      <a:round/>
+                      <a:headEnd type="none" w="med" len="med"/>
+                      <a:tailEnd type="none" w="med" len="med"/>
+                    </a:lnL>
+                    <a:lnR w="12700" cap="flat" cmpd="sng" algn="ctr">
+                      <a:solidFill>
+                        <a:srgbClr val="000000"/>
+                      </a:solidFill>
+                      <a:prstDash val="solid"/>
+                      <a:round/>
+                      <a:headEnd type="none" w="med" len="med"/>
+                      <a:tailEnd type="none" w="med" len="med"/>
+                    </a:lnR>
+                    <a:lnT w="12700" cap="flat" cmpd="sng" algn="ctr">
+                      <a:solidFill>
+                        <a:srgbClr val="000000"/>
+                      </a:solidFill>
+                      <a:prstDash val="solid"/>
+                      <a:round/>
+                      <a:headEnd type="none" w="med" len="med"/>
+                      <a:tailEnd type="none" w="med" len="med"/>
+                    </a:lnT>
+                    <a:lnB w="12700" cap="flat" cmpd="sng" algn="ctr">
+                      <a:solidFill>
+                        <a:srgbClr val="000000"/>
+                      </a:solidFill>
+                      <a:prstDash val="solid"/>
+                      <a:round/>
+                      <a:headEnd type="none" w="med" len="med"/>
+                      <a:tailEnd type="none" w="med" len="med"/>
+                    </a:lnB>
+                    <a:lnTlToBr>
+                      <a:noFill/>
+                    </a:lnTlToBr>
+                    <a:lnBlToTr>
+                      <a:noFill/>
+                    </a:lnBlToTr>
+                    <a:noFill/>
+                  </a:tcPr>
+                </a:tc>
+                <a:extLst>
+                  <a:ext uri="{0D108BD9-81ED-4DB2-BD59-A6C34878D82A}">
+                    <a16:rowId xmlns:a16="http://schemas.microsoft.com/office/drawing/2014/main" val="10001"/>
+                  </a:ext>
+                </a:extLst>
+              </a:tr>
+            </a:tbl>
+          </a:graphicData>
+        </a:graphic>
+      </p:graphicFrame>
+      <p:sp>
+        <p:nvSpPr>
+          <p:cNvPr id="9" name="Line 158">
+            <a:extLst>
+              <a:ext uri="{FF2B5EF4-FFF2-40B4-BE49-F238E27FC236}">
+                <a16:creationId xmlns:a16="http://schemas.microsoft.com/office/drawing/2014/main" id="{F5F03BA7-BFFC-4FE2-A029-B3CCAED5CF13}"/>
+              </a:ext>
+            </a:extLst>
+          </p:cNvPr>
+          <p:cNvSpPr>
+            <a:spLocks noChangeShapeType="1"/>
+          </p:cNvSpPr>
+          <p:nvPr/>
+        </p:nvSpPr>
+        <p:spPr bwMode="auto">
+          <a:xfrm>
+            <a:off x="193675" y="188913"/>
+            <a:ext cx="8785225" cy="0"/>
+          </a:xfrm>
+          <a:prstGeom prst="line">
+            <a:avLst/>
+          </a:prstGeom>
+          <a:noFill/>
+          <a:ln w="12700" cap="sq">
+            <a:solidFill>
+              <a:schemeClr val="tx1"/>
+            </a:solidFill>
+            <a:round/>
+            <a:headEnd/>
+            <a:tailEnd/>
+          </a:ln>
+        </p:spPr>
+        <p:txBody>
+          <a:bodyPr/>
+          <a:lstStyle/>
+          <a:p>
+            <a:endParaRPr lang="ru-RU"/>
+          </a:p>
+        </p:txBody>
+      </p:sp>
+      <p:sp>
+        <p:nvSpPr>
+          <p:cNvPr id="10" name="Line 159">
+            <a:extLst>
+              <a:ext uri="{FF2B5EF4-FFF2-40B4-BE49-F238E27FC236}">
+                <a16:creationId xmlns:a16="http://schemas.microsoft.com/office/drawing/2014/main" id="{E835DB7B-ACF6-4582-B14C-2BE15EE43772}"/>
+              </a:ext>
+            </a:extLst>
+          </p:cNvPr>
+          <p:cNvSpPr>
+            <a:spLocks noChangeShapeType="1"/>
+          </p:cNvSpPr>
+          <p:nvPr/>
+        </p:nvSpPr>
+        <p:spPr bwMode="auto">
+          <a:xfrm>
+            <a:off x="193675" y="6669088"/>
+            <a:ext cx="8785225" cy="0"/>
+          </a:xfrm>
+          <a:prstGeom prst="line">
+            <a:avLst/>
+          </a:prstGeom>
+          <a:noFill/>
+          <a:ln w="12700" cap="sq">
+            <a:solidFill>
+              <a:schemeClr val="tx1"/>
+            </a:solidFill>
+            <a:round/>
+            <a:headEnd/>
+            <a:tailEnd/>
+          </a:ln>
+        </p:spPr>
+        <p:txBody>
+          <a:bodyPr/>
+          <a:lstStyle/>
+          <a:p>
+            <a:endParaRPr lang="ru-RU"/>
+          </a:p>
+        </p:txBody>
+      </p:sp>
+      <p:sp>
+        <p:nvSpPr>
+          <p:cNvPr id="13" name="TextBox 12">
+            <a:extLst>
+              <a:ext uri="{FF2B5EF4-FFF2-40B4-BE49-F238E27FC236}">
+                <a16:creationId xmlns:a16="http://schemas.microsoft.com/office/drawing/2014/main" id="{0DE39567-4287-4086-B4F1-A3DE1B6C3BF6}"/>
+              </a:ext>
+            </a:extLst>
+          </p:cNvPr>
+          <p:cNvSpPr txBox="1"/>
+          <p:nvPr/>
+        </p:nvSpPr>
+        <p:spPr>
+          <a:xfrm>
+            <a:off x="683568" y="943429"/>
+            <a:ext cx="2883225" cy="369332"/>
+          </a:xfrm>
+          <a:prstGeom prst="rect">
+            <a:avLst/>
+          </a:prstGeom>
+          <a:noFill/>
+        </p:spPr>
+        <p:txBody>
+          <a:bodyPr wrap="none" rtlCol="0">
+            <a:spAutoFit/>
+          </a:bodyPr>
+          <a:lstStyle/>
+          <a:p>
+            <a:r>
+              <a:rPr lang="ru-RU" dirty="0"/>
+              <a:t>Добавление нового сервера</a:t>
+            </a:r>
+          </a:p>
+        </p:txBody>
+      </p:sp>
+      <p:sp>
+        <p:nvSpPr>
+          <p:cNvPr id="14" name="TextBox 13">
+            <a:extLst>
+              <a:ext uri="{FF2B5EF4-FFF2-40B4-BE49-F238E27FC236}">
+                <a16:creationId xmlns:a16="http://schemas.microsoft.com/office/drawing/2014/main" id="{C3842876-32C9-4EC9-9E6D-6A2C827E9302}"/>
+              </a:ext>
+            </a:extLst>
+          </p:cNvPr>
+          <p:cNvSpPr txBox="1"/>
+          <p:nvPr/>
+        </p:nvSpPr>
+        <p:spPr>
+          <a:xfrm>
+            <a:off x="4499012" y="920191"/>
+            <a:ext cx="3314625" cy="369332"/>
+          </a:xfrm>
+          <a:prstGeom prst="rect">
+            <a:avLst/>
+          </a:prstGeom>
+          <a:noFill/>
+        </p:spPr>
+        <p:txBody>
+          <a:bodyPr wrap="none" rtlCol="0">
+            <a:spAutoFit/>
+          </a:bodyPr>
+          <a:lstStyle/>
+          <a:p>
+            <a:r>
+              <a:rPr lang="ru-RU" dirty="0"/>
+              <a:t>Удаление добавленного сервера</a:t>
+            </a:r>
+          </a:p>
+        </p:txBody>
+      </p:sp>
     </p:spTree>
+    <p:extLst>
+      <p:ext uri="{BB962C8B-B14F-4D97-AF65-F5344CB8AC3E}">
+        <p14:creationId xmlns:p14="http://schemas.microsoft.com/office/powerpoint/2010/main" val="2979934578"/>
+      </p:ext>
+    </p:extLst>
   </p:cSld>
   <p:clrMapOvr>
     <a:masterClrMapping/>
@@ -19046,7 +21237,7 @@
 </p:sld>
 </file>
 
-<file path=ppt/slides/slide7.xml><?xml version="1.0" encoding="utf-8"?>
+<file path=ppt/slides/slide8.xml><?xml version="1.0" encoding="utf-8"?>
 <p:sld xmlns:a="http://schemas.openxmlformats.org/drawingml/2006/main" xmlns:r="http://schemas.openxmlformats.org/officeDocument/2006/relationships" xmlns:p="http://schemas.openxmlformats.org/presentationml/2006/main">
   <p:cSld>
     <p:spTree>
@@ -20067,7 +22258,7 @@
 </p:sld>
 </file>
 
-<file path=ppt/slides/slide8.xml><?xml version="1.0" encoding="utf-8"?>
+<file path=ppt/slides/slide9.xml><?xml version="1.0" encoding="utf-8"?>
 <p:sld xmlns:a="http://schemas.openxmlformats.org/drawingml/2006/main" xmlns:r="http://schemas.openxmlformats.org/officeDocument/2006/relationships" xmlns:p="http://schemas.openxmlformats.org/presentationml/2006/main">
   <p:cSld>
     <p:spTree>
@@ -20276,246 +22467,111 @@
           </a:ln>
         </p:spPr>
       </p:cxnSp>
-    </p:spTree>
-    <p:extLst>
-      <p:ext uri="{BB962C8B-B14F-4D97-AF65-F5344CB8AC3E}">
-        <p14:creationId xmlns:p14="http://schemas.microsoft.com/office/powerpoint/2010/main" val="2329590171"/>
-      </p:ext>
-    </p:extLst>
-  </p:cSld>
-  <p:clrMapOvr>
-    <a:masterClrMapping/>
-  </p:clrMapOvr>
-</p:sld>
-</file>
-
-<file path=ppt/slides/slide9.xml><?xml version="1.0" encoding="utf-8"?>
-<p:sld xmlns:a="http://schemas.openxmlformats.org/drawingml/2006/main" xmlns:r="http://schemas.openxmlformats.org/officeDocument/2006/relationships" xmlns:p="http://schemas.openxmlformats.org/presentationml/2006/main">
-  <p:cSld>
-    <p:spTree>
-      <p:nvGrpSpPr>
-        <p:cNvPr id="1" name=""/>
-        <p:cNvGrpSpPr/>
-        <p:nvPr/>
-      </p:nvGrpSpPr>
-      <p:grpSpPr>
-        <a:xfrm>
-          <a:off x="0" y="0"/>
-          <a:ext cx="0" cy="0"/>
-          <a:chOff x="0" y="0"/>
-          <a:chExt cx="0" cy="0"/>
-        </a:xfrm>
-      </p:grpSpPr>
-      <p:sp>
-        <p:nvSpPr>
-          <p:cNvPr id="4" name="Rectangle 23"/>
-          <p:cNvSpPr>
-            <a:spLocks noChangeArrowheads="1"/>
-          </p:cNvSpPr>
-          <p:nvPr/>
-        </p:nvSpPr>
-        <p:spPr bwMode="auto">
-          <a:xfrm>
-            <a:off x="250825" y="260350"/>
-            <a:ext cx="8642350" cy="427038"/>
-          </a:xfrm>
-          <a:prstGeom prst="rect">
-            <a:avLst/>
-          </a:prstGeom>
-          <a:noFill/>
-          <a:ln w="9525">
-            <a:noFill/>
-            <a:miter lim="800000"/>
-            <a:headEnd/>
-            <a:tailEnd/>
-          </a:ln>
-        </p:spPr>
-        <p:txBody>
-          <a:bodyPr>
-            <a:spAutoFit/>
-          </a:bodyPr>
-          <a:lstStyle/>
-          <a:p>
-            <a:pPr algn="ctr"/>
-            <a:r>
-              <a:rPr lang="ru-RU" sz="2200" b="1" dirty="0"/>
-              <a:t>Результаты работы</a:t>
-            </a:r>
-          </a:p>
-        </p:txBody>
-      </p:sp>
-      <p:sp>
-        <p:nvSpPr>
-          <p:cNvPr id="5" name="Line 137"/>
-          <p:cNvSpPr>
-            <a:spLocks noChangeShapeType="1"/>
-          </p:cNvSpPr>
-          <p:nvPr/>
-        </p:nvSpPr>
-        <p:spPr bwMode="auto">
-          <a:xfrm>
-            <a:off x="193675" y="188913"/>
-            <a:ext cx="0" cy="6480175"/>
-          </a:xfrm>
-          <a:prstGeom prst="line">
-            <a:avLst/>
-          </a:prstGeom>
-          <a:noFill/>
-          <a:ln w="12700" cap="sq">
-            <a:solidFill>
-              <a:schemeClr val="tx1"/>
-            </a:solidFill>
-            <a:round/>
-            <a:headEnd/>
-            <a:tailEnd/>
-          </a:ln>
-        </p:spPr>
-        <p:txBody>
-          <a:bodyPr/>
-          <a:lstStyle/>
-          <a:p>
-            <a:endParaRPr lang="ru-RU"/>
-          </a:p>
-        </p:txBody>
-      </p:sp>
-      <p:sp>
-        <p:nvSpPr>
-          <p:cNvPr id="6" name="Line 138"/>
-          <p:cNvSpPr>
-            <a:spLocks noChangeShapeType="1"/>
-          </p:cNvSpPr>
-          <p:nvPr/>
-        </p:nvSpPr>
-        <p:spPr bwMode="auto">
-          <a:xfrm>
-            <a:off x="8978900" y="188913"/>
-            <a:ext cx="0" cy="6480175"/>
-          </a:xfrm>
-          <a:prstGeom prst="line">
-            <a:avLst/>
-          </a:prstGeom>
-          <a:noFill/>
-          <a:ln w="12700" cap="sq">
-            <a:solidFill>
-              <a:schemeClr val="tx1"/>
-            </a:solidFill>
-            <a:round/>
-            <a:headEnd/>
-            <a:tailEnd/>
-          </a:ln>
-        </p:spPr>
-        <p:txBody>
-          <a:bodyPr/>
-          <a:lstStyle/>
-          <a:p>
-            <a:endParaRPr lang="ru-RU"/>
-          </a:p>
-        </p:txBody>
-      </p:sp>
       <p:graphicFrame>
         <p:nvGraphicFramePr>
-          <p:cNvPr id="7" name="Group 10"/>
+          <p:cNvPr id="11" name="Таблица 10">
+            <a:extLst>
+              <a:ext uri="{FF2B5EF4-FFF2-40B4-BE49-F238E27FC236}">
+                <a16:creationId xmlns:a16="http://schemas.microsoft.com/office/drawing/2014/main" id="{3FBC3394-A238-4FD3-8790-DA19BEDBF9D8}"/>
+              </a:ext>
+            </a:extLst>
+          </p:cNvPr>
           <p:cNvGraphicFramePr>
             <a:graphicFrameLocks noGrp="1"/>
           </p:cNvGraphicFramePr>
           <p:nvPr>
             <p:extLst>
               <p:ext uri="{D42A27DB-BD31-4B8C-83A1-F6EECF244321}">
-                <p14:modId xmlns:p14="http://schemas.microsoft.com/office/powerpoint/2010/main" val="1946067037"/>
+                <p14:modId xmlns:p14="http://schemas.microsoft.com/office/powerpoint/2010/main" val="2101135297"/>
               </p:ext>
             </p:extLst>
           </p:nvPr>
         </p:nvGraphicFramePr>
         <p:xfrm>
-          <a:off x="6156325" y="6093297"/>
-          <a:ext cx="2822575" cy="574194"/>
+          <a:off x="3077129" y="927206"/>
+          <a:ext cx="5877517" cy="5492565"/>
         </p:xfrm>
         <a:graphic>
           <a:graphicData uri="http://schemas.openxmlformats.org/drawingml/2006/table">
             <a:tbl>
-              <a:tblPr/>
+              <a:tblPr firstRow="1" firstCol="1" bandRow="1">
+                <a:tableStyleId>{5C22544A-7EE6-4342-B048-85BDC9FD1C3A}</a:tableStyleId>
+              </a:tblPr>
               <a:tblGrid>
-                <a:gridCol w="792163">
+                <a:gridCol w="1190414">
                   <a:extLst>
                     <a:ext uri="{9D8B030D-6E8A-4147-A177-3AD203B41FA5}">
-                      <a16:colId xmlns:a16="http://schemas.microsoft.com/office/drawing/2014/main" val="20000"/>
+                      <a16:colId xmlns:a16="http://schemas.microsoft.com/office/drawing/2014/main" val="1257805774"/>
                     </a:ext>
                   </a:extLst>
                 </a:gridCol>
-                <a:gridCol w="1008062">
+                <a:gridCol w="1533711">
                   <a:extLst>
                     <a:ext uri="{9D8B030D-6E8A-4147-A177-3AD203B41FA5}">
-                      <a16:colId xmlns:a16="http://schemas.microsoft.com/office/drawing/2014/main" val="20001"/>
+                      <a16:colId xmlns:a16="http://schemas.microsoft.com/office/drawing/2014/main" val="1659384672"/>
                     </a:ext>
                   </a:extLst>
                 </a:gridCol>
-                <a:gridCol w="649288">
+                <a:gridCol w="1193420">
                   <a:extLst>
                     <a:ext uri="{9D8B030D-6E8A-4147-A177-3AD203B41FA5}">
-                      <a16:colId xmlns:a16="http://schemas.microsoft.com/office/drawing/2014/main" val="20002"/>
+                      <a16:colId xmlns:a16="http://schemas.microsoft.com/office/drawing/2014/main" val="3330221367"/>
                     </a:ext>
                   </a:extLst>
                 </a:gridCol>
-                <a:gridCol w="373062">
+                <a:gridCol w="1192818">
                   <a:extLst>
                     <a:ext uri="{9D8B030D-6E8A-4147-A177-3AD203B41FA5}">
-                      <a16:colId xmlns:a16="http://schemas.microsoft.com/office/drawing/2014/main" val="20003"/>
+                      <a16:colId xmlns:a16="http://schemas.microsoft.com/office/drawing/2014/main" val="3712783889"/>
+                    </a:ext>
+                  </a:extLst>
+                </a:gridCol>
+                <a:gridCol w="767154">
+                  <a:extLst>
+                    <a:ext uri="{9D8B030D-6E8A-4147-A177-3AD203B41FA5}">
+                      <a16:colId xmlns:a16="http://schemas.microsoft.com/office/drawing/2014/main" val="71922888"/>
                     </a:ext>
                   </a:extLst>
                 </a:gridCol>
               </a:tblGrid>
-              <a:tr h="367824">
+              <a:tr h="588489">
                 <a:tc>
                   <a:txBody>
                     <a:bodyPr/>
                     <a:lstStyle/>
                     <a:p>
-                      <a:pPr marL="0" marR="0" lvl="0" indent="0" algn="l" defTabSz="914400" rtl="0" eaLnBrk="1" fontAlgn="base" latinLnBrk="0" hangingPunct="1">
+                      <a:pPr indent="0">
                         <a:lnSpc>
                           <a:spcPct val="100000"/>
                         </a:lnSpc>
-                        <a:spcBef>
-                          <a:spcPct val="0"/>
-                        </a:spcBef>
                         <a:spcAft>
-                          <a:spcPct val="0"/>
+                          <a:spcPts val="0"/>
                         </a:spcAft>
-                        <a:buClrTx/>
-                        <a:buSzTx/>
-                        <a:buFontTx/>
-                        <a:buNone/>
-                        <a:tabLst/>
                       </a:pPr>
                       <a:r>
-                        <a:rPr kumimoji="0" lang="ru-RU" sz="1000" b="0" i="0" u="none" strike="noStrike" cap="none" normalizeH="0" baseline="0" dirty="0">
-                          <a:ln>
-                            <a:noFill/>
-                          </a:ln>
+                        <a:rPr lang="ru-RU" sz="1100" b="0" dirty="0">
                           <a:solidFill>
                             <a:schemeClr val="tx1"/>
                           </a:solidFill>
                           <a:effectLst/>
-                          <a:latin typeface="Times New Roman" pitchFamily="18" charset="0"/>
-                          <a:cs typeface="Times New Roman" pitchFamily="18" charset="0"/>
                         </a:rPr>
-                        <a:t>Разработал</a:t>
+                        <a:t>Название теста</a:t>
                       </a:r>
-                      <a:endParaRPr kumimoji="0" lang="ru-RU" sz="1000" b="0" i="0" u="none" strike="noStrike" cap="none" normalizeH="0" baseline="0" dirty="0">
-                        <a:ln>
-                          <a:noFill/>
-                        </a:ln>
+                      <a:endParaRPr lang="ru-RU" sz="1100" b="0" dirty="0">
                         <a:solidFill>
                           <a:schemeClr val="tx1"/>
                         </a:solidFill>
                         <a:effectLst/>
-                        <a:latin typeface="Arial" charset="0"/>
+                        <a:latin typeface="Times New Roman" panose="02020603050405020304" pitchFamily="18" charset="0"/>
+                        <a:ea typeface="Calibri" panose="020F0502020204030204" pitchFamily="34" charset="0"/>
+                        <a:cs typeface="Times New Roman" panose="02020603050405020304" pitchFamily="18" charset="0"/>
                       </a:endParaRPr>
                     </a:p>
                   </a:txBody>
-                  <a:tcPr marL="71962" marR="71962" marT="17991" marB="35979" horzOverflow="overflow">
+                  <a:tcPr marL="25375" marR="25375" marT="0" marB="0">
                     <a:lnL w="12700" cap="flat" cmpd="sng" algn="ctr">
                       <a:solidFill>
-                        <a:srgbClr val="000000"/>
+                        <a:schemeClr val="tx1"/>
                       </a:solidFill>
                       <a:prstDash val="solid"/>
                       <a:round/>
@@ -20524,7 +22580,7 @@
                     </a:lnL>
                     <a:lnR w="12700" cap="flat" cmpd="sng" algn="ctr">
                       <a:solidFill>
-                        <a:srgbClr val="000000"/>
+                        <a:schemeClr val="tx1"/>
                       </a:solidFill>
                       <a:prstDash val="solid"/>
                       <a:round/>
@@ -20533,7 +22589,7 @@
                     </a:lnR>
                     <a:lnT w="12700" cap="flat" cmpd="sng" algn="ctr">
                       <a:solidFill>
-                        <a:srgbClr val="000000"/>
+                        <a:schemeClr val="tx1"/>
                       </a:solidFill>
                       <a:prstDash val="solid"/>
                       <a:round/>
@@ -20542,20 +22598,16 @@
                     </a:lnT>
                     <a:lnB w="12700" cap="flat" cmpd="sng" algn="ctr">
                       <a:solidFill>
-                        <a:srgbClr val="000000"/>
+                        <a:schemeClr val="tx1"/>
                       </a:solidFill>
                       <a:prstDash val="solid"/>
                       <a:round/>
                       <a:headEnd type="none" w="med" len="med"/>
                       <a:tailEnd type="none" w="med" len="med"/>
                     </a:lnB>
-                    <a:lnTlToBr>
-                      <a:noFill/>
-                    </a:lnTlToBr>
-                    <a:lnBlToTr>
-                      <a:noFill/>
-                    </a:lnBlToTr>
-                    <a:noFill/>
+                    <a:solidFill>
+                      <a:srgbClr val="7099CA"/>
+                    </a:solidFill>
                   </a:tcPr>
                 </a:tc>
                 <a:tc>
@@ -20563,42 +22615,38 @@
                     <a:bodyPr/>
                     <a:lstStyle/>
                     <a:p>
-                      <a:pPr marL="0" marR="0" lvl="0" indent="0" algn="l" defTabSz="914400" rtl="0" eaLnBrk="1" fontAlgn="base" latinLnBrk="0" hangingPunct="1">
+                      <a:pPr indent="0">
                         <a:lnSpc>
                           <a:spcPct val="100000"/>
                         </a:lnSpc>
-                        <a:spcBef>
-                          <a:spcPct val="0"/>
-                        </a:spcBef>
                         <a:spcAft>
-                          <a:spcPct val="0"/>
+                          <a:spcPts val="0"/>
                         </a:spcAft>
-                        <a:buClrTx/>
-                        <a:buSzTx/>
-                        <a:buFontTx/>
-                        <a:buNone/>
-                        <a:tabLst/>
                       </a:pPr>
                       <a:r>
-                        <a:rPr kumimoji="0" lang="ru-RU" sz="1000" b="0" i="0" u="none" strike="noStrike" cap="none" normalizeH="0" baseline="0" dirty="0">
-                          <a:ln>
-                            <a:noFill/>
-                          </a:ln>
+                        <a:rPr lang="ru-RU" sz="1100" b="0" dirty="0">
                           <a:solidFill>
                             <a:schemeClr val="tx1"/>
                           </a:solidFill>
                           <a:effectLst/>
-                          <a:latin typeface="Times New Roman" pitchFamily="18" charset="0"/>
-                          <a:cs typeface="Times New Roman" pitchFamily="18" charset="0"/>
                         </a:rPr>
-                        <a:t>Федотов А. А</a:t>
+                        <a:t>Выполняемые действия</a:t>
                       </a:r>
+                      <a:endParaRPr lang="ru-RU" sz="1100" b="0" dirty="0">
+                        <a:solidFill>
+                          <a:schemeClr val="tx1"/>
+                        </a:solidFill>
+                        <a:effectLst/>
+                        <a:latin typeface="Times New Roman" panose="02020603050405020304" pitchFamily="18" charset="0"/>
+                        <a:ea typeface="Calibri" panose="020F0502020204030204" pitchFamily="34" charset="0"/>
+                        <a:cs typeface="Times New Roman" panose="02020603050405020304" pitchFamily="18" charset="0"/>
+                      </a:endParaRPr>
                     </a:p>
                   </a:txBody>
-                  <a:tcPr marL="71962" marR="71962" marT="17991" marB="35979" horzOverflow="overflow">
+                  <a:tcPr marL="25375" marR="25375" marT="0" marB="0">
                     <a:lnL w="12700" cap="flat" cmpd="sng" algn="ctr">
                       <a:solidFill>
-                        <a:srgbClr val="000000"/>
+                        <a:schemeClr val="tx1"/>
                       </a:solidFill>
                       <a:prstDash val="solid"/>
                       <a:round/>
@@ -20607,7 +22655,7 @@
                     </a:lnL>
                     <a:lnR w="12700" cap="flat" cmpd="sng" algn="ctr">
                       <a:solidFill>
-                        <a:srgbClr val="000000"/>
+                        <a:schemeClr val="tx1"/>
                       </a:solidFill>
                       <a:prstDash val="solid"/>
                       <a:round/>
@@ -20616,7 +22664,7 @@
                     </a:lnR>
                     <a:lnT w="12700" cap="flat" cmpd="sng" algn="ctr">
                       <a:solidFill>
-                        <a:srgbClr val="000000"/>
+                        <a:schemeClr val="tx1"/>
                       </a:solidFill>
                       <a:prstDash val="solid"/>
                       <a:round/>
@@ -20625,20 +22673,16 @@
                     </a:lnT>
                     <a:lnB w="12700" cap="flat" cmpd="sng" algn="ctr">
                       <a:solidFill>
-                        <a:srgbClr val="000000"/>
+                        <a:schemeClr val="tx1"/>
                       </a:solidFill>
                       <a:prstDash val="solid"/>
                       <a:round/>
                       <a:headEnd type="none" w="med" len="med"/>
                       <a:tailEnd type="none" w="med" len="med"/>
                     </a:lnB>
-                    <a:lnTlToBr>
-                      <a:noFill/>
-                    </a:lnTlToBr>
-                    <a:lnBlToTr>
-                      <a:noFill/>
-                    </a:lnBlToTr>
-                    <a:noFill/>
+                    <a:solidFill>
+                      <a:srgbClr val="7099CA"/>
+                    </a:solidFill>
                   </a:tcPr>
                 </a:tc>
                 <a:tc>
@@ -20646,38 +22690,38 @@
                     <a:bodyPr/>
                     <a:lstStyle/>
                     <a:p>
-                      <a:pPr marL="0" marR="0" lvl="0" indent="0" algn="l" defTabSz="914400" rtl="0" eaLnBrk="1" fontAlgn="base" latinLnBrk="0" hangingPunct="1">
+                      <a:pPr indent="0">
                         <a:lnSpc>
                           <a:spcPct val="100000"/>
                         </a:lnSpc>
-                        <a:spcBef>
-                          <a:spcPct val="20000"/>
-                        </a:spcBef>
                         <a:spcAft>
-                          <a:spcPct val="0"/>
+                          <a:spcPts val="0"/>
                         </a:spcAft>
-                        <a:buClrTx/>
-                        <a:buSzTx/>
-                        <a:buFontTx/>
-                        <a:buNone/>
-                        <a:tabLst/>
                       </a:pPr>
-                      <a:endParaRPr kumimoji="0" lang="ru-RU" sz="1000" b="0" i="0" u="none" strike="noStrike" cap="none" normalizeH="0" baseline="0">
-                        <a:ln>
-                          <a:noFill/>
-                        </a:ln>
+                      <a:r>
+                        <a:rPr lang="ru-RU" sz="1100" b="0" dirty="0">
+                          <a:solidFill>
+                            <a:schemeClr val="tx1"/>
+                          </a:solidFill>
+                          <a:effectLst/>
+                        </a:rPr>
+                        <a:t>Ожидаемый результат</a:t>
+                      </a:r>
+                      <a:endParaRPr lang="ru-RU" sz="1100" b="0" dirty="0">
                         <a:solidFill>
                           <a:schemeClr val="tx1"/>
                         </a:solidFill>
                         <a:effectLst/>
-                        <a:latin typeface="Arial" charset="0"/>
+                        <a:latin typeface="Times New Roman" panose="02020603050405020304" pitchFamily="18" charset="0"/>
+                        <a:ea typeface="Calibri" panose="020F0502020204030204" pitchFamily="34" charset="0"/>
+                        <a:cs typeface="Times New Roman" panose="02020603050405020304" pitchFamily="18" charset="0"/>
                       </a:endParaRPr>
                     </a:p>
                   </a:txBody>
-                  <a:tcPr marL="71962" marR="71962" marT="17991" marB="35979" horzOverflow="overflow">
+                  <a:tcPr marL="25375" marR="25375" marT="0" marB="0">
                     <a:lnL w="12700" cap="flat" cmpd="sng" algn="ctr">
                       <a:solidFill>
-                        <a:srgbClr val="000000"/>
+                        <a:schemeClr val="tx1"/>
                       </a:solidFill>
                       <a:prstDash val="solid"/>
                       <a:round/>
@@ -20686,7 +22730,7 @@
                     </a:lnL>
                     <a:lnR w="12700" cap="flat" cmpd="sng" algn="ctr">
                       <a:solidFill>
-                        <a:srgbClr val="000000"/>
+                        <a:schemeClr val="tx1"/>
                       </a:solidFill>
                       <a:prstDash val="solid"/>
                       <a:round/>
@@ -20695,7 +22739,7 @@
                     </a:lnR>
                     <a:lnT w="12700" cap="flat" cmpd="sng" algn="ctr">
                       <a:solidFill>
-                        <a:srgbClr val="000000"/>
+                        <a:schemeClr val="tx1"/>
                       </a:solidFill>
                       <a:prstDash val="solid"/>
                       <a:round/>
@@ -20704,20 +22748,16 @@
                     </a:lnT>
                     <a:lnB w="12700" cap="flat" cmpd="sng" algn="ctr">
                       <a:solidFill>
-                        <a:srgbClr val="000000"/>
+                        <a:schemeClr val="tx1"/>
                       </a:solidFill>
                       <a:prstDash val="solid"/>
                       <a:round/>
                       <a:headEnd type="none" w="med" len="med"/>
                       <a:tailEnd type="none" w="med" len="med"/>
                     </a:lnB>
-                    <a:lnTlToBr>
-                      <a:noFill/>
-                    </a:lnTlToBr>
-                    <a:lnBlToTr>
-                      <a:noFill/>
-                    </a:lnBlToTr>
-                    <a:noFill/>
+                    <a:solidFill>
+                      <a:srgbClr val="7099CA"/>
+                    </a:solidFill>
                   </a:tcPr>
                 </a:tc>
                 <a:tc>
@@ -20725,141 +22765,38 @@
                     <a:bodyPr/>
                     <a:lstStyle/>
                     <a:p>
-                      <a:pPr marL="0" marR="0" lvl="0" indent="0" algn="l" defTabSz="914400" rtl="0" eaLnBrk="1" fontAlgn="base" latinLnBrk="0" hangingPunct="1">
+                      <a:pPr indent="0">
                         <a:lnSpc>
                           <a:spcPct val="100000"/>
                         </a:lnSpc>
-                        <a:spcBef>
-                          <a:spcPct val="20000"/>
-                        </a:spcBef>
                         <a:spcAft>
-                          <a:spcPct val="0"/>
+                          <a:spcPts val="0"/>
                         </a:spcAft>
-                        <a:buClrTx/>
-                        <a:buSzTx/>
-                        <a:buFontTx/>
-                        <a:buNone/>
-                        <a:tabLst/>
                       </a:pPr>
                       <a:r>
-                        <a:rPr kumimoji="0" lang="ru-RU" sz="1000" b="0" i="0" u="none" strike="noStrike" cap="none" normalizeH="0" baseline="0" dirty="0">
-                          <a:ln>
-                            <a:noFill/>
-                          </a:ln>
+                        <a:rPr lang="ru-RU" sz="1100" b="0" dirty="0">
                           <a:solidFill>
                             <a:schemeClr val="tx1"/>
                           </a:solidFill>
                           <a:effectLst/>
-                          <a:latin typeface="Times New Roman" pitchFamily="18" charset="0"/>
                         </a:rPr>
-                        <a:t>9</a:t>
+                        <a:t>Реальный результат</a:t>
                       </a:r>
-                    </a:p>
-                  </a:txBody>
-                  <a:tcPr marL="71962" marR="71962" marT="17991" marB="35979" horzOverflow="overflow">
-                    <a:lnL w="12700" cap="flat" cmpd="sng" algn="ctr">
-                      <a:solidFill>
-                        <a:srgbClr val="000000"/>
-                      </a:solidFill>
-                      <a:prstDash val="solid"/>
-                      <a:round/>
-                      <a:headEnd type="none" w="med" len="med"/>
-                      <a:tailEnd type="none" w="med" len="med"/>
-                    </a:lnL>
-                    <a:lnR w="12700" cap="flat" cmpd="sng" algn="ctr">
-                      <a:solidFill>
-                        <a:srgbClr val="000000"/>
-                      </a:solidFill>
-                      <a:prstDash val="solid"/>
-                      <a:round/>
-                      <a:headEnd type="none" w="med" len="med"/>
-                      <a:tailEnd type="none" w="med" len="med"/>
-                    </a:lnR>
-                    <a:lnT w="12700" cap="flat" cmpd="sng" algn="ctr">
-                      <a:solidFill>
-                        <a:srgbClr val="000000"/>
-                      </a:solidFill>
-                      <a:prstDash val="solid"/>
-                      <a:round/>
-                      <a:headEnd type="none" w="med" len="med"/>
-                      <a:tailEnd type="none" w="med" len="med"/>
-                    </a:lnT>
-                    <a:lnB w="12700" cap="flat" cmpd="sng" algn="ctr">
-                      <a:solidFill>
-                        <a:srgbClr val="000000"/>
-                      </a:solidFill>
-                      <a:prstDash val="solid"/>
-                      <a:round/>
-                      <a:headEnd type="none" w="med" len="med"/>
-                      <a:tailEnd type="none" w="med" len="med"/>
-                    </a:lnB>
-                    <a:lnTlToBr>
-                      <a:noFill/>
-                    </a:lnTlToBr>
-                    <a:lnBlToTr>
-                      <a:noFill/>
-                    </a:lnBlToTr>
-                    <a:noFill/>
-                  </a:tcPr>
-                </a:tc>
-                <a:extLst>
-                  <a:ext uri="{0D108BD9-81ED-4DB2-BD59-A6C34878D82A}">
-                    <a16:rowId xmlns:a16="http://schemas.microsoft.com/office/drawing/2014/main" val="10000"/>
-                  </a:ext>
-                </a:extLst>
-              </a:tr>
-              <a:tr h="0">
-                <a:tc>
-                  <a:txBody>
-                    <a:bodyPr/>
-                    <a:lstStyle/>
-                    <a:p>
-                      <a:pPr marL="0" marR="0" lvl="0" indent="0" algn="l" defTabSz="914400" rtl="0" eaLnBrk="1" fontAlgn="base" latinLnBrk="0" hangingPunct="1">
-                        <a:lnSpc>
-                          <a:spcPct val="100000"/>
-                        </a:lnSpc>
-                        <a:spcBef>
-                          <a:spcPct val="0"/>
-                        </a:spcBef>
-                        <a:spcAft>
-                          <a:spcPct val="0"/>
-                        </a:spcAft>
-                        <a:buClrTx/>
-                        <a:buSzTx/>
-                        <a:buFontTx/>
-                        <a:buNone/>
-                        <a:tabLst/>
-                      </a:pPr>
-                      <a:r>
-                        <a:rPr kumimoji="0" lang="ru-RU" sz="1000" b="0" i="0" u="none" strike="noStrike" cap="none" normalizeH="0" baseline="0">
-                          <a:ln>
-                            <a:noFill/>
-                          </a:ln>
-                          <a:solidFill>
-                            <a:schemeClr val="tx1"/>
-                          </a:solidFill>
-                          <a:effectLst/>
-                          <a:latin typeface="Times New Roman" pitchFamily="18" charset="0"/>
-                          <a:cs typeface="Times New Roman" pitchFamily="18" charset="0"/>
-                        </a:rPr>
-                        <a:t>Утвердил</a:t>
-                      </a:r>
-                      <a:endParaRPr kumimoji="0" lang="ru-RU" sz="1000" b="0" i="0" u="none" strike="noStrike" cap="none" normalizeH="0" baseline="0">
-                        <a:ln>
-                          <a:noFill/>
-                        </a:ln>
+                      <a:endParaRPr lang="ru-RU" sz="1100" b="0" dirty="0">
                         <a:solidFill>
                           <a:schemeClr val="tx1"/>
                         </a:solidFill>
                         <a:effectLst/>
-                        <a:latin typeface="Arial" charset="0"/>
+                        <a:latin typeface="Times New Roman" panose="02020603050405020304" pitchFamily="18" charset="0"/>
+                        <a:ea typeface="Calibri" panose="020F0502020204030204" pitchFamily="34" charset="0"/>
+                        <a:cs typeface="Times New Roman" panose="02020603050405020304" pitchFamily="18" charset="0"/>
                       </a:endParaRPr>
                     </a:p>
                   </a:txBody>
-                  <a:tcPr marL="71962" marR="71962" marT="17991" marB="35979" horzOverflow="overflow">
+                  <a:tcPr marL="25375" marR="25375" marT="0" marB="0">
                     <a:lnL w="12700" cap="flat" cmpd="sng" algn="ctr">
                       <a:solidFill>
-                        <a:srgbClr val="000000"/>
+                        <a:schemeClr val="tx1"/>
                       </a:solidFill>
                       <a:prstDash val="solid"/>
                       <a:round/>
@@ -20868,7 +22805,7 @@
                     </a:lnL>
                     <a:lnR w="12700" cap="flat" cmpd="sng" algn="ctr">
                       <a:solidFill>
-                        <a:srgbClr val="000000"/>
+                        <a:schemeClr val="tx1"/>
                       </a:solidFill>
                       <a:prstDash val="solid"/>
                       <a:round/>
@@ -20877,7 +22814,7 @@
                     </a:lnR>
                     <a:lnT w="12700" cap="flat" cmpd="sng" algn="ctr">
                       <a:solidFill>
-                        <a:srgbClr val="000000"/>
+                        <a:schemeClr val="tx1"/>
                       </a:solidFill>
                       <a:prstDash val="solid"/>
                       <a:round/>
@@ -20886,20 +22823,16 @@
                     </a:lnT>
                     <a:lnB w="12700" cap="flat" cmpd="sng" algn="ctr">
                       <a:solidFill>
-                        <a:srgbClr val="000000"/>
+                        <a:schemeClr val="tx1"/>
                       </a:solidFill>
                       <a:prstDash val="solid"/>
                       <a:round/>
                       <a:headEnd type="none" w="med" len="med"/>
                       <a:tailEnd type="none" w="med" len="med"/>
                     </a:lnB>
-                    <a:lnTlToBr>
-                      <a:noFill/>
-                    </a:lnTlToBr>
-                    <a:lnBlToTr>
-                      <a:noFill/>
-                    </a:lnBlToTr>
-                    <a:noFill/>
+                    <a:solidFill>
+                      <a:srgbClr val="7099CA"/>
+                    </a:solidFill>
                   </a:tcPr>
                 </a:tc>
                 <a:tc>
@@ -20907,42 +22840,38 @@
                     <a:bodyPr/>
                     <a:lstStyle/>
                     <a:p>
-                      <a:pPr marL="0" marR="0" lvl="0" indent="0" algn="l" defTabSz="914400" rtl="0" eaLnBrk="1" fontAlgn="base" latinLnBrk="0" hangingPunct="1">
+                      <a:pPr indent="0">
                         <a:lnSpc>
                           <a:spcPct val="100000"/>
                         </a:lnSpc>
-                        <a:spcBef>
-                          <a:spcPct val="0"/>
-                        </a:spcBef>
                         <a:spcAft>
-                          <a:spcPct val="0"/>
+                          <a:spcPts val="0"/>
                         </a:spcAft>
-                        <a:buClrTx/>
-                        <a:buSzTx/>
-                        <a:buFontTx/>
-                        <a:buNone/>
-                        <a:tabLst/>
                       </a:pPr>
                       <a:r>
-                        <a:rPr kumimoji="0" lang="ru-RU" sz="1000" b="0" i="0" u="none" strike="noStrike" cap="none" normalizeH="0" baseline="0" dirty="0">
-                          <a:ln>
-                            <a:noFill/>
-                          </a:ln>
+                        <a:rPr lang="ru-RU" sz="1100" b="0" dirty="0">
                           <a:solidFill>
                             <a:schemeClr val="tx1"/>
                           </a:solidFill>
                           <a:effectLst/>
-                          <a:latin typeface="Times New Roman" pitchFamily="18" charset="0"/>
-                          <a:cs typeface="Times New Roman" pitchFamily="18" charset="0"/>
                         </a:rPr>
-                        <a:t>Касимов Р. А</a:t>
+                        <a:t>Результат прохождения</a:t>
                       </a:r>
+                      <a:endParaRPr lang="ru-RU" sz="1100" b="0" dirty="0">
+                        <a:solidFill>
+                          <a:schemeClr val="tx1"/>
+                        </a:solidFill>
+                        <a:effectLst/>
+                        <a:latin typeface="Times New Roman" panose="02020603050405020304" pitchFamily="18" charset="0"/>
+                        <a:ea typeface="Calibri" panose="020F0502020204030204" pitchFamily="34" charset="0"/>
+                        <a:cs typeface="Times New Roman" panose="02020603050405020304" pitchFamily="18" charset="0"/>
+                      </a:endParaRPr>
                     </a:p>
                   </a:txBody>
-                  <a:tcPr marL="71962" marR="71962" marT="17991" marB="35979" horzOverflow="overflow">
+                  <a:tcPr marL="25375" marR="25375" marT="0" marB="0">
                     <a:lnL w="12700" cap="flat" cmpd="sng" algn="ctr">
                       <a:solidFill>
-                        <a:srgbClr val="000000"/>
+                        <a:schemeClr val="tx1"/>
                       </a:solidFill>
                       <a:prstDash val="solid"/>
                       <a:round/>
@@ -20951,7 +22880,7 @@
                     </a:lnL>
                     <a:lnR w="12700" cap="flat" cmpd="sng" algn="ctr">
                       <a:solidFill>
-                        <a:srgbClr val="000000"/>
+                        <a:schemeClr val="tx1"/>
                       </a:solidFill>
                       <a:prstDash val="solid"/>
                       <a:round/>
@@ -20960,7 +22889,7 @@
                     </a:lnR>
                     <a:lnT w="12700" cap="flat" cmpd="sng" algn="ctr">
                       <a:solidFill>
-                        <a:srgbClr val="000000"/>
+                        <a:schemeClr val="tx1"/>
                       </a:solidFill>
                       <a:prstDash val="solid"/>
                       <a:round/>
@@ -20969,20 +22898,98 @@
                     </a:lnT>
                     <a:lnB w="12700" cap="flat" cmpd="sng" algn="ctr">
                       <a:solidFill>
-                        <a:srgbClr val="000000"/>
+                        <a:schemeClr val="tx1"/>
                       </a:solidFill>
                       <a:prstDash val="solid"/>
                       <a:round/>
                       <a:headEnd type="none" w="med" len="med"/>
                       <a:tailEnd type="none" w="med" len="med"/>
                     </a:lnB>
-                    <a:lnTlToBr>
-                      <a:noFill/>
-                    </a:lnTlToBr>
-                    <a:lnBlToTr>
-                      <a:noFill/>
-                    </a:lnBlToTr>
-                    <a:noFill/>
+                    <a:solidFill>
+                      <a:srgbClr val="7099CA"/>
+                    </a:solidFill>
+                  </a:tcPr>
+                </a:tc>
+                <a:extLst>
+                  <a:ext uri="{0D108BD9-81ED-4DB2-BD59-A6C34878D82A}">
+                    <a16:rowId xmlns:a16="http://schemas.microsoft.com/office/drawing/2014/main" val="2831594482"/>
+                  </a:ext>
+                </a:extLst>
+              </a:tr>
+              <a:tr h="980816">
+                <a:tc>
+                  <a:txBody>
+                    <a:bodyPr/>
+                    <a:lstStyle/>
+                    <a:p>
+                      <a:pPr indent="0">
+                        <a:lnSpc>
+                          <a:spcPct val="100000"/>
+                        </a:lnSpc>
+                        <a:spcAft>
+                          <a:spcPts val="0"/>
+                        </a:spcAft>
+                      </a:pPr>
+                      <a:r>
+                        <a:rPr lang="ru-RU" sz="1100" b="0" dirty="0">
+                          <a:solidFill>
+                            <a:schemeClr val="tx1"/>
+                          </a:solidFill>
+                          <a:effectLst/>
+                        </a:rPr>
+                        <a:t>Правильное добавление сервера</a:t>
+                      </a:r>
+                      <a:endParaRPr lang="ru-RU" sz="1100" b="0" dirty="0">
+                        <a:solidFill>
+                          <a:schemeClr val="tx1"/>
+                        </a:solidFill>
+                        <a:effectLst/>
+                        <a:latin typeface="Times New Roman" panose="02020603050405020304" pitchFamily="18" charset="0"/>
+                        <a:ea typeface="Calibri" panose="020F0502020204030204" pitchFamily="34" charset="0"/>
+                        <a:cs typeface="Times New Roman" panose="02020603050405020304" pitchFamily="18" charset="0"/>
+                      </a:endParaRPr>
+                    </a:p>
+                  </a:txBody>
+                  <a:tcPr marL="25375" marR="25375" marT="0" marB="0">
+                    <a:lnL w="12700" cap="flat" cmpd="sng" algn="ctr">
+                      <a:solidFill>
+                        <a:schemeClr val="tx1"/>
+                      </a:solidFill>
+                      <a:prstDash val="solid"/>
+                      <a:round/>
+                      <a:headEnd type="none" w="med" len="med"/>
+                      <a:tailEnd type="none" w="med" len="med"/>
+                    </a:lnL>
+                    <a:lnR w="12700" cap="flat" cmpd="sng" algn="ctr">
+                      <a:solidFill>
+                        <a:schemeClr val="tx1"/>
+                      </a:solidFill>
+                      <a:prstDash val="solid"/>
+                      <a:round/>
+                      <a:headEnd type="none" w="med" len="med"/>
+                      <a:tailEnd type="none" w="med" len="med"/>
+                    </a:lnR>
+                    <a:lnT w="12700" cap="flat" cmpd="sng" algn="ctr">
+                      <a:solidFill>
+                        <a:schemeClr val="tx1"/>
+                      </a:solidFill>
+                      <a:prstDash val="solid"/>
+                      <a:round/>
+                      <a:headEnd type="none" w="med" len="med"/>
+                      <a:tailEnd type="none" w="med" len="med"/>
+                    </a:lnT>
+                    <a:lnB w="12700" cap="flat" cmpd="sng" algn="ctr">
+                      <a:solidFill>
+                        <a:schemeClr val="tx1"/>
+                      </a:solidFill>
+                      <a:prstDash val="solid"/>
+                      <a:round/>
+                      <a:headEnd type="none" w="med" len="med"/>
+                      <a:tailEnd type="none" w="med" len="med"/>
+                    </a:lnB>
+                    <a:solidFill>
+                      <a:srgbClr val="7099CA"/>
+                    </a:solidFill>
                   </a:tcPr>
                 </a:tc>
                 <a:tc>
@@ -20990,38 +22997,38 @@
                     <a:bodyPr/>
                     <a:lstStyle/>
                     <a:p>
-                      <a:pPr marL="0" marR="0" lvl="0" indent="0" algn="l" defTabSz="914400" rtl="0" eaLnBrk="1" fontAlgn="base" latinLnBrk="0" hangingPunct="1">
+                      <a:pPr indent="0">
                         <a:lnSpc>
                           <a:spcPct val="100000"/>
                         </a:lnSpc>
-                        <a:spcBef>
-                          <a:spcPct val="20000"/>
-                        </a:spcBef>
                         <a:spcAft>
-                          <a:spcPct val="0"/>
+                          <a:spcPts val="0"/>
                         </a:spcAft>
-                        <a:buClrTx/>
-                        <a:buSzTx/>
-                        <a:buFontTx/>
-                        <a:buNone/>
-                        <a:tabLst/>
                       </a:pPr>
-                      <a:endParaRPr kumimoji="0" lang="ru-RU" sz="1000" b="0" i="0" u="none" strike="noStrike" cap="none" normalizeH="0" baseline="0">
-                        <a:ln>
-                          <a:noFill/>
-                        </a:ln>
+                      <a:r>
+                        <a:rPr lang="ru-RU" sz="1100" dirty="0">
+                          <a:solidFill>
+                            <a:schemeClr val="tx1"/>
+                          </a:solidFill>
+                          <a:effectLst/>
+                        </a:rPr>
+                        <a:t>Правильный ввод команды на добавление сервера</a:t>
+                      </a:r>
+                      <a:endParaRPr lang="ru-RU" sz="1100" dirty="0">
                         <a:solidFill>
                           <a:schemeClr val="tx1"/>
                         </a:solidFill>
                         <a:effectLst/>
-                        <a:latin typeface="Arial" charset="0"/>
+                        <a:latin typeface="Times New Roman" panose="02020603050405020304" pitchFamily="18" charset="0"/>
+                        <a:ea typeface="Calibri" panose="020F0502020204030204" pitchFamily="34" charset="0"/>
+                        <a:cs typeface="Times New Roman" panose="02020603050405020304" pitchFamily="18" charset="0"/>
                       </a:endParaRPr>
                     </a:p>
                   </a:txBody>
-                  <a:tcPr marL="71962" marR="71962" marT="17991" marB="35979" horzOverflow="overflow">
+                  <a:tcPr marL="25375" marR="25375" marT="0" marB="0">
                     <a:lnL w="12700" cap="flat" cmpd="sng" algn="ctr">
                       <a:solidFill>
-                        <a:srgbClr val="000000"/>
+                        <a:schemeClr val="tx1"/>
                       </a:solidFill>
                       <a:prstDash val="solid"/>
                       <a:round/>
@@ -21030,7 +23037,7 @@
                     </a:lnL>
                     <a:lnR w="12700" cap="flat" cmpd="sng" algn="ctr">
                       <a:solidFill>
-                        <a:srgbClr val="000000"/>
+                        <a:schemeClr val="tx1"/>
                       </a:solidFill>
                       <a:prstDash val="solid"/>
                       <a:round/>
@@ -21039,7 +23046,7 @@
                     </a:lnR>
                     <a:lnT w="12700" cap="flat" cmpd="sng" algn="ctr">
                       <a:solidFill>
-                        <a:srgbClr val="000000"/>
+                        <a:schemeClr val="tx1"/>
                       </a:solidFill>
                       <a:prstDash val="solid"/>
                       <a:round/>
@@ -21048,20 +23055,13 @@
                     </a:lnT>
                     <a:lnB w="12700" cap="flat" cmpd="sng" algn="ctr">
                       <a:solidFill>
-                        <a:srgbClr val="000000"/>
+                        <a:schemeClr val="tx1"/>
                       </a:solidFill>
                       <a:prstDash val="solid"/>
                       <a:round/>
                       <a:headEnd type="none" w="med" len="med"/>
                       <a:tailEnd type="none" w="med" len="med"/>
                     </a:lnB>
-                    <a:lnTlToBr>
-                      <a:noFill/>
-                    </a:lnTlToBr>
-                    <a:lnBlToTr>
-                      <a:noFill/>
-                    </a:lnBlToTr>
-                    <a:noFill/>
                   </a:tcPr>
                 </a:tc>
                 <a:tc>
@@ -21069,38 +23069,38 @@
                     <a:bodyPr/>
                     <a:lstStyle/>
                     <a:p>
-                      <a:pPr marL="0" marR="0" lvl="0" indent="0" algn="l" defTabSz="914400" rtl="0" eaLnBrk="1" fontAlgn="base" latinLnBrk="0" hangingPunct="1">
+                      <a:pPr indent="0">
                         <a:lnSpc>
                           <a:spcPct val="100000"/>
                         </a:lnSpc>
-                        <a:spcBef>
-                          <a:spcPct val="20000"/>
-                        </a:spcBef>
                         <a:spcAft>
-                          <a:spcPct val="0"/>
+                          <a:spcPts val="0"/>
                         </a:spcAft>
-                        <a:buClrTx/>
-                        <a:buSzTx/>
-                        <a:buFontTx/>
-                        <a:buNone/>
-                        <a:tabLst/>
                       </a:pPr>
-                      <a:endParaRPr kumimoji="0" lang="ru-RU" sz="1000" b="0" i="0" u="none" strike="noStrike" cap="none" normalizeH="0" baseline="0" dirty="0">
-                        <a:ln>
-                          <a:noFill/>
-                        </a:ln>
+                      <a:r>
+                        <a:rPr lang="ru-RU" sz="1100">
+                          <a:solidFill>
+                            <a:schemeClr val="tx1"/>
+                          </a:solidFill>
+                          <a:effectLst/>
+                        </a:rPr>
+                        <a:t>В файлах конфигурации должны появиться введенные настройки</a:t>
+                      </a:r>
+                      <a:endParaRPr lang="ru-RU" sz="1100">
                         <a:solidFill>
                           <a:schemeClr val="tx1"/>
                         </a:solidFill>
                         <a:effectLst/>
-                        <a:latin typeface="Arial" charset="0"/>
+                        <a:latin typeface="Times New Roman" panose="02020603050405020304" pitchFamily="18" charset="0"/>
+                        <a:ea typeface="Calibri" panose="020F0502020204030204" pitchFamily="34" charset="0"/>
+                        <a:cs typeface="Times New Roman" panose="02020603050405020304" pitchFamily="18" charset="0"/>
                       </a:endParaRPr>
                     </a:p>
                   </a:txBody>
-                  <a:tcPr marL="71962" marR="71962" marT="17991" marB="35979" horzOverflow="overflow">
+                  <a:tcPr marL="25375" marR="25375" marT="0" marB="0">
                     <a:lnL w="12700" cap="flat" cmpd="sng" algn="ctr">
                       <a:solidFill>
-                        <a:srgbClr val="000000"/>
+                        <a:schemeClr val="tx1"/>
                       </a:solidFill>
                       <a:prstDash val="solid"/>
                       <a:round/>
@@ -21109,7 +23109,7 @@
                     </a:lnL>
                     <a:lnR w="12700" cap="flat" cmpd="sng" algn="ctr">
                       <a:solidFill>
-                        <a:srgbClr val="000000"/>
+                        <a:schemeClr val="tx1"/>
                       </a:solidFill>
                       <a:prstDash val="solid"/>
                       <a:round/>
@@ -21118,7 +23118,7 @@
                     </a:lnR>
                     <a:lnT w="12700" cap="flat" cmpd="sng" algn="ctr">
                       <a:solidFill>
-                        <a:srgbClr val="000000"/>
+                        <a:schemeClr val="tx1"/>
                       </a:solidFill>
                       <a:prstDash val="solid"/>
                       <a:round/>
@@ -21127,25 +23127,1715 @@
                     </a:lnT>
                     <a:lnB w="12700" cap="flat" cmpd="sng" algn="ctr">
                       <a:solidFill>
-                        <a:srgbClr val="000000"/>
+                        <a:schemeClr val="tx1"/>
                       </a:solidFill>
                       <a:prstDash val="solid"/>
                       <a:round/>
                       <a:headEnd type="none" w="med" len="med"/>
                       <a:tailEnd type="none" w="med" len="med"/>
                     </a:lnB>
-                    <a:lnTlToBr>
-                      <a:noFill/>
-                    </a:lnTlToBr>
-                    <a:lnBlToTr>
-                      <a:noFill/>
-                    </a:lnBlToTr>
-                    <a:noFill/>
+                  </a:tcPr>
+                </a:tc>
+                <a:tc>
+                  <a:txBody>
+                    <a:bodyPr/>
+                    <a:lstStyle/>
+                    <a:p>
+                      <a:pPr indent="0">
+                        <a:lnSpc>
+                          <a:spcPct val="100000"/>
+                        </a:lnSpc>
+                        <a:spcAft>
+                          <a:spcPts val="0"/>
+                        </a:spcAft>
+                      </a:pPr>
+                      <a:r>
+                        <a:rPr lang="ru-RU" sz="1100">
+                          <a:solidFill>
+                            <a:schemeClr val="tx1"/>
+                          </a:solidFill>
+                          <a:effectLst/>
+                        </a:rPr>
+                        <a:t>В конфигурации появились введенные настройки</a:t>
+                      </a:r>
+                      <a:endParaRPr lang="ru-RU" sz="1100">
+                        <a:solidFill>
+                          <a:schemeClr val="tx1"/>
+                        </a:solidFill>
+                        <a:effectLst/>
+                        <a:latin typeface="Times New Roman" panose="02020603050405020304" pitchFamily="18" charset="0"/>
+                        <a:ea typeface="Calibri" panose="020F0502020204030204" pitchFamily="34" charset="0"/>
+                        <a:cs typeface="Times New Roman" panose="02020603050405020304" pitchFamily="18" charset="0"/>
+                      </a:endParaRPr>
+                    </a:p>
+                  </a:txBody>
+                  <a:tcPr marL="25375" marR="25375" marT="0" marB="0">
+                    <a:lnL w="12700" cap="flat" cmpd="sng" algn="ctr">
+                      <a:solidFill>
+                        <a:schemeClr val="tx1"/>
+                      </a:solidFill>
+                      <a:prstDash val="solid"/>
+                      <a:round/>
+                      <a:headEnd type="none" w="med" len="med"/>
+                      <a:tailEnd type="none" w="med" len="med"/>
+                    </a:lnL>
+                    <a:lnR w="12700" cap="flat" cmpd="sng" algn="ctr">
+                      <a:solidFill>
+                        <a:schemeClr val="tx1"/>
+                      </a:solidFill>
+                      <a:prstDash val="solid"/>
+                      <a:round/>
+                      <a:headEnd type="none" w="med" len="med"/>
+                      <a:tailEnd type="none" w="med" len="med"/>
+                    </a:lnR>
+                    <a:lnT w="12700" cap="flat" cmpd="sng" algn="ctr">
+                      <a:solidFill>
+                        <a:schemeClr val="tx1"/>
+                      </a:solidFill>
+                      <a:prstDash val="solid"/>
+                      <a:round/>
+                      <a:headEnd type="none" w="med" len="med"/>
+                      <a:tailEnd type="none" w="med" len="med"/>
+                    </a:lnT>
+                    <a:lnB w="12700" cap="flat" cmpd="sng" algn="ctr">
+                      <a:solidFill>
+                        <a:schemeClr val="tx1"/>
+                      </a:solidFill>
+                      <a:prstDash val="solid"/>
+                      <a:round/>
+                      <a:headEnd type="none" w="med" len="med"/>
+                      <a:tailEnd type="none" w="med" len="med"/>
+                    </a:lnB>
+                  </a:tcPr>
+                </a:tc>
+                <a:tc>
+                  <a:txBody>
+                    <a:bodyPr/>
+                    <a:lstStyle/>
+                    <a:p>
+                      <a:pPr indent="0">
+                        <a:lnSpc>
+                          <a:spcPct val="100000"/>
+                        </a:lnSpc>
+                        <a:spcAft>
+                          <a:spcPts val="0"/>
+                        </a:spcAft>
+                      </a:pPr>
+                      <a:r>
+                        <a:rPr lang="ru-RU" sz="1100">
+                          <a:solidFill>
+                            <a:schemeClr val="tx1"/>
+                          </a:solidFill>
+                          <a:effectLst/>
+                        </a:rPr>
+                        <a:t>Тест пройден</a:t>
+                      </a:r>
+                      <a:endParaRPr lang="ru-RU" sz="1100">
+                        <a:solidFill>
+                          <a:schemeClr val="tx1"/>
+                        </a:solidFill>
+                        <a:effectLst/>
+                        <a:latin typeface="Times New Roman" panose="02020603050405020304" pitchFamily="18" charset="0"/>
+                        <a:ea typeface="Calibri" panose="020F0502020204030204" pitchFamily="34" charset="0"/>
+                        <a:cs typeface="Times New Roman" panose="02020603050405020304" pitchFamily="18" charset="0"/>
+                      </a:endParaRPr>
+                    </a:p>
+                  </a:txBody>
+                  <a:tcPr marL="25375" marR="25375" marT="0" marB="0">
+                    <a:lnL w="12700" cap="flat" cmpd="sng" algn="ctr">
+                      <a:solidFill>
+                        <a:schemeClr val="tx1"/>
+                      </a:solidFill>
+                      <a:prstDash val="solid"/>
+                      <a:round/>
+                      <a:headEnd type="none" w="med" len="med"/>
+                      <a:tailEnd type="none" w="med" len="med"/>
+                    </a:lnL>
+                    <a:lnR w="12700" cap="flat" cmpd="sng" algn="ctr">
+                      <a:solidFill>
+                        <a:schemeClr val="tx1"/>
+                      </a:solidFill>
+                      <a:prstDash val="solid"/>
+                      <a:round/>
+                      <a:headEnd type="none" w="med" len="med"/>
+                      <a:tailEnd type="none" w="med" len="med"/>
+                    </a:lnR>
+                    <a:lnT w="12700" cap="flat" cmpd="sng" algn="ctr">
+                      <a:solidFill>
+                        <a:schemeClr val="tx1"/>
+                      </a:solidFill>
+                      <a:prstDash val="solid"/>
+                      <a:round/>
+                      <a:headEnd type="none" w="med" len="med"/>
+                      <a:tailEnd type="none" w="med" len="med"/>
+                    </a:lnT>
+                    <a:lnB w="12700" cap="flat" cmpd="sng" algn="ctr">
+                      <a:solidFill>
+                        <a:schemeClr val="tx1"/>
+                      </a:solidFill>
+                      <a:prstDash val="solid"/>
+                      <a:round/>
+                      <a:headEnd type="none" w="med" len="med"/>
+                      <a:tailEnd type="none" w="med" len="med"/>
+                    </a:lnB>
                   </a:tcPr>
                 </a:tc>
                 <a:extLst>
                   <a:ext uri="{0D108BD9-81ED-4DB2-BD59-A6C34878D82A}">
-                    <a16:rowId xmlns:a16="http://schemas.microsoft.com/office/drawing/2014/main" val="10001"/>
+                    <a16:rowId xmlns:a16="http://schemas.microsoft.com/office/drawing/2014/main" val="3300971842"/>
+                  </a:ext>
+                </a:extLst>
+              </a:tr>
+              <a:tr h="784652">
+                <a:tc>
+                  <a:txBody>
+                    <a:bodyPr/>
+                    <a:lstStyle/>
+                    <a:p>
+                      <a:pPr indent="0">
+                        <a:lnSpc>
+                          <a:spcPct val="100000"/>
+                        </a:lnSpc>
+                        <a:spcAft>
+                          <a:spcPts val="0"/>
+                        </a:spcAft>
+                      </a:pPr>
+                      <a:r>
+                        <a:rPr lang="ru-RU" sz="1100" b="0" dirty="0">
+                          <a:solidFill>
+                            <a:schemeClr val="tx1"/>
+                          </a:solidFill>
+                          <a:effectLst/>
+                        </a:rPr>
+                        <a:t>Неправильное добавление сервера</a:t>
+                      </a:r>
+                      <a:endParaRPr lang="ru-RU" sz="1100" b="0" dirty="0">
+                        <a:solidFill>
+                          <a:schemeClr val="tx1"/>
+                        </a:solidFill>
+                        <a:effectLst/>
+                        <a:latin typeface="Times New Roman" panose="02020603050405020304" pitchFamily="18" charset="0"/>
+                        <a:ea typeface="Calibri" panose="020F0502020204030204" pitchFamily="34" charset="0"/>
+                        <a:cs typeface="Times New Roman" panose="02020603050405020304" pitchFamily="18" charset="0"/>
+                      </a:endParaRPr>
+                    </a:p>
+                  </a:txBody>
+                  <a:tcPr marL="25375" marR="25375" marT="0" marB="0">
+                    <a:lnL w="12700" cap="flat" cmpd="sng" algn="ctr">
+                      <a:solidFill>
+                        <a:schemeClr val="tx1"/>
+                      </a:solidFill>
+                      <a:prstDash val="solid"/>
+                      <a:round/>
+                      <a:headEnd type="none" w="med" len="med"/>
+                      <a:tailEnd type="none" w="med" len="med"/>
+                    </a:lnL>
+                    <a:lnR w="12700" cap="flat" cmpd="sng" algn="ctr">
+                      <a:solidFill>
+                        <a:schemeClr val="tx1"/>
+                      </a:solidFill>
+                      <a:prstDash val="solid"/>
+                      <a:round/>
+                      <a:headEnd type="none" w="med" len="med"/>
+                      <a:tailEnd type="none" w="med" len="med"/>
+                    </a:lnR>
+                    <a:lnT w="12700" cap="flat" cmpd="sng" algn="ctr">
+                      <a:solidFill>
+                        <a:schemeClr val="tx1"/>
+                      </a:solidFill>
+                      <a:prstDash val="solid"/>
+                      <a:round/>
+                      <a:headEnd type="none" w="med" len="med"/>
+                      <a:tailEnd type="none" w="med" len="med"/>
+                    </a:lnT>
+                    <a:lnB w="12700" cap="flat" cmpd="sng" algn="ctr">
+                      <a:solidFill>
+                        <a:schemeClr val="tx1"/>
+                      </a:solidFill>
+                      <a:prstDash val="solid"/>
+                      <a:round/>
+                      <a:headEnd type="none" w="med" len="med"/>
+                      <a:tailEnd type="none" w="med" len="med"/>
+                    </a:lnB>
+                    <a:solidFill>
+                      <a:srgbClr val="7099CA"/>
+                    </a:solidFill>
+                  </a:tcPr>
+                </a:tc>
+                <a:tc>
+                  <a:txBody>
+                    <a:bodyPr/>
+                    <a:lstStyle/>
+                    <a:p>
+                      <a:pPr indent="0">
+                        <a:lnSpc>
+                          <a:spcPct val="100000"/>
+                        </a:lnSpc>
+                        <a:spcAft>
+                          <a:spcPts val="0"/>
+                        </a:spcAft>
+                      </a:pPr>
+                      <a:r>
+                        <a:rPr lang="ru-RU" sz="1100" dirty="0">
+                          <a:solidFill>
+                            <a:schemeClr val="tx1"/>
+                          </a:solidFill>
+                          <a:effectLst/>
+                        </a:rPr>
+                        <a:t>Неправильный ввод команды на добавление сервера</a:t>
+                      </a:r>
+                      <a:endParaRPr lang="ru-RU" sz="1100" dirty="0">
+                        <a:solidFill>
+                          <a:schemeClr val="tx1"/>
+                        </a:solidFill>
+                        <a:effectLst/>
+                        <a:latin typeface="Times New Roman" panose="02020603050405020304" pitchFamily="18" charset="0"/>
+                        <a:ea typeface="Calibri" panose="020F0502020204030204" pitchFamily="34" charset="0"/>
+                        <a:cs typeface="Times New Roman" panose="02020603050405020304" pitchFamily="18" charset="0"/>
+                      </a:endParaRPr>
+                    </a:p>
+                  </a:txBody>
+                  <a:tcPr marL="25375" marR="25375" marT="0" marB="0">
+                    <a:lnL w="12700" cap="flat" cmpd="sng" algn="ctr">
+                      <a:solidFill>
+                        <a:schemeClr val="tx1"/>
+                      </a:solidFill>
+                      <a:prstDash val="solid"/>
+                      <a:round/>
+                      <a:headEnd type="none" w="med" len="med"/>
+                      <a:tailEnd type="none" w="med" len="med"/>
+                    </a:lnL>
+                    <a:lnR w="12700" cap="flat" cmpd="sng" algn="ctr">
+                      <a:solidFill>
+                        <a:schemeClr val="tx1"/>
+                      </a:solidFill>
+                      <a:prstDash val="solid"/>
+                      <a:round/>
+                      <a:headEnd type="none" w="med" len="med"/>
+                      <a:tailEnd type="none" w="med" len="med"/>
+                    </a:lnR>
+                    <a:lnT w="12700" cap="flat" cmpd="sng" algn="ctr">
+                      <a:solidFill>
+                        <a:schemeClr val="tx1"/>
+                      </a:solidFill>
+                      <a:prstDash val="solid"/>
+                      <a:round/>
+                      <a:headEnd type="none" w="med" len="med"/>
+                      <a:tailEnd type="none" w="med" len="med"/>
+                    </a:lnT>
+                    <a:lnB w="12700" cap="flat" cmpd="sng" algn="ctr">
+                      <a:solidFill>
+                        <a:schemeClr val="tx1"/>
+                      </a:solidFill>
+                      <a:prstDash val="solid"/>
+                      <a:round/>
+                      <a:headEnd type="none" w="med" len="med"/>
+                      <a:tailEnd type="none" w="med" len="med"/>
+                    </a:lnB>
+                  </a:tcPr>
+                </a:tc>
+                <a:tc>
+                  <a:txBody>
+                    <a:bodyPr/>
+                    <a:lstStyle/>
+                    <a:p>
+                      <a:pPr indent="0">
+                        <a:lnSpc>
+                          <a:spcPct val="100000"/>
+                        </a:lnSpc>
+                        <a:spcAft>
+                          <a:spcPts val="0"/>
+                        </a:spcAft>
+                      </a:pPr>
+                      <a:r>
+                        <a:rPr lang="ru-RU" sz="1100">
+                          <a:solidFill>
+                            <a:schemeClr val="tx1"/>
+                          </a:solidFill>
+                          <a:effectLst/>
+                        </a:rPr>
+                        <a:t>Должно отобразиться сообщение об ошибке </a:t>
+                      </a:r>
+                      <a:endParaRPr lang="ru-RU" sz="1100">
+                        <a:solidFill>
+                          <a:schemeClr val="tx1"/>
+                        </a:solidFill>
+                        <a:effectLst/>
+                        <a:latin typeface="Times New Roman" panose="02020603050405020304" pitchFamily="18" charset="0"/>
+                        <a:ea typeface="Calibri" panose="020F0502020204030204" pitchFamily="34" charset="0"/>
+                        <a:cs typeface="Times New Roman" panose="02020603050405020304" pitchFamily="18" charset="0"/>
+                      </a:endParaRPr>
+                    </a:p>
+                  </a:txBody>
+                  <a:tcPr marL="25375" marR="25375" marT="0" marB="0">
+                    <a:lnL w="12700" cap="flat" cmpd="sng" algn="ctr">
+                      <a:solidFill>
+                        <a:schemeClr val="tx1"/>
+                      </a:solidFill>
+                      <a:prstDash val="solid"/>
+                      <a:round/>
+                      <a:headEnd type="none" w="med" len="med"/>
+                      <a:tailEnd type="none" w="med" len="med"/>
+                    </a:lnL>
+                    <a:lnR w="12700" cap="flat" cmpd="sng" algn="ctr">
+                      <a:solidFill>
+                        <a:schemeClr val="tx1"/>
+                      </a:solidFill>
+                      <a:prstDash val="solid"/>
+                      <a:round/>
+                      <a:headEnd type="none" w="med" len="med"/>
+                      <a:tailEnd type="none" w="med" len="med"/>
+                    </a:lnR>
+                    <a:lnT w="12700" cap="flat" cmpd="sng" algn="ctr">
+                      <a:solidFill>
+                        <a:schemeClr val="tx1"/>
+                      </a:solidFill>
+                      <a:prstDash val="solid"/>
+                      <a:round/>
+                      <a:headEnd type="none" w="med" len="med"/>
+                      <a:tailEnd type="none" w="med" len="med"/>
+                    </a:lnT>
+                    <a:lnB w="12700" cap="flat" cmpd="sng" algn="ctr">
+                      <a:solidFill>
+                        <a:schemeClr val="tx1"/>
+                      </a:solidFill>
+                      <a:prstDash val="solid"/>
+                      <a:round/>
+                      <a:headEnd type="none" w="med" len="med"/>
+                      <a:tailEnd type="none" w="med" len="med"/>
+                    </a:lnB>
+                  </a:tcPr>
+                </a:tc>
+                <a:tc>
+                  <a:txBody>
+                    <a:bodyPr/>
+                    <a:lstStyle/>
+                    <a:p>
+                      <a:pPr indent="0">
+                        <a:lnSpc>
+                          <a:spcPct val="100000"/>
+                        </a:lnSpc>
+                        <a:spcAft>
+                          <a:spcPts val="0"/>
+                        </a:spcAft>
+                      </a:pPr>
+                      <a:r>
+                        <a:rPr lang="ru-RU" sz="1100">
+                          <a:solidFill>
+                            <a:schemeClr val="tx1"/>
+                          </a:solidFill>
+                          <a:effectLst/>
+                        </a:rPr>
+                        <a:t>Отобразилось сообщение об ошибке</a:t>
+                      </a:r>
+                      <a:endParaRPr lang="ru-RU" sz="1100">
+                        <a:solidFill>
+                          <a:schemeClr val="tx1"/>
+                        </a:solidFill>
+                        <a:effectLst/>
+                        <a:latin typeface="Times New Roman" panose="02020603050405020304" pitchFamily="18" charset="0"/>
+                        <a:ea typeface="Calibri" panose="020F0502020204030204" pitchFamily="34" charset="0"/>
+                        <a:cs typeface="Times New Roman" panose="02020603050405020304" pitchFamily="18" charset="0"/>
+                      </a:endParaRPr>
+                    </a:p>
+                  </a:txBody>
+                  <a:tcPr marL="25375" marR="25375" marT="0" marB="0">
+                    <a:lnL w="12700" cap="flat" cmpd="sng" algn="ctr">
+                      <a:solidFill>
+                        <a:schemeClr val="tx1"/>
+                      </a:solidFill>
+                      <a:prstDash val="solid"/>
+                      <a:round/>
+                      <a:headEnd type="none" w="med" len="med"/>
+                      <a:tailEnd type="none" w="med" len="med"/>
+                    </a:lnL>
+                    <a:lnR w="12700" cap="flat" cmpd="sng" algn="ctr">
+                      <a:solidFill>
+                        <a:schemeClr val="tx1"/>
+                      </a:solidFill>
+                      <a:prstDash val="solid"/>
+                      <a:round/>
+                      <a:headEnd type="none" w="med" len="med"/>
+                      <a:tailEnd type="none" w="med" len="med"/>
+                    </a:lnR>
+                    <a:lnT w="12700" cap="flat" cmpd="sng" algn="ctr">
+                      <a:solidFill>
+                        <a:schemeClr val="tx1"/>
+                      </a:solidFill>
+                      <a:prstDash val="solid"/>
+                      <a:round/>
+                      <a:headEnd type="none" w="med" len="med"/>
+                      <a:tailEnd type="none" w="med" len="med"/>
+                    </a:lnT>
+                    <a:lnB w="12700" cap="flat" cmpd="sng" algn="ctr">
+                      <a:solidFill>
+                        <a:schemeClr val="tx1"/>
+                      </a:solidFill>
+                      <a:prstDash val="solid"/>
+                      <a:round/>
+                      <a:headEnd type="none" w="med" len="med"/>
+                      <a:tailEnd type="none" w="med" len="med"/>
+                    </a:lnB>
+                  </a:tcPr>
+                </a:tc>
+                <a:tc>
+                  <a:txBody>
+                    <a:bodyPr/>
+                    <a:lstStyle/>
+                    <a:p>
+                      <a:pPr indent="0">
+                        <a:lnSpc>
+                          <a:spcPct val="100000"/>
+                        </a:lnSpc>
+                        <a:spcAft>
+                          <a:spcPts val="0"/>
+                        </a:spcAft>
+                      </a:pPr>
+                      <a:r>
+                        <a:rPr lang="ru-RU" sz="1100">
+                          <a:solidFill>
+                            <a:schemeClr val="tx1"/>
+                          </a:solidFill>
+                          <a:effectLst/>
+                        </a:rPr>
+                        <a:t>Тест пройден</a:t>
+                      </a:r>
+                      <a:endParaRPr lang="ru-RU" sz="1100">
+                        <a:solidFill>
+                          <a:schemeClr val="tx1"/>
+                        </a:solidFill>
+                        <a:effectLst/>
+                        <a:latin typeface="Times New Roman" panose="02020603050405020304" pitchFamily="18" charset="0"/>
+                        <a:ea typeface="Calibri" panose="020F0502020204030204" pitchFamily="34" charset="0"/>
+                        <a:cs typeface="Times New Roman" panose="02020603050405020304" pitchFamily="18" charset="0"/>
+                      </a:endParaRPr>
+                    </a:p>
+                  </a:txBody>
+                  <a:tcPr marL="25375" marR="25375" marT="0" marB="0">
+                    <a:lnL w="12700" cap="flat" cmpd="sng" algn="ctr">
+                      <a:solidFill>
+                        <a:schemeClr val="tx1"/>
+                      </a:solidFill>
+                      <a:prstDash val="solid"/>
+                      <a:round/>
+                      <a:headEnd type="none" w="med" len="med"/>
+                      <a:tailEnd type="none" w="med" len="med"/>
+                    </a:lnL>
+                    <a:lnR w="12700" cap="flat" cmpd="sng" algn="ctr">
+                      <a:solidFill>
+                        <a:schemeClr val="tx1"/>
+                      </a:solidFill>
+                      <a:prstDash val="solid"/>
+                      <a:round/>
+                      <a:headEnd type="none" w="med" len="med"/>
+                      <a:tailEnd type="none" w="med" len="med"/>
+                    </a:lnR>
+                    <a:lnT w="12700" cap="flat" cmpd="sng" algn="ctr">
+                      <a:solidFill>
+                        <a:schemeClr val="tx1"/>
+                      </a:solidFill>
+                      <a:prstDash val="solid"/>
+                      <a:round/>
+                      <a:headEnd type="none" w="med" len="med"/>
+                      <a:tailEnd type="none" w="med" len="med"/>
+                    </a:lnT>
+                    <a:lnB w="12700" cap="flat" cmpd="sng" algn="ctr">
+                      <a:solidFill>
+                        <a:schemeClr val="tx1"/>
+                      </a:solidFill>
+                      <a:prstDash val="solid"/>
+                      <a:round/>
+                      <a:headEnd type="none" w="med" len="med"/>
+                      <a:tailEnd type="none" w="med" len="med"/>
+                    </a:lnB>
+                  </a:tcPr>
+                </a:tc>
+                <a:extLst>
+                  <a:ext uri="{0D108BD9-81ED-4DB2-BD59-A6C34878D82A}">
+                    <a16:rowId xmlns:a16="http://schemas.microsoft.com/office/drawing/2014/main" val="1647918488"/>
+                  </a:ext>
+                </a:extLst>
+              </a:tr>
+              <a:tr h="1176978">
+                <a:tc>
+                  <a:txBody>
+                    <a:bodyPr/>
+                    <a:lstStyle/>
+                    <a:p>
+                      <a:pPr indent="0">
+                        <a:lnSpc>
+                          <a:spcPct val="100000"/>
+                        </a:lnSpc>
+                        <a:spcAft>
+                          <a:spcPts val="0"/>
+                        </a:spcAft>
+                      </a:pPr>
+                      <a:r>
+                        <a:rPr lang="ru-RU" sz="1100" b="0" dirty="0">
+                          <a:solidFill>
+                            <a:schemeClr val="tx1"/>
+                          </a:solidFill>
+                          <a:effectLst/>
+                        </a:rPr>
+                        <a:t>Правильное удаление сервера</a:t>
+                      </a:r>
+                      <a:endParaRPr lang="ru-RU" sz="1100" b="0" dirty="0">
+                        <a:solidFill>
+                          <a:schemeClr val="tx1"/>
+                        </a:solidFill>
+                        <a:effectLst/>
+                        <a:latin typeface="Times New Roman" panose="02020603050405020304" pitchFamily="18" charset="0"/>
+                        <a:ea typeface="Calibri" panose="020F0502020204030204" pitchFamily="34" charset="0"/>
+                        <a:cs typeface="Times New Roman" panose="02020603050405020304" pitchFamily="18" charset="0"/>
+                      </a:endParaRPr>
+                    </a:p>
+                  </a:txBody>
+                  <a:tcPr marL="25375" marR="25375" marT="0" marB="0">
+                    <a:lnL w="12700" cap="flat" cmpd="sng" algn="ctr">
+                      <a:solidFill>
+                        <a:schemeClr val="tx1"/>
+                      </a:solidFill>
+                      <a:prstDash val="solid"/>
+                      <a:round/>
+                      <a:headEnd type="none" w="med" len="med"/>
+                      <a:tailEnd type="none" w="med" len="med"/>
+                    </a:lnL>
+                    <a:lnR w="12700" cap="flat" cmpd="sng" algn="ctr">
+                      <a:solidFill>
+                        <a:schemeClr val="tx1"/>
+                      </a:solidFill>
+                      <a:prstDash val="solid"/>
+                      <a:round/>
+                      <a:headEnd type="none" w="med" len="med"/>
+                      <a:tailEnd type="none" w="med" len="med"/>
+                    </a:lnR>
+                    <a:lnT w="12700" cap="flat" cmpd="sng" algn="ctr">
+                      <a:solidFill>
+                        <a:schemeClr val="tx1"/>
+                      </a:solidFill>
+                      <a:prstDash val="solid"/>
+                      <a:round/>
+                      <a:headEnd type="none" w="med" len="med"/>
+                      <a:tailEnd type="none" w="med" len="med"/>
+                    </a:lnT>
+                    <a:lnB w="12700" cap="flat" cmpd="sng" algn="ctr">
+                      <a:solidFill>
+                        <a:schemeClr val="tx1"/>
+                      </a:solidFill>
+                      <a:prstDash val="solid"/>
+                      <a:round/>
+                      <a:headEnd type="none" w="med" len="med"/>
+                      <a:tailEnd type="none" w="med" len="med"/>
+                    </a:lnB>
+                    <a:solidFill>
+                      <a:srgbClr val="7099CA"/>
+                    </a:solidFill>
+                  </a:tcPr>
+                </a:tc>
+                <a:tc>
+                  <a:txBody>
+                    <a:bodyPr/>
+                    <a:lstStyle/>
+                    <a:p>
+                      <a:pPr indent="0">
+                        <a:lnSpc>
+                          <a:spcPct val="100000"/>
+                        </a:lnSpc>
+                        <a:spcAft>
+                          <a:spcPts val="0"/>
+                        </a:spcAft>
+                      </a:pPr>
+                      <a:r>
+                        <a:rPr lang="ru-RU" sz="1100" dirty="0">
+                          <a:solidFill>
+                            <a:schemeClr val="tx1"/>
+                          </a:solidFill>
+                          <a:effectLst/>
+                        </a:rPr>
+                        <a:t>Правильный ввод команды на удаление сервера</a:t>
+                      </a:r>
+                      <a:endParaRPr lang="ru-RU" sz="1100" dirty="0">
+                        <a:solidFill>
+                          <a:schemeClr val="tx1"/>
+                        </a:solidFill>
+                        <a:effectLst/>
+                        <a:latin typeface="Times New Roman" panose="02020603050405020304" pitchFamily="18" charset="0"/>
+                        <a:ea typeface="Calibri" panose="020F0502020204030204" pitchFamily="34" charset="0"/>
+                        <a:cs typeface="Times New Roman" panose="02020603050405020304" pitchFamily="18" charset="0"/>
+                      </a:endParaRPr>
+                    </a:p>
+                  </a:txBody>
+                  <a:tcPr marL="25375" marR="25375" marT="0" marB="0">
+                    <a:lnL w="12700" cap="flat" cmpd="sng" algn="ctr">
+                      <a:solidFill>
+                        <a:schemeClr val="tx1"/>
+                      </a:solidFill>
+                      <a:prstDash val="solid"/>
+                      <a:round/>
+                      <a:headEnd type="none" w="med" len="med"/>
+                      <a:tailEnd type="none" w="med" len="med"/>
+                    </a:lnL>
+                    <a:lnR w="12700" cap="flat" cmpd="sng" algn="ctr">
+                      <a:solidFill>
+                        <a:schemeClr val="tx1"/>
+                      </a:solidFill>
+                      <a:prstDash val="solid"/>
+                      <a:round/>
+                      <a:headEnd type="none" w="med" len="med"/>
+                      <a:tailEnd type="none" w="med" len="med"/>
+                    </a:lnR>
+                    <a:lnT w="12700" cap="flat" cmpd="sng" algn="ctr">
+                      <a:solidFill>
+                        <a:schemeClr val="tx1"/>
+                      </a:solidFill>
+                      <a:prstDash val="solid"/>
+                      <a:round/>
+                      <a:headEnd type="none" w="med" len="med"/>
+                      <a:tailEnd type="none" w="med" len="med"/>
+                    </a:lnT>
+                    <a:lnB w="12700" cap="flat" cmpd="sng" algn="ctr">
+                      <a:solidFill>
+                        <a:schemeClr val="tx1"/>
+                      </a:solidFill>
+                      <a:prstDash val="solid"/>
+                      <a:round/>
+                      <a:headEnd type="none" w="med" len="med"/>
+                      <a:tailEnd type="none" w="med" len="med"/>
+                    </a:lnB>
+                  </a:tcPr>
+                </a:tc>
+                <a:tc>
+                  <a:txBody>
+                    <a:bodyPr/>
+                    <a:lstStyle/>
+                    <a:p>
+                      <a:pPr indent="0">
+                        <a:lnSpc>
+                          <a:spcPct val="100000"/>
+                        </a:lnSpc>
+                        <a:spcAft>
+                          <a:spcPts val="0"/>
+                        </a:spcAft>
+                      </a:pPr>
+                      <a:r>
+                        <a:rPr lang="ru-RU" sz="1100" dirty="0">
+                          <a:solidFill>
+                            <a:schemeClr val="tx1"/>
+                          </a:solidFill>
+                          <a:effectLst/>
+                        </a:rPr>
+                        <a:t>В файлах конфигурации не должны быть строки с введенными настройками</a:t>
+                      </a:r>
+                      <a:endParaRPr lang="ru-RU" sz="1100" dirty="0">
+                        <a:solidFill>
+                          <a:schemeClr val="tx1"/>
+                        </a:solidFill>
+                        <a:effectLst/>
+                        <a:latin typeface="Times New Roman" panose="02020603050405020304" pitchFamily="18" charset="0"/>
+                        <a:ea typeface="Calibri" panose="020F0502020204030204" pitchFamily="34" charset="0"/>
+                        <a:cs typeface="Times New Roman" panose="02020603050405020304" pitchFamily="18" charset="0"/>
+                      </a:endParaRPr>
+                    </a:p>
+                  </a:txBody>
+                  <a:tcPr marL="25375" marR="25375" marT="0" marB="0">
+                    <a:lnL w="12700" cap="flat" cmpd="sng" algn="ctr">
+                      <a:solidFill>
+                        <a:schemeClr val="tx1"/>
+                      </a:solidFill>
+                      <a:prstDash val="solid"/>
+                      <a:round/>
+                      <a:headEnd type="none" w="med" len="med"/>
+                      <a:tailEnd type="none" w="med" len="med"/>
+                    </a:lnL>
+                    <a:lnR w="12700" cap="flat" cmpd="sng" algn="ctr">
+                      <a:solidFill>
+                        <a:schemeClr val="tx1"/>
+                      </a:solidFill>
+                      <a:prstDash val="solid"/>
+                      <a:round/>
+                      <a:headEnd type="none" w="med" len="med"/>
+                      <a:tailEnd type="none" w="med" len="med"/>
+                    </a:lnR>
+                    <a:lnT w="12700" cap="flat" cmpd="sng" algn="ctr">
+                      <a:solidFill>
+                        <a:schemeClr val="tx1"/>
+                      </a:solidFill>
+                      <a:prstDash val="solid"/>
+                      <a:round/>
+                      <a:headEnd type="none" w="med" len="med"/>
+                      <a:tailEnd type="none" w="med" len="med"/>
+                    </a:lnT>
+                    <a:lnB w="12700" cap="flat" cmpd="sng" algn="ctr">
+                      <a:solidFill>
+                        <a:schemeClr val="tx1"/>
+                      </a:solidFill>
+                      <a:prstDash val="solid"/>
+                      <a:round/>
+                      <a:headEnd type="none" w="med" len="med"/>
+                      <a:tailEnd type="none" w="med" len="med"/>
+                    </a:lnB>
+                  </a:tcPr>
+                </a:tc>
+                <a:tc>
+                  <a:txBody>
+                    <a:bodyPr/>
+                    <a:lstStyle/>
+                    <a:p>
+                      <a:pPr indent="0">
+                        <a:lnSpc>
+                          <a:spcPct val="100000"/>
+                        </a:lnSpc>
+                        <a:spcAft>
+                          <a:spcPts val="0"/>
+                        </a:spcAft>
+                      </a:pPr>
+                      <a:r>
+                        <a:rPr lang="ru-RU" sz="1100">
+                          <a:solidFill>
+                            <a:schemeClr val="tx1"/>
+                          </a:solidFill>
+                          <a:effectLst/>
+                        </a:rPr>
+                        <a:t>В конфигурации введенные настройки не найдены</a:t>
+                      </a:r>
+                      <a:endParaRPr lang="ru-RU" sz="1100">
+                        <a:solidFill>
+                          <a:schemeClr val="tx1"/>
+                        </a:solidFill>
+                        <a:effectLst/>
+                        <a:latin typeface="Times New Roman" panose="02020603050405020304" pitchFamily="18" charset="0"/>
+                        <a:ea typeface="Calibri" panose="020F0502020204030204" pitchFamily="34" charset="0"/>
+                        <a:cs typeface="Times New Roman" panose="02020603050405020304" pitchFamily="18" charset="0"/>
+                      </a:endParaRPr>
+                    </a:p>
+                  </a:txBody>
+                  <a:tcPr marL="25375" marR="25375" marT="0" marB="0">
+                    <a:lnL w="12700" cap="flat" cmpd="sng" algn="ctr">
+                      <a:solidFill>
+                        <a:schemeClr val="tx1"/>
+                      </a:solidFill>
+                      <a:prstDash val="solid"/>
+                      <a:round/>
+                      <a:headEnd type="none" w="med" len="med"/>
+                      <a:tailEnd type="none" w="med" len="med"/>
+                    </a:lnL>
+                    <a:lnR w="12700" cap="flat" cmpd="sng" algn="ctr">
+                      <a:solidFill>
+                        <a:schemeClr val="tx1"/>
+                      </a:solidFill>
+                      <a:prstDash val="solid"/>
+                      <a:round/>
+                      <a:headEnd type="none" w="med" len="med"/>
+                      <a:tailEnd type="none" w="med" len="med"/>
+                    </a:lnR>
+                    <a:lnT w="12700" cap="flat" cmpd="sng" algn="ctr">
+                      <a:solidFill>
+                        <a:schemeClr val="tx1"/>
+                      </a:solidFill>
+                      <a:prstDash val="solid"/>
+                      <a:round/>
+                      <a:headEnd type="none" w="med" len="med"/>
+                      <a:tailEnd type="none" w="med" len="med"/>
+                    </a:lnT>
+                    <a:lnB w="12700" cap="flat" cmpd="sng" algn="ctr">
+                      <a:solidFill>
+                        <a:schemeClr val="tx1"/>
+                      </a:solidFill>
+                      <a:prstDash val="solid"/>
+                      <a:round/>
+                      <a:headEnd type="none" w="med" len="med"/>
+                      <a:tailEnd type="none" w="med" len="med"/>
+                    </a:lnB>
+                  </a:tcPr>
+                </a:tc>
+                <a:tc>
+                  <a:txBody>
+                    <a:bodyPr/>
+                    <a:lstStyle/>
+                    <a:p>
+                      <a:pPr indent="0">
+                        <a:lnSpc>
+                          <a:spcPct val="100000"/>
+                        </a:lnSpc>
+                        <a:spcAft>
+                          <a:spcPts val="0"/>
+                        </a:spcAft>
+                      </a:pPr>
+                      <a:r>
+                        <a:rPr lang="ru-RU" sz="1100">
+                          <a:solidFill>
+                            <a:schemeClr val="tx1"/>
+                          </a:solidFill>
+                          <a:effectLst/>
+                        </a:rPr>
+                        <a:t>Тест пройден</a:t>
+                      </a:r>
+                      <a:endParaRPr lang="ru-RU" sz="1100">
+                        <a:solidFill>
+                          <a:schemeClr val="tx1"/>
+                        </a:solidFill>
+                        <a:effectLst/>
+                        <a:latin typeface="Times New Roman" panose="02020603050405020304" pitchFamily="18" charset="0"/>
+                        <a:ea typeface="Calibri" panose="020F0502020204030204" pitchFamily="34" charset="0"/>
+                        <a:cs typeface="Times New Roman" panose="02020603050405020304" pitchFamily="18" charset="0"/>
+                      </a:endParaRPr>
+                    </a:p>
+                  </a:txBody>
+                  <a:tcPr marL="25375" marR="25375" marT="0" marB="0">
+                    <a:lnL w="12700" cap="flat" cmpd="sng" algn="ctr">
+                      <a:solidFill>
+                        <a:schemeClr val="tx1"/>
+                      </a:solidFill>
+                      <a:prstDash val="solid"/>
+                      <a:round/>
+                      <a:headEnd type="none" w="med" len="med"/>
+                      <a:tailEnd type="none" w="med" len="med"/>
+                    </a:lnL>
+                    <a:lnR w="12700" cap="flat" cmpd="sng" algn="ctr">
+                      <a:solidFill>
+                        <a:schemeClr val="tx1"/>
+                      </a:solidFill>
+                      <a:prstDash val="solid"/>
+                      <a:round/>
+                      <a:headEnd type="none" w="med" len="med"/>
+                      <a:tailEnd type="none" w="med" len="med"/>
+                    </a:lnR>
+                    <a:lnT w="12700" cap="flat" cmpd="sng" algn="ctr">
+                      <a:solidFill>
+                        <a:schemeClr val="tx1"/>
+                      </a:solidFill>
+                      <a:prstDash val="solid"/>
+                      <a:round/>
+                      <a:headEnd type="none" w="med" len="med"/>
+                      <a:tailEnd type="none" w="med" len="med"/>
+                    </a:lnT>
+                    <a:lnB w="12700" cap="flat" cmpd="sng" algn="ctr">
+                      <a:solidFill>
+                        <a:schemeClr val="tx1"/>
+                      </a:solidFill>
+                      <a:prstDash val="solid"/>
+                      <a:round/>
+                      <a:headEnd type="none" w="med" len="med"/>
+                      <a:tailEnd type="none" w="med" len="med"/>
+                    </a:lnB>
+                  </a:tcPr>
+                </a:tc>
+                <a:extLst>
+                  <a:ext uri="{0D108BD9-81ED-4DB2-BD59-A6C34878D82A}">
+                    <a16:rowId xmlns:a16="http://schemas.microsoft.com/office/drawing/2014/main" val="4122312321"/>
+                  </a:ext>
+                </a:extLst>
+              </a:tr>
+              <a:tr h="1176978">
+                <a:tc>
+                  <a:txBody>
+                    <a:bodyPr/>
+                    <a:lstStyle/>
+                    <a:p>
+                      <a:pPr indent="0">
+                        <a:lnSpc>
+                          <a:spcPct val="100000"/>
+                        </a:lnSpc>
+                        <a:spcAft>
+                          <a:spcPts val="0"/>
+                        </a:spcAft>
+                      </a:pPr>
+                      <a:r>
+                        <a:rPr lang="ru-RU" sz="1100" b="0" dirty="0">
+                          <a:solidFill>
+                            <a:schemeClr val="tx1"/>
+                          </a:solidFill>
+                          <a:effectLst/>
+                        </a:rPr>
+                        <a:t>Неправильное удаление сервера</a:t>
+                      </a:r>
+                      <a:endParaRPr lang="ru-RU" sz="1100" b="0" dirty="0">
+                        <a:solidFill>
+                          <a:schemeClr val="tx1"/>
+                        </a:solidFill>
+                        <a:effectLst/>
+                        <a:latin typeface="Times New Roman" panose="02020603050405020304" pitchFamily="18" charset="0"/>
+                        <a:ea typeface="Calibri" panose="020F0502020204030204" pitchFamily="34" charset="0"/>
+                        <a:cs typeface="Times New Roman" panose="02020603050405020304" pitchFamily="18" charset="0"/>
+                      </a:endParaRPr>
+                    </a:p>
+                  </a:txBody>
+                  <a:tcPr marL="25375" marR="25375" marT="0" marB="0">
+                    <a:lnL w="12700" cap="flat" cmpd="sng" algn="ctr">
+                      <a:solidFill>
+                        <a:schemeClr val="tx1"/>
+                      </a:solidFill>
+                      <a:prstDash val="solid"/>
+                      <a:round/>
+                      <a:headEnd type="none" w="med" len="med"/>
+                      <a:tailEnd type="none" w="med" len="med"/>
+                    </a:lnL>
+                    <a:lnR w="12700" cap="flat" cmpd="sng" algn="ctr">
+                      <a:solidFill>
+                        <a:schemeClr val="tx1"/>
+                      </a:solidFill>
+                      <a:prstDash val="solid"/>
+                      <a:round/>
+                      <a:headEnd type="none" w="med" len="med"/>
+                      <a:tailEnd type="none" w="med" len="med"/>
+                    </a:lnR>
+                    <a:lnT w="12700" cap="flat" cmpd="sng" algn="ctr">
+                      <a:solidFill>
+                        <a:schemeClr val="tx1"/>
+                      </a:solidFill>
+                      <a:prstDash val="solid"/>
+                      <a:round/>
+                      <a:headEnd type="none" w="med" len="med"/>
+                      <a:tailEnd type="none" w="med" len="med"/>
+                    </a:lnT>
+                    <a:lnB w="12700" cap="flat" cmpd="sng" algn="ctr">
+                      <a:solidFill>
+                        <a:schemeClr val="tx1"/>
+                      </a:solidFill>
+                      <a:prstDash val="solid"/>
+                      <a:round/>
+                      <a:headEnd type="none" w="med" len="med"/>
+                      <a:tailEnd type="none" w="med" len="med"/>
+                    </a:lnB>
+                    <a:solidFill>
+                      <a:srgbClr val="7099CA"/>
+                    </a:solidFill>
+                  </a:tcPr>
+                </a:tc>
+                <a:tc>
+                  <a:txBody>
+                    <a:bodyPr/>
+                    <a:lstStyle/>
+                    <a:p>
+                      <a:pPr indent="0">
+                        <a:lnSpc>
+                          <a:spcPct val="100000"/>
+                        </a:lnSpc>
+                        <a:spcAft>
+                          <a:spcPts val="0"/>
+                        </a:spcAft>
+                      </a:pPr>
+                      <a:r>
+                        <a:rPr lang="ru-RU" sz="1100">
+                          <a:solidFill>
+                            <a:schemeClr val="tx1"/>
+                          </a:solidFill>
+                          <a:effectLst/>
+                        </a:rPr>
+                        <a:t>Неправильный ввод команды на добавление сервера</a:t>
+                      </a:r>
+                      <a:endParaRPr lang="ru-RU" sz="1100">
+                        <a:solidFill>
+                          <a:schemeClr val="tx1"/>
+                        </a:solidFill>
+                        <a:effectLst/>
+                        <a:latin typeface="Times New Roman" panose="02020603050405020304" pitchFamily="18" charset="0"/>
+                        <a:ea typeface="Calibri" panose="020F0502020204030204" pitchFamily="34" charset="0"/>
+                        <a:cs typeface="Times New Roman" panose="02020603050405020304" pitchFamily="18" charset="0"/>
+                      </a:endParaRPr>
+                    </a:p>
+                  </a:txBody>
+                  <a:tcPr marL="25375" marR="25375" marT="0" marB="0">
+                    <a:lnL w="12700" cap="flat" cmpd="sng" algn="ctr">
+                      <a:solidFill>
+                        <a:schemeClr val="tx1"/>
+                      </a:solidFill>
+                      <a:prstDash val="solid"/>
+                      <a:round/>
+                      <a:headEnd type="none" w="med" len="med"/>
+                      <a:tailEnd type="none" w="med" len="med"/>
+                    </a:lnL>
+                    <a:lnR w="12700" cap="flat" cmpd="sng" algn="ctr">
+                      <a:solidFill>
+                        <a:schemeClr val="tx1"/>
+                      </a:solidFill>
+                      <a:prstDash val="solid"/>
+                      <a:round/>
+                      <a:headEnd type="none" w="med" len="med"/>
+                      <a:tailEnd type="none" w="med" len="med"/>
+                    </a:lnR>
+                    <a:lnT w="12700" cap="flat" cmpd="sng" algn="ctr">
+                      <a:solidFill>
+                        <a:schemeClr val="tx1"/>
+                      </a:solidFill>
+                      <a:prstDash val="solid"/>
+                      <a:round/>
+                      <a:headEnd type="none" w="med" len="med"/>
+                      <a:tailEnd type="none" w="med" len="med"/>
+                    </a:lnT>
+                    <a:lnB w="12700" cap="flat" cmpd="sng" algn="ctr">
+                      <a:solidFill>
+                        <a:schemeClr val="tx1"/>
+                      </a:solidFill>
+                      <a:prstDash val="solid"/>
+                      <a:round/>
+                      <a:headEnd type="none" w="med" len="med"/>
+                      <a:tailEnd type="none" w="med" len="med"/>
+                    </a:lnB>
+                  </a:tcPr>
+                </a:tc>
+                <a:tc>
+                  <a:txBody>
+                    <a:bodyPr/>
+                    <a:lstStyle/>
+                    <a:p>
+                      <a:pPr indent="0">
+                        <a:lnSpc>
+                          <a:spcPct val="100000"/>
+                        </a:lnSpc>
+                        <a:spcAft>
+                          <a:spcPts val="0"/>
+                        </a:spcAft>
+                      </a:pPr>
+                      <a:r>
+                        <a:rPr lang="ru-RU" sz="1100" dirty="0">
+                          <a:solidFill>
+                            <a:schemeClr val="tx1"/>
+                          </a:solidFill>
+                          <a:effectLst/>
+                        </a:rPr>
+                        <a:t>Должно отобразиться сообщение об ошибке, файлы меняться не должны</a:t>
+                      </a:r>
+                      <a:endParaRPr lang="ru-RU" sz="1100" dirty="0">
+                        <a:solidFill>
+                          <a:schemeClr val="tx1"/>
+                        </a:solidFill>
+                        <a:effectLst/>
+                        <a:latin typeface="Times New Roman" panose="02020603050405020304" pitchFamily="18" charset="0"/>
+                        <a:ea typeface="Calibri" panose="020F0502020204030204" pitchFamily="34" charset="0"/>
+                        <a:cs typeface="Times New Roman" panose="02020603050405020304" pitchFamily="18" charset="0"/>
+                      </a:endParaRPr>
+                    </a:p>
+                  </a:txBody>
+                  <a:tcPr marL="25375" marR="25375" marT="0" marB="0">
+                    <a:lnL w="12700" cap="flat" cmpd="sng" algn="ctr">
+                      <a:solidFill>
+                        <a:schemeClr val="tx1"/>
+                      </a:solidFill>
+                      <a:prstDash val="solid"/>
+                      <a:round/>
+                      <a:headEnd type="none" w="med" len="med"/>
+                      <a:tailEnd type="none" w="med" len="med"/>
+                    </a:lnL>
+                    <a:lnR w="12700" cap="flat" cmpd="sng" algn="ctr">
+                      <a:solidFill>
+                        <a:schemeClr val="tx1"/>
+                      </a:solidFill>
+                      <a:prstDash val="solid"/>
+                      <a:round/>
+                      <a:headEnd type="none" w="med" len="med"/>
+                      <a:tailEnd type="none" w="med" len="med"/>
+                    </a:lnR>
+                    <a:lnT w="12700" cap="flat" cmpd="sng" algn="ctr">
+                      <a:solidFill>
+                        <a:schemeClr val="tx1"/>
+                      </a:solidFill>
+                      <a:prstDash val="solid"/>
+                      <a:round/>
+                      <a:headEnd type="none" w="med" len="med"/>
+                      <a:tailEnd type="none" w="med" len="med"/>
+                    </a:lnT>
+                    <a:lnB w="12700" cap="flat" cmpd="sng" algn="ctr">
+                      <a:solidFill>
+                        <a:schemeClr val="tx1"/>
+                      </a:solidFill>
+                      <a:prstDash val="solid"/>
+                      <a:round/>
+                      <a:headEnd type="none" w="med" len="med"/>
+                      <a:tailEnd type="none" w="med" len="med"/>
+                    </a:lnB>
+                  </a:tcPr>
+                </a:tc>
+                <a:tc>
+                  <a:txBody>
+                    <a:bodyPr/>
+                    <a:lstStyle/>
+                    <a:p>
+                      <a:pPr indent="0">
+                        <a:lnSpc>
+                          <a:spcPct val="100000"/>
+                        </a:lnSpc>
+                        <a:spcAft>
+                          <a:spcPts val="0"/>
+                        </a:spcAft>
+                      </a:pPr>
+                      <a:r>
+                        <a:rPr lang="ru-RU" sz="1100" dirty="0">
+                          <a:solidFill>
+                            <a:schemeClr val="tx1"/>
+                          </a:solidFill>
+                          <a:effectLst/>
+                        </a:rPr>
+                        <a:t>Отобразилось сообщение об ошибке. Конфигурационные файлы не изменились</a:t>
+                      </a:r>
+                      <a:endParaRPr lang="ru-RU" sz="1100" dirty="0">
+                        <a:solidFill>
+                          <a:schemeClr val="tx1"/>
+                        </a:solidFill>
+                        <a:effectLst/>
+                        <a:latin typeface="Times New Roman" panose="02020603050405020304" pitchFamily="18" charset="0"/>
+                        <a:ea typeface="Calibri" panose="020F0502020204030204" pitchFamily="34" charset="0"/>
+                        <a:cs typeface="Times New Roman" panose="02020603050405020304" pitchFamily="18" charset="0"/>
+                      </a:endParaRPr>
+                    </a:p>
+                  </a:txBody>
+                  <a:tcPr marL="25375" marR="25375" marT="0" marB="0">
+                    <a:lnL w="12700" cap="flat" cmpd="sng" algn="ctr">
+                      <a:solidFill>
+                        <a:schemeClr val="tx1"/>
+                      </a:solidFill>
+                      <a:prstDash val="solid"/>
+                      <a:round/>
+                      <a:headEnd type="none" w="med" len="med"/>
+                      <a:tailEnd type="none" w="med" len="med"/>
+                    </a:lnL>
+                    <a:lnR w="12700" cap="flat" cmpd="sng" algn="ctr">
+                      <a:solidFill>
+                        <a:schemeClr val="tx1"/>
+                      </a:solidFill>
+                      <a:prstDash val="solid"/>
+                      <a:round/>
+                      <a:headEnd type="none" w="med" len="med"/>
+                      <a:tailEnd type="none" w="med" len="med"/>
+                    </a:lnR>
+                    <a:lnT w="12700" cap="flat" cmpd="sng" algn="ctr">
+                      <a:solidFill>
+                        <a:schemeClr val="tx1"/>
+                      </a:solidFill>
+                      <a:prstDash val="solid"/>
+                      <a:round/>
+                      <a:headEnd type="none" w="med" len="med"/>
+                      <a:tailEnd type="none" w="med" len="med"/>
+                    </a:lnT>
+                    <a:lnB w="12700" cap="flat" cmpd="sng" algn="ctr">
+                      <a:solidFill>
+                        <a:schemeClr val="tx1"/>
+                      </a:solidFill>
+                      <a:prstDash val="solid"/>
+                      <a:round/>
+                      <a:headEnd type="none" w="med" len="med"/>
+                      <a:tailEnd type="none" w="med" len="med"/>
+                    </a:lnB>
+                  </a:tcPr>
+                </a:tc>
+                <a:tc>
+                  <a:txBody>
+                    <a:bodyPr/>
+                    <a:lstStyle/>
+                    <a:p>
+                      <a:pPr indent="0">
+                        <a:lnSpc>
+                          <a:spcPct val="100000"/>
+                        </a:lnSpc>
+                        <a:spcAft>
+                          <a:spcPts val="0"/>
+                        </a:spcAft>
+                      </a:pPr>
+                      <a:r>
+                        <a:rPr lang="ru-RU" sz="1100" dirty="0">
+                          <a:solidFill>
+                            <a:schemeClr val="tx1"/>
+                          </a:solidFill>
+                          <a:effectLst/>
+                        </a:rPr>
+                        <a:t>Тест пройден</a:t>
+                      </a:r>
+                      <a:endParaRPr lang="ru-RU" sz="1100" dirty="0">
+                        <a:solidFill>
+                          <a:schemeClr val="tx1"/>
+                        </a:solidFill>
+                        <a:effectLst/>
+                        <a:latin typeface="Times New Roman" panose="02020603050405020304" pitchFamily="18" charset="0"/>
+                        <a:ea typeface="Calibri" panose="020F0502020204030204" pitchFamily="34" charset="0"/>
+                        <a:cs typeface="Times New Roman" panose="02020603050405020304" pitchFamily="18" charset="0"/>
+                      </a:endParaRPr>
+                    </a:p>
+                  </a:txBody>
+                  <a:tcPr marL="25375" marR="25375" marT="0" marB="0">
+                    <a:lnL w="12700" cap="flat" cmpd="sng" algn="ctr">
+                      <a:solidFill>
+                        <a:schemeClr val="tx1"/>
+                      </a:solidFill>
+                      <a:prstDash val="solid"/>
+                      <a:round/>
+                      <a:headEnd type="none" w="med" len="med"/>
+                      <a:tailEnd type="none" w="med" len="med"/>
+                    </a:lnL>
+                    <a:lnR w="12700" cap="flat" cmpd="sng" algn="ctr">
+                      <a:solidFill>
+                        <a:schemeClr val="tx1"/>
+                      </a:solidFill>
+                      <a:prstDash val="solid"/>
+                      <a:round/>
+                      <a:headEnd type="none" w="med" len="med"/>
+                      <a:tailEnd type="none" w="med" len="med"/>
+                    </a:lnR>
+                    <a:lnT w="12700" cap="flat" cmpd="sng" algn="ctr">
+                      <a:solidFill>
+                        <a:schemeClr val="tx1"/>
+                      </a:solidFill>
+                      <a:prstDash val="solid"/>
+                      <a:round/>
+                      <a:headEnd type="none" w="med" len="med"/>
+                      <a:tailEnd type="none" w="med" len="med"/>
+                    </a:lnT>
+                    <a:lnB w="12700" cap="flat" cmpd="sng" algn="ctr">
+                      <a:solidFill>
+                        <a:schemeClr val="tx1"/>
+                      </a:solidFill>
+                      <a:prstDash val="solid"/>
+                      <a:round/>
+                      <a:headEnd type="none" w="med" len="med"/>
+                      <a:tailEnd type="none" w="med" len="med"/>
+                    </a:lnB>
+                  </a:tcPr>
+                </a:tc>
+                <a:extLst>
+                  <a:ext uri="{0D108BD9-81ED-4DB2-BD59-A6C34878D82A}">
+                    <a16:rowId xmlns:a16="http://schemas.microsoft.com/office/drawing/2014/main" val="2918257659"/>
+                  </a:ext>
+                </a:extLst>
+              </a:tr>
+              <a:tr h="784652">
+                <a:tc>
+                  <a:txBody>
+                    <a:bodyPr/>
+                    <a:lstStyle/>
+                    <a:p>
+                      <a:pPr indent="0">
+                        <a:lnSpc>
+                          <a:spcPct val="100000"/>
+                        </a:lnSpc>
+                        <a:spcAft>
+                          <a:spcPts val="0"/>
+                        </a:spcAft>
+                      </a:pPr>
+                      <a:r>
+                        <a:rPr lang="ru-RU" sz="1100" b="0" dirty="0">
+                          <a:solidFill>
+                            <a:schemeClr val="tx1"/>
+                          </a:solidFill>
+                          <a:effectLst/>
+                        </a:rPr>
+                        <a:t>Проверка на</a:t>
+                      </a:r>
+                      <a:r>
+                        <a:rPr lang="en-US" sz="1100" b="0" dirty="0">
+                          <a:solidFill>
+                            <a:schemeClr val="tx1"/>
+                          </a:solidFill>
+                          <a:effectLst/>
+                        </a:rPr>
+                        <a:t> show run | include </a:t>
+                      </a:r>
+                      <a:r>
+                        <a:rPr lang="en-US" sz="1100" b="0" dirty="0" err="1">
+                          <a:solidFill>
+                            <a:schemeClr val="tx1"/>
+                          </a:solidFill>
+                          <a:effectLst/>
+                        </a:rPr>
+                        <a:t>ntp</a:t>
+                      </a:r>
+                      <a:endParaRPr lang="ru-RU" sz="1100" b="0" dirty="0">
+                        <a:solidFill>
+                          <a:schemeClr val="tx1"/>
+                        </a:solidFill>
+                        <a:effectLst/>
+                        <a:latin typeface="Times New Roman" panose="02020603050405020304" pitchFamily="18" charset="0"/>
+                        <a:ea typeface="Calibri" panose="020F0502020204030204" pitchFamily="34" charset="0"/>
+                        <a:cs typeface="Times New Roman" panose="02020603050405020304" pitchFamily="18" charset="0"/>
+                      </a:endParaRPr>
+                    </a:p>
+                  </a:txBody>
+                  <a:tcPr marL="25375" marR="25375" marT="0" marB="0">
+                    <a:lnL w="12700" cap="flat" cmpd="sng" algn="ctr">
+                      <a:solidFill>
+                        <a:schemeClr val="tx1"/>
+                      </a:solidFill>
+                      <a:prstDash val="solid"/>
+                      <a:round/>
+                      <a:headEnd type="none" w="med" len="med"/>
+                      <a:tailEnd type="none" w="med" len="med"/>
+                    </a:lnL>
+                    <a:lnR w="12700" cap="flat" cmpd="sng" algn="ctr">
+                      <a:solidFill>
+                        <a:schemeClr val="tx1"/>
+                      </a:solidFill>
+                      <a:prstDash val="solid"/>
+                      <a:round/>
+                      <a:headEnd type="none" w="med" len="med"/>
+                      <a:tailEnd type="none" w="med" len="med"/>
+                    </a:lnR>
+                    <a:lnT w="12700" cap="flat" cmpd="sng" algn="ctr">
+                      <a:solidFill>
+                        <a:schemeClr val="tx1"/>
+                      </a:solidFill>
+                      <a:prstDash val="solid"/>
+                      <a:round/>
+                      <a:headEnd type="none" w="med" len="med"/>
+                      <a:tailEnd type="none" w="med" len="med"/>
+                    </a:lnT>
+                    <a:lnB w="12700" cap="flat" cmpd="sng" algn="ctr">
+                      <a:solidFill>
+                        <a:schemeClr val="tx1"/>
+                      </a:solidFill>
+                      <a:prstDash val="solid"/>
+                      <a:round/>
+                      <a:headEnd type="none" w="med" len="med"/>
+                      <a:tailEnd type="none" w="med" len="med"/>
+                    </a:lnB>
+                    <a:solidFill>
+                      <a:srgbClr val="7099CA"/>
+                    </a:solidFill>
+                  </a:tcPr>
+                </a:tc>
+                <a:tc>
+                  <a:txBody>
+                    <a:bodyPr/>
+                    <a:lstStyle/>
+                    <a:p>
+                      <a:pPr indent="0">
+                        <a:lnSpc>
+                          <a:spcPct val="100000"/>
+                        </a:lnSpc>
+                        <a:spcAft>
+                          <a:spcPts val="0"/>
+                        </a:spcAft>
+                      </a:pPr>
+                      <a:r>
+                        <a:rPr lang="ru-RU" sz="1100" dirty="0">
+                          <a:solidFill>
+                            <a:schemeClr val="tx1"/>
+                          </a:solidFill>
+                          <a:effectLst/>
+                        </a:rPr>
+                        <a:t>Вводится команда на добавление сервера</a:t>
+                      </a:r>
+                    </a:p>
+                    <a:p>
+                      <a:pPr indent="0">
+                        <a:lnSpc>
+                          <a:spcPct val="100000"/>
+                        </a:lnSpc>
+                        <a:spcAft>
+                          <a:spcPts val="0"/>
+                        </a:spcAft>
+                      </a:pPr>
+                      <a:r>
+                        <a:rPr lang="ru-RU" sz="1100" dirty="0">
+                          <a:solidFill>
+                            <a:schemeClr val="tx1"/>
+                          </a:solidFill>
+                          <a:effectLst/>
+                        </a:rPr>
+                        <a:t>Вводится команда </a:t>
+                      </a:r>
+                      <a:r>
+                        <a:rPr lang="en-US" sz="1100" dirty="0">
+                          <a:solidFill>
+                            <a:schemeClr val="tx1"/>
+                          </a:solidFill>
+                          <a:effectLst/>
+                        </a:rPr>
+                        <a:t>show run</a:t>
+                      </a:r>
+                      <a:r>
+                        <a:rPr lang="ru-RU" sz="1100" dirty="0">
+                          <a:solidFill>
+                            <a:schemeClr val="tx1"/>
+                          </a:solidFill>
+                          <a:effectLst/>
+                        </a:rPr>
+                        <a:t> | </a:t>
+                      </a:r>
+                      <a:r>
+                        <a:rPr lang="en-US" sz="1100" dirty="0">
+                          <a:solidFill>
+                            <a:schemeClr val="tx1"/>
+                          </a:solidFill>
+                          <a:effectLst/>
+                        </a:rPr>
+                        <a:t>include </a:t>
+                      </a:r>
+                      <a:r>
+                        <a:rPr lang="en-US" sz="1100" dirty="0" err="1">
+                          <a:solidFill>
+                            <a:schemeClr val="tx1"/>
+                          </a:solidFill>
+                          <a:effectLst/>
+                        </a:rPr>
+                        <a:t>ntp</a:t>
+                      </a:r>
+                      <a:endParaRPr lang="ru-RU" sz="1100" dirty="0">
+                        <a:solidFill>
+                          <a:schemeClr val="tx1"/>
+                        </a:solidFill>
+                        <a:effectLst/>
+                        <a:latin typeface="Times New Roman" panose="02020603050405020304" pitchFamily="18" charset="0"/>
+                        <a:ea typeface="Calibri" panose="020F0502020204030204" pitchFamily="34" charset="0"/>
+                        <a:cs typeface="Times New Roman" panose="02020603050405020304" pitchFamily="18" charset="0"/>
+                      </a:endParaRPr>
+                    </a:p>
+                  </a:txBody>
+                  <a:tcPr marL="25375" marR="25375" marT="0" marB="0">
+                    <a:lnL w="12700" cap="flat" cmpd="sng" algn="ctr">
+                      <a:solidFill>
+                        <a:schemeClr val="tx1"/>
+                      </a:solidFill>
+                      <a:prstDash val="solid"/>
+                      <a:round/>
+                      <a:headEnd type="none" w="med" len="med"/>
+                      <a:tailEnd type="none" w="med" len="med"/>
+                    </a:lnL>
+                    <a:lnR w="12700" cap="flat" cmpd="sng" algn="ctr">
+                      <a:solidFill>
+                        <a:schemeClr val="tx1"/>
+                      </a:solidFill>
+                      <a:prstDash val="solid"/>
+                      <a:round/>
+                      <a:headEnd type="none" w="med" len="med"/>
+                      <a:tailEnd type="none" w="med" len="med"/>
+                    </a:lnR>
+                    <a:lnT w="12700" cap="flat" cmpd="sng" algn="ctr">
+                      <a:solidFill>
+                        <a:schemeClr val="tx1"/>
+                      </a:solidFill>
+                      <a:prstDash val="solid"/>
+                      <a:round/>
+                      <a:headEnd type="none" w="med" len="med"/>
+                      <a:tailEnd type="none" w="med" len="med"/>
+                    </a:lnT>
+                    <a:lnB w="12700" cap="flat" cmpd="sng" algn="ctr">
+                      <a:solidFill>
+                        <a:schemeClr val="tx1"/>
+                      </a:solidFill>
+                      <a:prstDash val="solid"/>
+                      <a:round/>
+                      <a:headEnd type="none" w="med" len="med"/>
+                      <a:tailEnd type="none" w="med" len="med"/>
+                    </a:lnB>
+                  </a:tcPr>
+                </a:tc>
+                <a:tc>
+                  <a:txBody>
+                    <a:bodyPr/>
+                    <a:lstStyle/>
+                    <a:p>
+                      <a:pPr indent="0">
+                        <a:lnSpc>
+                          <a:spcPct val="100000"/>
+                        </a:lnSpc>
+                        <a:spcAft>
+                          <a:spcPts val="0"/>
+                        </a:spcAft>
+                      </a:pPr>
+                      <a:r>
+                        <a:rPr lang="ru-RU" sz="1100" dirty="0">
+                          <a:solidFill>
+                            <a:schemeClr val="tx1"/>
+                          </a:solidFill>
+                          <a:effectLst/>
+                        </a:rPr>
+                        <a:t>Должны появиться строки только с введенными серверами</a:t>
+                      </a:r>
+                      <a:endParaRPr lang="ru-RU" sz="1100" dirty="0">
+                        <a:solidFill>
+                          <a:schemeClr val="tx1"/>
+                        </a:solidFill>
+                        <a:effectLst/>
+                        <a:latin typeface="Times New Roman" panose="02020603050405020304" pitchFamily="18" charset="0"/>
+                        <a:ea typeface="Calibri" panose="020F0502020204030204" pitchFamily="34" charset="0"/>
+                        <a:cs typeface="Times New Roman" panose="02020603050405020304" pitchFamily="18" charset="0"/>
+                      </a:endParaRPr>
+                    </a:p>
+                  </a:txBody>
+                  <a:tcPr marL="25375" marR="25375" marT="0" marB="0">
+                    <a:lnL w="12700" cap="flat" cmpd="sng" algn="ctr">
+                      <a:solidFill>
+                        <a:schemeClr val="tx1"/>
+                      </a:solidFill>
+                      <a:prstDash val="solid"/>
+                      <a:round/>
+                      <a:headEnd type="none" w="med" len="med"/>
+                      <a:tailEnd type="none" w="med" len="med"/>
+                    </a:lnL>
+                    <a:lnR w="12700" cap="flat" cmpd="sng" algn="ctr">
+                      <a:solidFill>
+                        <a:schemeClr val="tx1"/>
+                      </a:solidFill>
+                      <a:prstDash val="solid"/>
+                      <a:round/>
+                      <a:headEnd type="none" w="med" len="med"/>
+                      <a:tailEnd type="none" w="med" len="med"/>
+                    </a:lnR>
+                    <a:lnT w="12700" cap="flat" cmpd="sng" algn="ctr">
+                      <a:solidFill>
+                        <a:schemeClr val="tx1"/>
+                      </a:solidFill>
+                      <a:prstDash val="solid"/>
+                      <a:round/>
+                      <a:headEnd type="none" w="med" len="med"/>
+                      <a:tailEnd type="none" w="med" len="med"/>
+                    </a:lnT>
+                    <a:lnB w="12700" cap="flat" cmpd="sng" algn="ctr">
+                      <a:solidFill>
+                        <a:schemeClr val="tx1"/>
+                      </a:solidFill>
+                      <a:prstDash val="solid"/>
+                      <a:round/>
+                      <a:headEnd type="none" w="med" len="med"/>
+                      <a:tailEnd type="none" w="med" len="med"/>
+                    </a:lnB>
+                  </a:tcPr>
+                </a:tc>
+                <a:tc>
+                  <a:txBody>
+                    <a:bodyPr/>
+                    <a:lstStyle/>
+                    <a:p>
+                      <a:pPr indent="0">
+                        <a:lnSpc>
+                          <a:spcPct val="100000"/>
+                        </a:lnSpc>
+                        <a:spcAft>
+                          <a:spcPts val="0"/>
+                        </a:spcAft>
+                      </a:pPr>
+                      <a:r>
+                        <a:rPr lang="ru-RU" sz="1100" dirty="0">
+                          <a:solidFill>
+                            <a:schemeClr val="tx1"/>
+                          </a:solidFill>
+                          <a:effectLst/>
+                        </a:rPr>
+                        <a:t>Появились строки с введенными серверами</a:t>
+                      </a:r>
+                      <a:endParaRPr lang="ru-RU" sz="1100" dirty="0">
+                        <a:solidFill>
+                          <a:schemeClr val="tx1"/>
+                        </a:solidFill>
+                        <a:effectLst/>
+                        <a:latin typeface="Times New Roman" panose="02020603050405020304" pitchFamily="18" charset="0"/>
+                        <a:ea typeface="Calibri" panose="020F0502020204030204" pitchFamily="34" charset="0"/>
+                        <a:cs typeface="Times New Roman" panose="02020603050405020304" pitchFamily="18" charset="0"/>
+                      </a:endParaRPr>
+                    </a:p>
+                  </a:txBody>
+                  <a:tcPr marL="25375" marR="25375" marT="0" marB="0">
+                    <a:lnL w="12700" cap="flat" cmpd="sng" algn="ctr">
+                      <a:solidFill>
+                        <a:schemeClr val="tx1"/>
+                      </a:solidFill>
+                      <a:prstDash val="solid"/>
+                      <a:round/>
+                      <a:headEnd type="none" w="med" len="med"/>
+                      <a:tailEnd type="none" w="med" len="med"/>
+                    </a:lnL>
+                    <a:lnR w="12700" cap="flat" cmpd="sng" algn="ctr">
+                      <a:solidFill>
+                        <a:schemeClr val="tx1"/>
+                      </a:solidFill>
+                      <a:prstDash val="solid"/>
+                      <a:round/>
+                      <a:headEnd type="none" w="med" len="med"/>
+                      <a:tailEnd type="none" w="med" len="med"/>
+                    </a:lnR>
+                    <a:lnT w="12700" cap="flat" cmpd="sng" algn="ctr">
+                      <a:solidFill>
+                        <a:schemeClr val="tx1"/>
+                      </a:solidFill>
+                      <a:prstDash val="solid"/>
+                      <a:round/>
+                      <a:headEnd type="none" w="med" len="med"/>
+                      <a:tailEnd type="none" w="med" len="med"/>
+                    </a:lnT>
+                    <a:lnB w="12700" cap="flat" cmpd="sng" algn="ctr">
+                      <a:solidFill>
+                        <a:schemeClr val="tx1"/>
+                      </a:solidFill>
+                      <a:prstDash val="solid"/>
+                      <a:round/>
+                      <a:headEnd type="none" w="med" len="med"/>
+                      <a:tailEnd type="none" w="med" len="med"/>
+                    </a:lnB>
+                  </a:tcPr>
+                </a:tc>
+                <a:tc>
+                  <a:txBody>
+                    <a:bodyPr/>
+                    <a:lstStyle/>
+                    <a:p>
+                      <a:pPr indent="0">
+                        <a:lnSpc>
+                          <a:spcPct val="100000"/>
+                        </a:lnSpc>
+                        <a:spcAft>
+                          <a:spcPts val="0"/>
+                        </a:spcAft>
+                      </a:pPr>
+                      <a:r>
+                        <a:rPr lang="ru-RU" sz="1100" dirty="0">
+                          <a:solidFill>
+                            <a:schemeClr val="tx1"/>
+                          </a:solidFill>
+                          <a:effectLst/>
+                        </a:rPr>
+                        <a:t>Тест пройден</a:t>
+                      </a:r>
+                      <a:endParaRPr lang="ru-RU" sz="1100" dirty="0">
+                        <a:solidFill>
+                          <a:schemeClr val="tx1"/>
+                        </a:solidFill>
+                        <a:effectLst/>
+                        <a:latin typeface="Times New Roman" panose="02020603050405020304" pitchFamily="18" charset="0"/>
+                        <a:ea typeface="Calibri" panose="020F0502020204030204" pitchFamily="34" charset="0"/>
+                        <a:cs typeface="Times New Roman" panose="02020603050405020304" pitchFamily="18" charset="0"/>
+                      </a:endParaRPr>
+                    </a:p>
+                  </a:txBody>
+                  <a:tcPr marL="25375" marR="25375" marT="0" marB="0">
+                    <a:lnL w="12700" cap="flat" cmpd="sng" algn="ctr">
+                      <a:solidFill>
+                        <a:schemeClr val="tx1"/>
+                      </a:solidFill>
+                      <a:prstDash val="solid"/>
+                      <a:round/>
+                      <a:headEnd type="none" w="med" len="med"/>
+                      <a:tailEnd type="none" w="med" len="med"/>
+                    </a:lnL>
+                    <a:lnR w="12700" cap="flat" cmpd="sng" algn="ctr">
+                      <a:solidFill>
+                        <a:schemeClr val="tx1"/>
+                      </a:solidFill>
+                      <a:prstDash val="solid"/>
+                      <a:round/>
+                      <a:headEnd type="none" w="med" len="med"/>
+                      <a:tailEnd type="none" w="med" len="med"/>
+                    </a:lnR>
+                    <a:lnT w="12700" cap="flat" cmpd="sng" algn="ctr">
+                      <a:solidFill>
+                        <a:schemeClr val="tx1"/>
+                      </a:solidFill>
+                      <a:prstDash val="solid"/>
+                      <a:round/>
+                      <a:headEnd type="none" w="med" len="med"/>
+                      <a:tailEnd type="none" w="med" len="med"/>
+                    </a:lnT>
+                    <a:lnB w="12700" cap="flat" cmpd="sng" algn="ctr">
+                      <a:solidFill>
+                        <a:schemeClr val="tx1"/>
+                      </a:solidFill>
+                      <a:prstDash val="solid"/>
+                      <a:round/>
+                      <a:headEnd type="none" w="med" len="med"/>
+                      <a:tailEnd type="none" w="med" len="med"/>
+                    </a:lnB>
+                  </a:tcPr>
+                </a:tc>
+                <a:extLst>
+                  <a:ext uri="{0D108BD9-81ED-4DB2-BD59-A6C34878D82A}">
+                    <a16:rowId xmlns:a16="http://schemas.microsoft.com/office/drawing/2014/main" val="775528474"/>
                   </a:ext>
                 </a:extLst>
               </a:tr>
@@ -21155,203 +24845,120 @@
       </p:graphicFrame>
       <p:sp>
         <p:nvSpPr>
-          <p:cNvPr id="8" name="Line 158"/>
-          <p:cNvSpPr>
-            <a:spLocks noChangeShapeType="1"/>
-          </p:cNvSpPr>
+          <p:cNvPr id="12" name="TextBox 11">
+            <a:extLst>
+              <a:ext uri="{FF2B5EF4-FFF2-40B4-BE49-F238E27FC236}">
+                <a16:creationId xmlns:a16="http://schemas.microsoft.com/office/drawing/2014/main" id="{03B3D5A9-5E12-40C3-8375-EAFCE07D9FE4}"/>
+              </a:ext>
+            </a:extLst>
+          </p:cNvPr>
+          <p:cNvSpPr txBox="1"/>
           <p:nvPr/>
         </p:nvSpPr>
-        <p:spPr bwMode="auto">
+        <p:spPr>
           <a:xfrm>
-            <a:off x="193675" y="188913"/>
-            <a:ext cx="8785225" cy="0"/>
-          </a:xfrm>
-          <a:prstGeom prst="line">
-            <a:avLst/>
-          </a:prstGeom>
-          <a:noFill/>
-          <a:ln w="12700" cap="sq">
-            <a:solidFill>
-              <a:schemeClr val="tx1"/>
-            </a:solidFill>
-            <a:round/>
-            <a:headEnd/>
-            <a:tailEnd/>
-          </a:ln>
-        </p:spPr>
-        <p:txBody>
-          <a:bodyPr/>
-          <a:lstStyle/>
-          <a:p>
-            <a:endParaRPr lang="ru-RU"/>
-          </a:p>
-        </p:txBody>
-      </p:sp>
-      <p:sp>
-        <p:nvSpPr>
-          <p:cNvPr id="9" name="Line 159"/>
-          <p:cNvSpPr>
-            <a:spLocks noChangeShapeType="1"/>
-          </p:cNvSpPr>
-          <p:nvPr/>
-        </p:nvSpPr>
-        <p:spPr bwMode="auto">
-          <a:xfrm>
-            <a:off x="193675" y="6669088"/>
-            <a:ext cx="8785225" cy="0"/>
-          </a:xfrm>
-          <a:prstGeom prst="line">
-            <a:avLst/>
-          </a:prstGeom>
-          <a:noFill/>
-          <a:ln w="12700" cap="sq">
-            <a:solidFill>
-              <a:schemeClr val="tx1"/>
-            </a:solidFill>
-            <a:round/>
-            <a:headEnd/>
-            <a:tailEnd/>
-          </a:ln>
-        </p:spPr>
-        <p:txBody>
-          <a:bodyPr/>
-          <a:lstStyle/>
-          <a:p>
-            <a:endParaRPr lang="ru-RU" dirty="0"/>
-          </a:p>
-        </p:txBody>
-      </p:sp>
-      <p:sp>
-        <p:nvSpPr>
-          <p:cNvPr id="10" name="Rectangle 25"/>
-          <p:cNvSpPr>
-            <a:spLocks noChangeArrowheads="1"/>
-          </p:cNvSpPr>
-          <p:nvPr/>
-        </p:nvSpPr>
-        <p:spPr bwMode="auto">
-          <a:xfrm>
-            <a:off x="342900" y="1196189"/>
-            <a:ext cx="8333556" cy="3046988"/>
+            <a:off x="5062084" y="587261"/>
+            <a:ext cx="2539028" cy="369332"/>
           </a:xfrm>
           <a:prstGeom prst="rect">
             <a:avLst/>
           </a:prstGeom>
           <a:noFill/>
-          <a:ln w="9525">
-            <a:noFill/>
-            <a:miter lim="800000"/>
-            <a:headEnd/>
-            <a:tailEnd/>
-          </a:ln>
         </p:spPr>
         <p:txBody>
-          <a:bodyPr wrap="square" anchor="ctr">
+          <a:bodyPr wrap="none" rtlCol="0">
             <a:spAutoFit/>
           </a:bodyPr>
           <a:lstStyle/>
           <a:p>
-            <a:pPr>
-              <a:buFontTx/>
-              <a:buChar char="•"/>
-              <a:tabLst>
-                <a:tab pos="457200" algn="l"/>
-              </a:tabLst>
-            </a:pPr>
             <a:r>
-              <a:rPr lang="ru-RU" sz="2400" dirty="0"/>
-              <a:t> исследована предметная область;</a:t>
+              <a:rPr lang="ru-RU" dirty="0"/>
+              <a:t>Сценарии тестирования</a:t>
             </a:r>
           </a:p>
+        </p:txBody>
+      </p:sp>
+      <p:pic>
+        <p:nvPicPr>
+          <p:cNvPr id="14" name="Рисунок 13">
+            <a:extLst>
+              <a:ext uri="{FF2B5EF4-FFF2-40B4-BE49-F238E27FC236}">
+                <a16:creationId xmlns:a16="http://schemas.microsoft.com/office/drawing/2014/main" id="{7920DBD7-1DEC-4975-9615-CE1FB5992AC3}"/>
+              </a:ext>
+            </a:extLst>
+          </p:cNvPr>
+          <p:cNvPicPr/>
+          <p:nvPr/>
+        </p:nvPicPr>
+        <p:blipFill rotWithShape="1">
+          <a:blip r:embed="rId2"/>
+          <a:srcRect l="14271" r="45706" b="7815"/>
+          <a:stretch/>
+        </p:blipFill>
+        <p:spPr bwMode="auto">
+          <a:xfrm>
+            <a:off x="243409" y="1950055"/>
+            <a:ext cx="2764881" cy="4220399"/>
+          </a:xfrm>
+          <a:prstGeom prst="rect">
+            <a:avLst/>
+          </a:prstGeom>
+          <a:ln>
+            <a:noFill/>
+          </a:ln>
+          <a:extLst>
+            <a:ext uri="{53640926-AAD7-44D8-BBD7-CCE9431645EC}">
+              <a14:shadowObscured xmlns:a14="http://schemas.microsoft.com/office/drawing/2010/main"/>
+            </a:ext>
+          </a:extLst>
+        </p:spPr>
+      </p:pic>
+      <p:sp>
+        <p:nvSpPr>
+          <p:cNvPr id="7" name="TextBox 6">
+            <a:extLst>
+              <a:ext uri="{FF2B5EF4-FFF2-40B4-BE49-F238E27FC236}">
+                <a16:creationId xmlns:a16="http://schemas.microsoft.com/office/drawing/2014/main" id="{24EAEC79-CAB9-4D88-B0DC-99B48AEC4480}"/>
+              </a:ext>
+            </a:extLst>
+          </p:cNvPr>
+          <p:cNvSpPr txBox="1"/>
+          <p:nvPr/>
+        </p:nvSpPr>
+        <p:spPr>
+          <a:xfrm>
+            <a:off x="299119" y="855866"/>
+            <a:ext cx="2493145" cy="923330"/>
+          </a:xfrm>
+          <a:prstGeom prst="rect">
+            <a:avLst/>
+          </a:prstGeom>
+          <a:noFill/>
+        </p:spPr>
+        <p:txBody>
+          <a:bodyPr wrap="square" rtlCol="0">
+            <a:spAutoFit/>
+          </a:bodyPr>
+          <a:lstStyle/>
           <a:p>
-            <a:pPr>
-              <a:buFontTx/>
-              <a:buChar char="•"/>
-              <a:tabLst>
-                <a:tab pos="457200" algn="l"/>
-              </a:tabLst>
-            </a:pPr>
             <a:r>
-              <a:rPr lang="ru-RU" sz="2400" dirty="0"/>
-              <a:t> проведён обзор существующих программных решений;</a:t>
+              <a:rPr lang="ru-RU" dirty="0"/>
+              <a:t>Отладка проводилась стандартными средствами </a:t>
             </a:r>
-          </a:p>
-          <a:p>
-            <a:pPr>
-              <a:buFontTx/>
-              <a:buChar char="•"/>
-              <a:tabLst>
-                <a:tab pos="457200" algn="l"/>
-              </a:tabLst>
-            </a:pPr>
             <a:r>
-              <a:rPr lang="ru-RU" sz="2400" dirty="0"/>
-              <a:t> выбраны язык и среда программирования;</a:t>
+              <a:rPr lang="en-US" dirty="0" err="1"/>
+              <a:t>VSCode</a:t>
             </a:r>
-          </a:p>
-          <a:p>
-            <a:pPr>
-              <a:buFontTx/>
-              <a:buChar char="•"/>
-              <a:tabLst>
-                <a:tab pos="457200" algn="l"/>
-              </a:tabLst>
-            </a:pPr>
-            <a:r>
-              <a:rPr lang="ru-RU" sz="2400" dirty="0"/>
-              <a:t> разработана схема данных ПМ НКСО;</a:t>
-            </a:r>
-          </a:p>
-          <a:p>
-            <a:pPr>
-              <a:buFontTx/>
-              <a:buChar char="•"/>
-              <a:tabLst>
-                <a:tab pos="457200" algn="l"/>
-              </a:tabLst>
-            </a:pPr>
-            <a:r>
-              <a:rPr lang="ru-RU" sz="2400" dirty="0"/>
-              <a:t> разработана схема алгоритма ПМ НКСО;</a:t>
-            </a:r>
-          </a:p>
-          <a:p>
-            <a:pPr>
-              <a:buFontTx/>
-              <a:buChar char="•"/>
-              <a:tabLst>
-                <a:tab pos="457200" algn="l"/>
-              </a:tabLst>
-            </a:pPr>
-            <a:r>
-              <a:rPr lang="ru-RU" sz="2400" dirty="0"/>
-              <a:t> выполнена программная реализация;</a:t>
-            </a:r>
-          </a:p>
-          <a:p>
-            <a:pPr>
-              <a:buFontTx/>
-              <a:buChar char="•"/>
-              <a:tabLst>
-                <a:tab pos="457200" algn="l"/>
-              </a:tabLst>
-            </a:pPr>
-            <a:r>
-              <a:rPr lang="ru-RU" sz="2400" dirty="0"/>
-              <a:t> проведены отладка и тестирование</a:t>
-            </a:r>
-          </a:p>
-          <a:p>
-            <a:pPr>
-              <a:tabLst>
-                <a:tab pos="457200" algn="l"/>
-              </a:tabLst>
-            </a:pPr>
-            <a:endParaRPr lang="ru-RU" sz="2400" dirty="0"/>
+            <a:endParaRPr lang="ru-RU" dirty="0"/>
           </a:p>
         </p:txBody>
       </p:sp>
     </p:spTree>
+    <p:extLst>
+      <p:ext uri="{BB962C8B-B14F-4D97-AF65-F5344CB8AC3E}">
+        <p14:creationId xmlns:p14="http://schemas.microsoft.com/office/powerpoint/2010/main" val="2329590171"/>
+      </p:ext>
+    </p:extLst>
   </p:cSld>
   <p:clrMapOvr>
     <a:masterClrMapping/>

--- a/предзащита/Федотов_ПИН-41_Презентация.pptx
+++ b/предзащита/Федотов_ПИН-41_Презентация.pptx
@@ -318,7 +318,7 @@
             <a:fld id="{D3F45E69-51FF-4017-B855-FA6AEE2AB1D5}" type="datetimeFigureOut">
               <a:rPr lang="ru-RU" smtClean="0"/>
               <a:pPr/>
-              <a:t>08.06.2021</a:t>
+              <a:t>09.06.2021</a:t>
             </a:fld>
             <a:endParaRPr lang="ru-RU"/>
           </a:p>
@@ -483,7 +483,7 @@
             <a:fld id="{D3F45E69-51FF-4017-B855-FA6AEE2AB1D5}" type="datetimeFigureOut">
               <a:rPr lang="ru-RU" smtClean="0"/>
               <a:pPr/>
-              <a:t>08.06.2021</a:t>
+              <a:t>09.06.2021</a:t>
             </a:fld>
             <a:endParaRPr lang="ru-RU"/>
           </a:p>
@@ -658,7 +658,7 @@
             <a:fld id="{D3F45E69-51FF-4017-B855-FA6AEE2AB1D5}" type="datetimeFigureOut">
               <a:rPr lang="ru-RU" smtClean="0"/>
               <a:pPr/>
-              <a:t>08.06.2021</a:t>
+              <a:t>09.06.2021</a:t>
             </a:fld>
             <a:endParaRPr lang="ru-RU"/>
           </a:p>
@@ -823,7 +823,7 @@
             <a:fld id="{D3F45E69-51FF-4017-B855-FA6AEE2AB1D5}" type="datetimeFigureOut">
               <a:rPr lang="ru-RU" smtClean="0"/>
               <a:pPr/>
-              <a:t>08.06.2021</a:t>
+              <a:t>09.06.2021</a:t>
             </a:fld>
             <a:endParaRPr lang="ru-RU"/>
           </a:p>
@@ -1065,7 +1065,7 @@
             <a:fld id="{D3F45E69-51FF-4017-B855-FA6AEE2AB1D5}" type="datetimeFigureOut">
               <a:rPr lang="ru-RU" smtClean="0"/>
               <a:pPr/>
-              <a:t>08.06.2021</a:t>
+              <a:t>09.06.2021</a:t>
             </a:fld>
             <a:endParaRPr lang="ru-RU"/>
           </a:p>
@@ -1347,7 +1347,7 @@
             <a:fld id="{D3F45E69-51FF-4017-B855-FA6AEE2AB1D5}" type="datetimeFigureOut">
               <a:rPr lang="ru-RU" smtClean="0"/>
               <a:pPr/>
-              <a:t>08.06.2021</a:t>
+              <a:t>09.06.2021</a:t>
             </a:fld>
             <a:endParaRPr lang="ru-RU"/>
           </a:p>
@@ -1763,7 +1763,7 @@
             <a:fld id="{D3F45E69-51FF-4017-B855-FA6AEE2AB1D5}" type="datetimeFigureOut">
               <a:rPr lang="ru-RU" smtClean="0"/>
               <a:pPr/>
-              <a:t>08.06.2021</a:t>
+              <a:t>09.06.2021</a:t>
             </a:fld>
             <a:endParaRPr lang="ru-RU"/>
           </a:p>
@@ -1877,7 +1877,7 @@
             <a:fld id="{D3F45E69-51FF-4017-B855-FA6AEE2AB1D5}" type="datetimeFigureOut">
               <a:rPr lang="ru-RU" smtClean="0"/>
               <a:pPr/>
-              <a:t>08.06.2021</a:t>
+              <a:t>09.06.2021</a:t>
             </a:fld>
             <a:endParaRPr lang="ru-RU"/>
           </a:p>
@@ -1969,7 +1969,7 @@
             <a:fld id="{D3F45E69-51FF-4017-B855-FA6AEE2AB1D5}" type="datetimeFigureOut">
               <a:rPr lang="ru-RU" smtClean="0"/>
               <a:pPr/>
-              <a:t>08.06.2021</a:t>
+              <a:t>09.06.2021</a:t>
             </a:fld>
             <a:endParaRPr lang="ru-RU"/>
           </a:p>
@@ -2241,7 +2241,7 @@
             <a:fld id="{D3F45E69-51FF-4017-B855-FA6AEE2AB1D5}" type="datetimeFigureOut">
               <a:rPr lang="ru-RU" smtClean="0"/>
               <a:pPr/>
-              <a:t>08.06.2021</a:t>
+              <a:t>09.06.2021</a:t>
             </a:fld>
             <a:endParaRPr lang="ru-RU"/>
           </a:p>
@@ -2490,7 +2490,7 @@
             <a:fld id="{D3F45E69-51FF-4017-B855-FA6AEE2AB1D5}" type="datetimeFigureOut">
               <a:rPr lang="ru-RU" smtClean="0"/>
               <a:pPr/>
-              <a:t>08.06.2021</a:t>
+              <a:t>09.06.2021</a:t>
             </a:fld>
             <a:endParaRPr lang="ru-RU"/>
           </a:p>
@@ -2698,7 +2698,7 @@
             <a:fld id="{D3F45E69-51FF-4017-B855-FA6AEE2AB1D5}" type="datetimeFigureOut">
               <a:rPr lang="ru-RU" smtClean="0"/>
               <a:pPr/>
-              <a:t>08.06.2021</a:t>
+              <a:t>09.06.2021</a:t>
             </a:fld>
             <a:endParaRPr lang="ru-RU"/>
           </a:p>
@@ -3137,757 +3137,6 @@
           </a:p>
         </p:txBody>
       </p:sp>
-      <p:graphicFrame>
-        <p:nvGraphicFramePr>
-          <p:cNvPr id="6" name="Group 10"/>
-          <p:cNvGraphicFramePr>
-            <a:graphicFrameLocks noGrp="1"/>
-          </p:cNvGraphicFramePr>
-          <p:nvPr>
-            <p:extLst>
-              <p:ext uri="{D42A27DB-BD31-4B8C-83A1-F6EECF244321}">
-                <p14:modId xmlns:p14="http://schemas.microsoft.com/office/powerpoint/2010/main" val="999522473"/>
-              </p:ext>
-            </p:extLst>
-          </p:nvPr>
-        </p:nvGraphicFramePr>
-        <p:xfrm>
-          <a:off x="6156325" y="6254750"/>
-          <a:ext cx="2822575" cy="412740"/>
-        </p:xfrm>
-        <a:graphic>
-          <a:graphicData uri="http://schemas.openxmlformats.org/drawingml/2006/table">
-            <a:tbl>
-              <a:tblPr/>
-              <a:tblGrid>
-                <a:gridCol w="792163">
-                  <a:extLst>
-                    <a:ext uri="{9D8B030D-6E8A-4147-A177-3AD203B41FA5}">
-                      <a16:colId xmlns:a16="http://schemas.microsoft.com/office/drawing/2014/main" val="20000"/>
-                    </a:ext>
-                  </a:extLst>
-                </a:gridCol>
-                <a:gridCol w="1008062">
-                  <a:extLst>
-                    <a:ext uri="{9D8B030D-6E8A-4147-A177-3AD203B41FA5}">
-                      <a16:colId xmlns:a16="http://schemas.microsoft.com/office/drawing/2014/main" val="20001"/>
-                    </a:ext>
-                  </a:extLst>
-                </a:gridCol>
-                <a:gridCol w="649288">
-                  <a:extLst>
-                    <a:ext uri="{9D8B030D-6E8A-4147-A177-3AD203B41FA5}">
-                      <a16:colId xmlns:a16="http://schemas.microsoft.com/office/drawing/2014/main" val="20002"/>
-                    </a:ext>
-                  </a:extLst>
-                </a:gridCol>
-                <a:gridCol w="373062">
-                  <a:extLst>
-                    <a:ext uri="{9D8B030D-6E8A-4147-A177-3AD203B41FA5}">
-                      <a16:colId xmlns:a16="http://schemas.microsoft.com/office/drawing/2014/main" val="20003"/>
-                    </a:ext>
-                  </a:extLst>
-                </a:gridCol>
-              </a:tblGrid>
-              <a:tr h="0">
-                <a:tc>
-                  <a:txBody>
-                    <a:bodyPr/>
-                    <a:lstStyle/>
-                    <a:p>
-                      <a:pPr marL="0" marR="0" lvl="0" indent="0" algn="l" defTabSz="914400" rtl="0" eaLnBrk="1" fontAlgn="base" latinLnBrk="0" hangingPunct="1">
-                        <a:lnSpc>
-                          <a:spcPct val="100000"/>
-                        </a:lnSpc>
-                        <a:spcBef>
-                          <a:spcPct val="0"/>
-                        </a:spcBef>
-                        <a:spcAft>
-                          <a:spcPct val="0"/>
-                        </a:spcAft>
-                        <a:buClrTx/>
-                        <a:buSzTx/>
-                        <a:buFontTx/>
-                        <a:buNone/>
-                        <a:tabLst/>
-                      </a:pPr>
-                      <a:r>
-                        <a:rPr kumimoji="0" lang="ru-RU" sz="1000" b="0" i="0" u="none" strike="noStrike" cap="none" normalizeH="0" baseline="0" dirty="0">
-                          <a:ln>
-                            <a:noFill/>
-                          </a:ln>
-                          <a:solidFill>
-                            <a:schemeClr val="tx1"/>
-                          </a:solidFill>
-                          <a:effectLst/>
-                          <a:latin typeface="Times New Roman" pitchFamily="18" charset="0"/>
-                          <a:cs typeface="Times New Roman" pitchFamily="18" charset="0"/>
-                        </a:rPr>
-                        <a:t>Разработал</a:t>
-                      </a:r>
-                      <a:endParaRPr kumimoji="0" lang="ru-RU" sz="1000" b="0" i="0" u="none" strike="noStrike" cap="none" normalizeH="0" baseline="0" dirty="0">
-                        <a:ln>
-                          <a:noFill/>
-                        </a:ln>
-                        <a:solidFill>
-                          <a:schemeClr val="tx1"/>
-                        </a:solidFill>
-                        <a:effectLst/>
-                        <a:latin typeface="Arial" charset="0"/>
-                      </a:endParaRPr>
-                    </a:p>
-                  </a:txBody>
-                  <a:tcPr marL="71962" marR="71962" marT="17991" marB="35979" horzOverflow="overflow">
-                    <a:lnL w="12700" cap="flat" cmpd="sng" algn="ctr">
-                      <a:solidFill>
-                        <a:srgbClr val="000000"/>
-                      </a:solidFill>
-                      <a:prstDash val="solid"/>
-                      <a:round/>
-                      <a:headEnd type="none" w="med" len="med"/>
-                      <a:tailEnd type="none" w="med" len="med"/>
-                    </a:lnL>
-                    <a:lnR w="12700" cap="flat" cmpd="sng" algn="ctr">
-                      <a:solidFill>
-                        <a:srgbClr val="000000"/>
-                      </a:solidFill>
-                      <a:prstDash val="solid"/>
-                      <a:round/>
-                      <a:headEnd type="none" w="med" len="med"/>
-                      <a:tailEnd type="none" w="med" len="med"/>
-                    </a:lnR>
-                    <a:lnT w="12700" cap="flat" cmpd="sng" algn="ctr">
-                      <a:solidFill>
-                        <a:srgbClr val="000000"/>
-                      </a:solidFill>
-                      <a:prstDash val="solid"/>
-                      <a:round/>
-                      <a:headEnd type="none" w="med" len="med"/>
-                      <a:tailEnd type="none" w="med" len="med"/>
-                    </a:lnT>
-                    <a:lnB w="12700" cap="flat" cmpd="sng" algn="ctr">
-                      <a:solidFill>
-                        <a:srgbClr val="000000"/>
-                      </a:solidFill>
-                      <a:prstDash val="solid"/>
-                      <a:round/>
-                      <a:headEnd type="none" w="med" len="med"/>
-                      <a:tailEnd type="none" w="med" len="med"/>
-                    </a:lnB>
-                    <a:lnTlToBr>
-                      <a:noFill/>
-                    </a:lnTlToBr>
-                    <a:lnBlToTr>
-                      <a:noFill/>
-                    </a:lnBlToTr>
-                    <a:noFill/>
-                  </a:tcPr>
-                </a:tc>
-                <a:tc>
-                  <a:txBody>
-                    <a:bodyPr/>
-                    <a:lstStyle/>
-                    <a:p>
-                      <a:pPr marL="0" marR="0" lvl="0" indent="0" algn="l" defTabSz="914400" rtl="0" eaLnBrk="1" fontAlgn="base" latinLnBrk="0" hangingPunct="1">
-                        <a:lnSpc>
-                          <a:spcPct val="100000"/>
-                        </a:lnSpc>
-                        <a:spcBef>
-                          <a:spcPct val="0"/>
-                        </a:spcBef>
-                        <a:spcAft>
-                          <a:spcPct val="0"/>
-                        </a:spcAft>
-                        <a:buClrTx/>
-                        <a:buSzTx/>
-                        <a:buFontTx/>
-                        <a:buNone/>
-                        <a:tabLst/>
-                      </a:pPr>
-                      <a:r>
-                        <a:rPr kumimoji="0" lang="ru-RU" sz="1000" b="0" i="0" u="none" strike="noStrike" cap="none" normalizeH="0" baseline="0" dirty="0">
-                          <a:ln>
-                            <a:noFill/>
-                          </a:ln>
-                          <a:solidFill>
-                            <a:schemeClr val="tx1"/>
-                          </a:solidFill>
-                          <a:effectLst/>
-                          <a:latin typeface="Times New Roman" pitchFamily="18" charset="0"/>
-                          <a:cs typeface="Times New Roman" pitchFamily="18" charset="0"/>
-                        </a:rPr>
-                        <a:t>Федотов А. А</a:t>
-                      </a:r>
-                    </a:p>
-                  </a:txBody>
-                  <a:tcPr marL="71962" marR="71962" marT="17991" marB="35979" horzOverflow="overflow">
-                    <a:lnL w="12700" cap="flat" cmpd="sng" algn="ctr">
-                      <a:solidFill>
-                        <a:srgbClr val="000000"/>
-                      </a:solidFill>
-                      <a:prstDash val="solid"/>
-                      <a:round/>
-                      <a:headEnd type="none" w="med" len="med"/>
-                      <a:tailEnd type="none" w="med" len="med"/>
-                    </a:lnL>
-                    <a:lnR w="12700" cap="flat" cmpd="sng" algn="ctr">
-                      <a:solidFill>
-                        <a:srgbClr val="000000"/>
-                      </a:solidFill>
-                      <a:prstDash val="solid"/>
-                      <a:round/>
-                      <a:headEnd type="none" w="med" len="med"/>
-                      <a:tailEnd type="none" w="med" len="med"/>
-                    </a:lnR>
-                    <a:lnT w="12700" cap="flat" cmpd="sng" algn="ctr">
-                      <a:solidFill>
-                        <a:srgbClr val="000000"/>
-                      </a:solidFill>
-                      <a:prstDash val="solid"/>
-                      <a:round/>
-                      <a:headEnd type="none" w="med" len="med"/>
-                      <a:tailEnd type="none" w="med" len="med"/>
-                    </a:lnT>
-                    <a:lnB w="12700" cap="flat" cmpd="sng" algn="ctr">
-                      <a:solidFill>
-                        <a:srgbClr val="000000"/>
-                      </a:solidFill>
-                      <a:prstDash val="solid"/>
-                      <a:round/>
-                      <a:headEnd type="none" w="med" len="med"/>
-                      <a:tailEnd type="none" w="med" len="med"/>
-                    </a:lnB>
-                    <a:lnTlToBr>
-                      <a:noFill/>
-                    </a:lnTlToBr>
-                    <a:lnBlToTr>
-                      <a:noFill/>
-                    </a:lnBlToTr>
-                    <a:noFill/>
-                  </a:tcPr>
-                </a:tc>
-                <a:tc>
-                  <a:txBody>
-                    <a:bodyPr/>
-                    <a:lstStyle/>
-                    <a:p>
-                      <a:pPr marL="0" marR="0" lvl="0" indent="0" algn="l" defTabSz="914400" rtl="0" eaLnBrk="1" fontAlgn="base" latinLnBrk="0" hangingPunct="1">
-                        <a:lnSpc>
-                          <a:spcPct val="100000"/>
-                        </a:lnSpc>
-                        <a:spcBef>
-                          <a:spcPct val="20000"/>
-                        </a:spcBef>
-                        <a:spcAft>
-                          <a:spcPct val="0"/>
-                        </a:spcAft>
-                        <a:buClrTx/>
-                        <a:buSzTx/>
-                        <a:buFontTx/>
-                        <a:buNone/>
-                        <a:tabLst/>
-                      </a:pPr>
-                      <a:endParaRPr kumimoji="0" lang="ru-RU" sz="1000" b="0" i="0" u="none" strike="noStrike" cap="none" normalizeH="0" baseline="0">
-                        <a:ln>
-                          <a:noFill/>
-                        </a:ln>
-                        <a:solidFill>
-                          <a:schemeClr val="tx1"/>
-                        </a:solidFill>
-                        <a:effectLst/>
-                        <a:latin typeface="Arial" charset="0"/>
-                      </a:endParaRPr>
-                    </a:p>
-                  </a:txBody>
-                  <a:tcPr marL="71962" marR="71962" marT="17991" marB="35979" horzOverflow="overflow">
-                    <a:lnL w="12700" cap="flat" cmpd="sng" algn="ctr">
-                      <a:solidFill>
-                        <a:srgbClr val="000000"/>
-                      </a:solidFill>
-                      <a:prstDash val="solid"/>
-                      <a:round/>
-                      <a:headEnd type="none" w="med" len="med"/>
-                      <a:tailEnd type="none" w="med" len="med"/>
-                    </a:lnL>
-                    <a:lnR w="12700" cap="flat" cmpd="sng" algn="ctr">
-                      <a:solidFill>
-                        <a:srgbClr val="000000"/>
-                      </a:solidFill>
-                      <a:prstDash val="solid"/>
-                      <a:round/>
-                      <a:headEnd type="none" w="med" len="med"/>
-                      <a:tailEnd type="none" w="med" len="med"/>
-                    </a:lnR>
-                    <a:lnT w="12700" cap="flat" cmpd="sng" algn="ctr">
-                      <a:solidFill>
-                        <a:srgbClr val="000000"/>
-                      </a:solidFill>
-                      <a:prstDash val="solid"/>
-                      <a:round/>
-                      <a:headEnd type="none" w="med" len="med"/>
-                      <a:tailEnd type="none" w="med" len="med"/>
-                    </a:lnT>
-                    <a:lnB w="12700" cap="flat" cmpd="sng" algn="ctr">
-                      <a:solidFill>
-                        <a:srgbClr val="000000"/>
-                      </a:solidFill>
-                      <a:prstDash val="solid"/>
-                      <a:round/>
-                      <a:headEnd type="none" w="med" len="med"/>
-                      <a:tailEnd type="none" w="med" len="med"/>
-                    </a:lnB>
-                    <a:lnTlToBr>
-                      <a:noFill/>
-                    </a:lnTlToBr>
-                    <a:lnBlToTr>
-                      <a:noFill/>
-                    </a:lnBlToTr>
-                    <a:noFill/>
-                  </a:tcPr>
-                </a:tc>
-                <a:tc>
-                  <a:txBody>
-                    <a:bodyPr/>
-                    <a:lstStyle/>
-                    <a:p>
-                      <a:pPr marL="0" marR="0" lvl="0" indent="0" algn="l" defTabSz="914400" rtl="0" eaLnBrk="1" fontAlgn="base" latinLnBrk="0" hangingPunct="1">
-                        <a:lnSpc>
-                          <a:spcPct val="100000"/>
-                        </a:lnSpc>
-                        <a:spcBef>
-                          <a:spcPct val="20000"/>
-                        </a:spcBef>
-                        <a:spcAft>
-                          <a:spcPct val="0"/>
-                        </a:spcAft>
-                        <a:buClrTx/>
-                        <a:buSzTx/>
-                        <a:buFontTx/>
-                        <a:buNone/>
-                        <a:tabLst/>
-                      </a:pPr>
-                      <a:r>
-                        <a:rPr kumimoji="0" lang="en-US" sz="1000" b="0" i="0" u="none" strike="noStrike" cap="none" normalizeH="0" baseline="0" dirty="0">
-                          <a:ln>
-                            <a:noFill/>
-                          </a:ln>
-                          <a:solidFill>
-                            <a:schemeClr val="tx1"/>
-                          </a:solidFill>
-                          <a:effectLst/>
-                          <a:latin typeface="Times New Roman" pitchFamily="18" charset="0"/>
-                        </a:rPr>
-                        <a:t>1</a:t>
-                      </a:r>
-                      <a:endParaRPr kumimoji="0" lang="ru-RU" sz="1000" b="0" i="0" u="none" strike="noStrike" cap="none" normalizeH="0" baseline="0" dirty="0">
-                        <a:ln>
-                          <a:noFill/>
-                        </a:ln>
-                        <a:solidFill>
-                          <a:schemeClr val="tx1"/>
-                        </a:solidFill>
-                        <a:effectLst/>
-                        <a:latin typeface="Times New Roman" pitchFamily="18" charset="0"/>
-                      </a:endParaRPr>
-                    </a:p>
-                  </a:txBody>
-                  <a:tcPr marL="71962" marR="71962" marT="17991" marB="35979" horzOverflow="overflow">
-                    <a:lnL w="12700" cap="flat" cmpd="sng" algn="ctr">
-                      <a:solidFill>
-                        <a:srgbClr val="000000"/>
-                      </a:solidFill>
-                      <a:prstDash val="solid"/>
-                      <a:round/>
-                      <a:headEnd type="none" w="med" len="med"/>
-                      <a:tailEnd type="none" w="med" len="med"/>
-                    </a:lnL>
-                    <a:lnR w="12700" cap="flat" cmpd="sng" algn="ctr">
-                      <a:solidFill>
-                        <a:srgbClr val="000000"/>
-                      </a:solidFill>
-                      <a:prstDash val="solid"/>
-                      <a:round/>
-                      <a:headEnd type="none" w="med" len="med"/>
-                      <a:tailEnd type="none" w="med" len="med"/>
-                    </a:lnR>
-                    <a:lnT w="12700" cap="flat" cmpd="sng" algn="ctr">
-                      <a:solidFill>
-                        <a:srgbClr val="000000"/>
-                      </a:solidFill>
-                      <a:prstDash val="solid"/>
-                      <a:round/>
-                      <a:headEnd type="none" w="med" len="med"/>
-                      <a:tailEnd type="none" w="med" len="med"/>
-                    </a:lnT>
-                    <a:lnB w="12700" cap="flat" cmpd="sng" algn="ctr">
-                      <a:solidFill>
-                        <a:srgbClr val="000000"/>
-                      </a:solidFill>
-                      <a:prstDash val="solid"/>
-                      <a:round/>
-                      <a:headEnd type="none" w="med" len="med"/>
-                      <a:tailEnd type="none" w="med" len="med"/>
-                    </a:lnB>
-                    <a:lnTlToBr>
-                      <a:noFill/>
-                    </a:lnTlToBr>
-                    <a:lnBlToTr>
-                      <a:noFill/>
-                    </a:lnBlToTr>
-                    <a:noFill/>
-                  </a:tcPr>
-                </a:tc>
-                <a:extLst>
-                  <a:ext uri="{0D108BD9-81ED-4DB2-BD59-A6C34878D82A}">
-                    <a16:rowId xmlns:a16="http://schemas.microsoft.com/office/drawing/2014/main" val="10000"/>
-                  </a:ext>
-                </a:extLst>
-              </a:tr>
-              <a:tr h="0">
-                <a:tc>
-                  <a:txBody>
-                    <a:bodyPr/>
-                    <a:lstStyle/>
-                    <a:p>
-                      <a:pPr marL="0" marR="0" lvl="0" indent="0" algn="l" defTabSz="914400" rtl="0" eaLnBrk="1" fontAlgn="base" latinLnBrk="0" hangingPunct="1">
-                        <a:lnSpc>
-                          <a:spcPct val="100000"/>
-                        </a:lnSpc>
-                        <a:spcBef>
-                          <a:spcPct val="0"/>
-                        </a:spcBef>
-                        <a:spcAft>
-                          <a:spcPct val="0"/>
-                        </a:spcAft>
-                        <a:buClrTx/>
-                        <a:buSzTx/>
-                        <a:buFontTx/>
-                        <a:buNone/>
-                        <a:tabLst/>
-                      </a:pPr>
-                      <a:r>
-                        <a:rPr kumimoji="0" lang="ru-RU" sz="1000" b="0" i="0" u="none" strike="noStrike" cap="none" normalizeH="0" baseline="0">
-                          <a:ln>
-                            <a:noFill/>
-                          </a:ln>
-                          <a:solidFill>
-                            <a:schemeClr val="tx1"/>
-                          </a:solidFill>
-                          <a:effectLst/>
-                          <a:latin typeface="Times New Roman" pitchFamily="18" charset="0"/>
-                          <a:cs typeface="Times New Roman" pitchFamily="18" charset="0"/>
-                        </a:rPr>
-                        <a:t>Утвердил</a:t>
-                      </a:r>
-                      <a:endParaRPr kumimoji="0" lang="ru-RU" sz="1000" b="0" i="0" u="none" strike="noStrike" cap="none" normalizeH="0" baseline="0">
-                        <a:ln>
-                          <a:noFill/>
-                        </a:ln>
-                        <a:solidFill>
-                          <a:schemeClr val="tx1"/>
-                        </a:solidFill>
-                        <a:effectLst/>
-                        <a:latin typeface="Arial" charset="0"/>
-                      </a:endParaRPr>
-                    </a:p>
-                  </a:txBody>
-                  <a:tcPr marL="71962" marR="71962" marT="17991" marB="35979" horzOverflow="overflow">
-                    <a:lnL w="12700" cap="flat" cmpd="sng" algn="ctr">
-                      <a:solidFill>
-                        <a:srgbClr val="000000"/>
-                      </a:solidFill>
-                      <a:prstDash val="solid"/>
-                      <a:round/>
-                      <a:headEnd type="none" w="med" len="med"/>
-                      <a:tailEnd type="none" w="med" len="med"/>
-                    </a:lnL>
-                    <a:lnR w="12700" cap="flat" cmpd="sng" algn="ctr">
-                      <a:solidFill>
-                        <a:srgbClr val="000000"/>
-                      </a:solidFill>
-                      <a:prstDash val="solid"/>
-                      <a:round/>
-                      <a:headEnd type="none" w="med" len="med"/>
-                      <a:tailEnd type="none" w="med" len="med"/>
-                    </a:lnR>
-                    <a:lnT w="12700" cap="flat" cmpd="sng" algn="ctr">
-                      <a:solidFill>
-                        <a:srgbClr val="000000"/>
-                      </a:solidFill>
-                      <a:prstDash val="solid"/>
-                      <a:round/>
-                      <a:headEnd type="none" w="med" len="med"/>
-                      <a:tailEnd type="none" w="med" len="med"/>
-                    </a:lnT>
-                    <a:lnB w="12700" cap="flat" cmpd="sng" algn="ctr">
-                      <a:solidFill>
-                        <a:srgbClr val="000000"/>
-                      </a:solidFill>
-                      <a:prstDash val="solid"/>
-                      <a:round/>
-                      <a:headEnd type="none" w="med" len="med"/>
-                      <a:tailEnd type="none" w="med" len="med"/>
-                    </a:lnB>
-                    <a:lnTlToBr>
-                      <a:noFill/>
-                    </a:lnTlToBr>
-                    <a:lnBlToTr>
-                      <a:noFill/>
-                    </a:lnBlToTr>
-                    <a:noFill/>
-                  </a:tcPr>
-                </a:tc>
-                <a:tc>
-                  <a:txBody>
-                    <a:bodyPr/>
-                    <a:lstStyle/>
-                    <a:p>
-                      <a:pPr marL="0" marR="0" lvl="0" indent="0" algn="l" defTabSz="914400" rtl="0" eaLnBrk="1" fontAlgn="base" latinLnBrk="0" hangingPunct="1">
-                        <a:lnSpc>
-                          <a:spcPct val="100000"/>
-                        </a:lnSpc>
-                        <a:spcBef>
-                          <a:spcPct val="0"/>
-                        </a:spcBef>
-                        <a:spcAft>
-                          <a:spcPct val="0"/>
-                        </a:spcAft>
-                        <a:buClrTx/>
-                        <a:buSzTx/>
-                        <a:buFontTx/>
-                        <a:buNone/>
-                        <a:tabLst/>
-                      </a:pPr>
-                      <a:r>
-                        <a:rPr kumimoji="0" lang="ru-RU" sz="1000" b="0" i="0" u="none" strike="noStrike" cap="none" normalizeH="0" baseline="0" dirty="0">
-                          <a:ln>
-                            <a:noFill/>
-                          </a:ln>
-                          <a:solidFill>
-                            <a:schemeClr val="tx1"/>
-                          </a:solidFill>
-                          <a:effectLst/>
-                          <a:latin typeface="Times New Roman" pitchFamily="18" charset="0"/>
-                          <a:cs typeface="Times New Roman" pitchFamily="18" charset="0"/>
-                        </a:rPr>
-                        <a:t>Касимов Р. А</a:t>
-                      </a:r>
-                    </a:p>
-                  </a:txBody>
-                  <a:tcPr marL="71962" marR="71962" marT="17991" marB="35979" horzOverflow="overflow">
-                    <a:lnL w="12700" cap="flat" cmpd="sng" algn="ctr">
-                      <a:solidFill>
-                        <a:srgbClr val="000000"/>
-                      </a:solidFill>
-                      <a:prstDash val="solid"/>
-                      <a:round/>
-                      <a:headEnd type="none" w="med" len="med"/>
-                      <a:tailEnd type="none" w="med" len="med"/>
-                    </a:lnL>
-                    <a:lnR w="12700" cap="flat" cmpd="sng" algn="ctr">
-                      <a:solidFill>
-                        <a:srgbClr val="000000"/>
-                      </a:solidFill>
-                      <a:prstDash val="solid"/>
-                      <a:round/>
-                      <a:headEnd type="none" w="med" len="med"/>
-                      <a:tailEnd type="none" w="med" len="med"/>
-                    </a:lnR>
-                    <a:lnT w="12700" cap="flat" cmpd="sng" algn="ctr">
-                      <a:solidFill>
-                        <a:srgbClr val="000000"/>
-                      </a:solidFill>
-                      <a:prstDash val="solid"/>
-                      <a:round/>
-                      <a:headEnd type="none" w="med" len="med"/>
-                      <a:tailEnd type="none" w="med" len="med"/>
-                    </a:lnT>
-                    <a:lnB w="12700" cap="flat" cmpd="sng" algn="ctr">
-                      <a:solidFill>
-                        <a:srgbClr val="000000"/>
-                      </a:solidFill>
-                      <a:prstDash val="solid"/>
-                      <a:round/>
-                      <a:headEnd type="none" w="med" len="med"/>
-                      <a:tailEnd type="none" w="med" len="med"/>
-                    </a:lnB>
-                    <a:lnTlToBr>
-                      <a:noFill/>
-                    </a:lnTlToBr>
-                    <a:lnBlToTr>
-                      <a:noFill/>
-                    </a:lnBlToTr>
-                    <a:noFill/>
-                  </a:tcPr>
-                </a:tc>
-                <a:tc>
-                  <a:txBody>
-                    <a:bodyPr/>
-                    <a:lstStyle/>
-                    <a:p>
-                      <a:pPr marL="0" marR="0" lvl="0" indent="0" algn="l" defTabSz="914400" rtl="0" eaLnBrk="1" fontAlgn="base" latinLnBrk="0" hangingPunct="1">
-                        <a:lnSpc>
-                          <a:spcPct val="100000"/>
-                        </a:lnSpc>
-                        <a:spcBef>
-                          <a:spcPct val="20000"/>
-                        </a:spcBef>
-                        <a:spcAft>
-                          <a:spcPct val="0"/>
-                        </a:spcAft>
-                        <a:buClrTx/>
-                        <a:buSzTx/>
-                        <a:buFontTx/>
-                        <a:buNone/>
-                        <a:tabLst/>
-                      </a:pPr>
-                      <a:endParaRPr kumimoji="0" lang="ru-RU" sz="1000" b="0" i="0" u="none" strike="noStrike" cap="none" normalizeH="0" baseline="0">
-                        <a:ln>
-                          <a:noFill/>
-                        </a:ln>
-                        <a:solidFill>
-                          <a:schemeClr val="tx1"/>
-                        </a:solidFill>
-                        <a:effectLst/>
-                        <a:latin typeface="Arial" charset="0"/>
-                      </a:endParaRPr>
-                    </a:p>
-                  </a:txBody>
-                  <a:tcPr marL="71962" marR="71962" marT="17991" marB="35979" horzOverflow="overflow">
-                    <a:lnL w="12700" cap="flat" cmpd="sng" algn="ctr">
-                      <a:solidFill>
-                        <a:srgbClr val="000000"/>
-                      </a:solidFill>
-                      <a:prstDash val="solid"/>
-                      <a:round/>
-                      <a:headEnd type="none" w="med" len="med"/>
-                      <a:tailEnd type="none" w="med" len="med"/>
-                    </a:lnL>
-                    <a:lnR w="12700" cap="flat" cmpd="sng" algn="ctr">
-                      <a:solidFill>
-                        <a:srgbClr val="000000"/>
-                      </a:solidFill>
-                      <a:prstDash val="solid"/>
-                      <a:round/>
-                      <a:headEnd type="none" w="med" len="med"/>
-                      <a:tailEnd type="none" w="med" len="med"/>
-                    </a:lnR>
-                    <a:lnT w="12700" cap="flat" cmpd="sng" algn="ctr">
-                      <a:solidFill>
-                        <a:srgbClr val="000000"/>
-                      </a:solidFill>
-                      <a:prstDash val="solid"/>
-                      <a:round/>
-                      <a:headEnd type="none" w="med" len="med"/>
-                      <a:tailEnd type="none" w="med" len="med"/>
-                    </a:lnT>
-                    <a:lnB w="12700" cap="flat" cmpd="sng" algn="ctr">
-                      <a:solidFill>
-                        <a:srgbClr val="000000"/>
-                      </a:solidFill>
-                      <a:prstDash val="solid"/>
-                      <a:round/>
-                      <a:headEnd type="none" w="med" len="med"/>
-                      <a:tailEnd type="none" w="med" len="med"/>
-                    </a:lnB>
-                    <a:lnTlToBr>
-                      <a:noFill/>
-                    </a:lnTlToBr>
-                    <a:lnBlToTr>
-                      <a:noFill/>
-                    </a:lnBlToTr>
-                    <a:noFill/>
-                  </a:tcPr>
-                </a:tc>
-                <a:tc>
-                  <a:txBody>
-                    <a:bodyPr/>
-                    <a:lstStyle/>
-                    <a:p>
-                      <a:pPr marL="0" marR="0" lvl="0" indent="0" algn="l" defTabSz="914400" rtl="0" eaLnBrk="1" fontAlgn="base" latinLnBrk="0" hangingPunct="1">
-                        <a:lnSpc>
-                          <a:spcPct val="100000"/>
-                        </a:lnSpc>
-                        <a:spcBef>
-                          <a:spcPct val="20000"/>
-                        </a:spcBef>
-                        <a:spcAft>
-                          <a:spcPct val="0"/>
-                        </a:spcAft>
-                        <a:buClrTx/>
-                        <a:buSzTx/>
-                        <a:buFontTx/>
-                        <a:buNone/>
-                        <a:tabLst/>
-                      </a:pPr>
-                      <a:endParaRPr kumimoji="0" lang="ru-RU" sz="1000" b="0" i="0" u="none" strike="noStrike" cap="none" normalizeH="0" baseline="0" dirty="0">
-                        <a:ln>
-                          <a:noFill/>
-                        </a:ln>
-                        <a:solidFill>
-                          <a:schemeClr val="tx1"/>
-                        </a:solidFill>
-                        <a:effectLst/>
-                        <a:latin typeface="Arial" charset="0"/>
-                      </a:endParaRPr>
-                    </a:p>
-                  </a:txBody>
-                  <a:tcPr marL="71962" marR="71962" marT="17991" marB="35979" horzOverflow="overflow">
-                    <a:lnL w="12700" cap="flat" cmpd="sng" algn="ctr">
-                      <a:solidFill>
-                        <a:srgbClr val="000000"/>
-                      </a:solidFill>
-                      <a:prstDash val="solid"/>
-                      <a:round/>
-                      <a:headEnd type="none" w="med" len="med"/>
-                      <a:tailEnd type="none" w="med" len="med"/>
-                    </a:lnL>
-                    <a:lnR w="12700" cap="flat" cmpd="sng" algn="ctr">
-                      <a:solidFill>
-                        <a:srgbClr val="000000"/>
-                      </a:solidFill>
-                      <a:prstDash val="solid"/>
-                      <a:round/>
-                      <a:headEnd type="none" w="med" len="med"/>
-                      <a:tailEnd type="none" w="med" len="med"/>
-                    </a:lnR>
-                    <a:lnT w="12700" cap="flat" cmpd="sng" algn="ctr">
-                      <a:solidFill>
-                        <a:srgbClr val="000000"/>
-                      </a:solidFill>
-                      <a:prstDash val="solid"/>
-                      <a:round/>
-                      <a:headEnd type="none" w="med" len="med"/>
-                      <a:tailEnd type="none" w="med" len="med"/>
-                    </a:lnT>
-                    <a:lnB w="12700" cap="flat" cmpd="sng" algn="ctr">
-                      <a:solidFill>
-                        <a:srgbClr val="000000"/>
-                      </a:solidFill>
-                      <a:prstDash val="solid"/>
-                      <a:round/>
-                      <a:headEnd type="none" w="med" len="med"/>
-                      <a:tailEnd type="none" w="med" len="med"/>
-                    </a:lnB>
-                    <a:lnTlToBr>
-                      <a:noFill/>
-                    </a:lnTlToBr>
-                    <a:lnBlToTr>
-                      <a:noFill/>
-                    </a:lnBlToTr>
-                    <a:noFill/>
-                  </a:tcPr>
-                </a:tc>
-                <a:extLst>
-                  <a:ext uri="{0D108BD9-81ED-4DB2-BD59-A6C34878D82A}">
-                    <a16:rowId xmlns:a16="http://schemas.microsoft.com/office/drawing/2014/main" val="10001"/>
-                  </a:ext>
-                </a:extLst>
-              </a:tr>
-            </a:tbl>
-          </a:graphicData>
-        </a:graphic>
-      </p:graphicFrame>
       <p:sp>
         <p:nvSpPr>
           <p:cNvPr id="7" name="Line 158"/>
@@ -4577,753 +3826,6 @@
           </a:p>
         </p:txBody>
       </p:sp>
-      <p:graphicFrame>
-        <p:nvGraphicFramePr>
-          <p:cNvPr id="11" name="Group 10">
-            <a:extLst>
-              <a:ext uri="{FF2B5EF4-FFF2-40B4-BE49-F238E27FC236}">
-                <a16:creationId xmlns:a16="http://schemas.microsoft.com/office/drawing/2014/main" id="{BA3A2960-1C6B-4E0F-AC60-6C9A4466224D}"/>
-              </a:ext>
-            </a:extLst>
-          </p:cNvPr>
-          <p:cNvGraphicFramePr>
-            <a:graphicFrameLocks noGrp="1"/>
-          </p:cNvGraphicFramePr>
-          <p:nvPr>
-            <p:extLst>
-              <p:ext uri="{D42A27DB-BD31-4B8C-83A1-F6EECF244321}">
-                <p14:modId xmlns:p14="http://schemas.microsoft.com/office/powerpoint/2010/main" val="2869123567"/>
-              </p:ext>
-            </p:extLst>
-          </p:nvPr>
-        </p:nvGraphicFramePr>
-        <p:xfrm>
-          <a:off x="6156325" y="6254750"/>
-          <a:ext cx="2822575" cy="412740"/>
-        </p:xfrm>
-        <a:graphic>
-          <a:graphicData uri="http://schemas.openxmlformats.org/drawingml/2006/table">
-            <a:tbl>
-              <a:tblPr/>
-              <a:tblGrid>
-                <a:gridCol w="792163">
-                  <a:extLst>
-                    <a:ext uri="{9D8B030D-6E8A-4147-A177-3AD203B41FA5}">
-                      <a16:colId xmlns:a16="http://schemas.microsoft.com/office/drawing/2014/main" val="20000"/>
-                    </a:ext>
-                  </a:extLst>
-                </a:gridCol>
-                <a:gridCol w="1008062">
-                  <a:extLst>
-                    <a:ext uri="{9D8B030D-6E8A-4147-A177-3AD203B41FA5}">
-                      <a16:colId xmlns:a16="http://schemas.microsoft.com/office/drawing/2014/main" val="20001"/>
-                    </a:ext>
-                  </a:extLst>
-                </a:gridCol>
-                <a:gridCol w="649288">
-                  <a:extLst>
-                    <a:ext uri="{9D8B030D-6E8A-4147-A177-3AD203B41FA5}">
-                      <a16:colId xmlns:a16="http://schemas.microsoft.com/office/drawing/2014/main" val="20002"/>
-                    </a:ext>
-                  </a:extLst>
-                </a:gridCol>
-                <a:gridCol w="373062">
-                  <a:extLst>
-                    <a:ext uri="{9D8B030D-6E8A-4147-A177-3AD203B41FA5}">
-                      <a16:colId xmlns:a16="http://schemas.microsoft.com/office/drawing/2014/main" val="20003"/>
-                    </a:ext>
-                  </a:extLst>
-                </a:gridCol>
-              </a:tblGrid>
-              <a:tr h="0">
-                <a:tc>
-                  <a:txBody>
-                    <a:bodyPr/>
-                    <a:lstStyle/>
-                    <a:p>
-                      <a:pPr marL="0" marR="0" lvl="0" indent="0" algn="l" defTabSz="914400" rtl="0" eaLnBrk="1" fontAlgn="base" latinLnBrk="0" hangingPunct="1">
-                        <a:lnSpc>
-                          <a:spcPct val="100000"/>
-                        </a:lnSpc>
-                        <a:spcBef>
-                          <a:spcPct val="0"/>
-                        </a:spcBef>
-                        <a:spcAft>
-                          <a:spcPct val="0"/>
-                        </a:spcAft>
-                        <a:buClrTx/>
-                        <a:buSzTx/>
-                        <a:buFontTx/>
-                        <a:buNone/>
-                        <a:tabLst/>
-                      </a:pPr>
-                      <a:r>
-                        <a:rPr kumimoji="0" lang="ru-RU" sz="1000" b="0" i="0" u="none" strike="noStrike" cap="none" normalizeH="0" baseline="0" dirty="0">
-                          <a:ln>
-                            <a:noFill/>
-                          </a:ln>
-                          <a:solidFill>
-                            <a:schemeClr val="tx1"/>
-                          </a:solidFill>
-                          <a:effectLst/>
-                          <a:latin typeface="Times New Roman" pitchFamily="18" charset="0"/>
-                          <a:cs typeface="Times New Roman" pitchFamily="18" charset="0"/>
-                        </a:rPr>
-                        <a:t>Разработал</a:t>
-                      </a:r>
-                      <a:endParaRPr kumimoji="0" lang="ru-RU" sz="1000" b="0" i="0" u="none" strike="noStrike" cap="none" normalizeH="0" baseline="0" dirty="0">
-                        <a:ln>
-                          <a:noFill/>
-                        </a:ln>
-                        <a:solidFill>
-                          <a:schemeClr val="tx1"/>
-                        </a:solidFill>
-                        <a:effectLst/>
-                        <a:latin typeface="Arial" charset="0"/>
-                      </a:endParaRPr>
-                    </a:p>
-                  </a:txBody>
-                  <a:tcPr marL="71962" marR="71962" marT="17991" marB="35979" horzOverflow="overflow">
-                    <a:lnL w="12700" cap="flat" cmpd="sng" algn="ctr">
-                      <a:solidFill>
-                        <a:srgbClr val="000000"/>
-                      </a:solidFill>
-                      <a:prstDash val="solid"/>
-                      <a:round/>
-                      <a:headEnd type="none" w="med" len="med"/>
-                      <a:tailEnd type="none" w="med" len="med"/>
-                    </a:lnL>
-                    <a:lnR w="12700" cap="flat" cmpd="sng" algn="ctr">
-                      <a:solidFill>
-                        <a:srgbClr val="000000"/>
-                      </a:solidFill>
-                      <a:prstDash val="solid"/>
-                      <a:round/>
-                      <a:headEnd type="none" w="med" len="med"/>
-                      <a:tailEnd type="none" w="med" len="med"/>
-                    </a:lnR>
-                    <a:lnT w="12700" cap="flat" cmpd="sng" algn="ctr">
-                      <a:solidFill>
-                        <a:srgbClr val="000000"/>
-                      </a:solidFill>
-                      <a:prstDash val="solid"/>
-                      <a:round/>
-                      <a:headEnd type="none" w="med" len="med"/>
-                      <a:tailEnd type="none" w="med" len="med"/>
-                    </a:lnT>
-                    <a:lnB w="12700" cap="flat" cmpd="sng" algn="ctr">
-                      <a:solidFill>
-                        <a:srgbClr val="000000"/>
-                      </a:solidFill>
-                      <a:prstDash val="solid"/>
-                      <a:round/>
-                      <a:headEnd type="none" w="med" len="med"/>
-                      <a:tailEnd type="none" w="med" len="med"/>
-                    </a:lnB>
-                    <a:lnTlToBr>
-                      <a:noFill/>
-                    </a:lnTlToBr>
-                    <a:lnBlToTr>
-                      <a:noFill/>
-                    </a:lnBlToTr>
-                    <a:noFill/>
-                  </a:tcPr>
-                </a:tc>
-                <a:tc>
-                  <a:txBody>
-                    <a:bodyPr/>
-                    <a:lstStyle/>
-                    <a:p>
-                      <a:pPr marL="0" marR="0" lvl="0" indent="0" algn="l" defTabSz="914400" rtl="0" eaLnBrk="1" fontAlgn="base" latinLnBrk="0" hangingPunct="1">
-                        <a:lnSpc>
-                          <a:spcPct val="100000"/>
-                        </a:lnSpc>
-                        <a:spcBef>
-                          <a:spcPct val="0"/>
-                        </a:spcBef>
-                        <a:spcAft>
-                          <a:spcPct val="0"/>
-                        </a:spcAft>
-                        <a:buClrTx/>
-                        <a:buSzTx/>
-                        <a:buFontTx/>
-                        <a:buNone/>
-                        <a:tabLst/>
-                      </a:pPr>
-                      <a:r>
-                        <a:rPr kumimoji="0" lang="ru-RU" sz="1000" b="0" i="0" u="none" strike="noStrike" cap="none" normalizeH="0" baseline="0" dirty="0">
-                          <a:ln>
-                            <a:noFill/>
-                          </a:ln>
-                          <a:solidFill>
-                            <a:schemeClr val="tx1"/>
-                          </a:solidFill>
-                          <a:effectLst/>
-                          <a:latin typeface="Times New Roman" pitchFamily="18" charset="0"/>
-                          <a:cs typeface="Times New Roman" pitchFamily="18" charset="0"/>
-                        </a:rPr>
-                        <a:t>Федотов А. А</a:t>
-                      </a:r>
-                    </a:p>
-                  </a:txBody>
-                  <a:tcPr marL="71962" marR="71962" marT="17991" marB="35979" horzOverflow="overflow">
-                    <a:lnL w="12700" cap="flat" cmpd="sng" algn="ctr">
-                      <a:solidFill>
-                        <a:srgbClr val="000000"/>
-                      </a:solidFill>
-                      <a:prstDash val="solid"/>
-                      <a:round/>
-                      <a:headEnd type="none" w="med" len="med"/>
-                      <a:tailEnd type="none" w="med" len="med"/>
-                    </a:lnL>
-                    <a:lnR w="12700" cap="flat" cmpd="sng" algn="ctr">
-                      <a:solidFill>
-                        <a:srgbClr val="000000"/>
-                      </a:solidFill>
-                      <a:prstDash val="solid"/>
-                      <a:round/>
-                      <a:headEnd type="none" w="med" len="med"/>
-                      <a:tailEnd type="none" w="med" len="med"/>
-                    </a:lnR>
-                    <a:lnT w="12700" cap="flat" cmpd="sng" algn="ctr">
-                      <a:solidFill>
-                        <a:srgbClr val="000000"/>
-                      </a:solidFill>
-                      <a:prstDash val="solid"/>
-                      <a:round/>
-                      <a:headEnd type="none" w="med" len="med"/>
-                      <a:tailEnd type="none" w="med" len="med"/>
-                    </a:lnT>
-                    <a:lnB w="12700" cap="flat" cmpd="sng" algn="ctr">
-                      <a:solidFill>
-                        <a:srgbClr val="000000"/>
-                      </a:solidFill>
-                      <a:prstDash val="solid"/>
-                      <a:round/>
-                      <a:headEnd type="none" w="med" len="med"/>
-                      <a:tailEnd type="none" w="med" len="med"/>
-                    </a:lnB>
-                    <a:lnTlToBr>
-                      <a:noFill/>
-                    </a:lnTlToBr>
-                    <a:lnBlToTr>
-                      <a:noFill/>
-                    </a:lnBlToTr>
-                    <a:noFill/>
-                  </a:tcPr>
-                </a:tc>
-                <a:tc>
-                  <a:txBody>
-                    <a:bodyPr/>
-                    <a:lstStyle/>
-                    <a:p>
-                      <a:pPr marL="0" marR="0" lvl="0" indent="0" algn="l" defTabSz="914400" rtl="0" eaLnBrk="1" fontAlgn="base" latinLnBrk="0" hangingPunct="1">
-                        <a:lnSpc>
-                          <a:spcPct val="100000"/>
-                        </a:lnSpc>
-                        <a:spcBef>
-                          <a:spcPct val="20000"/>
-                        </a:spcBef>
-                        <a:spcAft>
-                          <a:spcPct val="0"/>
-                        </a:spcAft>
-                        <a:buClrTx/>
-                        <a:buSzTx/>
-                        <a:buFontTx/>
-                        <a:buNone/>
-                        <a:tabLst/>
-                      </a:pPr>
-                      <a:endParaRPr kumimoji="0" lang="ru-RU" sz="1000" b="0" i="0" u="none" strike="noStrike" cap="none" normalizeH="0" baseline="0">
-                        <a:ln>
-                          <a:noFill/>
-                        </a:ln>
-                        <a:solidFill>
-                          <a:schemeClr val="tx1"/>
-                        </a:solidFill>
-                        <a:effectLst/>
-                        <a:latin typeface="Arial" charset="0"/>
-                      </a:endParaRPr>
-                    </a:p>
-                  </a:txBody>
-                  <a:tcPr marL="71962" marR="71962" marT="17991" marB="35979" horzOverflow="overflow">
-                    <a:lnL w="12700" cap="flat" cmpd="sng" algn="ctr">
-                      <a:solidFill>
-                        <a:srgbClr val="000000"/>
-                      </a:solidFill>
-                      <a:prstDash val="solid"/>
-                      <a:round/>
-                      <a:headEnd type="none" w="med" len="med"/>
-                      <a:tailEnd type="none" w="med" len="med"/>
-                    </a:lnL>
-                    <a:lnR w="12700" cap="flat" cmpd="sng" algn="ctr">
-                      <a:solidFill>
-                        <a:srgbClr val="000000"/>
-                      </a:solidFill>
-                      <a:prstDash val="solid"/>
-                      <a:round/>
-                      <a:headEnd type="none" w="med" len="med"/>
-                      <a:tailEnd type="none" w="med" len="med"/>
-                    </a:lnR>
-                    <a:lnT w="12700" cap="flat" cmpd="sng" algn="ctr">
-                      <a:solidFill>
-                        <a:srgbClr val="000000"/>
-                      </a:solidFill>
-                      <a:prstDash val="solid"/>
-                      <a:round/>
-                      <a:headEnd type="none" w="med" len="med"/>
-                      <a:tailEnd type="none" w="med" len="med"/>
-                    </a:lnT>
-                    <a:lnB w="12700" cap="flat" cmpd="sng" algn="ctr">
-                      <a:solidFill>
-                        <a:srgbClr val="000000"/>
-                      </a:solidFill>
-                      <a:prstDash val="solid"/>
-                      <a:round/>
-                      <a:headEnd type="none" w="med" len="med"/>
-                      <a:tailEnd type="none" w="med" len="med"/>
-                    </a:lnB>
-                    <a:lnTlToBr>
-                      <a:noFill/>
-                    </a:lnTlToBr>
-                    <a:lnBlToTr>
-                      <a:noFill/>
-                    </a:lnBlToTr>
-                    <a:noFill/>
-                  </a:tcPr>
-                </a:tc>
-                <a:tc>
-                  <a:txBody>
-                    <a:bodyPr/>
-                    <a:lstStyle/>
-                    <a:p>
-                      <a:pPr marL="0" marR="0" lvl="0" indent="0" algn="l" defTabSz="914400" rtl="0" eaLnBrk="1" fontAlgn="base" latinLnBrk="0" hangingPunct="1">
-                        <a:lnSpc>
-                          <a:spcPct val="100000"/>
-                        </a:lnSpc>
-                        <a:spcBef>
-                          <a:spcPct val="20000"/>
-                        </a:spcBef>
-                        <a:spcAft>
-                          <a:spcPct val="0"/>
-                        </a:spcAft>
-                        <a:buClrTx/>
-                        <a:buSzTx/>
-                        <a:buFontTx/>
-                        <a:buNone/>
-                        <a:tabLst/>
-                      </a:pPr>
-                      <a:r>
-                        <a:rPr kumimoji="0" lang="ru-RU" sz="1000" b="0" i="0" u="none" strike="noStrike" cap="none" normalizeH="0" baseline="0" dirty="0">
-                          <a:ln>
-                            <a:noFill/>
-                          </a:ln>
-                          <a:solidFill>
-                            <a:schemeClr val="tx1"/>
-                          </a:solidFill>
-                          <a:effectLst/>
-                          <a:latin typeface="Times New Roman" pitchFamily="18" charset="0"/>
-                        </a:rPr>
-                        <a:t>10</a:t>
-                      </a:r>
-                    </a:p>
-                  </a:txBody>
-                  <a:tcPr marL="71962" marR="71962" marT="17991" marB="35979" horzOverflow="overflow">
-                    <a:lnL w="12700" cap="flat" cmpd="sng" algn="ctr">
-                      <a:solidFill>
-                        <a:srgbClr val="000000"/>
-                      </a:solidFill>
-                      <a:prstDash val="solid"/>
-                      <a:round/>
-                      <a:headEnd type="none" w="med" len="med"/>
-                      <a:tailEnd type="none" w="med" len="med"/>
-                    </a:lnL>
-                    <a:lnR w="12700" cap="flat" cmpd="sng" algn="ctr">
-                      <a:solidFill>
-                        <a:srgbClr val="000000"/>
-                      </a:solidFill>
-                      <a:prstDash val="solid"/>
-                      <a:round/>
-                      <a:headEnd type="none" w="med" len="med"/>
-                      <a:tailEnd type="none" w="med" len="med"/>
-                    </a:lnR>
-                    <a:lnT w="12700" cap="flat" cmpd="sng" algn="ctr">
-                      <a:solidFill>
-                        <a:srgbClr val="000000"/>
-                      </a:solidFill>
-                      <a:prstDash val="solid"/>
-                      <a:round/>
-                      <a:headEnd type="none" w="med" len="med"/>
-                      <a:tailEnd type="none" w="med" len="med"/>
-                    </a:lnT>
-                    <a:lnB w="12700" cap="flat" cmpd="sng" algn="ctr">
-                      <a:solidFill>
-                        <a:srgbClr val="000000"/>
-                      </a:solidFill>
-                      <a:prstDash val="solid"/>
-                      <a:round/>
-                      <a:headEnd type="none" w="med" len="med"/>
-                      <a:tailEnd type="none" w="med" len="med"/>
-                    </a:lnB>
-                    <a:lnTlToBr>
-                      <a:noFill/>
-                    </a:lnTlToBr>
-                    <a:lnBlToTr>
-                      <a:noFill/>
-                    </a:lnBlToTr>
-                    <a:noFill/>
-                  </a:tcPr>
-                </a:tc>
-                <a:extLst>
-                  <a:ext uri="{0D108BD9-81ED-4DB2-BD59-A6C34878D82A}">
-                    <a16:rowId xmlns:a16="http://schemas.microsoft.com/office/drawing/2014/main" val="10000"/>
-                  </a:ext>
-                </a:extLst>
-              </a:tr>
-              <a:tr h="0">
-                <a:tc>
-                  <a:txBody>
-                    <a:bodyPr/>
-                    <a:lstStyle/>
-                    <a:p>
-                      <a:pPr marL="0" marR="0" lvl="0" indent="0" algn="l" defTabSz="914400" rtl="0" eaLnBrk="1" fontAlgn="base" latinLnBrk="0" hangingPunct="1">
-                        <a:lnSpc>
-                          <a:spcPct val="100000"/>
-                        </a:lnSpc>
-                        <a:spcBef>
-                          <a:spcPct val="0"/>
-                        </a:spcBef>
-                        <a:spcAft>
-                          <a:spcPct val="0"/>
-                        </a:spcAft>
-                        <a:buClrTx/>
-                        <a:buSzTx/>
-                        <a:buFontTx/>
-                        <a:buNone/>
-                        <a:tabLst/>
-                      </a:pPr>
-                      <a:r>
-                        <a:rPr kumimoji="0" lang="ru-RU" sz="1000" b="0" i="0" u="none" strike="noStrike" cap="none" normalizeH="0" baseline="0">
-                          <a:ln>
-                            <a:noFill/>
-                          </a:ln>
-                          <a:solidFill>
-                            <a:schemeClr val="tx1"/>
-                          </a:solidFill>
-                          <a:effectLst/>
-                          <a:latin typeface="Times New Roman" pitchFamily="18" charset="0"/>
-                          <a:cs typeface="Times New Roman" pitchFamily="18" charset="0"/>
-                        </a:rPr>
-                        <a:t>Утвердил</a:t>
-                      </a:r>
-                      <a:endParaRPr kumimoji="0" lang="ru-RU" sz="1000" b="0" i="0" u="none" strike="noStrike" cap="none" normalizeH="0" baseline="0">
-                        <a:ln>
-                          <a:noFill/>
-                        </a:ln>
-                        <a:solidFill>
-                          <a:schemeClr val="tx1"/>
-                        </a:solidFill>
-                        <a:effectLst/>
-                        <a:latin typeface="Arial" charset="0"/>
-                      </a:endParaRPr>
-                    </a:p>
-                  </a:txBody>
-                  <a:tcPr marL="71962" marR="71962" marT="17991" marB="35979" horzOverflow="overflow">
-                    <a:lnL w="12700" cap="flat" cmpd="sng" algn="ctr">
-                      <a:solidFill>
-                        <a:srgbClr val="000000"/>
-                      </a:solidFill>
-                      <a:prstDash val="solid"/>
-                      <a:round/>
-                      <a:headEnd type="none" w="med" len="med"/>
-                      <a:tailEnd type="none" w="med" len="med"/>
-                    </a:lnL>
-                    <a:lnR w="12700" cap="flat" cmpd="sng" algn="ctr">
-                      <a:solidFill>
-                        <a:srgbClr val="000000"/>
-                      </a:solidFill>
-                      <a:prstDash val="solid"/>
-                      <a:round/>
-                      <a:headEnd type="none" w="med" len="med"/>
-                      <a:tailEnd type="none" w="med" len="med"/>
-                    </a:lnR>
-                    <a:lnT w="12700" cap="flat" cmpd="sng" algn="ctr">
-                      <a:solidFill>
-                        <a:srgbClr val="000000"/>
-                      </a:solidFill>
-                      <a:prstDash val="solid"/>
-                      <a:round/>
-                      <a:headEnd type="none" w="med" len="med"/>
-                      <a:tailEnd type="none" w="med" len="med"/>
-                    </a:lnT>
-                    <a:lnB w="12700" cap="flat" cmpd="sng" algn="ctr">
-                      <a:solidFill>
-                        <a:srgbClr val="000000"/>
-                      </a:solidFill>
-                      <a:prstDash val="solid"/>
-                      <a:round/>
-                      <a:headEnd type="none" w="med" len="med"/>
-                      <a:tailEnd type="none" w="med" len="med"/>
-                    </a:lnB>
-                    <a:lnTlToBr>
-                      <a:noFill/>
-                    </a:lnTlToBr>
-                    <a:lnBlToTr>
-                      <a:noFill/>
-                    </a:lnBlToTr>
-                    <a:noFill/>
-                  </a:tcPr>
-                </a:tc>
-                <a:tc>
-                  <a:txBody>
-                    <a:bodyPr/>
-                    <a:lstStyle/>
-                    <a:p>
-                      <a:pPr marL="0" marR="0" lvl="0" indent="0" algn="l" defTabSz="914400" rtl="0" eaLnBrk="1" fontAlgn="base" latinLnBrk="0" hangingPunct="1">
-                        <a:lnSpc>
-                          <a:spcPct val="100000"/>
-                        </a:lnSpc>
-                        <a:spcBef>
-                          <a:spcPct val="0"/>
-                        </a:spcBef>
-                        <a:spcAft>
-                          <a:spcPct val="0"/>
-                        </a:spcAft>
-                        <a:buClrTx/>
-                        <a:buSzTx/>
-                        <a:buFontTx/>
-                        <a:buNone/>
-                        <a:tabLst/>
-                      </a:pPr>
-                      <a:r>
-                        <a:rPr kumimoji="0" lang="ru-RU" sz="1000" b="0" i="0" u="none" strike="noStrike" cap="none" normalizeH="0" baseline="0" dirty="0">
-                          <a:ln>
-                            <a:noFill/>
-                          </a:ln>
-                          <a:solidFill>
-                            <a:schemeClr val="tx1"/>
-                          </a:solidFill>
-                          <a:effectLst/>
-                          <a:latin typeface="Times New Roman" pitchFamily="18" charset="0"/>
-                          <a:cs typeface="Times New Roman" pitchFamily="18" charset="0"/>
-                        </a:rPr>
-                        <a:t>Касимов Р. А</a:t>
-                      </a:r>
-                    </a:p>
-                  </a:txBody>
-                  <a:tcPr marL="71962" marR="71962" marT="17991" marB="35979" horzOverflow="overflow">
-                    <a:lnL w="12700" cap="flat" cmpd="sng" algn="ctr">
-                      <a:solidFill>
-                        <a:srgbClr val="000000"/>
-                      </a:solidFill>
-                      <a:prstDash val="solid"/>
-                      <a:round/>
-                      <a:headEnd type="none" w="med" len="med"/>
-                      <a:tailEnd type="none" w="med" len="med"/>
-                    </a:lnL>
-                    <a:lnR w="12700" cap="flat" cmpd="sng" algn="ctr">
-                      <a:solidFill>
-                        <a:srgbClr val="000000"/>
-                      </a:solidFill>
-                      <a:prstDash val="solid"/>
-                      <a:round/>
-                      <a:headEnd type="none" w="med" len="med"/>
-                      <a:tailEnd type="none" w="med" len="med"/>
-                    </a:lnR>
-                    <a:lnT w="12700" cap="flat" cmpd="sng" algn="ctr">
-                      <a:solidFill>
-                        <a:srgbClr val="000000"/>
-                      </a:solidFill>
-                      <a:prstDash val="solid"/>
-                      <a:round/>
-                      <a:headEnd type="none" w="med" len="med"/>
-                      <a:tailEnd type="none" w="med" len="med"/>
-                    </a:lnT>
-                    <a:lnB w="12700" cap="flat" cmpd="sng" algn="ctr">
-                      <a:solidFill>
-                        <a:srgbClr val="000000"/>
-                      </a:solidFill>
-                      <a:prstDash val="solid"/>
-                      <a:round/>
-                      <a:headEnd type="none" w="med" len="med"/>
-                      <a:tailEnd type="none" w="med" len="med"/>
-                    </a:lnB>
-                    <a:lnTlToBr>
-                      <a:noFill/>
-                    </a:lnTlToBr>
-                    <a:lnBlToTr>
-                      <a:noFill/>
-                    </a:lnBlToTr>
-                    <a:noFill/>
-                  </a:tcPr>
-                </a:tc>
-                <a:tc>
-                  <a:txBody>
-                    <a:bodyPr/>
-                    <a:lstStyle/>
-                    <a:p>
-                      <a:pPr marL="0" marR="0" lvl="0" indent="0" algn="l" defTabSz="914400" rtl="0" eaLnBrk="1" fontAlgn="base" latinLnBrk="0" hangingPunct="1">
-                        <a:lnSpc>
-                          <a:spcPct val="100000"/>
-                        </a:lnSpc>
-                        <a:spcBef>
-                          <a:spcPct val="20000"/>
-                        </a:spcBef>
-                        <a:spcAft>
-                          <a:spcPct val="0"/>
-                        </a:spcAft>
-                        <a:buClrTx/>
-                        <a:buSzTx/>
-                        <a:buFontTx/>
-                        <a:buNone/>
-                        <a:tabLst/>
-                      </a:pPr>
-                      <a:endParaRPr kumimoji="0" lang="ru-RU" sz="1000" b="0" i="0" u="none" strike="noStrike" cap="none" normalizeH="0" baseline="0">
-                        <a:ln>
-                          <a:noFill/>
-                        </a:ln>
-                        <a:solidFill>
-                          <a:schemeClr val="tx1"/>
-                        </a:solidFill>
-                        <a:effectLst/>
-                        <a:latin typeface="Arial" charset="0"/>
-                      </a:endParaRPr>
-                    </a:p>
-                  </a:txBody>
-                  <a:tcPr marL="71962" marR="71962" marT="17991" marB="35979" horzOverflow="overflow">
-                    <a:lnL w="12700" cap="flat" cmpd="sng" algn="ctr">
-                      <a:solidFill>
-                        <a:srgbClr val="000000"/>
-                      </a:solidFill>
-                      <a:prstDash val="solid"/>
-                      <a:round/>
-                      <a:headEnd type="none" w="med" len="med"/>
-                      <a:tailEnd type="none" w="med" len="med"/>
-                    </a:lnL>
-                    <a:lnR w="12700" cap="flat" cmpd="sng" algn="ctr">
-                      <a:solidFill>
-                        <a:srgbClr val="000000"/>
-                      </a:solidFill>
-                      <a:prstDash val="solid"/>
-                      <a:round/>
-                      <a:headEnd type="none" w="med" len="med"/>
-                      <a:tailEnd type="none" w="med" len="med"/>
-                    </a:lnR>
-                    <a:lnT w="12700" cap="flat" cmpd="sng" algn="ctr">
-                      <a:solidFill>
-                        <a:srgbClr val="000000"/>
-                      </a:solidFill>
-                      <a:prstDash val="solid"/>
-                      <a:round/>
-                      <a:headEnd type="none" w="med" len="med"/>
-                      <a:tailEnd type="none" w="med" len="med"/>
-                    </a:lnT>
-                    <a:lnB w="12700" cap="flat" cmpd="sng" algn="ctr">
-                      <a:solidFill>
-                        <a:srgbClr val="000000"/>
-                      </a:solidFill>
-                      <a:prstDash val="solid"/>
-                      <a:round/>
-                      <a:headEnd type="none" w="med" len="med"/>
-                      <a:tailEnd type="none" w="med" len="med"/>
-                    </a:lnB>
-                    <a:lnTlToBr>
-                      <a:noFill/>
-                    </a:lnTlToBr>
-                    <a:lnBlToTr>
-                      <a:noFill/>
-                    </a:lnBlToTr>
-                    <a:noFill/>
-                  </a:tcPr>
-                </a:tc>
-                <a:tc>
-                  <a:txBody>
-                    <a:bodyPr/>
-                    <a:lstStyle/>
-                    <a:p>
-                      <a:pPr marL="0" marR="0" lvl="0" indent="0" algn="l" defTabSz="914400" rtl="0" eaLnBrk="1" fontAlgn="base" latinLnBrk="0" hangingPunct="1">
-                        <a:lnSpc>
-                          <a:spcPct val="100000"/>
-                        </a:lnSpc>
-                        <a:spcBef>
-                          <a:spcPct val="20000"/>
-                        </a:spcBef>
-                        <a:spcAft>
-                          <a:spcPct val="0"/>
-                        </a:spcAft>
-                        <a:buClrTx/>
-                        <a:buSzTx/>
-                        <a:buFontTx/>
-                        <a:buNone/>
-                        <a:tabLst/>
-                      </a:pPr>
-                      <a:endParaRPr kumimoji="0" lang="ru-RU" sz="1000" b="0" i="0" u="none" strike="noStrike" cap="none" normalizeH="0" baseline="0" dirty="0">
-                        <a:ln>
-                          <a:noFill/>
-                        </a:ln>
-                        <a:solidFill>
-                          <a:schemeClr val="tx1"/>
-                        </a:solidFill>
-                        <a:effectLst/>
-                        <a:latin typeface="Arial" charset="0"/>
-                      </a:endParaRPr>
-                    </a:p>
-                  </a:txBody>
-                  <a:tcPr marL="71962" marR="71962" marT="17991" marB="35979" horzOverflow="overflow">
-                    <a:lnL w="12700" cap="flat" cmpd="sng" algn="ctr">
-                      <a:solidFill>
-                        <a:srgbClr val="000000"/>
-                      </a:solidFill>
-                      <a:prstDash val="solid"/>
-                      <a:round/>
-                      <a:headEnd type="none" w="med" len="med"/>
-                      <a:tailEnd type="none" w="med" len="med"/>
-                    </a:lnL>
-                    <a:lnR w="12700" cap="flat" cmpd="sng" algn="ctr">
-                      <a:solidFill>
-                        <a:srgbClr val="000000"/>
-                      </a:solidFill>
-                      <a:prstDash val="solid"/>
-                      <a:round/>
-                      <a:headEnd type="none" w="med" len="med"/>
-                      <a:tailEnd type="none" w="med" len="med"/>
-                    </a:lnR>
-                    <a:lnT w="12700" cap="flat" cmpd="sng" algn="ctr">
-                      <a:solidFill>
-                        <a:srgbClr val="000000"/>
-                      </a:solidFill>
-                      <a:prstDash val="solid"/>
-                      <a:round/>
-                      <a:headEnd type="none" w="med" len="med"/>
-                      <a:tailEnd type="none" w="med" len="med"/>
-                    </a:lnT>
-                    <a:lnB w="12700" cap="flat" cmpd="sng" algn="ctr">
-                      <a:solidFill>
-                        <a:srgbClr val="000000"/>
-                      </a:solidFill>
-                      <a:prstDash val="solid"/>
-                      <a:round/>
-                      <a:headEnd type="none" w="med" len="med"/>
-                      <a:tailEnd type="none" w="med" len="med"/>
-                    </a:lnB>
-                    <a:lnTlToBr>
-                      <a:noFill/>
-                    </a:lnTlToBr>
-                    <a:lnBlToTr>
-                      <a:noFill/>
-                    </a:lnBlToTr>
-                    <a:noFill/>
-                  </a:tcPr>
-                </a:tc>
-                <a:extLst>
-                  <a:ext uri="{0D108BD9-81ED-4DB2-BD59-A6C34878D82A}">
-                    <a16:rowId xmlns:a16="http://schemas.microsoft.com/office/drawing/2014/main" val="10001"/>
-                  </a:ext>
-                </a:extLst>
-              </a:tr>
-            </a:tbl>
-          </a:graphicData>
-        </a:graphic>
-      </p:graphicFrame>
     </p:spTree>
   </p:cSld>
   <p:clrMapOvr>
@@ -5422,735 +3924,6 @@
           </a:p>
         </p:txBody>
       </p:sp>
-      <p:graphicFrame>
-        <p:nvGraphicFramePr>
-          <p:cNvPr id="6" name="Group 10"/>
-          <p:cNvGraphicFramePr>
-            <a:graphicFrameLocks noGrp="1"/>
-          </p:cNvGraphicFramePr>
-          <p:nvPr/>
-        </p:nvGraphicFramePr>
-        <p:xfrm>
-          <a:off x="6156325" y="6254750"/>
-          <a:ext cx="2822575" cy="412740"/>
-        </p:xfrm>
-        <a:graphic>
-          <a:graphicData uri="http://schemas.openxmlformats.org/drawingml/2006/table">
-            <a:tbl>
-              <a:tblPr/>
-              <a:tblGrid>
-                <a:gridCol w="792163">
-                  <a:extLst>
-                    <a:ext uri="{9D8B030D-6E8A-4147-A177-3AD203B41FA5}">
-                      <a16:colId xmlns:a16="http://schemas.microsoft.com/office/drawing/2014/main" val="20000"/>
-                    </a:ext>
-                  </a:extLst>
-                </a:gridCol>
-                <a:gridCol w="1008062">
-                  <a:extLst>
-                    <a:ext uri="{9D8B030D-6E8A-4147-A177-3AD203B41FA5}">
-                      <a16:colId xmlns:a16="http://schemas.microsoft.com/office/drawing/2014/main" val="20001"/>
-                    </a:ext>
-                  </a:extLst>
-                </a:gridCol>
-                <a:gridCol w="649288">
-                  <a:extLst>
-                    <a:ext uri="{9D8B030D-6E8A-4147-A177-3AD203B41FA5}">
-                      <a16:colId xmlns:a16="http://schemas.microsoft.com/office/drawing/2014/main" val="20002"/>
-                    </a:ext>
-                  </a:extLst>
-                </a:gridCol>
-                <a:gridCol w="373062">
-                  <a:extLst>
-                    <a:ext uri="{9D8B030D-6E8A-4147-A177-3AD203B41FA5}">
-                      <a16:colId xmlns:a16="http://schemas.microsoft.com/office/drawing/2014/main" val="20003"/>
-                    </a:ext>
-                  </a:extLst>
-                </a:gridCol>
-              </a:tblGrid>
-              <a:tr h="0">
-                <a:tc>
-                  <a:txBody>
-                    <a:bodyPr/>
-                    <a:lstStyle/>
-                    <a:p>
-                      <a:pPr marL="0" marR="0" lvl="0" indent="0" algn="l" defTabSz="914400" rtl="0" eaLnBrk="1" fontAlgn="base" latinLnBrk="0" hangingPunct="1">
-                        <a:lnSpc>
-                          <a:spcPct val="100000"/>
-                        </a:lnSpc>
-                        <a:spcBef>
-                          <a:spcPct val="0"/>
-                        </a:spcBef>
-                        <a:spcAft>
-                          <a:spcPct val="0"/>
-                        </a:spcAft>
-                        <a:buClrTx/>
-                        <a:buSzTx/>
-                        <a:buFontTx/>
-                        <a:buNone/>
-                        <a:tabLst/>
-                      </a:pPr>
-                      <a:r>
-                        <a:rPr kumimoji="0" lang="ru-RU" sz="1000" b="0" i="0" u="none" strike="noStrike" cap="none" normalizeH="0" baseline="0" dirty="0">
-                          <a:ln>
-                            <a:noFill/>
-                          </a:ln>
-                          <a:solidFill>
-                            <a:schemeClr val="tx1"/>
-                          </a:solidFill>
-                          <a:effectLst/>
-                          <a:latin typeface="Times New Roman" pitchFamily="18" charset="0"/>
-                          <a:cs typeface="Times New Roman" pitchFamily="18" charset="0"/>
-                        </a:rPr>
-                        <a:t>Разработал</a:t>
-                      </a:r>
-                      <a:endParaRPr kumimoji="0" lang="ru-RU" sz="1000" b="0" i="0" u="none" strike="noStrike" cap="none" normalizeH="0" baseline="0" dirty="0">
-                        <a:ln>
-                          <a:noFill/>
-                        </a:ln>
-                        <a:solidFill>
-                          <a:schemeClr val="tx1"/>
-                        </a:solidFill>
-                        <a:effectLst/>
-                        <a:latin typeface="Arial" charset="0"/>
-                      </a:endParaRPr>
-                    </a:p>
-                  </a:txBody>
-                  <a:tcPr marL="71962" marR="71962" marT="17991" marB="35979" horzOverflow="overflow">
-                    <a:lnL w="12700" cap="flat" cmpd="sng" algn="ctr">
-                      <a:solidFill>
-                        <a:srgbClr val="000000"/>
-                      </a:solidFill>
-                      <a:prstDash val="solid"/>
-                      <a:round/>
-                      <a:headEnd type="none" w="med" len="med"/>
-                      <a:tailEnd type="none" w="med" len="med"/>
-                    </a:lnL>
-                    <a:lnR w="12700" cap="flat" cmpd="sng" algn="ctr">
-                      <a:solidFill>
-                        <a:srgbClr val="000000"/>
-                      </a:solidFill>
-                      <a:prstDash val="solid"/>
-                      <a:round/>
-                      <a:headEnd type="none" w="med" len="med"/>
-                      <a:tailEnd type="none" w="med" len="med"/>
-                    </a:lnR>
-                    <a:lnT w="12700" cap="flat" cmpd="sng" algn="ctr">
-                      <a:solidFill>
-                        <a:srgbClr val="000000"/>
-                      </a:solidFill>
-                      <a:prstDash val="solid"/>
-                      <a:round/>
-                      <a:headEnd type="none" w="med" len="med"/>
-                      <a:tailEnd type="none" w="med" len="med"/>
-                    </a:lnT>
-                    <a:lnB w="12700" cap="flat" cmpd="sng" algn="ctr">
-                      <a:solidFill>
-                        <a:srgbClr val="000000"/>
-                      </a:solidFill>
-                      <a:prstDash val="solid"/>
-                      <a:round/>
-                      <a:headEnd type="none" w="med" len="med"/>
-                      <a:tailEnd type="none" w="med" len="med"/>
-                    </a:lnB>
-                    <a:lnTlToBr>
-                      <a:noFill/>
-                    </a:lnTlToBr>
-                    <a:lnBlToTr>
-                      <a:noFill/>
-                    </a:lnBlToTr>
-                    <a:noFill/>
-                  </a:tcPr>
-                </a:tc>
-                <a:tc>
-                  <a:txBody>
-                    <a:bodyPr/>
-                    <a:lstStyle/>
-                    <a:p>
-                      <a:pPr marL="0" marR="0" lvl="0" indent="0" algn="l" defTabSz="914400" rtl="0" eaLnBrk="1" fontAlgn="base" latinLnBrk="0" hangingPunct="1">
-                        <a:lnSpc>
-                          <a:spcPct val="100000"/>
-                        </a:lnSpc>
-                        <a:spcBef>
-                          <a:spcPct val="0"/>
-                        </a:spcBef>
-                        <a:spcAft>
-                          <a:spcPct val="0"/>
-                        </a:spcAft>
-                        <a:buClrTx/>
-                        <a:buSzTx/>
-                        <a:buFontTx/>
-                        <a:buNone/>
-                        <a:tabLst/>
-                      </a:pPr>
-                      <a:endParaRPr kumimoji="0" lang="ru-RU" sz="1000" b="0" i="0" u="none" strike="noStrike" cap="none" normalizeH="0" baseline="0" dirty="0">
-                        <a:ln>
-                          <a:noFill/>
-                        </a:ln>
-                        <a:solidFill>
-                          <a:schemeClr val="tx1"/>
-                        </a:solidFill>
-                        <a:effectLst/>
-                        <a:latin typeface="Times New Roman" pitchFamily="18" charset="0"/>
-                        <a:cs typeface="Times New Roman" pitchFamily="18" charset="0"/>
-                      </a:endParaRPr>
-                    </a:p>
-                  </a:txBody>
-                  <a:tcPr marL="71962" marR="71962" marT="17991" marB="35979" horzOverflow="overflow">
-                    <a:lnL w="12700" cap="flat" cmpd="sng" algn="ctr">
-                      <a:solidFill>
-                        <a:srgbClr val="000000"/>
-                      </a:solidFill>
-                      <a:prstDash val="solid"/>
-                      <a:round/>
-                      <a:headEnd type="none" w="med" len="med"/>
-                      <a:tailEnd type="none" w="med" len="med"/>
-                    </a:lnL>
-                    <a:lnR w="12700" cap="flat" cmpd="sng" algn="ctr">
-                      <a:solidFill>
-                        <a:srgbClr val="000000"/>
-                      </a:solidFill>
-                      <a:prstDash val="solid"/>
-                      <a:round/>
-                      <a:headEnd type="none" w="med" len="med"/>
-                      <a:tailEnd type="none" w="med" len="med"/>
-                    </a:lnR>
-                    <a:lnT w="12700" cap="flat" cmpd="sng" algn="ctr">
-                      <a:solidFill>
-                        <a:srgbClr val="000000"/>
-                      </a:solidFill>
-                      <a:prstDash val="solid"/>
-                      <a:round/>
-                      <a:headEnd type="none" w="med" len="med"/>
-                      <a:tailEnd type="none" w="med" len="med"/>
-                    </a:lnT>
-                    <a:lnB w="12700" cap="flat" cmpd="sng" algn="ctr">
-                      <a:solidFill>
-                        <a:srgbClr val="000000"/>
-                      </a:solidFill>
-                      <a:prstDash val="solid"/>
-                      <a:round/>
-                      <a:headEnd type="none" w="med" len="med"/>
-                      <a:tailEnd type="none" w="med" len="med"/>
-                    </a:lnB>
-                    <a:lnTlToBr>
-                      <a:noFill/>
-                    </a:lnTlToBr>
-                    <a:lnBlToTr>
-                      <a:noFill/>
-                    </a:lnBlToTr>
-                    <a:noFill/>
-                  </a:tcPr>
-                </a:tc>
-                <a:tc>
-                  <a:txBody>
-                    <a:bodyPr/>
-                    <a:lstStyle/>
-                    <a:p>
-                      <a:pPr marL="0" marR="0" lvl="0" indent="0" algn="l" defTabSz="914400" rtl="0" eaLnBrk="1" fontAlgn="base" latinLnBrk="0" hangingPunct="1">
-                        <a:lnSpc>
-                          <a:spcPct val="100000"/>
-                        </a:lnSpc>
-                        <a:spcBef>
-                          <a:spcPct val="20000"/>
-                        </a:spcBef>
-                        <a:spcAft>
-                          <a:spcPct val="0"/>
-                        </a:spcAft>
-                        <a:buClrTx/>
-                        <a:buSzTx/>
-                        <a:buFontTx/>
-                        <a:buNone/>
-                        <a:tabLst/>
-                      </a:pPr>
-                      <a:endParaRPr kumimoji="0" lang="ru-RU" sz="1000" b="0" i="0" u="none" strike="noStrike" cap="none" normalizeH="0" baseline="0">
-                        <a:ln>
-                          <a:noFill/>
-                        </a:ln>
-                        <a:solidFill>
-                          <a:schemeClr val="tx1"/>
-                        </a:solidFill>
-                        <a:effectLst/>
-                        <a:latin typeface="Arial" charset="0"/>
-                      </a:endParaRPr>
-                    </a:p>
-                  </a:txBody>
-                  <a:tcPr marL="71962" marR="71962" marT="17991" marB="35979" horzOverflow="overflow">
-                    <a:lnL w="12700" cap="flat" cmpd="sng" algn="ctr">
-                      <a:solidFill>
-                        <a:srgbClr val="000000"/>
-                      </a:solidFill>
-                      <a:prstDash val="solid"/>
-                      <a:round/>
-                      <a:headEnd type="none" w="med" len="med"/>
-                      <a:tailEnd type="none" w="med" len="med"/>
-                    </a:lnL>
-                    <a:lnR w="12700" cap="flat" cmpd="sng" algn="ctr">
-                      <a:solidFill>
-                        <a:srgbClr val="000000"/>
-                      </a:solidFill>
-                      <a:prstDash val="solid"/>
-                      <a:round/>
-                      <a:headEnd type="none" w="med" len="med"/>
-                      <a:tailEnd type="none" w="med" len="med"/>
-                    </a:lnR>
-                    <a:lnT w="12700" cap="flat" cmpd="sng" algn="ctr">
-                      <a:solidFill>
-                        <a:srgbClr val="000000"/>
-                      </a:solidFill>
-                      <a:prstDash val="solid"/>
-                      <a:round/>
-                      <a:headEnd type="none" w="med" len="med"/>
-                      <a:tailEnd type="none" w="med" len="med"/>
-                    </a:lnT>
-                    <a:lnB w="12700" cap="flat" cmpd="sng" algn="ctr">
-                      <a:solidFill>
-                        <a:srgbClr val="000000"/>
-                      </a:solidFill>
-                      <a:prstDash val="solid"/>
-                      <a:round/>
-                      <a:headEnd type="none" w="med" len="med"/>
-                      <a:tailEnd type="none" w="med" len="med"/>
-                    </a:lnB>
-                    <a:lnTlToBr>
-                      <a:noFill/>
-                    </a:lnTlToBr>
-                    <a:lnBlToTr>
-                      <a:noFill/>
-                    </a:lnBlToTr>
-                    <a:noFill/>
-                  </a:tcPr>
-                </a:tc>
-                <a:tc>
-                  <a:txBody>
-                    <a:bodyPr/>
-                    <a:lstStyle/>
-                    <a:p>
-                      <a:pPr marL="0" marR="0" lvl="0" indent="0" algn="l" defTabSz="914400" rtl="0" eaLnBrk="1" fontAlgn="base" latinLnBrk="0" hangingPunct="1">
-                        <a:lnSpc>
-                          <a:spcPct val="100000"/>
-                        </a:lnSpc>
-                        <a:spcBef>
-                          <a:spcPct val="20000"/>
-                        </a:spcBef>
-                        <a:spcAft>
-                          <a:spcPct val="0"/>
-                        </a:spcAft>
-                        <a:buClrTx/>
-                        <a:buSzTx/>
-                        <a:buFontTx/>
-                        <a:buNone/>
-                        <a:tabLst/>
-                      </a:pPr>
-                      <a:r>
-                        <a:rPr kumimoji="0" lang="ru-RU" sz="1000" b="0" i="0" u="none" strike="noStrike" cap="none" normalizeH="0" baseline="0" dirty="0">
-                          <a:ln>
-                            <a:noFill/>
-                          </a:ln>
-                          <a:solidFill>
-                            <a:schemeClr val="tx1"/>
-                          </a:solidFill>
-                          <a:effectLst/>
-                          <a:latin typeface="Times New Roman" pitchFamily="18" charset="0"/>
-                        </a:rPr>
-                        <a:t>2</a:t>
-                      </a:r>
-                    </a:p>
-                  </a:txBody>
-                  <a:tcPr marL="71962" marR="71962" marT="17991" marB="35979" horzOverflow="overflow">
-                    <a:lnL w="12700" cap="flat" cmpd="sng" algn="ctr">
-                      <a:solidFill>
-                        <a:srgbClr val="000000"/>
-                      </a:solidFill>
-                      <a:prstDash val="solid"/>
-                      <a:round/>
-                      <a:headEnd type="none" w="med" len="med"/>
-                      <a:tailEnd type="none" w="med" len="med"/>
-                    </a:lnL>
-                    <a:lnR w="12700" cap="flat" cmpd="sng" algn="ctr">
-                      <a:solidFill>
-                        <a:srgbClr val="000000"/>
-                      </a:solidFill>
-                      <a:prstDash val="solid"/>
-                      <a:round/>
-                      <a:headEnd type="none" w="med" len="med"/>
-                      <a:tailEnd type="none" w="med" len="med"/>
-                    </a:lnR>
-                    <a:lnT w="12700" cap="flat" cmpd="sng" algn="ctr">
-                      <a:solidFill>
-                        <a:srgbClr val="000000"/>
-                      </a:solidFill>
-                      <a:prstDash val="solid"/>
-                      <a:round/>
-                      <a:headEnd type="none" w="med" len="med"/>
-                      <a:tailEnd type="none" w="med" len="med"/>
-                    </a:lnT>
-                    <a:lnB w="12700" cap="flat" cmpd="sng" algn="ctr">
-                      <a:solidFill>
-                        <a:srgbClr val="000000"/>
-                      </a:solidFill>
-                      <a:prstDash val="solid"/>
-                      <a:round/>
-                      <a:headEnd type="none" w="med" len="med"/>
-                      <a:tailEnd type="none" w="med" len="med"/>
-                    </a:lnB>
-                    <a:lnTlToBr>
-                      <a:noFill/>
-                    </a:lnTlToBr>
-                    <a:lnBlToTr>
-                      <a:noFill/>
-                    </a:lnBlToTr>
-                    <a:noFill/>
-                  </a:tcPr>
-                </a:tc>
-                <a:extLst>
-                  <a:ext uri="{0D108BD9-81ED-4DB2-BD59-A6C34878D82A}">
-                    <a16:rowId xmlns:a16="http://schemas.microsoft.com/office/drawing/2014/main" val="10000"/>
-                  </a:ext>
-                </a:extLst>
-              </a:tr>
-              <a:tr h="0">
-                <a:tc>
-                  <a:txBody>
-                    <a:bodyPr/>
-                    <a:lstStyle/>
-                    <a:p>
-                      <a:pPr marL="0" marR="0" lvl="0" indent="0" algn="l" defTabSz="914400" rtl="0" eaLnBrk="1" fontAlgn="base" latinLnBrk="0" hangingPunct="1">
-                        <a:lnSpc>
-                          <a:spcPct val="100000"/>
-                        </a:lnSpc>
-                        <a:spcBef>
-                          <a:spcPct val="0"/>
-                        </a:spcBef>
-                        <a:spcAft>
-                          <a:spcPct val="0"/>
-                        </a:spcAft>
-                        <a:buClrTx/>
-                        <a:buSzTx/>
-                        <a:buFontTx/>
-                        <a:buNone/>
-                        <a:tabLst/>
-                      </a:pPr>
-                      <a:r>
-                        <a:rPr kumimoji="0" lang="ru-RU" sz="1000" b="0" i="0" u="none" strike="noStrike" cap="none" normalizeH="0" baseline="0">
-                          <a:ln>
-                            <a:noFill/>
-                          </a:ln>
-                          <a:solidFill>
-                            <a:schemeClr val="tx1"/>
-                          </a:solidFill>
-                          <a:effectLst/>
-                          <a:latin typeface="Times New Roman" pitchFamily="18" charset="0"/>
-                          <a:cs typeface="Times New Roman" pitchFamily="18" charset="0"/>
-                        </a:rPr>
-                        <a:t>Утвердил</a:t>
-                      </a:r>
-                      <a:endParaRPr kumimoji="0" lang="ru-RU" sz="1000" b="0" i="0" u="none" strike="noStrike" cap="none" normalizeH="0" baseline="0">
-                        <a:ln>
-                          <a:noFill/>
-                        </a:ln>
-                        <a:solidFill>
-                          <a:schemeClr val="tx1"/>
-                        </a:solidFill>
-                        <a:effectLst/>
-                        <a:latin typeface="Arial" charset="0"/>
-                      </a:endParaRPr>
-                    </a:p>
-                  </a:txBody>
-                  <a:tcPr marL="71962" marR="71962" marT="17991" marB="35979" horzOverflow="overflow">
-                    <a:lnL w="12700" cap="flat" cmpd="sng" algn="ctr">
-                      <a:solidFill>
-                        <a:srgbClr val="000000"/>
-                      </a:solidFill>
-                      <a:prstDash val="solid"/>
-                      <a:round/>
-                      <a:headEnd type="none" w="med" len="med"/>
-                      <a:tailEnd type="none" w="med" len="med"/>
-                    </a:lnL>
-                    <a:lnR w="12700" cap="flat" cmpd="sng" algn="ctr">
-                      <a:solidFill>
-                        <a:srgbClr val="000000"/>
-                      </a:solidFill>
-                      <a:prstDash val="solid"/>
-                      <a:round/>
-                      <a:headEnd type="none" w="med" len="med"/>
-                      <a:tailEnd type="none" w="med" len="med"/>
-                    </a:lnR>
-                    <a:lnT w="12700" cap="flat" cmpd="sng" algn="ctr">
-                      <a:solidFill>
-                        <a:srgbClr val="000000"/>
-                      </a:solidFill>
-                      <a:prstDash val="solid"/>
-                      <a:round/>
-                      <a:headEnd type="none" w="med" len="med"/>
-                      <a:tailEnd type="none" w="med" len="med"/>
-                    </a:lnT>
-                    <a:lnB w="12700" cap="flat" cmpd="sng" algn="ctr">
-                      <a:solidFill>
-                        <a:srgbClr val="000000"/>
-                      </a:solidFill>
-                      <a:prstDash val="solid"/>
-                      <a:round/>
-                      <a:headEnd type="none" w="med" len="med"/>
-                      <a:tailEnd type="none" w="med" len="med"/>
-                    </a:lnB>
-                    <a:lnTlToBr>
-                      <a:noFill/>
-                    </a:lnTlToBr>
-                    <a:lnBlToTr>
-                      <a:noFill/>
-                    </a:lnBlToTr>
-                    <a:noFill/>
-                  </a:tcPr>
-                </a:tc>
-                <a:tc>
-                  <a:txBody>
-                    <a:bodyPr/>
-                    <a:lstStyle/>
-                    <a:p>
-                      <a:pPr marL="0" marR="0" lvl="0" indent="0" algn="l" defTabSz="914400" rtl="0" eaLnBrk="1" fontAlgn="base" latinLnBrk="0" hangingPunct="1">
-                        <a:lnSpc>
-                          <a:spcPct val="100000"/>
-                        </a:lnSpc>
-                        <a:spcBef>
-                          <a:spcPct val="0"/>
-                        </a:spcBef>
-                        <a:spcAft>
-                          <a:spcPct val="0"/>
-                        </a:spcAft>
-                        <a:buClrTx/>
-                        <a:buSzTx/>
-                        <a:buFontTx/>
-                        <a:buNone/>
-                        <a:tabLst/>
-                      </a:pPr>
-                      <a:endParaRPr kumimoji="0" lang="ru-RU" sz="1000" b="0" i="0" u="none" strike="noStrike" cap="none" normalizeH="0" baseline="0" dirty="0">
-                        <a:ln>
-                          <a:noFill/>
-                        </a:ln>
-                        <a:solidFill>
-                          <a:schemeClr val="tx1"/>
-                        </a:solidFill>
-                        <a:effectLst/>
-                        <a:latin typeface="Times New Roman" pitchFamily="18" charset="0"/>
-                        <a:cs typeface="Times New Roman" pitchFamily="18" charset="0"/>
-                      </a:endParaRPr>
-                    </a:p>
-                  </a:txBody>
-                  <a:tcPr marL="71962" marR="71962" marT="17991" marB="35979" horzOverflow="overflow">
-                    <a:lnL w="12700" cap="flat" cmpd="sng" algn="ctr">
-                      <a:solidFill>
-                        <a:srgbClr val="000000"/>
-                      </a:solidFill>
-                      <a:prstDash val="solid"/>
-                      <a:round/>
-                      <a:headEnd type="none" w="med" len="med"/>
-                      <a:tailEnd type="none" w="med" len="med"/>
-                    </a:lnL>
-                    <a:lnR w="12700" cap="flat" cmpd="sng" algn="ctr">
-                      <a:solidFill>
-                        <a:srgbClr val="000000"/>
-                      </a:solidFill>
-                      <a:prstDash val="solid"/>
-                      <a:round/>
-                      <a:headEnd type="none" w="med" len="med"/>
-                      <a:tailEnd type="none" w="med" len="med"/>
-                    </a:lnR>
-                    <a:lnT w="12700" cap="flat" cmpd="sng" algn="ctr">
-                      <a:solidFill>
-                        <a:srgbClr val="000000"/>
-                      </a:solidFill>
-                      <a:prstDash val="solid"/>
-                      <a:round/>
-                      <a:headEnd type="none" w="med" len="med"/>
-                      <a:tailEnd type="none" w="med" len="med"/>
-                    </a:lnT>
-                    <a:lnB w="12700" cap="flat" cmpd="sng" algn="ctr">
-                      <a:solidFill>
-                        <a:srgbClr val="000000"/>
-                      </a:solidFill>
-                      <a:prstDash val="solid"/>
-                      <a:round/>
-                      <a:headEnd type="none" w="med" len="med"/>
-                      <a:tailEnd type="none" w="med" len="med"/>
-                    </a:lnB>
-                    <a:lnTlToBr>
-                      <a:noFill/>
-                    </a:lnTlToBr>
-                    <a:lnBlToTr>
-                      <a:noFill/>
-                    </a:lnBlToTr>
-                    <a:noFill/>
-                  </a:tcPr>
-                </a:tc>
-                <a:tc>
-                  <a:txBody>
-                    <a:bodyPr/>
-                    <a:lstStyle/>
-                    <a:p>
-                      <a:pPr marL="0" marR="0" lvl="0" indent="0" algn="l" defTabSz="914400" rtl="0" eaLnBrk="1" fontAlgn="base" latinLnBrk="0" hangingPunct="1">
-                        <a:lnSpc>
-                          <a:spcPct val="100000"/>
-                        </a:lnSpc>
-                        <a:spcBef>
-                          <a:spcPct val="20000"/>
-                        </a:spcBef>
-                        <a:spcAft>
-                          <a:spcPct val="0"/>
-                        </a:spcAft>
-                        <a:buClrTx/>
-                        <a:buSzTx/>
-                        <a:buFontTx/>
-                        <a:buNone/>
-                        <a:tabLst/>
-                      </a:pPr>
-                      <a:endParaRPr kumimoji="0" lang="ru-RU" sz="1000" b="0" i="0" u="none" strike="noStrike" cap="none" normalizeH="0" baseline="0">
-                        <a:ln>
-                          <a:noFill/>
-                        </a:ln>
-                        <a:solidFill>
-                          <a:schemeClr val="tx1"/>
-                        </a:solidFill>
-                        <a:effectLst/>
-                        <a:latin typeface="Arial" charset="0"/>
-                      </a:endParaRPr>
-                    </a:p>
-                  </a:txBody>
-                  <a:tcPr marL="71962" marR="71962" marT="17991" marB="35979" horzOverflow="overflow">
-                    <a:lnL w="12700" cap="flat" cmpd="sng" algn="ctr">
-                      <a:solidFill>
-                        <a:srgbClr val="000000"/>
-                      </a:solidFill>
-                      <a:prstDash val="solid"/>
-                      <a:round/>
-                      <a:headEnd type="none" w="med" len="med"/>
-                      <a:tailEnd type="none" w="med" len="med"/>
-                    </a:lnL>
-                    <a:lnR w="12700" cap="flat" cmpd="sng" algn="ctr">
-                      <a:solidFill>
-                        <a:srgbClr val="000000"/>
-                      </a:solidFill>
-                      <a:prstDash val="solid"/>
-                      <a:round/>
-                      <a:headEnd type="none" w="med" len="med"/>
-                      <a:tailEnd type="none" w="med" len="med"/>
-                    </a:lnR>
-                    <a:lnT w="12700" cap="flat" cmpd="sng" algn="ctr">
-                      <a:solidFill>
-                        <a:srgbClr val="000000"/>
-                      </a:solidFill>
-                      <a:prstDash val="solid"/>
-                      <a:round/>
-                      <a:headEnd type="none" w="med" len="med"/>
-                      <a:tailEnd type="none" w="med" len="med"/>
-                    </a:lnT>
-                    <a:lnB w="12700" cap="flat" cmpd="sng" algn="ctr">
-                      <a:solidFill>
-                        <a:srgbClr val="000000"/>
-                      </a:solidFill>
-                      <a:prstDash val="solid"/>
-                      <a:round/>
-                      <a:headEnd type="none" w="med" len="med"/>
-                      <a:tailEnd type="none" w="med" len="med"/>
-                    </a:lnB>
-                    <a:lnTlToBr>
-                      <a:noFill/>
-                    </a:lnTlToBr>
-                    <a:lnBlToTr>
-                      <a:noFill/>
-                    </a:lnBlToTr>
-                    <a:noFill/>
-                  </a:tcPr>
-                </a:tc>
-                <a:tc>
-                  <a:txBody>
-                    <a:bodyPr/>
-                    <a:lstStyle/>
-                    <a:p>
-                      <a:pPr marL="0" marR="0" lvl="0" indent="0" algn="l" defTabSz="914400" rtl="0" eaLnBrk="1" fontAlgn="base" latinLnBrk="0" hangingPunct="1">
-                        <a:lnSpc>
-                          <a:spcPct val="100000"/>
-                        </a:lnSpc>
-                        <a:spcBef>
-                          <a:spcPct val="20000"/>
-                        </a:spcBef>
-                        <a:spcAft>
-                          <a:spcPct val="0"/>
-                        </a:spcAft>
-                        <a:buClrTx/>
-                        <a:buSzTx/>
-                        <a:buFontTx/>
-                        <a:buNone/>
-                        <a:tabLst/>
-                      </a:pPr>
-                      <a:endParaRPr kumimoji="0" lang="ru-RU" sz="1000" b="0" i="0" u="none" strike="noStrike" cap="none" normalizeH="0" baseline="0" dirty="0">
-                        <a:ln>
-                          <a:noFill/>
-                        </a:ln>
-                        <a:solidFill>
-                          <a:schemeClr val="tx1"/>
-                        </a:solidFill>
-                        <a:effectLst/>
-                        <a:latin typeface="Arial" charset="0"/>
-                      </a:endParaRPr>
-                    </a:p>
-                  </a:txBody>
-                  <a:tcPr marL="71962" marR="71962" marT="17991" marB="35979" horzOverflow="overflow">
-                    <a:lnL w="12700" cap="flat" cmpd="sng" algn="ctr">
-                      <a:solidFill>
-                        <a:srgbClr val="000000"/>
-                      </a:solidFill>
-                      <a:prstDash val="solid"/>
-                      <a:round/>
-                      <a:headEnd type="none" w="med" len="med"/>
-                      <a:tailEnd type="none" w="med" len="med"/>
-                    </a:lnL>
-                    <a:lnR w="12700" cap="flat" cmpd="sng" algn="ctr">
-                      <a:solidFill>
-                        <a:srgbClr val="000000"/>
-                      </a:solidFill>
-                      <a:prstDash val="solid"/>
-                      <a:round/>
-                      <a:headEnd type="none" w="med" len="med"/>
-                      <a:tailEnd type="none" w="med" len="med"/>
-                    </a:lnR>
-                    <a:lnT w="12700" cap="flat" cmpd="sng" algn="ctr">
-                      <a:solidFill>
-                        <a:srgbClr val="000000"/>
-                      </a:solidFill>
-                      <a:prstDash val="solid"/>
-                      <a:round/>
-                      <a:headEnd type="none" w="med" len="med"/>
-                      <a:tailEnd type="none" w="med" len="med"/>
-                    </a:lnT>
-                    <a:lnB w="12700" cap="flat" cmpd="sng" algn="ctr">
-                      <a:solidFill>
-                        <a:srgbClr val="000000"/>
-                      </a:solidFill>
-                      <a:prstDash val="solid"/>
-                      <a:round/>
-                      <a:headEnd type="none" w="med" len="med"/>
-                      <a:tailEnd type="none" w="med" len="med"/>
-                    </a:lnB>
-                    <a:lnTlToBr>
-                      <a:noFill/>
-                    </a:lnTlToBr>
-                    <a:lnBlToTr>
-                      <a:noFill/>
-                    </a:lnBlToTr>
-                    <a:noFill/>
-                  </a:tcPr>
-                </a:tc>
-                <a:extLst>
-                  <a:ext uri="{0D108BD9-81ED-4DB2-BD59-A6C34878D82A}">
-                    <a16:rowId xmlns:a16="http://schemas.microsoft.com/office/drawing/2014/main" val="10001"/>
-                  </a:ext>
-                </a:extLst>
-              </a:tr>
-            </a:tbl>
-          </a:graphicData>
-        </a:graphic>
-      </p:graphicFrame>
       <p:sp>
         <p:nvSpPr>
           <p:cNvPr id="7" name="Line 158"/>
@@ -6480,747 +4253,6 @@
           </a:p>
         </p:txBody>
       </p:sp>
-      <p:graphicFrame>
-        <p:nvGraphicFramePr>
-          <p:cNvPr id="6" name="Group 10"/>
-          <p:cNvGraphicFramePr>
-            <a:graphicFrameLocks noGrp="1"/>
-          </p:cNvGraphicFramePr>
-          <p:nvPr>
-            <p:extLst>
-              <p:ext uri="{D42A27DB-BD31-4B8C-83A1-F6EECF244321}">
-                <p14:modId xmlns:p14="http://schemas.microsoft.com/office/powerpoint/2010/main" val="218633799"/>
-              </p:ext>
-            </p:extLst>
-          </p:nvPr>
-        </p:nvGraphicFramePr>
-        <p:xfrm>
-          <a:off x="6156325" y="6254750"/>
-          <a:ext cx="2822575" cy="412740"/>
-        </p:xfrm>
-        <a:graphic>
-          <a:graphicData uri="http://schemas.openxmlformats.org/drawingml/2006/table">
-            <a:tbl>
-              <a:tblPr/>
-              <a:tblGrid>
-                <a:gridCol w="792163">
-                  <a:extLst>
-                    <a:ext uri="{9D8B030D-6E8A-4147-A177-3AD203B41FA5}">
-                      <a16:colId xmlns:a16="http://schemas.microsoft.com/office/drawing/2014/main" val="20000"/>
-                    </a:ext>
-                  </a:extLst>
-                </a:gridCol>
-                <a:gridCol w="1008062">
-                  <a:extLst>
-                    <a:ext uri="{9D8B030D-6E8A-4147-A177-3AD203B41FA5}">
-                      <a16:colId xmlns:a16="http://schemas.microsoft.com/office/drawing/2014/main" val="20001"/>
-                    </a:ext>
-                  </a:extLst>
-                </a:gridCol>
-                <a:gridCol w="649288">
-                  <a:extLst>
-                    <a:ext uri="{9D8B030D-6E8A-4147-A177-3AD203B41FA5}">
-                      <a16:colId xmlns:a16="http://schemas.microsoft.com/office/drawing/2014/main" val="20002"/>
-                    </a:ext>
-                  </a:extLst>
-                </a:gridCol>
-                <a:gridCol w="373062">
-                  <a:extLst>
-                    <a:ext uri="{9D8B030D-6E8A-4147-A177-3AD203B41FA5}">
-                      <a16:colId xmlns:a16="http://schemas.microsoft.com/office/drawing/2014/main" val="20003"/>
-                    </a:ext>
-                  </a:extLst>
-                </a:gridCol>
-              </a:tblGrid>
-              <a:tr h="0">
-                <a:tc>
-                  <a:txBody>
-                    <a:bodyPr/>
-                    <a:lstStyle/>
-                    <a:p>
-                      <a:pPr marL="0" marR="0" lvl="0" indent="0" algn="l" defTabSz="914400" rtl="0" eaLnBrk="1" fontAlgn="base" latinLnBrk="0" hangingPunct="1">
-                        <a:lnSpc>
-                          <a:spcPct val="100000"/>
-                        </a:lnSpc>
-                        <a:spcBef>
-                          <a:spcPct val="0"/>
-                        </a:spcBef>
-                        <a:spcAft>
-                          <a:spcPct val="0"/>
-                        </a:spcAft>
-                        <a:buClrTx/>
-                        <a:buSzTx/>
-                        <a:buFontTx/>
-                        <a:buNone/>
-                        <a:tabLst/>
-                      </a:pPr>
-                      <a:r>
-                        <a:rPr kumimoji="0" lang="ru-RU" sz="1000" b="0" i="0" u="none" strike="noStrike" cap="none" normalizeH="0" baseline="0" dirty="0">
-                          <a:ln>
-                            <a:noFill/>
-                          </a:ln>
-                          <a:solidFill>
-                            <a:schemeClr val="tx1"/>
-                          </a:solidFill>
-                          <a:effectLst/>
-                          <a:latin typeface="Times New Roman" pitchFamily="18" charset="0"/>
-                          <a:cs typeface="Times New Roman" pitchFamily="18" charset="0"/>
-                        </a:rPr>
-                        <a:t>Разработал</a:t>
-                      </a:r>
-                      <a:endParaRPr kumimoji="0" lang="ru-RU" sz="1000" b="0" i="0" u="none" strike="noStrike" cap="none" normalizeH="0" baseline="0" dirty="0">
-                        <a:ln>
-                          <a:noFill/>
-                        </a:ln>
-                        <a:solidFill>
-                          <a:schemeClr val="tx1"/>
-                        </a:solidFill>
-                        <a:effectLst/>
-                        <a:latin typeface="Arial" charset="0"/>
-                      </a:endParaRPr>
-                    </a:p>
-                  </a:txBody>
-                  <a:tcPr marL="71962" marR="71962" marT="17991" marB="35979" horzOverflow="overflow">
-                    <a:lnL w="12700" cap="flat" cmpd="sng" algn="ctr">
-                      <a:solidFill>
-                        <a:srgbClr val="000000"/>
-                      </a:solidFill>
-                      <a:prstDash val="solid"/>
-                      <a:round/>
-                      <a:headEnd type="none" w="med" len="med"/>
-                      <a:tailEnd type="none" w="med" len="med"/>
-                    </a:lnL>
-                    <a:lnR w="12700" cap="flat" cmpd="sng" algn="ctr">
-                      <a:solidFill>
-                        <a:srgbClr val="000000"/>
-                      </a:solidFill>
-                      <a:prstDash val="solid"/>
-                      <a:round/>
-                      <a:headEnd type="none" w="med" len="med"/>
-                      <a:tailEnd type="none" w="med" len="med"/>
-                    </a:lnR>
-                    <a:lnT w="12700" cap="flat" cmpd="sng" algn="ctr">
-                      <a:solidFill>
-                        <a:srgbClr val="000000"/>
-                      </a:solidFill>
-                      <a:prstDash val="solid"/>
-                      <a:round/>
-                      <a:headEnd type="none" w="med" len="med"/>
-                      <a:tailEnd type="none" w="med" len="med"/>
-                    </a:lnT>
-                    <a:lnB w="12700" cap="flat" cmpd="sng" algn="ctr">
-                      <a:solidFill>
-                        <a:srgbClr val="000000"/>
-                      </a:solidFill>
-                      <a:prstDash val="solid"/>
-                      <a:round/>
-                      <a:headEnd type="none" w="med" len="med"/>
-                      <a:tailEnd type="none" w="med" len="med"/>
-                    </a:lnB>
-                    <a:lnTlToBr>
-                      <a:noFill/>
-                    </a:lnTlToBr>
-                    <a:lnBlToTr>
-                      <a:noFill/>
-                    </a:lnBlToTr>
-                    <a:noFill/>
-                  </a:tcPr>
-                </a:tc>
-                <a:tc>
-                  <a:txBody>
-                    <a:bodyPr/>
-                    <a:lstStyle/>
-                    <a:p>
-                      <a:pPr marL="0" marR="0" lvl="0" indent="0" algn="l" defTabSz="914400" rtl="0" eaLnBrk="1" fontAlgn="base" latinLnBrk="0" hangingPunct="1">
-                        <a:lnSpc>
-                          <a:spcPct val="100000"/>
-                        </a:lnSpc>
-                        <a:spcBef>
-                          <a:spcPct val="0"/>
-                        </a:spcBef>
-                        <a:spcAft>
-                          <a:spcPct val="0"/>
-                        </a:spcAft>
-                        <a:buClrTx/>
-                        <a:buSzTx/>
-                        <a:buFontTx/>
-                        <a:buNone/>
-                        <a:tabLst/>
-                      </a:pPr>
-                      <a:r>
-                        <a:rPr kumimoji="0" lang="ru-RU" sz="1000" b="0" i="0" u="none" strike="noStrike" cap="none" normalizeH="0" baseline="0" dirty="0">
-                          <a:ln>
-                            <a:noFill/>
-                          </a:ln>
-                          <a:solidFill>
-                            <a:schemeClr val="tx1"/>
-                          </a:solidFill>
-                          <a:effectLst/>
-                          <a:latin typeface="Times New Roman" pitchFamily="18" charset="0"/>
-                          <a:cs typeface="Times New Roman" pitchFamily="18" charset="0"/>
-                        </a:rPr>
-                        <a:t>Федотов А.А</a:t>
-                      </a:r>
-                    </a:p>
-                  </a:txBody>
-                  <a:tcPr marL="71962" marR="71962" marT="17991" marB="35979" horzOverflow="overflow">
-                    <a:lnL w="12700" cap="flat" cmpd="sng" algn="ctr">
-                      <a:solidFill>
-                        <a:srgbClr val="000000"/>
-                      </a:solidFill>
-                      <a:prstDash val="solid"/>
-                      <a:round/>
-                      <a:headEnd type="none" w="med" len="med"/>
-                      <a:tailEnd type="none" w="med" len="med"/>
-                    </a:lnL>
-                    <a:lnR w="12700" cap="flat" cmpd="sng" algn="ctr">
-                      <a:solidFill>
-                        <a:srgbClr val="000000"/>
-                      </a:solidFill>
-                      <a:prstDash val="solid"/>
-                      <a:round/>
-                      <a:headEnd type="none" w="med" len="med"/>
-                      <a:tailEnd type="none" w="med" len="med"/>
-                    </a:lnR>
-                    <a:lnT w="12700" cap="flat" cmpd="sng" algn="ctr">
-                      <a:solidFill>
-                        <a:srgbClr val="000000"/>
-                      </a:solidFill>
-                      <a:prstDash val="solid"/>
-                      <a:round/>
-                      <a:headEnd type="none" w="med" len="med"/>
-                      <a:tailEnd type="none" w="med" len="med"/>
-                    </a:lnT>
-                    <a:lnB w="12700" cap="flat" cmpd="sng" algn="ctr">
-                      <a:solidFill>
-                        <a:srgbClr val="000000"/>
-                      </a:solidFill>
-                      <a:prstDash val="solid"/>
-                      <a:round/>
-                      <a:headEnd type="none" w="med" len="med"/>
-                      <a:tailEnd type="none" w="med" len="med"/>
-                    </a:lnB>
-                    <a:lnTlToBr>
-                      <a:noFill/>
-                    </a:lnTlToBr>
-                    <a:lnBlToTr>
-                      <a:noFill/>
-                    </a:lnBlToTr>
-                    <a:noFill/>
-                  </a:tcPr>
-                </a:tc>
-                <a:tc>
-                  <a:txBody>
-                    <a:bodyPr/>
-                    <a:lstStyle/>
-                    <a:p>
-                      <a:pPr marL="0" marR="0" lvl="0" indent="0" algn="l" defTabSz="914400" rtl="0" eaLnBrk="1" fontAlgn="base" latinLnBrk="0" hangingPunct="1">
-                        <a:lnSpc>
-                          <a:spcPct val="100000"/>
-                        </a:lnSpc>
-                        <a:spcBef>
-                          <a:spcPct val="20000"/>
-                        </a:spcBef>
-                        <a:spcAft>
-                          <a:spcPct val="0"/>
-                        </a:spcAft>
-                        <a:buClrTx/>
-                        <a:buSzTx/>
-                        <a:buFontTx/>
-                        <a:buNone/>
-                        <a:tabLst/>
-                      </a:pPr>
-                      <a:endParaRPr kumimoji="0" lang="ru-RU" sz="1000" b="0" i="0" u="none" strike="noStrike" cap="none" normalizeH="0" baseline="0">
-                        <a:ln>
-                          <a:noFill/>
-                        </a:ln>
-                        <a:solidFill>
-                          <a:schemeClr val="tx1"/>
-                        </a:solidFill>
-                        <a:effectLst/>
-                        <a:latin typeface="Arial" charset="0"/>
-                      </a:endParaRPr>
-                    </a:p>
-                  </a:txBody>
-                  <a:tcPr marL="71962" marR="71962" marT="17991" marB="35979" horzOverflow="overflow">
-                    <a:lnL w="12700" cap="flat" cmpd="sng" algn="ctr">
-                      <a:solidFill>
-                        <a:srgbClr val="000000"/>
-                      </a:solidFill>
-                      <a:prstDash val="solid"/>
-                      <a:round/>
-                      <a:headEnd type="none" w="med" len="med"/>
-                      <a:tailEnd type="none" w="med" len="med"/>
-                    </a:lnL>
-                    <a:lnR w="12700" cap="flat" cmpd="sng" algn="ctr">
-                      <a:solidFill>
-                        <a:srgbClr val="000000"/>
-                      </a:solidFill>
-                      <a:prstDash val="solid"/>
-                      <a:round/>
-                      <a:headEnd type="none" w="med" len="med"/>
-                      <a:tailEnd type="none" w="med" len="med"/>
-                    </a:lnR>
-                    <a:lnT w="12700" cap="flat" cmpd="sng" algn="ctr">
-                      <a:solidFill>
-                        <a:srgbClr val="000000"/>
-                      </a:solidFill>
-                      <a:prstDash val="solid"/>
-                      <a:round/>
-                      <a:headEnd type="none" w="med" len="med"/>
-                      <a:tailEnd type="none" w="med" len="med"/>
-                    </a:lnT>
-                    <a:lnB w="12700" cap="flat" cmpd="sng" algn="ctr">
-                      <a:solidFill>
-                        <a:srgbClr val="000000"/>
-                      </a:solidFill>
-                      <a:prstDash val="solid"/>
-                      <a:round/>
-                      <a:headEnd type="none" w="med" len="med"/>
-                      <a:tailEnd type="none" w="med" len="med"/>
-                    </a:lnB>
-                    <a:lnTlToBr>
-                      <a:noFill/>
-                    </a:lnTlToBr>
-                    <a:lnBlToTr>
-                      <a:noFill/>
-                    </a:lnBlToTr>
-                    <a:noFill/>
-                  </a:tcPr>
-                </a:tc>
-                <a:tc>
-                  <a:txBody>
-                    <a:bodyPr/>
-                    <a:lstStyle/>
-                    <a:p>
-                      <a:pPr marL="0" marR="0" lvl="0" indent="0" algn="l" defTabSz="914400" rtl="0" eaLnBrk="1" fontAlgn="base" latinLnBrk="0" hangingPunct="1">
-                        <a:lnSpc>
-                          <a:spcPct val="100000"/>
-                        </a:lnSpc>
-                        <a:spcBef>
-                          <a:spcPct val="20000"/>
-                        </a:spcBef>
-                        <a:spcAft>
-                          <a:spcPct val="0"/>
-                        </a:spcAft>
-                        <a:buClrTx/>
-                        <a:buSzTx/>
-                        <a:buFontTx/>
-                        <a:buNone/>
-                        <a:tabLst/>
-                      </a:pPr>
-                      <a:r>
-                        <a:rPr kumimoji="0" lang="ru-RU" sz="1000" b="0" i="0" u="none" strike="noStrike" cap="none" normalizeH="0" baseline="0" dirty="0">
-                          <a:ln>
-                            <a:noFill/>
-                          </a:ln>
-                          <a:solidFill>
-                            <a:schemeClr val="tx1"/>
-                          </a:solidFill>
-                          <a:effectLst/>
-                          <a:latin typeface="Times New Roman" pitchFamily="18" charset="0"/>
-                        </a:rPr>
-                        <a:t>3</a:t>
-                      </a:r>
-                    </a:p>
-                  </a:txBody>
-                  <a:tcPr marL="71962" marR="71962" marT="17991" marB="35979" horzOverflow="overflow">
-                    <a:lnL w="12700" cap="flat" cmpd="sng" algn="ctr">
-                      <a:solidFill>
-                        <a:srgbClr val="000000"/>
-                      </a:solidFill>
-                      <a:prstDash val="solid"/>
-                      <a:round/>
-                      <a:headEnd type="none" w="med" len="med"/>
-                      <a:tailEnd type="none" w="med" len="med"/>
-                    </a:lnL>
-                    <a:lnR w="12700" cap="flat" cmpd="sng" algn="ctr">
-                      <a:solidFill>
-                        <a:srgbClr val="000000"/>
-                      </a:solidFill>
-                      <a:prstDash val="solid"/>
-                      <a:round/>
-                      <a:headEnd type="none" w="med" len="med"/>
-                      <a:tailEnd type="none" w="med" len="med"/>
-                    </a:lnR>
-                    <a:lnT w="12700" cap="flat" cmpd="sng" algn="ctr">
-                      <a:solidFill>
-                        <a:srgbClr val="000000"/>
-                      </a:solidFill>
-                      <a:prstDash val="solid"/>
-                      <a:round/>
-                      <a:headEnd type="none" w="med" len="med"/>
-                      <a:tailEnd type="none" w="med" len="med"/>
-                    </a:lnT>
-                    <a:lnB w="12700" cap="flat" cmpd="sng" algn="ctr">
-                      <a:solidFill>
-                        <a:srgbClr val="000000"/>
-                      </a:solidFill>
-                      <a:prstDash val="solid"/>
-                      <a:round/>
-                      <a:headEnd type="none" w="med" len="med"/>
-                      <a:tailEnd type="none" w="med" len="med"/>
-                    </a:lnB>
-                    <a:lnTlToBr>
-                      <a:noFill/>
-                    </a:lnTlToBr>
-                    <a:lnBlToTr>
-                      <a:noFill/>
-                    </a:lnBlToTr>
-                    <a:noFill/>
-                  </a:tcPr>
-                </a:tc>
-                <a:extLst>
-                  <a:ext uri="{0D108BD9-81ED-4DB2-BD59-A6C34878D82A}">
-                    <a16:rowId xmlns:a16="http://schemas.microsoft.com/office/drawing/2014/main" val="10000"/>
-                  </a:ext>
-                </a:extLst>
-              </a:tr>
-              <a:tr h="0">
-                <a:tc>
-                  <a:txBody>
-                    <a:bodyPr/>
-                    <a:lstStyle/>
-                    <a:p>
-                      <a:pPr marL="0" marR="0" lvl="0" indent="0" algn="l" defTabSz="914400" rtl="0" eaLnBrk="1" fontAlgn="base" latinLnBrk="0" hangingPunct="1">
-                        <a:lnSpc>
-                          <a:spcPct val="100000"/>
-                        </a:lnSpc>
-                        <a:spcBef>
-                          <a:spcPct val="0"/>
-                        </a:spcBef>
-                        <a:spcAft>
-                          <a:spcPct val="0"/>
-                        </a:spcAft>
-                        <a:buClrTx/>
-                        <a:buSzTx/>
-                        <a:buFontTx/>
-                        <a:buNone/>
-                        <a:tabLst/>
-                      </a:pPr>
-                      <a:r>
-                        <a:rPr kumimoji="0" lang="ru-RU" sz="1000" b="0" i="0" u="none" strike="noStrike" cap="none" normalizeH="0" baseline="0">
-                          <a:ln>
-                            <a:noFill/>
-                          </a:ln>
-                          <a:solidFill>
-                            <a:schemeClr val="tx1"/>
-                          </a:solidFill>
-                          <a:effectLst/>
-                          <a:latin typeface="Times New Roman" pitchFamily="18" charset="0"/>
-                          <a:cs typeface="Times New Roman" pitchFamily="18" charset="0"/>
-                        </a:rPr>
-                        <a:t>Утвердил</a:t>
-                      </a:r>
-                      <a:endParaRPr kumimoji="0" lang="ru-RU" sz="1000" b="0" i="0" u="none" strike="noStrike" cap="none" normalizeH="0" baseline="0">
-                        <a:ln>
-                          <a:noFill/>
-                        </a:ln>
-                        <a:solidFill>
-                          <a:schemeClr val="tx1"/>
-                        </a:solidFill>
-                        <a:effectLst/>
-                        <a:latin typeface="Arial" charset="0"/>
-                      </a:endParaRPr>
-                    </a:p>
-                  </a:txBody>
-                  <a:tcPr marL="71962" marR="71962" marT="17991" marB="35979" horzOverflow="overflow">
-                    <a:lnL w="12700" cap="flat" cmpd="sng" algn="ctr">
-                      <a:solidFill>
-                        <a:srgbClr val="000000"/>
-                      </a:solidFill>
-                      <a:prstDash val="solid"/>
-                      <a:round/>
-                      <a:headEnd type="none" w="med" len="med"/>
-                      <a:tailEnd type="none" w="med" len="med"/>
-                    </a:lnL>
-                    <a:lnR w="12700" cap="flat" cmpd="sng" algn="ctr">
-                      <a:solidFill>
-                        <a:srgbClr val="000000"/>
-                      </a:solidFill>
-                      <a:prstDash val="solid"/>
-                      <a:round/>
-                      <a:headEnd type="none" w="med" len="med"/>
-                      <a:tailEnd type="none" w="med" len="med"/>
-                    </a:lnR>
-                    <a:lnT w="12700" cap="flat" cmpd="sng" algn="ctr">
-                      <a:solidFill>
-                        <a:srgbClr val="000000"/>
-                      </a:solidFill>
-                      <a:prstDash val="solid"/>
-                      <a:round/>
-                      <a:headEnd type="none" w="med" len="med"/>
-                      <a:tailEnd type="none" w="med" len="med"/>
-                    </a:lnT>
-                    <a:lnB w="12700" cap="flat" cmpd="sng" algn="ctr">
-                      <a:solidFill>
-                        <a:srgbClr val="000000"/>
-                      </a:solidFill>
-                      <a:prstDash val="solid"/>
-                      <a:round/>
-                      <a:headEnd type="none" w="med" len="med"/>
-                      <a:tailEnd type="none" w="med" len="med"/>
-                    </a:lnB>
-                    <a:lnTlToBr>
-                      <a:noFill/>
-                    </a:lnTlToBr>
-                    <a:lnBlToTr>
-                      <a:noFill/>
-                    </a:lnBlToTr>
-                    <a:noFill/>
-                  </a:tcPr>
-                </a:tc>
-                <a:tc>
-                  <a:txBody>
-                    <a:bodyPr/>
-                    <a:lstStyle/>
-                    <a:p>
-                      <a:pPr marL="0" marR="0" lvl="0" indent="0" algn="l" defTabSz="914400" rtl="0" eaLnBrk="1" fontAlgn="base" latinLnBrk="0" hangingPunct="1">
-                        <a:lnSpc>
-                          <a:spcPct val="100000"/>
-                        </a:lnSpc>
-                        <a:spcBef>
-                          <a:spcPct val="0"/>
-                        </a:spcBef>
-                        <a:spcAft>
-                          <a:spcPct val="0"/>
-                        </a:spcAft>
-                        <a:buClrTx/>
-                        <a:buSzTx/>
-                        <a:buFontTx/>
-                        <a:buNone/>
-                        <a:tabLst/>
-                      </a:pPr>
-                      <a:r>
-                        <a:rPr kumimoji="0" lang="ru-RU" sz="1000" b="0" i="0" u="none" strike="noStrike" cap="none" normalizeH="0" baseline="0" dirty="0">
-                          <a:ln>
-                            <a:noFill/>
-                          </a:ln>
-                          <a:solidFill>
-                            <a:schemeClr val="tx1"/>
-                          </a:solidFill>
-                          <a:effectLst/>
-                          <a:latin typeface="Times New Roman" pitchFamily="18" charset="0"/>
-                          <a:cs typeface="Times New Roman" pitchFamily="18" charset="0"/>
-                        </a:rPr>
-                        <a:t>Касимов Р. А</a:t>
-                      </a:r>
-                    </a:p>
-                  </a:txBody>
-                  <a:tcPr marL="71962" marR="71962" marT="17991" marB="35979" horzOverflow="overflow">
-                    <a:lnL w="12700" cap="flat" cmpd="sng" algn="ctr">
-                      <a:solidFill>
-                        <a:srgbClr val="000000"/>
-                      </a:solidFill>
-                      <a:prstDash val="solid"/>
-                      <a:round/>
-                      <a:headEnd type="none" w="med" len="med"/>
-                      <a:tailEnd type="none" w="med" len="med"/>
-                    </a:lnL>
-                    <a:lnR w="12700" cap="flat" cmpd="sng" algn="ctr">
-                      <a:solidFill>
-                        <a:srgbClr val="000000"/>
-                      </a:solidFill>
-                      <a:prstDash val="solid"/>
-                      <a:round/>
-                      <a:headEnd type="none" w="med" len="med"/>
-                      <a:tailEnd type="none" w="med" len="med"/>
-                    </a:lnR>
-                    <a:lnT w="12700" cap="flat" cmpd="sng" algn="ctr">
-                      <a:solidFill>
-                        <a:srgbClr val="000000"/>
-                      </a:solidFill>
-                      <a:prstDash val="solid"/>
-                      <a:round/>
-                      <a:headEnd type="none" w="med" len="med"/>
-                      <a:tailEnd type="none" w="med" len="med"/>
-                    </a:lnT>
-                    <a:lnB w="12700" cap="flat" cmpd="sng" algn="ctr">
-                      <a:solidFill>
-                        <a:srgbClr val="000000"/>
-                      </a:solidFill>
-                      <a:prstDash val="solid"/>
-                      <a:round/>
-                      <a:headEnd type="none" w="med" len="med"/>
-                      <a:tailEnd type="none" w="med" len="med"/>
-                    </a:lnB>
-                    <a:lnTlToBr>
-                      <a:noFill/>
-                    </a:lnTlToBr>
-                    <a:lnBlToTr>
-                      <a:noFill/>
-                    </a:lnBlToTr>
-                    <a:noFill/>
-                  </a:tcPr>
-                </a:tc>
-                <a:tc>
-                  <a:txBody>
-                    <a:bodyPr/>
-                    <a:lstStyle/>
-                    <a:p>
-                      <a:pPr marL="0" marR="0" lvl="0" indent="0" algn="l" defTabSz="914400" rtl="0" eaLnBrk="1" fontAlgn="base" latinLnBrk="0" hangingPunct="1">
-                        <a:lnSpc>
-                          <a:spcPct val="100000"/>
-                        </a:lnSpc>
-                        <a:spcBef>
-                          <a:spcPct val="20000"/>
-                        </a:spcBef>
-                        <a:spcAft>
-                          <a:spcPct val="0"/>
-                        </a:spcAft>
-                        <a:buClrTx/>
-                        <a:buSzTx/>
-                        <a:buFontTx/>
-                        <a:buNone/>
-                        <a:tabLst/>
-                      </a:pPr>
-                      <a:endParaRPr kumimoji="0" lang="ru-RU" sz="1000" b="0" i="0" u="none" strike="noStrike" cap="none" normalizeH="0" baseline="0">
-                        <a:ln>
-                          <a:noFill/>
-                        </a:ln>
-                        <a:solidFill>
-                          <a:schemeClr val="tx1"/>
-                        </a:solidFill>
-                        <a:effectLst/>
-                        <a:latin typeface="Arial" charset="0"/>
-                      </a:endParaRPr>
-                    </a:p>
-                  </a:txBody>
-                  <a:tcPr marL="71962" marR="71962" marT="17991" marB="35979" horzOverflow="overflow">
-                    <a:lnL w="12700" cap="flat" cmpd="sng" algn="ctr">
-                      <a:solidFill>
-                        <a:srgbClr val="000000"/>
-                      </a:solidFill>
-                      <a:prstDash val="solid"/>
-                      <a:round/>
-                      <a:headEnd type="none" w="med" len="med"/>
-                      <a:tailEnd type="none" w="med" len="med"/>
-                    </a:lnL>
-                    <a:lnR w="12700" cap="flat" cmpd="sng" algn="ctr">
-                      <a:solidFill>
-                        <a:srgbClr val="000000"/>
-                      </a:solidFill>
-                      <a:prstDash val="solid"/>
-                      <a:round/>
-                      <a:headEnd type="none" w="med" len="med"/>
-                      <a:tailEnd type="none" w="med" len="med"/>
-                    </a:lnR>
-                    <a:lnT w="12700" cap="flat" cmpd="sng" algn="ctr">
-                      <a:solidFill>
-                        <a:srgbClr val="000000"/>
-                      </a:solidFill>
-                      <a:prstDash val="solid"/>
-                      <a:round/>
-                      <a:headEnd type="none" w="med" len="med"/>
-                      <a:tailEnd type="none" w="med" len="med"/>
-                    </a:lnT>
-                    <a:lnB w="12700" cap="flat" cmpd="sng" algn="ctr">
-                      <a:solidFill>
-                        <a:srgbClr val="000000"/>
-                      </a:solidFill>
-                      <a:prstDash val="solid"/>
-                      <a:round/>
-                      <a:headEnd type="none" w="med" len="med"/>
-                      <a:tailEnd type="none" w="med" len="med"/>
-                    </a:lnB>
-                    <a:lnTlToBr>
-                      <a:noFill/>
-                    </a:lnTlToBr>
-                    <a:lnBlToTr>
-                      <a:noFill/>
-                    </a:lnBlToTr>
-                    <a:noFill/>
-                  </a:tcPr>
-                </a:tc>
-                <a:tc>
-                  <a:txBody>
-                    <a:bodyPr/>
-                    <a:lstStyle/>
-                    <a:p>
-                      <a:pPr marL="0" marR="0" lvl="0" indent="0" algn="l" defTabSz="914400" rtl="0" eaLnBrk="1" fontAlgn="base" latinLnBrk="0" hangingPunct="1">
-                        <a:lnSpc>
-                          <a:spcPct val="100000"/>
-                        </a:lnSpc>
-                        <a:spcBef>
-                          <a:spcPct val="20000"/>
-                        </a:spcBef>
-                        <a:spcAft>
-                          <a:spcPct val="0"/>
-                        </a:spcAft>
-                        <a:buClrTx/>
-                        <a:buSzTx/>
-                        <a:buFontTx/>
-                        <a:buNone/>
-                        <a:tabLst/>
-                      </a:pPr>
-                      <a:endParaRPr kumimoji="0" lang="ru-RU" sz="1000" b="0" i="0" u="none" strike="noStrike" cap="none" normalizeH="0" baseline="0" dirty="0">
-                        <a:ln>
-                          <a:noFill/>
-                        </a:ln>
-                        <a:solidFill>
-                          <a:schemeClr val="tx1"/>
-                        </a:solidFill>
-                        <a:effectLst/>
-                        <a:latin typeface="Arial" charset="0"/>
-                      </a:endParaRPr>
-                    </a:p>
-                  </a:txBody>
-                  <a:tcPr marL="71962" marR="71962" marT="17991" marB="35979" horzOverflow="overflow">
-                    <a:lnL w="12700" cap="flat" cmpd="sng" algn="ctr">
-                      <a:solidFill>
-                        <a:srgbClr val="000000"/>
-                      </a:solidFill>
-                      <a:prstDash val="solid"/>
-                      <a:round/>
-                      <a:headEnd type="none" w="med" len="med"/>
-                      <a:tailEnd type="none" w="med" len="med"/>
-                    </a:lnL>
-                    <a:lnR w="12700" cap="flat" cmpd="sng" algn="ctr">
-                      <a:solidFill>
-                        <a:srgbClr val="000000"/>
-                      </a:solidFill>
-                      <a:prstDash val="solid"/>
-                      <a:round/>
-                      <a:headEnd type="none" w="med" len="med"/>
-                      <a:tailEnd type="none" w="med" len="med"/>
-                    </a:lnR>
-                    <a:lnT w="12700" cap="flat" cmpd="sng" algn="ctr">
-                      <a:solidFill>
-                        <a:srgbClr val="000000"/>
-                      </a:solidFill>
-                      <a:prstDash val="solid"/>
-                      <a:round/>
-                      <a:headEnd type="none" w="med" len="med"/>
-                      <a:tailEnd type="none" w="med" len="med"/>
-                    </a:lnT>
-                    <a:lnB w="12700" cap="flat" cmpd="sng" algn="ctr">
-                      <a:solidFill>
-                        <a:srgbClr val="000000"/>
-                      </a:solidFill>
-                      <a:prstDash val="solid"/>
-                      <a:round/>
-                      <a:headEnd type="none" w="med" len="med"/>
-                      <a:tailEnd type="none" w="med" len="med"/>
-                    </a:lnB>
-                    <a:lnTlToBr>
-                      <a:noFill/>
-                    </a:lnTlToBr>
-                    <a:lnBlToTr>
-                      <a:noFill/>
-                    </a:lnBlToTr>
-                    <a:noFill/>
-                  </a:tcPr>
-                </a:tc>
-                <a:extLst>
-                  <a:ext uri="{0D108BD9-81ED-4DB2-BD59-A6C34878D82A}">
-                    <a16:rowId xmlns:a16="http://schemas.microsoft.com/office/drawing/2014/main" val="10001"/>
-                  </a:ext>
-                </a:extLst>
-              </a:tr>
-            </a:tbl>
-          </a:graphicData>
-        </a:graphic>
-      </p:graphicFrame>
       <p:sp>
         <p:nvSpPr>
           <p:cNvPr id="7" name="Line 158"/>
@@ -8916,747 +5948,6 @@
           </a:p>
         </p:txBody>
       </p:sp>
-      <p:graphicFrame>
-        <p:nvGraphicFramePr>
-          <p:cNvPr id="6" name="Group 10"/>
-          <p:cNvGraphicFramePr>
-            <a:graphicFrameLocks noGrp="1"/>
-          </p:cNvGraphicFramePr>
-          <p:nvPr>
-            <p:extLst>
-              <p:ext uri="{D42A27DB-BD31-4B8C-83A1-F6EECF244321}">
-                <p14:modId xmlns:p14="http://schemas.microsoft.com/office/powerpoint/2010/main" val="1311705083"/>
-              </p:ext>
-            </p:extLst>
-          </p:nvPr>
-        </p:nvGraphicFramePr>
-        <p:xfrm>
-          <a:off x="6156325" y="6254750"/>
-          <a:ext cx="2822575" cy="412740"/>
-        </p:xfrm>
-        <a:graphic>
-          <a:graphicData uri="http://schemas.openxmlformats.org/drawingml/2006/table">
-            <a:tbl>
-              <a:tblPr/>
-              <a:tblGrid>
-                <a:gridCol w="792163">
-                  <a:extLst>
-                    <a:ext uri="{9D8B030D-6E8A-4147-A177-3AD203B41FA5}">
-                      <a16:colId xmlns:a16="http://schemas.microsoft.com/office/drawing/2014/main" val="20000"/>
-                    </a:ext>
-                  </a:extLst>
-                </a:gridCol>
-                <a:gridCol w="1008062">
-                  <a:extLst>
-                    <a:ext uri="{9D8B030D-6E8A-4147-A177-3AD203B41FA5}">
-                      <a16:colId xmlns:a16="http://schemas.microsoft.com/office/drawing/2014/main" val="20001"/>
-                    </a:ext>
-                  </a:extLst>
-                </a:gridCol>
-                <a:gridCol w="649288">
-                  <a:extLst>
-                    <a:ext uri="{9D8B030D-6E8A-4147-A177-3AD203B41FA5}">
-                      <a16:colId xmlns:a16="http://schemas.microsoft.com/office/drawing/2014/main" val="20002"/>
-                    </a:ext>
-                  </a:extLst>
-                </a:gridCol>
-                <a:gridCol w="373062">
-                  <a:extLst>
-                    <a:ext uri="{9D8B030D-6E8A-4147-A177-3AD203B41FA5}">
-                      <a16:colId xmlns:a16="http://schemas.microsoft.com/office/drawing/2014/main" val="20003"/>
-                    </a:ext>
-                  </a:extLst>
-                </a:gridCol>
-              </a:tblGrid>
-              <a:tr h="0">
-                <a:tc>
-                  <a:txBody>
-                    <a:bodyPr/>
-                    <a:lstStyle/>
-                    <a:p>
-                      <a:pPr marL="0" marR="0" lvl="0" indent="0" algn="l" defTabSz="914400" rtl="0" eaLnBrk="1" fontAlgn="base" latinLnBrk="0" hangingPunct="1">
-                        <a:lnSpc>
-                          <a:spcPct val="100000"/>
-                        </a:lnSpc>
-                        <a:spcBef>
-                          <a:spcPct val="0"/>
-                        </a:spcBef>
-                        <a:spcAft>
-                          <a:spcPct val="0"/>
-                        </a:spcAft>
-                        <a:buClrTx/>
-                        <a:buSzTx/>
-                        <a:buFontTx/>
-                        <a:buNone/>
-                        <a:tabLst/>
-                      </a:pPr>
-                      <a:r>
-                        <a:rPr kumimoji="0" lang="ru-RU" sz="1000" b="0" i="0" u="none" strike="noStrike" cap="none" normalizeH="0" baseline="0" dirty="0">
-                          <a:ln>
-                            <a:noFill/>
-                          </a:ln>
-                          <a:solidFill>
-                            <a:schemeClr val="tx1"/>
-                          </a:solidFill>
-                          <a:effectLst/>
-                          <a:latin typeface="Times New Roman" pitchFamily="18" charset="0"/>
-                          <a:cs typeface="Times New Roman" pitchFamily="18" charset="0"/>
-                        </a:rPr>
-                        <a:t>Разработал</a:t>
-                      </a:r>
-                      <a:endParaRPr kumimoji="0" lang="ru-RU" sz="1000" b="0" i="0" u="none" strike="noStrike" cap="none" normalizeH="0" baseline="0" dirty="0">
-                        <a:ln>
-                          <a:noFill/>
-                        </a:ln>
-                        <a:solidFill>
-                          <a:schemeClr val="tx1"/>
-                        </a:solidFill>
-                        <a:effectLst/>
-                        <a:latin typeface="Arial" charset="0"/>
-                      </a:endParaRPr>
-                    </a:p>
-                  </a:txBody>
-                  <a:tcPr marL="71962" marR="71962" marT="17991" marB="35979" horzOverflow="overflow">
-                    <a:lnL w="12700" cap="flat" cmpd="sng" algn="ctr">
-                      <a:solidFill>
-                        <a:srgbClr val="000000"/>
-                      </a:solidFill>
-                      <a:prstDash val="solid"/>
-                      <a:round/>
-                      <a:headEnd type="none" w="med" len="med"/>
-                      <a:tailEnd type="none" w="med" len="med"/>
-                    </a:lnL>
-                    <a:lnR w="12700" cap="flat" cmpd="sng" algn="ctr">
-                      <a:solidFill>
-                        <a:srgbClr val="000000"/>
-                      </a:solidFill>
-                      <a:prstDash val="solid"/>
-                      <a:round/>
-                      <a:headEnd type="none" w="med" len="med"/>
-                      <a:tailEnd type="none" w="med" len="med"/>
-                    </a:lnR>
-                    <a:lnT w="12700" cap="flat" cmpd="sng" algn="ctr">
-                      <a:solidFill>
-                        <a:srgbClr val="000000"/>
-                      </a:solidFill>
-                      <a:prstDash val="solid"/>
-                      <a:round/>
-                      <a:headEnd type="none" w="med" len="med"/>
-                      <a:tailEnd type="none" w="med" len="med"/>
-                    </a:lnT>
-                    <a:lnB w="12700" cap="flat" cmpd="sng" algn="ctr">
-                      <a:solidFill>
-                        <a:srgbClr val="000000"/>
-                      </a:solidFill>
-                      <a:prstDash val="solid"/>
-                      <a:round/>
-                      <a:headEnd type="none" w="med" len="med"/>
-                      <a:tailEnd type="none" w="med" len="med"/>
-                    </a:lnB>
-                    <a:lnTlToBr>
-                      <a:noFill/>
-                    </a:lnTlToBr>
-                    <a:lnBlToTr>
-                      <a:noFill/>
-                    </a:lnBlToTr>
-                    <a:noFill/>
-                  </a:tcPr>
-                </a:tc>
-                <a:tc>
-                  <a:txBody>
-                    <a:bodyPr/>
-                    <a:lstStyle/>
-                    <a:p>
-                      <a:pPr marL="0" marR="0" lvl="0" indent="0" algn="l" defTabSz="914400" rtl="0" eaLnBrk="1" fontAlgn="base" latinLnBrk="0" hangingPunct="1">
-                        <a:lnSpc>
-                          <a:spcPct val="100000"/>
-                        </a:lnSpc>
-                        <a:spcBef>
-                          <a:spcPct val="0"/>
-                        </a:spcBef>
-                        <a:spcAft>
-                          <a:spcPct val="0"/>
-                        </a:spcAft>
-                        <a:buClrTx/>
-                        <a:buSzTx/>
-                        <a:buFontTx/>
-                        <a:buNone/>
-                        <a:tabLst/>
-                      </a:pPr>
-                      <a:r>
-                        <a:rPr kumimoji="0" lang="ru-RU" sz="1000" b="0" i="0" u="none" strike="noStrike" cap="none" normalizeH="0" baseline="0" dirty="0">
-                          <a:ln>
-                            <a:noFill/>
-                          </a:ln>
-                          <a:solidFill>
-                            <a:schemeClr val="tx1"/>
-                          </a:solidFill>
-                          <a:effectLst/>
-                          <a:latin typeface="Times New Roman" pitchFamily="18" charset="0"/>
-                          <a:cs typeface="Times New Roman" pitchFamily="18" charset="0"/>
-                        </a:rPr>
-                        <a:t>Федотов А. А</a:t>
-                      </a:r>
-                    </a:p>
-                  </a:txBody>
-                  <a:tcPr marL="71962" marR="71962" marT="17991" marB="35979" horzOverflow="overflow">
-                    <a:lnL w="12700" cap="flat" cmpd="sng" algn="ctr">
-                      <a:solidFill>
-                        <a:srgbClr val="000000"/>
-                      </a:solidFill>
-                      <a:prstDash val="solid"/>
-                      <a:round/>
-                      <a:headEnd type="none" w="med" len="med"/>
-                      <a:tailEnd type="none" w="med" len="med"/>
-                    </a:lnL>
-                    <a:lnR w="12700" cap="flat" cmpd="sng" algn="ctr">
-                      <a:solidFill>
-                        <a:srgbClr val="000000"/>
-                      </a:solidFill>
-                      <a:prstDash val="solid"/>
-                      <a:round/>
-                      <a:headEnd type="none" w="med" len="med"/>
-                      <a:tailEnd type="none" w="med" len="med"/>
-                    </a:lnR>
-                    <a:lnT w="12700" cap="flat" cmpd="sng" algn="ctr">
-                      <a:solidFill>
-                        <a:srgbClr val="000000"/>
-                      </a:solidFill>
-                      <a:prstDash val="solid"/>
-                      <a:round/>
-                      <a:headEnd type="none" w="med" len="med"/>
-                      <a:tailEnd type="none" w="med" len="med"/>
-                    </a:lnT>
-                    <a:lnB w="12700" cap="flat" cmpd="sng" algn="ctr">
-                      <a:solidFill>
-                        <a:srgbClr val="000000"/>
-                      </a:solidFill>
-                      <a:prstDash val="solid"/>
-                      <a:round/>
-                      <a:headEnd type="none" w="med" len="med"/>
-                      <a:tailEnd type="none" w="med" len="med"/>
-                    </a:lnB>
-                    <a:lnTlToBr>
-                      <a:noFill/>
-                    </a:lnTlToBr>
-                    <a:lnBlToTr>
-                      <a:noFill/>
-                    </a:lnBlToTr>
-                    <a:noFill/>
-                  </a:tcPr>
-                </a:tc>
-                <a:tc>
-                  <a:txBody>
-                    <a:bodyPr/>
-                    <a:lstStyle/>
-                    <a:p>
-                      <a:pPr marL="0" marR="0" lvl="0" indent="0" algn="l" defTabSz="914400" rtl="0" eaLnBrk="1" fontAlgn="base" latinLnBrk="0" hangingPunct="1">
-                        <a:lnSpc>
-                          <a:spcPct val="100000"/>
-                        </a:lnSpc>
-                        <a:spcBef>
-                          <a:spcPct val="20000"/>
-                        </a:spcBef>
-                        <a:spcAft>
-                          <a:spcPct val="0"/>
-                        </a:spcAft>
-                        <a:buClrTx/>
-                        <a:buSzTx/>
-                        <a:buFontTx/>
-                        <a:buNone/>
-                        <a:tabLst/>
-                      </a:pPr>
-                      <a:endParaRPr kumimoji="0" lang="ru-RU" sz="1000" b="0" i="0" u="none" strike="noStrike" cap="none" normalizeH="0" baseline="0">
-                        <a:ln>
-                          <a:noFill/>
-                        </a:ln>
-                        <a:solidFill>
-                          <a:schemeClr val="tx1"/>
-                        </a:solidFill>
-                        <a:effectLst/>
-                        <a:latin typeface="Arial" charset="0"/>
-                      </a:endParaRPr>
-                    </a:p>
-                  </a:txBody>
-                  <a:tcPr marL="71962" marR="71962" marT="17991" marB="35979" horzOverflow="overflow">
-                    <a:lnL w="12700" cap="flat" cmpd="sng" algn="ctr">
-                      <a:solidFill>
-                        <a:srgbClr val="000000"/>
-                      </a:solidFill>
-                      <a:prstDash val="solid"/>
-                      <a:round/>
-                      <a:headEnd type="none" w="med" len="med"/>
-                      <a:tailEnd type="none" w="med" len="med"/>
-                    </a:lnL>
-                    <a:lnR w="12700" cap="flat" cmpd="sng" algn="ctr">
-                      <a:solidFill>
-                        <a:srgbClr val="000000"/>
-                      </a:solidFill>
-                      <a:prstDash val="solid"/>
-                      <a:round/>
-                      <a:headEnd type="none" w="med" len="med"/>
-                      <a:tailEnd type="none" w="med" len="med"/>
-                    </a:lnR>
-                    <a:lnT w="12700" cap="flat" cmpd="sng" algn="ctr">
-                      <a:solidFill>
-                        <a:srgbClr val="000000"/>
-                      </a:solidFill>
-                      <a:prstDash val="solid"/>
-                      <a:round/>
-                      <a:headEnd type="none" w="med" len="med"/>
-                      <a:tailEnd type="none" w="med" len="med"/>
-                    </a:lnT>
-                    <a:lnB w="12700" cap="flat" cmpd="sng" algn="ctr">
-                      <a:solidFill>
-                        <a:srgbClr val="000000"/>
-                      </a:solidFill>
-                      <a:prstDash val="solid"/>
-                      <a:round/>
-                      <a:headEnd type="none" w="med" len="med"/>
-                      <a:tailEnd type="none" w="med" len="med"/>
-                    </a:lnB>
-                    <a:lnTlToBr>
-                      <a:noFill/>
-                    </a:lnTlToBr>
-                    <a:lnBlToTr>
-                      <a:noFill/>
-                    </a:lnBlToTr>
-                    <a:noFill/>
-                  </a:tcPr>
-                </a:tc>
-                <a:tc>
-                  <a:txBody>
-                    <a:bodyPr/>
-                    <a:lstStyle/>
-                    <a:p>
-                      <a:pPr marL="0" marR="0" lvl="0" indent="0" algn="l" defTabSz="914400" rtl="0" eaLnBrk="1" fontAlgn="base" latinLnBrk="0" hangingPunct="1">
-                        <a:lnSpc>
-                          <a:spcPct val="100000"/>
-                        </a:lnSpc>
-                        <a:spcBef>
-                          <a:spcPct val="20000"/>
-                        </a:spcBef>
-                        <a:spcAft>
-                          <a:spcPct val="0"/>
-                        </a:spcAft>
-                        <a:buClrTx/>
-                        <a:buSzTx/>
-                        <a:buFontTx/>
-                        <a:buNone/>
-                        <a:tabLst/>
-                      </a:pPr>
-                      <a:r>
-                        <a:rPr kumimoji="0" lang="ru-RU" sz="1000" b="0" i="0" u="none" strike="noStrike" cap="none" normalizeH="0" baseline="0" dirty="0">
-                          <a:ln>
-                            <a:noFill/>
-                          </a:ln>
-                          <a:solidFill>
-                            <a:schemeClr val="tx1"/>
-                          </a:solidFill>
-                          <a:effectLst/>
-                          <a:latin typeface="Times New Roman" pitchFamily="18" charset="0"/>
-                        </a:rPr>
-                        <a:t>4</a:t>
-                      </a:r>
-                    </a:p>
-                  </a:txBody>
-                  <a:tcPr marL="71962" marR="71962" marT="17991" marB="35979" horzOverflow="overflow">
-                    <a:lnL w="12700" cap="flat" cmpd="sng" algn="ctr">
-                      <a:solidFill>
-                        <a:srgbClr val="000000"/>
-                      </a:solidFill>
-                      <a:prstDash val="solid"/>
-                      <a:round/>
-                      <a:headEnd type="none" w="med" len="med"/>
-                      <a:tailEnd type="none" w="med" len="med"/>
-                    </a:lnL>
-                    <a:lnR w="12700" cap="flat" cmpd="sng" algn="ctr">
-                      <a:solidFill>
-                        <a:srgbClr val="000000"/>
-                      </a:solidFill>
-                      <a:prstDash val="solid"/>
-                      <a:round/>
-                      <a:headEnd type="none" w="med" len="med"/>
-                      <a:tailEnd type="none" w="med" len="med"/>
-                    </a:lnR>
-                    <a:lnT w="12700" cap="flat" cmpd="sng" algn="ctr">
-                      <a:solidFill>
-                        <a:srgbClr val="000000"/>
-                      </a:solidFill>
-                      <a:prstDash val="solid"/>
-                      <a:round/>
-                      <a:headEnd type="none" w="med" len="med"/>
-                      <a:tailEnd type="none" w="med" len="med"/>
-                    </a:lnT>
-                    <a:lnB w="12700" cap="flat" cmpd="sng" algn="ctr">
-                      <a:solidFill>
-                        <a:srgbClr val="000000"/>
-                      </a:solidFill>
-                      <a:prstDash val="solid"/>
-                      <a:round/>
-                      <a:headEnd type="none" w="med" len="med"/>
-                      <a:tailEnd type="none" w="med" len="med"/>
-                    </a:lnB>
-                    <a:lnTlToBr>
-                      <a:noFill/>
-                    </a:lnTlToBr>
-                    <a:lnBlToTr>
-                      <a:noFill/>
-                    </a:lnBlToTr>
-                    <a:noFill/>
-                  </a:tcPr>
-                </a:tc>
-                <a:extLst>
-                  <a:ext uri="{0D108BD9-81ED-4DB2-BD59-A6C34878D82A}">
-                    <a16:rowId xmlns:a16="http://schemas.microsoft.com/office/drawing/2014/main" val="10000"/>
-                  </a:ext>
-                </a:extLst>
-              </a:tr>
-              <a:tr h="0">
-                <a:tc>
-                  <a:txBody>
-                    <a:bodyPr/>
-                    <a:lstStyle/>
-                    <a:p>
-                      <a:pPr marL="0" marR="0" lvl="0" indent="0" algn="l" defTabSz="914400" rtl="0" eaLnBrk="1" fontAlgn="base" latinLnBrk="0" hangingPunct="1">
-                        <a:lnSpc>
-                          <a:spcPct val="100000"/>
-                        </a:lnSpc>
-                        <a:spcBef>
-                          <a:spcPct val="0"/>
-                        </a:spcBef>
-                        <a:spcAft>
-                          <a:spcPct val="0"/>
-                        </a:spcAft>
-                        <a:buClrTx/>
-                        <a:buSzTx/>
-                        <a:buFontTx/>
-                        <a:buNone/>
-                        <a:tabLst/>
-                      </a:pPr>
-                      <a:r>
-                        <a:rPr kumimoji="0" lang="ru-RU" sz="1000" b="0" i="0" u="none" strike="noStrike" cap="none" normalizeH="0" baseline="0">
-                          <a:ln>
-                            <a:noFill/>
-                          </a:ln>
-                          <a:solidFill>
-                            <a:schemeClr val="tx1"/>
-                          </a:solidFill>
-                          <a:effectLst/>
-                          <a:latin typeface="Times New Roman" pitchFamily="18" charset="0"/>
-                          <a:cs typeface="Times New Roman" pitchFamily="18" charset="0"/>
-                        </a:rPr>
-                        <a:t>Утвердил</a:t>
-                      </a:r>
-                      <a:endParaRPr kumimoji="0" lang="ru-RU" sz="1000" b="0" i="0" u="none" strike="noStrike" cap="none" normalizeH="0" baseline="0">
-                        <a:ln>
-                          <a:noFill/>
-                        </a:ln>
-                        <a:solidFill>
-                          <a:schemeClr val="tx1"/>
-                        </a:solidFill>
-                        <a:effectLst/>
-                        <a:latin typeface="Arial" charset="0"/>
-                      </a:endParaRPr>
-                    </a:p>
-                  </a:txBody>
-                  <a:tcPr marL="71962" marR="71962" marT="17991" marB="35979" horzOverflow="overflow">
-                    <a:lnL w="12700" cap="flat" cmpd="sng" algn="ctr">
-                      <a:solidFill>
-                        <a:srgbClr val="000000"/>
-                      </a:solidFill>
-                      <a:prstDash val="solid"/>
-                      <a:round/>
-                      <a:headEnd type="none" w="med" len="med"/>
-                      <a:tailEnd type="none" w="med" len="med"/>
-                    </a:lnL>
-                    <a:lnR w="12700" cap="flat" cmpd="sng" algn="ctr">
-                      <a:solidFill>
-                        <a:srgbClr val="000000"/>
-                      </a:solidFill>
-                      <a:prstDash val="solid"/>
-                      <a:round/>
-                      <a:headEnd type="none" w="med" len="med"/>
-                      <a:tailEnd type="none" w="med" len="med"/>
-                    </a:lnR>
-                    <a:lnT w="12700" cap="flat" cmpd="sng" algn="ctr">
-                      <a:solidFill>
-                        <a:srgbClr val="000000"/>
-                      </a:solidFill>
-                      <a:prstDash val="solid"/>
-                      <a:round/>
-                      <a:headEnd type="none" w="med" len="med"/>
-                      <a:tailEnd type="none" w="med" len="med"/>
-                    </a:lnT>
-                    <a:lnB w="12700" cap="flat" cmpd="sng" algn="ctr">
-                      <a:solidFill>
-                        <a:srgbClr val="000000"/>
-                      </a:solidFill>
-                      <a:prstDash val="solid"/>
-                      <a:round/>
-                      <a:headEnd type="none" w="med" len="med"/>
-                      <a:tailEnd type="none" w="med" len="med"/>
-                    </a:lnB>
-                    <a:lnTlToBr>
-                      <a:noFill/>
-                    </a:lnTlToBr>
-                    <a:lnBlToTr>
-                      <a:noFill/>
-                    </a:lnBlToTr>
-                    <a:noFill/>
-                  </a:tcPr>
-                </a:tc>
-                <a:tc>
-                  <a:txBody>
-                    <a:bodyPr/>
-                    <a:lstStyle/>
-                    <a:p>
-                      <a:pPr marL="0" marR="0" lvl="0" indent="0" algn="l" defTabSz="914400" rtl="0" eaLnBrk="1" fontAlgn="base" latinLnBrk="0" hangingPunct="1">
-                        <a:lnSpc>
-                          <a:spcPct val="100000"/>
-                        </a:lnSpc>
-                        <a:spcBef>
-                          <a:spcPct val="0"/>
-                        </a:spcBef>
-                        <a:spcAft>
-                          <a:spcPct val="0"/>
-                        </a:spcAft>
-                        <a:buClrTx/>
-                        <a:buSzTx/>
-                        <a:buFontTx/>
-                        <a:buNone/>
-                        <a:tabLst/>
-                      </a:pPr>
-                      <a:r>
-                        <a:rPr kumimoji="0" lang="ru-RU" sz="1000" b="0" i="0" u="none" strike="noStrike" cap="none" normalizeH="0" baseline="0" dirty="0">
-                          <a:ln>
-                            <a:noFill/>
-                          </a:ln>
-                          <a:solidFill>
-                            <a:schemeClr val="tx1"/>
-                          </a:solidFill>
-                          <a:effectLst/>
-                          <a:latin typeface="Times New Roman" pitchFamily="18" charset="0"/>
-                          <a:cs typeface="Times New Roman" pitchFamily="18" charset="0"/>
-                        </a:rPr>
-                        <a:t>Касимов Р. А</a:t>
-                      </a:r>
-                    </a:p>
-                  </a:txBody>
-                  <a:tcPr marL="71962" marR="71962" marT="17991" marB="35979" horzOverflow="overflow">
-                    <a:lnL w="12700" cap="flat" cmpd="sng" algn="ctr">
-                      <a:solidFill>
-                        <a:srgbClr val="000000"/>
-                      </a:solidFill>
-                      <a:prstDash val="solid"/>
-                      <a:round/>
-                      <a:headEnd type="none" w="med" len="med"/>
-                      <a:tailEnd type="none" w="med" len="med"/>
-                    </a:lnL>
-                    <a:lnR w="12700" cap="flat" cmpd="sng" algn="ctr">
-                      <a:solidFill>
-                        <a:srgbClr val="000000"/>
-                      </a:solidFill>
-                      <a:prstDash val="solid"/>
-                      <a:round/>
-                      <a:headEnd type="none" w="med" len="med"/>
-                      <a:tailEnd type="none" w="med" len="med"/>
-                    </a:lnR>
-                    <a:lnT w="12700" cap="flat" cmpd="sng" algn="ctr">
-                      <a:solidFill>
-                        <a:srgbClr val="000000"/>
-                      </a:solidFill>
-                      <a:prstDash val="solid"/>
-                      <a:round/>
-                      <a:headEnd type="none" w="med" len="med"/>
-                      <a:tailEnd type="none" w="med" len="med"/>
-                    </a:lnT>
-                    <a:lnB w="12700" cap="flat" cmpd="sng" algn="ctr">
-                      <a:solidFill>
-                        <a:srgbClr val="000000"/>
-                      </a:solidFill>
-                      <a:prstDash val="solid"/>
-                      <a:round/>
-                      <a:headEnd type="none" w="med" len="med"/>
-                      <a:tailEnd type="none" w="med" len="med"/>
-                    </a:lnB>
-                    <a:lnTlToBr>
-                      <a:noFill/>
-                    </a:lnTlToBr>
-                    <a:lnBlToTr>
-                      <a:noFill/>
-                    </a:lnBlToTr>
-                    <a:noFill/>
-                  </a:tcPr>
-                </a:tc>
-                <a:tc>
-                  <a:txBody>
-                    <a:bodyPr/>
-                    <a:lstStyle/>
-                    <a:p>
-                      <a:pPr marL="0" marR="0" lvl="0" indent="0" algn="l" defTabSz="914400" rtl="0" eaLnBrk="1" fontAlgn="base" latinLnBrk="0" hangingPunct="1">
-                        <a:lnSpc>
-                          <a:spcPct val="100000"/>
-                        </a:lnSpc>
-                        <a:spcBef>
-                          <a:spcPct val="20000"/>
-                        </a:spcBef>
-                        <a:spcAft>
-                          <a:spcPct val="0"/>
-                        </a:spcAft>
-                        <a:buClrTx/>
-                        <a:buSzTx/>
-                        <a:buFontTx/>
-                        <a:buNone/>
-                        <a:tabLst/>
-                      </a:pPr>
-                      <a:endParaRPr kumimoji="0" lang="ru-RU" sz="1000" b="0" i="0" u="none" strike="noStrike" cap="none" normalizeH="0" baseline="0">
-                        <a:ln>
-                          <a:noFill/>
-                        </a:ln>
-                        <a:solidFill>
-                          <a:schemeClr val="tx1"/>
-                        </a:solidFill>
-                        <a:effectLst/>
-                        <a:latin typeface="Arial" charset="0"/>
-                      </a:endParaRPr>
-                    </a:p>
-                  </a:txBody>
-                  <a:tcPr marL="71962" marR="71962" marT="17991" marB="35979" horzOverflow="overflow">
-                    <a:lnL w="12700" cap="flat" cmpd="sng" algn="ctr">
-                      <a:solidFill>
-                        <a:srgbClr val="000000"/>
-                      </a:solidFill>
-                      <a:prstDash val="solid"/>
-                      <a:round/>
-                      <a:headEnd type="none" w="med" len="med"/>
-                      <a:tailEnd type="none" w="med" len="med"/>
-                    </a:lnL>
-                    <a:lnR w="12700" cap="flat" cmpd="sng" algn="ctr">
-                      <a:solidFill>
-                        <a:srgbClr val="000000"/>
-                      </a:solidFill>
-                      <a:prstDash val="solid"/>
-                      <a:round/>
-                      <a:headEnd type="none" w="med" len="med"/>
-                      <a:tailEnd type="none" w="med" len="med"/>
-                    </a:lnR>
-                    <a:lnT w="12700" cap="flat" cmpd="sng" algn="ctr">
-                      <a:solidFill>
-                        <a:srgbClr val="000000"/>
-                      </a:solidFill>
-                      <a:prstDash val="solid"/>
-                      <a:round/>
-                      <a:headEnd type="none" w="med" len="med"/>
-                      <a:tailEnd type="none" w="med" len="med"/>
-                    </a:lnT>
-                    <a:lnB w="12700" cap="flat" cmpd="sng" algn="ctr">
-                      <a:solidFill>
-                        <a:srgbClr val="000000"/>
-                      </a:solidFill>
-                      <a:prstDash val="solid"/>
-                      <a:round/>
-                      <a:headEnd type="none" w="med" len="med"/>
-                      <a:tailEnd type="none" w="med" len="med"/>
-                    </a:lnB>
-                    <a:lnTlToBr>
-                      <a:noFill/>
-                    </a:lnTlToBr>
-                    <a:lnBlToTr>
-                      <a:noFill/>
-                    </a:lnBlToTr>
-                    <a:noFill/>
-                  </a:tcPr>
-                </a:tc>
-                <a:tc>
-                  <a:txBody>
-                    <a:bodyPr/>
-                    <a:lstStyle/>
-                    <a:p>
-                      <a:pPr marL="0" marR="0" lvl="0" indent="0" algn="l" defTabSz="914400" rtl="0" eaLnBrk="1" fontAlgn="base" latinLnBrk="0" hangingPunct="1">
-                        <a:lnSpc>
-                          <a:spcPct val="100000"/>
-                        </a:lnSpc>
-                        <a:spcBef>
-                          <a:spcPct val="20000"/>
-                        </a:spcBef>
-                        <a:spcAft>
-                          <a:spcPct val="0"/>
-                        </a:spcAft>
-                        <a:buClrTx/>
-                        <a:buSzTx/>
-                        <a:buFontTx/>
-                        <a:buNone/>
-                        <a:tabLst/>
-                      </a:pPr>
-                      <a:endParaRPr kumimoji="0" lang="ru-RU" sz="1000" b="0" i="0" u="none" strike="noStrike" cap="none" normalizeH="0" baseline="0" dirty="0">
-                        <a:ln>
-                          <a:noFill/>
-                        </a:ln>
-                        <a:solidFill>
-                          <a:schemeClr val="tx1"/>
-                        </a:solidFill>
-                        <a:effectLst/>
-                        <a:latin typeface="Arial" charset="0"/>
-                      </a:endParaRPr>
-                    </a:p>
-                  </a:txBody>
-                  <a:tcPr marL="71962" marR="71962" marT="17991" marB="35979" horzOverflow="overflow">
-                    <a:lnL w="12700" cap="flat" cmpd="sng" algn="ctr">
-                      <a:solidFill>
-                        <a:srgbClr val="000000"/>
-                      </a:solidFill>
-                      <a:prstDash val="solid"/>
-                      <a:round/>
-                      <a:headEnd type="none" w="med" len="med"/>
-                      <a:tailEnd type="none" w="med" len="med"/>
-                    </a:lnL>
-                    <a:lnR w="12700" cap="flat" cmpd="sng" algn="ctr">
-                      <a:solidFill>
-                        <a:srgbClr val="000000"/>
-                      </a:solidFill>
-                      <a:prstDash val="solid"/>
-                      <a:round/>
-                      <a:headEnd type="none" w="med" len="med"/>
-                      <a:tailEnd type="none" w="med" len="med"/>
-                    </a:lnR>
-                    <a:lnT w="12700" cap="flat" cmpd="sng" algn="ctr">
-                      <a:solidFill>
-                        <a:srgbClr val="000000"/>
-                      </a:solidFill>
-                      <a:prstDash val="solid"/>
-                      <a:round/>
-                      <a:headEnd type="none" w="med" len="med"/>
-                      <a:tailEnd type="none" w="med" len="med"/>
-                    </a:lnT>
-                    <a:lnB w="12700" cap="flat" cmpd="sng" algn="ctr">
-                      <a:solidFill>
-                        <a:srgbClr val="000000"/>
-                      </a:solidFill>
-                      <a:prstDash val="solid"/>
-                      <a:round/>
-                      <a:headEnd type="none" w="med" len="med"/>
-                      <a:tailEnd type="none" w="med" len="med"/>
-                    </a:lnB>
-                    <a:lnTlToBr>
-                      <a:noFill/>
-                    </a:lnTlToBr>
-                    <a:lnBlToTr>
-                      <a:noFill/>
-                    </a:lnBlToTr>
-                    <a:noFill/>
-                  </a:tcPr>
-                </a:tc>
-                <a:extLst>
-                  <a:ext uri="{0D108BD9-81ED-4DB2-BD59-A6C34878D82A}">
-                    <a16:rowId xmlns:a16="http://schemas.microsoft.com/office/drawing/2014/main" val="10001"/>
-                  </a:ext>
-                </a:extLst>
-              </a:tr>
-            </a:tbl>
-          </a:graphicData>
-        </a:graphic>
-      </p:graphicFrame>
       <p:sp>
         <p:nvSpPr>
           <p:cNvPr id="7" name="Line 158"/>
@@ -9875,7 +6166,7 @@
           <p:nvPr>
             <p:extLst>
               <p:ext uri="{D42A27DB-BD31-4B8C-83A1-F6EECF244321}">
-                <p14:modId xmlns:p14="http://schemas.microsoft.com/office/powerpoint/2010/main" val="1713670430"/>
+                <p14:modId xmlns:p14="http://schemas.microsoft.com/office/powerpoint/2010/main" val="965602672"/>
               </p:ext>
             </p:extLst>
           </p:nvPr>
@@ -10264,7 +6555,7 @@
                   </a:txBody>
                   <a:tcPr marL="68580" marR="68580" marT="0" marB="0">
                     <a:solidFill>
-                      <a:srgbClr val="E7E7E7"/>
+                      <a:srgbClr val="CBCBCB"/>
                     </a:solidFill>
                   </a:tcPr>
                 </a:tc>
@@ -10291,7 +6582,7 @@
                   </a:txBody>
                   <a:tcPr marL="68580" marR="68580" marT="0" marB="0">
                     <a:solidFill>
-                      <a:srgbClr val="E7E7E7"/>
+                      <a:srgbClr val="CBCBCB"/>
                     </a:solidFill>
                   </a:tcPr>
                 </a:tc>
@@ -10711,7 +7002,7 @@
           <p:nvPr>
             <p:extLst>
               <p:ext uri="{D42A27DB-BD31-4B8C-83A1-F6EECF244321}">
-                <p14:modId xmlns:p14="http://schemas.microsoft.com/office/powerpoint/2010/main" val="3562358411"/>
+                <p14:modId xmlns:p14="http://schemas.microsoft.com/office/powerpoint/2010/main" val="434417332"/>
               </p:ext>
             </p:extLst>
           </p:nvPr>
@@ -11914,7 +8205,7 @@
                   </a:txBody>
                   <a:tcPr marL="68580" marR="68580" marT="0" marB="0">
                     <a:solidFill>
-                      <a:srgbClr val="E7E7E7"/>
+                      <a:srgbClr val="CBCBCB"/>
                     </a:solidFill>
                   </a:tcPr>
                 </a:tc>
@@ -12236,747 +8527,6 @@
           </a:p>
         </p:txBody>
       </p:sp>
-      <p:graphicFrame>
-        <p:nvGraphicFramePr>
-          <p:cNvPr id="7" name="Group 10"/>
-          <p:cNvGraphicFramePr>
-            <a:graphicFrameLocks noGrp="1"/>
-          </p:cNvGraphicFramePr>
-          <p:nvPr>
-            <p:extLst>
-              <p:ext uri="{D42A27DB-BD31-4B8C-83A1-F6EECF244321}">
-                <p14:modId xmlns:p14="http://schemas.microsoft.com/office/powerpoint/2010/main" val="1711725607"/>
-              </p:ext>
-            </p:extLst>
-          </p:nvPr>
-        </p:nvGraphicFramePr>
-        <p:xfrm>
-          <a:off x="6156325" y="6254750"/>
-          <a:ext cx="2822575" cy="412740"/>
-        </p:xfrm>
-        <a:graphic>
-          <a:graphicData uri="http://schemas.openxmlformats.org/drawingml/2006/table">
-            <a:tbl>
-              <a:tblPr/>
-              <a:tblGrid>
-                <a:gridCol w="792163">
-                  <a:extLst>
-                    <a:ext uri="{9D8B030D-6E8A-4147-A177-3AD203B41FA5}">
-                      <a16:colId xmlns:a16="http://schemas.microsoft.com/office/drawing/2014/main" val="20000"/>
-                    </a:ext>
-                  </a:extLst>
-                </a:gridCol>
-                <a:gridCol w="1008062">
-                  <a:extLst>
-                    <a:ext uri="{9D8B030D-6E8A-4147-A177-3AD203B41FA5}">
-                      <a16:colId xmlns:a16="http://schemas.microsoft.com/office/drawing/2014/main" val="20001"/>
-                    </a:ext>
-                  </a:extLst>
-                </a:gridCol>
-                <a:gridCol w="649288">
-                  <a:extLst>
-                    <a:ext uri="{9D8B030D-6E8A-4147-A177-3AD203B41FA5}">
-                      <a16:colId xmlns:a16="http://schemas.microsoft.com/office/drawing/2014/main" val="20002"/>
-                    </a:ext>
-                  </a:extLst>
-                </a:gridCol>
-                <a:gridCol w="373062">
-                  <a:extLst>
-                    <a:ext uri="{9D8B030D-6E8A-4147-A177-3AD203B41FA5}">
-                      <a16:colId xmlns:a16="http://schemas.microsoft.com/office/drawing/2014/main" val="20003"/>
-                    </a:ext>
-                  </a:extLst>
-                </a:gridCol>
-              </a:tblGrid>
-              <a:tr h="0">
-                <a:tc>
-                  <a:txBody>
-                    <a:bodyPr/>
-                    <a:lstStyle/>
-                    <a:p>
-                      <a:pPr marL="0" marR="0" lvl="0" indent="0" algn="l" defTabSz="914400" rtl="0" eaLnBrk="1" fontAlgn="base" latinLnBrk="0" hangingPunct="1">
-                        <a:lnSpc>
-                          <a:spcPct val="100000"/>
-                        </a:lnSpc>
-                        <a:spcBef>
-                          <a:spcPct val="0"/>
-                        </a:spcBef>
-                        <a:spcAft>
-                          <a:spcPct val="0"/>
-                        </a:spcAft>
-                        <a:buClrTx/>
-                        <a:buSzTx/>
-                        <a:buFontTx/>
-                        <a:buNone/>
-                        <a:tabLst/>
-                      </a:pPr>
-                      <a:r>
-                        <a:rPr kumimoji="0" lang="ru-RU" sz="1000" b="0" i="0" u="none" strike="noStrike" cap="none" normalizeH="0" baseline="0" dirty="0">
-                          <a:ln>
-                            <a:noFill/>
-                          </a:ln>
-                          <a:solidFill>
-                            <a:schemeClr val="tx1"/>
-                          </a:solidFill>
-                          <a:effectLst/>
-                          <a:latin typeface="Times New Roman" pitchFamily="18" charset="0"/>
-                          <a:cs typeface="Times New Roman" pitchFamily="18" charset="0"/>
-                        </a:rPr>
-                        <a:t>Разработал</a:t>
-                      </a:r>
-                      <a:endParaRPr kumimoji="0" lang="ru-RU" sz="1000" b="0" i="0" u="none" strike="noStrike" cap="none" normalizeH="0" baseline="0" dirty="0">
-                        <a:ln>
-                          <a:noFill/>
-                        </a:ln>
-                        <a:solidFill>
-                          <a:schemeClr val="tx1"/>
-                        </a:solidFill>
-                        <a:effectLst/>
-                        <a:latin typeface="Arial" charset="0"/>
-                      </a:endParaRPr>
-                    </a:p>
-                  </a:txBody>
-                  <a:tcPr marL="71962" marR="71962" marT="17991" marB="35979" horzOverflow="overflow">
-                    <a:lnL w="12700" cap="flat" cmpd="sng" algn="ctr">
-                      <a:solidFill>
-                        <a:srgbClr val="000000"/>
-                      </a:solidFill>
-                      <a:prstDash val="solid"/>
-                      <a:round/>
-                      <a:headEnd type="none" w="med" len="med"/>
-                      <a:tailEnd type="none" w="med" len="med"/>
-                    </a:lnL>
-                    <a:lnR w="12700" cap="flat" cmpd="sng" algn="ctr">
-                      <a:solidFill>
-                        <a:srgbClr val="000000"/>
-                      </a:solidFill>
-                      <a:prstDash val="solid"/>
-                      <a:round/>
-                      <a:headEnd type="none" w="med" len="med"/>
-                      <a:tailEnd type="none" w="med" len="med"/>
-                    </a:lnR>
-                    <a:lnT w="12700" cap="flat" cmpd="sng" algn="ctr">
-                      <a:solidFill>
-                        <a:srgbClr val="000000"/>
-                      </a:solidFill>
-                      <a:prstDash val="solid"/>
-                      <a:round/>
-                      <a:headEnd type="none" w="med" len="med"/>
-                      <a:tailEnd type="none" w="med" len="med"/>
-                    </a:lnT>
-                    <a:lnB w="12700" cap="flat" cmpd="sng" algn="ctr">
-                      <a:solidFill>
-                        <a:srgbClr val="000000"/>
-                      </a:solidFill>
-                      <a:prstDash val="solid"/>
-                      <a:round/>
-                      <a:headEnd type="none" w="med" len="med"/>
-                      <a:tailEnd type="none" w="med" len="med"/>
-                    </a:lnB>
-                    <a:lnTlToBr>
-                      <a:noFill/>
-                    </a:lnTlToBr>
-                    <a:lnBlToTr>
-                      <a:noFill/>
-                    </a:lnBlToTr>
-                    <a:noFill/>
-                  </a:tcPr>
-                </a:tc>
-                <a:tc>
-                  <a:txBody>
-                    <a:bodyPr/>
-                    <a:lstStyle/>
-                    <a:p>
-                      <a:pPr marL="0" marR="0" lvl="0" indent="0" algn="l" defTabSz="914400" rtl="0" eaLnBrk="1" fontAlgn="base" latinLnBrk="0" hangingPunct="1">
-                        <a:lnSpc>
-                          <a:spcPct val="100000"/>
-                        </a:lnSpc>
-                        <a:spcBef>
-                          <a:spcPct val="0"/>
-                        </a:spcBef>
-                        <a:spcAft>
-                          <a:spcPct val="0"/>
-                        </a:spcAft>
-                        <a:buClrTx/>
-                        <a:buSzTx/>
-                        <a:buFontTx/>
-                        <a:buNone/>
-                        <a:tabLst/>
-                      </a:pPr>
-                      <a:r>
-                        <a:rPr kumimoji="0" lang="ru-RU" sz="1000" b="0" i="0" u="none" strike="noStrike" cap="none" normalizeH="0" baseline="0" dirty="0">
-                          <a:ln>
-                            <a:noFill/>
-                          </a:ln>
-                          <a:solidFill>
-                            <a:schemeClr val="tx1"/>
-                          </a:solidFill>
-                          <a:effectLst/>
-                          <a:latin typeface="Times New Roman" pitchFamily="18" charset="0"/>
-                          <a:cs typeface="Times New Roman" pitchFamily="18" charset="0"/>
-                        </a:rPr>
-                        <a:t>Федотов А. А</a:t>
-                      </a:r>
-                    </a:p>
-                  </a:txBody>
-                  <a:tcPr marL="71962" marR="71962" marT="17991" marB="35979" horzOverflow="overflow">
-                    <a:lnL w="12700" cap="flat" cmpd="sng" algn="ctr">
-                      <a:solidFill>
-                        <a:srgbClr val="000000"/>
-                      </a:solidFill>
-                      <a:prstDash val="solid"/>
-                      <a:round/>
-                      <a:headEnd type="none" w="med" len="med"/>
-                      <a:tailEnd type="none" w="med" len="med"/>
-                    </a:lnL>
-                    <a:lnR w="12700" cap="flat" cmpd="sng" algn="ctr">
-                      <a:solidFill>
-                        <a:srgbClr val="000000"/>
-                      </a:solidFill>
-                      <a:prstDash val="solid"/>
-                      <a:round/>
-                      <a:headEnd type="none" w="med" len="med"/>
-                      <a:tailEnd type="none" w="med" len="med"/>
-                    </a:lnR>
-                    <a:lnT w="12700" cap="flat" cmpd="sng" algn="ctr">
-                      <a:solidFill>
-                        <a:srgbClr val="000000"/>
-                      </a:solidFill>
-                      <a:prstDash val="solid"/>
-                      <a:round/>
-                      <a:headEnd type="none" w="med" len="med"/>
-                      <a:tailEnd type="none" w="med" len="med"/>
-                    </a:lnT>
-                    <a:lnB w="12700" cap="flat" cmpd="sng" algn="ctr">
-                      <a:solidFill>
-                        <a:srgbClr val="000000"/>
-                      </a:solidFill>
-                      <a:prstDash val="solid"/>
-                      <a:round/>
-                      <a:headEnd type="none" w="med" len="med"/>
-                      <a:tailEnd type="none" w="med" len="med"/>
-                    </a:lnB>
-                    <a:lnTlToBr>
-                      <a:noFill/>
-                    </a:lnTlToBr>
-                    <a:lnBlToTr>
-                      <a:noFill/>
-                    </a:lnBlToTr>
-                    <a:noFill/>
-                  </a:tcPr>
-                </a:tc>
-                <a:tc>
-                  <a:txBody>
-                    <a:bodyPr/>
-                    <a:lstStyle/>
-                    <a:p>
-                      <a:pPr marL="0" marR="0" lvl="0" indent="0" algn="l" defTabSz="914400" rtl="0" eaLnBrk="1" fontAlgn="base" latinLnBrk="0" hangingPunct="1">
-                        <a:lnSpc>
-                          <a:spcPct val="100000"/>
-                        </a:lnSpc>
-                        <a:spcBef>
-                          <a:spcPct val="20000"/>
-                        </a:spcBef>
-                        <a:spcAft>
-                          <a:spcPct val="0"/>
-                        </a:spcAft>
-                        <a:buClrTx/>
-                        <a:buSzTx/>
-                        <a:buFontTx/>
-                        <a:buNone/>
-                        <a:tabLst/>
-                      </a:pPr>
-                      <a:endParaRPr kumimoji="0" lang="ru-RU" sz="1000" b="0" i="0" u="none" strike="noStrike" cap="none" normalizeH="0" baseline="0">
-                        <a:ln>
-                          <a:noFill/>
-                        </a:ln>
-                        <a:solidFill>
-                          <a:schemeClr val="tx1"/>
-                        </a:solidFill>
-                        <a:effectLst/>
-                        <a:latin typeface="Arial" charset="0"/>
-                      </a:endParaRPr>
-                    </a:p>
-                  </a:txBody>
-                  <a:tcPr marL="71962" marR="71962" marT="17991" marB="35979" horzOverflow="overflow">
-                    <a:lnL w="12700" cap="flat" cmpd="sng" algn="ctr">
-                      <a:solidFill>
-                        <a:srgbClr val="000000"/>
-                      </a:solidFill>
-                      <a:prstDash val="solid"/>
-                      <a:round/>
-                      <a:headEnd type="none" w="med" len="med"/>
-                      <a:tailEnd type="none" w="med" len="med"/>
-                    </a:lnL>
-                    <a:lnR w="12700" cap="flat" cmpd="sng" algn="ctr">
-                      <a:solidFill>
-                        <a:srgbClr val="000000"/>
-                      </a:solidFill>
-                      <a:prstDash val="solid"/>
-                      <a:round/>
-                      <a:headEnd type="none" w="med" len="med"/>
-                      <a:tailEnd type="none" w="med" len="med"/>
-                    </a:lnR>
-                    <a:lnT w="12700" cap="flat" cmpd="sng" algn="ctr">
-                      <a:solidFill>
-                        <a:srgbClr val="000000"/>
-                      </a:solidFill>
-                      <a:prstDash val="solid"/>
-                      <a:round/>
-                      <a:headEnd type="none" w="med" len="med"/>
-                      <a:tailEnd type="none" w="med" len="med"/>
-                    </a:lnT>
-                    <a:lnB w="12700" cap="flat" cmpd="sng" algn="ctr">
-                      <a:solidFill>
-                        <a:srgbClr val="000000"/>
-                      </a:solidFill>
-                      <a:prstDash val="solid"/>
-                      <a:round/>
-                      <a:headEnd type="none" w="med" len="med"/>
-                      <a:tailEnd type="none" w="med" len="med"/>
-                    </a:lnB>
-                    <a:lnTlToBr>
-                      <a:noFill/>
-                    </a:lnTlToBr>
-                    <a:lnBlToTr>
-                      <a:noFill/>
-                    </a:lnBlToTr>
-                    <a:noFill/>
-                  </a:tcPr>
-                </a:tc>
-                <a:tc>
-                  <a:txBody>
-                    <a:bodyPr/>
-                    <a:lstStyle/>
-                    <a:p>
-                      <a:pPr marL="0" marR="0" lvl="0" indent="0" algn="l" defTabSz="914400" rtl="0" eaLnBrk="1" fontAlgn="base" latinLnBrk="0" hangingPunct="1">
-                        <a:lnSpc>
-                          <a:spcPct val="100000"/>
-                        </a:lnSpc>
-                        <a:spcBef>
-                          <a:spcPct val="20000"/>
-                        </a:spcBef>
-                        <a:spcAft>
-                          <a:spcPct val="0"/>
-                        </a:spcAft>
-                        <a:buClrTx/>
-                        <a:buSzTx/>
-                        <a:buFontTx/>
-                        <a:buNone/>
-                        <a:tabLst/>
-                      </a:pPr>
-                      <a:r>
-                        <a:rPr kumimoji="0" lang="ru-RU" sz="1000" b="0" i="0" u="none" strike="noStrike" cap="none" normalizeH="0" baseline="0" dirty="0">
-                          <a:ln>
-                            <a:noFill/>
-                          </a:ln>
-                          <a:solidFill>
-                            <a:schemeClr val="tx1"/>
-                          </a:solidFill>
-                          <a:effectLst/>
-                          <a:latin typeface="Times New Roman" pitchFamily="18" charset="0"/>
-                        </a:rPr>
-                        <a:t>5</a:t>
-                      </a:r>
-                    </a:p>
-                  </a:txBody>
-                  <a:tcPr marL="71962" marR="71962" marT="17991" marB="35979" horzOverflow="overflow">
-                    <a:lnL w="12700" cap="flat" cmpd="sng" algn="ctr">
-                      <a:solidFill>
-                        <a:srgbClr val="000000"/>
-                      </a:solidFill>
-                      <a:prstDash val="solid"/>
-                      <a:round/>
-                      <a:headEnd type="none" w="med" len="med"/>
-                      <a:tailEnd type="none" w="med" len="med"/>
-                    </a:lnL>
-                    <a:lnR w="12700" cap="flat" cmpd="sng" algn="ctr">
-                      <a:solidFill>
-                        <a:srgbClr val="000000"/>
-                      </a:solidFill>
-                      <a:prstDash val="solid"/>
-                      <a:round/>
-                      <a:headEnd type="none" w="med" len="med"/>
-                      <a:tailEnd type="none" w="med" len="med"/>
-                    </a:lnR>
-                    <a:lnT w="12700" cap="flat" cmpd="sng" algn="ctr">
-                      <a:solidFill>
-                        <a:srgbClr val="000000"/>
-                      </a:solidFill>
-                      <a:prstDash val="solid"/>
-                      <a:round/>
-                      <a:headEnd type="none" w="med" len="med"/>
-                      <a:tailEnd type="none" w="med" len="med"/>
-                    </a:lnT>
-                    <a:lnB w="12700" cap="flat" cmpd="sng" algn="ctr">
-                      <a:solidFill>
-                        <a:srgbClr val="000000"/>
-                      </a:solidFill>
-                      <a:prstDash val="solid"/>
-                      <a:round/>
-                      <a:headEnd type="none" w="med" len="med"/>
-                      <a:tailEnd type="none" w="med" len="med"/>
-                    </a:lnB>
-                    <a:lnTlToBr>
-                      <a:noFill/>
-                    </a:lnTlToBr>
-                    <a:lnBlToTr>
-                      <a:noFill/>
-                    </a:lnBlToTr>
-                    <a:noFill/>
-                  </a:tcPr>
-                </a:tc>
-                <a:extLst>
-                  <a:ext uri="{0D108BD9-81ED-4DB2-BD59-A6C34878D82A}">
-                    <a16:rowId xmlns:a16="http://schemas.microsoft.com/office/drawing/2014/main" val="10000"/>
-                  </a:ext>
-                </a:extLst>
-              </a:tr>
-              <a:tr h="0">
-                <a:tc>
-                  <a:txBody>
-                    <a:bodyPr/>
-                    <a:lstStyle/>
-                    <a:p>
-                      <a:pPr marL="0" marR="0" lvl="0" indent="0" algn="l" defTabSz="914400" rtl="0" eaLnBrk="1" fontAlgn="base" latinLnBrk="0" hangingPunct="1">
-                        <a:lnSpc>
-                          <a:spcPct val="100000"/>
-                        </a:lnSpc>
-                        <a:spcBef>
-                          <a:spcPct val="0"/>
-                        </a:spcBef>
-                        <a:spcAft>
-                          <a:spcPct val="0"/>
-                        </a:spcAft>
-                        <a:buClrTx/>
-                        <a:buSzTx/>
-                        <a:buFontTx/>
-                        <a:buNone/>
-                        <a:tabLst/>
-                      </a:pPr>
-                      <a:r>
-                        <a:rPr kumimoji="0" lang="ru-RU" sz="1000" b="0" i="0" u="none" strike="noStrike" cap="none" normalizeH="0" baseline="0">
-                          <a:ln>
-                            <a:noFill/>
-                          </a:ln>
-                          <a:solidFill>
-                            <a:schemeClr val="tx1"/>
-                          </a:solidFill>
-                          <a:effectLst/>
-                          <a:latin typeface="Times New Roman" pitchFamily="18" charset="0"/>
-                          <a:cs typeface="Times New Roman" pitchFamily="18" charset="0"/>
-                        </a:rPr>
-                        <a:t>Утвердил</a:t>
-                      </a:r>
-                      <a:endParaRPr kumimoji="0" lang="ru-RU" sz="1000" b="0" i="0" u="none" strike="noStrike" cap="none" normalizeH="0" baseline="0">
-                        <a:ln>
-                          <a:noFill/>
-                        </a:ln>
-                        <a:solidFill>
-                          <a:schemeClr val="tx1"/>
-                        </a:solidFill>
-                        <a:effectLst/>
-                        <a:latin typeface="Arial" charset="0"/>
-                      </a:endParaRPr>
-                    </a:p>
-                  </a:txBody>
-                  <a:tcPr marL="71962" marR="71962" marT="17991" marB="35979" horzOverflow="overflow">
-                    <a:lnL w="12700" cap="flat" cmpd="sng" algn="ctr">
-                      <a:solidFill>
-                        <a:srgbClr val="000000"/>
-                      </a:solidFill>
-                      <a:prstDash val="solid"/>
-                      <a:round/>
-                      <a:headEnd type="none" w="med" len="med"/>
-                      <a:tailEnd type="none" w="med" len="med"/>
-                    </a:lnL>
-                    <a:lnR w="12700" cap="flat" cmpd="sng" algn="ctr">
-                      <a:solidFill>
-                        <a:srgbClr val="000000"/>
-                      </a:solidFill>
-                      <a:prstDash val="solid"/>
-                      <a:round/>
-                      <a:headEnd type="none" w="med" len="med"/>
-                      <a:tailEnd type="none" w="med" len="med"/>
-                    </a:lnR>
-                    <a:lnT w="12700" cap="flat" cmpd="sng" algn="ctr">
-                      <a:solidFill>
-                        <a:srgbClr val="000000"/>
-                      </a:solidFill>
-                      <a:prstDash val="solid"/>
-                      <a:round/>
-                      <a:headEnd type="none" w="med" len="med"/>
-                      <a:tailEnd type="none" w="med" len="med"/>
-                    </a:lnT>
-                    <a:lnB w="12700" cap="flat" cmpd="sng" algn="ctr">
-                      <a:solidFill>
-                        <a:srgbClr val="000000"/>
-                      </a:solidFill>
-                      <a:prstDash val="solid"/>
-                      <a:round/>
-                      <a:headEnd type="none" w="med" len="med"/>
-                      <a:tailEnd type="none" w="med" len="med"/>
-                    </a:lnB>
-                    <a:lnTlToBr>
-                      <a:noFill/>
-                    </a:lnTlToBr>
-                    <a:lnBlToTr>
-                      <a:noFill/>
-                    </a:lnBlToTr>
-                    <a:noFill/>
-                  </a:tcPr>
-                </a:tc>
-                <a:tc>
-                  <a:txBody>
-                    <a:bodyPr/>
-                    <a:lstStyle/>
-                    <a:p>
-                      <a:pPr marL="0" marR="0" lvl="0" indent="0" algn="l" defTabSz="914400" rtl="0" eaLnBrk="1" fontAlgn="base" latinLnBrk="0" hangingPunct="1">
-                        <a:lnSpc>
-                          <a:spcPct val="100000"/>
-                        </a:lnSpc>
-                        <a:spcBef>
-                          <a:spcPct val="0"/>
-                        </a:spcBef>
-                        <a:spcAft>
-                          <a:spcPct val="0"/>
-                        </a:spcAft>
-                        <a:buClrTx/>
-                        <a:buSzTx/>
-                        <a:buFontTx/>
-                        <a:buNone/>
-                        <a:tabLst/>
-                      </a:pPr>
-                      <a:r>
-                        <a:rPr kumimoji="0" lang="ru-RU" sz="1000" b="0" i="0" u="none" strike="noStrike" cap="none" normalizeH="0" baseline="0" dirty="0">
-                          <a:ln>
-                            <a:noFill/>
-                          </a:ln>
-                          <a:solidFill>
-                            <a:schemeClr val="tx1"/>
-                          </a:solidFill>
-                          <a:effectLst/>
-                          <a:latin typeface="Times New Roman" pitchFamily="18" charset="0"/>
-                          <a:cs typeface="Times New Roman" pitchFamily="18" charset="0"/>
-                        </a:rPr>
-                        <a:t>Касимов Р. А</a:t>
-                      </a:r>
-                    </a:p>
-                  </a:txBody>
-                  <a:tcPr marL="71962" marR="71962" marT="17991" marB="35979" horzOverflow="overflow">
-                    <a:lnL w="12700" cap="flat" cmpd="sng" algn="ctr">
-                      <a:solidFill>
-                        <a:srgbClr val="000000"/>
-                      </a:solidFill>
-                      <a:prstDash val="solid"/>
-                      <a:round/>
-                      <a:headEnd type="none" w="med" len="med"/>
-                      <a:tailEnd type="none" w="med" len="med"/>
-                    </a:lnL>
-                    <a:lnR w="12700" cap="flat" cmpd="sng" algn="ctr">
-                      <a:solidFill>
-                        <a:srgbClr val="000000"/>
-                      </a:solidFill>
-                      <a:prstDash val="solid"/>
-                      <a:round/>
-                      <a:headEnd type="none" w="med" len="med"/>
-                      <a:tailEnd type="none" w="med" len="med"/>
-                    </a:lnR>
-                    <a:lnT w="12700" cap="flat" cmpd="sng" algn="ctr">
-                      <a:solidFill>
-                        <a:srgbClr val="000000"/>
-                      </a:solidFill>
-                      <a:prstDash val="solid"/>
-                      <a:round/>
-                      <a:headEnd type="none" w="med" len="med"/>
-                      <a:tailEnd type="none" w="med" len="med"/>
-                    </a:lnT>
-                    <a:lnB w="12700" cap="flat" cmpd="sng" algn="ctr">
-                      <a:solidFill>
-                        <a:srgbClr val="000000"/>
-                      </a:solidFill>
-                      <a:prstDash val="solid"/>
-                      <a:round/>
-                      <a:headEnd type="none" w="med" len="med"/>
-                      <a:tailEnd type="none" w="med" len="med"/>
-                    </a:lnB>
-                    <a:lnTlToBr>
-                      <a:noFill/>
-                    </a:lnTlToBr>
-                    <a:lnBlToTr>
-                      <a:noFill/>
-                    </a:lnBlToTr>
-                    <a:noFill/>
-                  </a:tcPr>
-                </a:tc>
-                <a:tc>
-                  <a:txBody>
-                    <a:bodyPr/>
-                    <a:lstStyle/>
-                    <a:p>
-                      <a:pPr marL="0" marR="0" lvl="0" indent="0" algn="l" defTabSz="914400" rtl="0" eaLnBrk="1" fontAlgn="base" latinLnBrk="0" hangingPunct="1">
-                        <a:lnSpc>
-                          <a:spcPct val="100000"/>
-                        </a:lnSpc>
-                        <a:spcBef>
-                          <a:spcPct val="20000"/>
-                        </a:spcBef>
-                        <a:spcAft>
-                          <a:spcPct val="0"/>
-                        </a:spcAft>
-                        <a:buClrTx/>
-                        <a:buSzTx/>
-                        <a:buFontTx/>
-                        <a:buNone/>
-                        <a:tabLst/>
-                      </a:pPr>
-                      <a:endParaRPr kumimoji="0" lang="ru-RU" sz="1000" b="0" i="0" u="none" strike="noStrike" cap="none" normalizeH="0" baseline="0">
-                        <a:ln>
-                          <a:noFill/>
-                        </a:ln>
-                        <a:solidFill>
-                          <a:schemeClr val="tx1"/>
-                        </a:solidFill>
-                        <a:effectLst/>
-                        <a:latin typeface="Arial" charset="0"/>
-                      </a:endParaRPr>
-                    </a:p>
-                  </a:txBody>
-                  <a:tcPr marL="71962" marR="71962" marT="17991" marB="35979" horzOverflow="overflow">
-                    <a:lnL w="12700" cap="flat" cmpd="sng" algn="ctr">
-                      <a:solidFill>
-                        <a:srgbClr val="000000"/>
-                      </a:solidFill>
-                      <a:prstDash val="solid"/>
-                      <a:round/>
-                      <a:headEnd type="none" w="med" len="med"/>
-                      <a:tailEnd type="none" w="med" len="med"/>
-                    </a:lnL>
-                    <a:lnR w="12700" cap="flat" cmpd="sng" algn="ctr">
-                      <a:solidFill>
-                        <a:srgbClr val="000000"/>
-                      </a:solidFill>
-                      <a:prstDash val="solid"/>
-                      <a:round/>
-                      <a:headEnd type="none" w="med" len="med"/>
-                      <a:tailEnd type="none" w="med" len="med"/>
-                    </a:lnR>
-                    <a:lnT w="12700" cap="flat" cmpd="sng" algn="ctr">
-                      <a:solidFill>
-                        <a:srgbClr val="000000"/>
-                      </a:solidFill>
-                      <a:prstDash val="solid"/>
-                      <a:round/>
-                      <a:headEnd type="none" w="med" len="med"/>
-                      <a:tailEnd type="none" w="med" len="med"/>
-                    </a:lnT>
-                    <a:lnB w="12700" cap="flat" cmpd="sng" algn="ctr">
-                      <a:solidFill>
-                        <a:srgbClr val="000000"/>
-                      </a:solidFill>
-                      <a:prstDash val="solid"/>
-                      <a:round/>
-                      <a:headEnd type="none" w="med" len="med"/>
-                      <a:tailEnd type="none" w="med" len="med"/>
-                    </a:lnB>
-                    <a:lnTlToBr>
-                      <a:noFill/>
-                    </a:lnTlToBr>
-                    <a:lnBlToTr>
-                      <a:noFill/>
-                    </a:lnBlToTr>
-                    <a:noFill/>
-                  </a:tcPr>
-                </a:tc>
-                <a:tc>
-                  <a:txBody>
-                    <a:bodyPr/>
-                    <a:lstStyle/>
-                    <a:p>
-                      <a:pPr marL="0" marR="0" lvl="0" indent="0" algn="l" defTabSz="914400" rtl="0" eaLnBrk="1" fontAlgn="base" latinLnBrk="0" hangingPunct="1">
-                        <a:lnSpc>
-                          <a:spcPct val="100000"/>
-                        </a:lnSpc>
-                        <a:spcBef>
-                          <a:spcPct val="20000"/>
-                        </a:spcBef>
-                        <a:spcAft>
-                          <a:spcPct val="0"/>
-                        </a:spcAft>
-                        <a:buClrTx/>
-                        <a:buSzTx/>
-                        <a:buFontTx/>
-                        <a:buNone/>
-                        <a:tabLst/>
-                      </a:pPr>
-                      <a:endParaRPr kumimoji="0" lang="ru-RU" sz="1000" b="0" i="0" u="none" strike="noStrike" cap="none" normalizeH="0" baseline="0" dirty="0">
-                        <a:ln>
-                          <a:noFill/>
-                        </a:ln>
-                        <a:solidFill>
-                          <a:schemeClr val="tx1"/>
-                        </a:solidFill>
-                        <a:effectLst/>
-                        <a:latin typeface="Arial" charset="0"/>
-                      </a:endParaRPr>
-                    </a:p>
-                  </a:txBody>
-                  <a:tcPr marL="71962" marR="71962" marT="17991" marB="35979" horzOverflow="overflow">
-                    <a:lnL w="12700" cap="flat" cmpd="sng" algn="ctr">
-                      <a:solidFill>
-                        <a:srgbClr val="000000"/>
-                      </a:solidFill>
-                      <a:prstDash val="solid"/>
-                      <a:round/>
-                      <a:headEnd type="none" w="med" len="med"/>
-                      <a:tailEnd type="none" w="med" len="med"/>
-                    </a:lnL>
-                    <a:lnR w="12700" cap="flat" cmpd="sng" algn="ctr">
-                      <a:solidFill>
-                        <a:srgbClr val="000000"/>
-                      </a:solidFill>
-                      <a:prstDash val="solid"/>
-                      <a:round/>
-                      <a:headEnd type="none" w="med" len="med"/>
-                      <a:tailEnd type="none" w="med" len="med"/>
-                    </a:lnR>
-                    <a:lnT w="12700" cap="flat" cmpd="sng" algn="ctr">
-                      <a:solidFill>
-                        <a:srgbClr val="000000"/>
-                      </a:solidFill>
-                      <a:prstDash val="solid"/>
-                      <a:round/>
-                      <a:headEnd type="none" w="med" len="med"/>
-                      <a:tailEnd type="none" w="med" len="med"/>
-                    </a:lnT>
-                    <a:lnB w="12700" cap="flat" cmpd="sng" algn="ctr">
-                      <a:solidFill>
-                        <a:srgbClr val="000000"/>
-                      </a:solidFill>
-                      <a:prstDash val="solid"/>
-                      <a:round/>
-                      <a:headEnd type="none" w="med" len="med"/>
-                      <a:tailEnd type="none" w="med" len="med"/>
-                    </a:lnB>
-                    <a:lnTlToBr>
-                      <a:noFill/>
-                    </a:lnTlToBr>
-                    <a:lnBlToTr>
-                      <a:noFill/>
-                    </a:lnBlToTr>
-                    <a:noFill/>
-                  </a:tcPr>
-                </a:tc>
-                <a:extLst>
-                  <a:ext uri="{0D108BD9-81ED-4DB2-BD59-A6C34878D82A}">
-                    <a16:rowId xmlns:a16="http://schemas.microsoft.com/office/drawing/2014/main" val="10001"/>
-                  </a:ext>
-                </a:extLst>
-              </a:tr>
-            </a:tbl>
-          </a:graphicData>
-        </a:graphic>
-      </p:graphicFrame>
       <p:sp>
         <p:nvSpPr>
           <p:cNvPr id="8" name="Line 158"/>
@@ -13146,3169 +8696,6 @@
           </a:p>
         </p:txBody>
       </p:sp>
-      <p:grpSp>
-        <p:nvGrpSpPr>
-          <p:cNvPr id="74" name="Группа 73"/>
-          <p:cNvGrpSpPr/>
-          <p:nvPr/>
-        </p:nvGrpSpPr>
-        <p:grpSpPr>
-          <a:xfrm>
-            <a:off x="3347864" y="4982357"/>
-            <a:ext cx="5621913" cy="1687003"/>
-            <a:chOff x="611560" y="4293096"/>
-            <a:chExt cx="6581775" cy="1975035"/>
-          </a:xfrm>
-        </p:grpSpPr>
-        <p:sp>
-          <p:nvSpPr>
-            <p:cNvPr id="75" name="Line 4"/>
-            <p:cNvSpPr>
-              <a:spLocks noChangeShapeType="1"/>
-            </p:cNvSpPr>
-            <p:nvPr/>
-          </p:nvSpPr>
-          <p:spPr bwMode="auto">
-            <a:xfrm>
-              <a:off x="935378" y="4295636"/>
-              <a:ext cx="635" cy="906865"/>
-            </a:xfrm>
-            <a:prstGeom prst="line">
-              <a:avLst/>
-            </a:prstGeom>
-            <a:noFill/>
-            <a:ln w="12700">
-              <a:solidFill>
-                <a:srgbClr val="000000"/>
-              </a:solidFill>
-              <a:round/>
-              <a:headEnd/>
-              <a:tailEnd/>
-            </a:ln>
-            <a:effectLst/>
-          </p:spPr>
-          <p:txBody>
-            <a:bodyPr vert="horz" wrap="square" lIns="91440" tIns="45720" rIns="91440" bIns="45720" numCol="1" anchor="t" anchorCtr="0" compatLnSpc="1">
-              <a:prstTxWarp prst="textNoShape">
-                <a:avLst/>
-              </a:prstTxWarp>
-            </a:bodyPr>
-            <a:lstStyle/>
-            <a:p>
-              <a:endParaRPr lang="ru-RU" sz="800"/>
-            </a:p>
-          </p:txBody>
-        </p:sp>
-        <p:sp>
-          <p:nvSpPr>
-            <p:cNvPr id="76" name="Line 5"/>
-            <p:cNvSpPr>
-              <a:spLocks noChangeShapeType="1"/>
-            </p:cNvSpPr>
-            <p:nvPr/>
-          </p:nvSpPr>
-          <p:spPr bwMode="auto">
-            <a:xfrm>
-              <a:off x="3124013" y="4833531"/>
-              <a:ext cx="4064878" cy="635"/>
-            </a:xfrm>
-            <a:prstGeom prst="line">
-              <a:avLst/>
-            </a:prstGeom>
-            <a:noFill/>
-            <a:ln w="12700">
-              <a:solidFill>
-                <a:srgbClr val="000000"/>
-              </a:solidFill>
-              <a:round/>
-              <a:headEnd/>
-              <a:tailEnd/>
-            </a:ln>
-            <a:effectLst/>
-          </p:spPr>
-          <p:txBody>
-            <a:bodyPr vert="horz" wrap="square" lIns="91440" tIns="45720" rIns="91440" bIns="45720" numCol="1" anchor="t" anchorCtr="0" compatLnSpc="1">
-              <a:prstTxWarp prst="textNoShape">
-                <a:avLst/>
-              </a:prstTxWarp>
-            </a:bodyPr>
-            <a:lstStyle/>
-            <a:p>
-              <a:endParaRPr lang="ru-RU" sz="800"/>
-            </a:p>
-          </p:txBody>
-        </p:sp>
-        <p:sp>
-          <p:nvSpPr>
-            <p:cNvPr id="77" name="Line 6"/>
-            <p:cNvSpPr>
-              <a:spLocks noChangeShapeType="1"/>
-            </p:cNvSpPr>
-            <p:nvPr/>
-          </p:nvSpPr>
-          <p:spPr bwMode="auto">
-            <a:xfrm>
-              <a:off x="1328406" y="4300082"/>
-              <a:ext cx="635" cy="1968049"/>
-            </a:xfrm>
-            <a:prstGeom prst="line">
-              <a:avLst/>
-            </a:prstGeom>
-            <a:noFill/>
-            <a:ln w="12700">
-              <a:solidFill>
-                <a:srgbClr val="000000"/>
-              </a:solidFill>
-              <a:round/>
-              <a:headEnd/>
-              <a:tailEnd/>
-            </a:ln>
-            <a:effectLst/>
-          </p:spPr>
-          <p:txBody>
-            <a:bodyPr vert="horz" wrap="square" lIns="91440" tIns="45720" rIns="91440" bIns="45720" numCol="1" anchor="t" anchorCtr="0" compatLnSpc="1">
-              <a:prstTxWarp prst="textNoShape">
-                <a:avLst/>
-              </a:prstTxWarp>
-            </a:bodyPr>
-            <a:lstStyle/>
-            <a:p>
-              <a:endParaRPr lang="ru-RU" sz="800"/>
-            </a:p>
-          </p:txBody>
-        </p:sp>
-        <p:sp>
-          <p:nvSpPr>
-            <p:cNvPr id="78" name="Line 7"/>
-            <p:cNvSpPr>
-              <a:spLocks noChangeShapeType="1"/>
-            </p:cNvSpPr>
-            <p:nvPr/>
-          </p:nvSpPr>
-          <p:spPr bwMode="auto">
-            <a:xfrm>
-              <a:off x="2228749" y="4300082"/>
-              <a:ext cx="635" cy="1968049"/>
-            </a:xfrm>
-            <a:prstGeom prst="line">
-              <a:avLst/>
-            </a:prstGeom>
-            <a:noFill/>
-            <a:ln w="12700">
-              <a:solidFill>
-                <a:srgbClr val="000000"/>
-              </a:solidFill>
-              <a:round/>
-              <a:headEnd/>
-              <a:tailEnd/>
-            </a:ln>
-            <a:effectLst/>
-          </p:spPr>
-          <p:txBody>
-            <a:bodyPr vert="horz" wrap="square" lIns="91440" tIns="45720" rIns="91440" bIns="45720" numCol="1" anchor="t" anchorCtr="0" compatLnSpc="1">
-              <a:prstTxWarp prst="textNoShape">
-                <a:avLst/>
-              </a:prstTxWarp>
-            </a:bodyPr>
-            <a:lstStyle/>
-            <a:p>
-              <a:endParaRPr lang="ru-RU" sz="800"/>
-            </a:p>
-          </p:txBody>
-        </p:sp>
-        <p:sp>
-          <p:nvSpPr>
-            <p:cNvPr id="79" name="Line 8"/>
-            <p:cNvSpPr>
-              <a:spLocks noChangeShapeType="1"/>
-            </p:cNvSpPr>
-            <p:nvPr/>
-          </p:nvSpPr>
-          <p:spPr bwMode="auto">
-            <a:xfrm>
-              <a:off x="2768447" y="4295636"/>
-              <a:ext cx="635" cy="1972494"/>
-            </a:xfrm>
-            <a:prstGeom prst="line">
-              <a:avLst/>
-            </a:prstGeom>
-            <a:noFill/>
-            <a:ln w="12700">
-              <a:solidFill>
-                <a:srgbClr val="000000"/>
-              </a:solidFill>
-              <a:round/>
-              <a:headEnd/>
-              <a:tailEnd/>
-            </a:ln>
-            <a:effectLst/>
-          </p:spPr>
-          <p:txBody>
-            <a:bodyPr vert="horz" wrap="square" lIns="91440" tIns="45720" rIns="91440" bIns="45720" numCol="1" anchor="t" anchorCtr="0" compatLnSpc="1">
-              <a:prstTxWarp prst="textNoShape">
-                <a:avLst/>
-              </a:prstTxWarp>
-            </a:bodyPr>
-            <a:lstStyle/>
-            <a:p>
-              <a:endParaRPr lang="ru-RU" sz="800"/>
-            </a:p>
-          </p:txBody>
-        </p:sp>
-        <p:sp>
-          <p:nvSpPr>
-            <p:cNvPr id="80" name="Line 9"/>
-            <p:cNvSpPr>
-              <a:spLocks noChangeShapeType="1"/>
-            </p:cNvSpPr>
-            <p:nvPr/>
-          </p:nvSpPr>
-          <p:spPr bwMode="auto">
-            <a:xfrm>
-              <a:off x="3128457" y="4300082"/>
-              <a:ext cx="635" cy="1962968"/>
-            </a:xfrm>
-            <a:prstGeom prst="line">
-              <a:avLst/>
-            </a:prstGeom>
-            <a:noFill/>
-            <a:ln w="12700">
-              <a:solidFill>
-                <a:srgbClr val="000000"/>
-              </a:solidFill>
-              <a:round/>
-              <a:headEnd/>
-              <a:tailEnd/>
-            </a:ln>
-            <a:effectLst/>
-          </p:spPr>
-          <p:txBody>
-            <a:bodyPr vert="horz" wrap="square" lIns="91440" tIns="45720" rIns="91440" bIns="45720" numCol="1" anchor="t" anchorCtr="0" compatLnSpc="1">
-              <a:prstTxWarp prst="textNoShape">
-                <a:avLst/>
-              </a:prstTxWarp>
-            </a:bodyPr>
-            <a:lstStyle/>
-            <a:p>
-              <a:endParaRPr lang="ru-RU" sz="800"/>
-            </a:p>
-          </p:txBody>
-        </p:sp>
-        <p:sp>
-          <p:nvSpPr>
-            <p:cNvPr id="81" name="Line 10"/>
-            <p:cNvSpPr>
-              <a:spLocks noChangeShapeType="1"/>
-            </p:cNvSpPr>
-            <p:nvPr/>
-          </p:nvSpPr>
-          <p:spPr bwMode="auto">
-            <a:xfrm>
-              <a:off x="611560" y="5913767"/>
-              <a:ext cx="2510548" cy="635"/>
-            </a:xfrm>
-            <a:prstGeom prst="line">
-              <a:avLst/>
-            </a:prstGeom>
-            <a:noFill/>
-            <a:ln w="12700">
-              <a:solidFill>
-                <a:srgbClr val="000000"/>
-              </a:solidFill>
-              <a:round/>
-              <a:headEnd/>
-              <a:tailEnd/>
-            </a:ln>
-            <a:effectLst/>
-          </p:spPr>
-          <p:txBody>
-            <a:bodyPr vert="horz" wrap="square" lIns="91440" tIns="45720" rIns="91440" bIns="45720" numCol="1" anchor="t" anchorCtr="0" compatLnSpc="1">
-              <a:prstTxWarp prst="textNoShape">
-                <a:avLst/>
-              </a:prstTxWarp>
-            </a:bodyPr>
-            <a:lstStyle/>
-            <a:p>
-              <a:endParaRPr lang="ru-RU" sz="800"/>
-            </a:p>
-          </p:txBody>
-        </p:sp>
-        <p:sp>
-          <p:nvSpPr>
-            <p:cNvPr id="82" name="Line 11"/>
-            <p:cNvSpPr>
-              <a:spLocks noChangeShapeType="1"/>
-            </p:cNvSpPr>
-            <p:nvPr/>
-          </p:nvSpPr>
-          <p:spPr bwMode="auto">
-            <a:xfrm>
-              <a:off x="611560" y="6093489"/>
-              <a:ext cx="2510548" cy="635"/>
-            </a:xfrm>
-            <a:prstGeom prst="line">
-              <a:avLst/>
-            </a:prstGeom>
-            <a:noFill/>
-            <a:ln w="12700">
-              <a:solidFill>
-                <a:srgbClr val="000000"/>
-              </a:solidFill>
-              <a:round/>
-              <a:headEnd/>
-              <a:tailEnd/>
-            </a:ln>
-            <a:effectLst/>
-          </p:spPr>
-          <p:txBody>
-            <a:bodyPr vert="horz" wrap="square" lIns="91440" tIns="45720" rIns="91440" bIns="45720" numCol="1" anchor="t" anchorCtr="0" compatLnSpc="1">
-              <a:prstTxWarp prst="textNoShape">
-                <a:avLst/>
-              </a:prstTxWarp>
-            </a:bodyPr>
-            <a:lstStyle/>
-            <a:p>
-              <a:endParaRPr lang="ru-RU" sz="800"/>
-            </a:p>
-          </p:txBody>
-        </p:sp>
-        <p:sp>
-          <p:nvSpPr>
-            <p:cNvPr id="83" name="Rectangle 12"/>
-            <p:cNvSpPr>
-              <a:spLocks noChangeArrowheads="1"/>
-            </p:cNvSpPr>
-            <p:nvPr/>
-          </p:nvSpPr>
-          <p:spPr bwMode="auto">
-            <a:xfrm>
-              <a:off x="626163" y="5024684"/>
-              <a:ext cx="290802" cy="157495"/>
-            </a:xfrm>
-            <a:prstGeom prst="rect">
-              <a:avLst/>
-            </a:prstGeom>
-            <a:noFill/>
-            <a:ln w="12700">
-              <a:noFill/>
-              <a:miter lim="800000"/>
-              <a:headEnd/>
-              <a:tailEnd/>
-            </a:ln>
-            <a:effectLst/>
-          </p:spPr>
-          <p:txBody>
-            <a:bodyPr vert="horz" wrap="square" lIns="12700" tIns="12700" rIns="12700" bIns="12700" numCol="1" anchor="t" anchorCtr="0" compatLnSpc="1">
-              <a:prstTxWarp prst="textNoShape">
-                <a:avLst/>
-              </a:prstTxWarp>
-            </a:bodyPr>
-            <a:lstStyle/>
-            <a:p>
-              <a:pPr marL="0" marR="0" lvl="0" indent="0" algn="ctr" defTabSz="914400" rtl="0" eaLnBrk="1" fontAlgn="base" latinLnBrk="0" hangingPunct="1">
-                <a:lnSpc>
-                  <a:spcPct val="100000"/>
-                </a:lnSpc>
-                <a:spcBef>
-                  <a:spcPct val="0"/>
-                </a:spcBef>
-                <a:spcAft>
-                  <a:spcPct val="0"/>
-                </a:spcAft>
-                <a:buClrTx/>
-                <a:buSzTx/>
-                <a:buFontTx/>
-                <a:buNone/>
-                <a:tabLst/>
-              </a:pPr>
-              <a:r>
-                <a:rPr kumimoji="0" lang="uk-UA" sz="800" b="0" i="1" u="none" strike="noStrike" cap="none" normalizeH="0" baseline="0" dirty="0" err="1">
-                  <a:ln>
-                    <a:noFill/>
-                  </a:ln>
-                  <a:solidFill>
-                    <a:schemeClr val="tx1"/>
-                  </a:solidFill>
-                  <a:effectLst/>
-                  <a:latin typeface="ISOCPEUR" charset="0"/>
-                  <a:cs typeface="Arial" pitchFamily="34" charset="0"/>
-                </a:rPr>
-                <a:t>Изм</a:t>
-              </a:r>
-              <a:r>
-                <a:rPr kumimoji="0" lang="uk-UA" sz="800" b="0" i="1" u="none" strike="noStrike" cap="none" normalizeH="0" baseline="0" dirty="0">
-                  <a:ln>
-                    <a:noFill/>
-                  </a:ln>
-                  <a:solidFill>
-                    <a:schemeClr val="tx1"/>
-                  </a:solidFill>
-                  <a:effectLst/>
-                  <a:latin typeface="ISOCPEUR" charset="0"/>
-                  <a:cs typeface="Arial" pitchFamily="34" charset="0"/>
-                </a:rPr>
-                <a:t>.</a:t>
-              </a:r>
-              <a:endParaRPr kumimoji="0" lang="ru-RU" sz="800" b="0" i="0" u="none" strike="noStrike" cap="none" normalizeH="0" baseline="0" dirty="0">
-                <a:ln>
-                  <a:noFill/>
-                </a:ln>
-                <a:solidFill>
-                  <a:schemeClr val="tx1"/>
-                </a:solidFill>
-                <a:effectLst/>
-                <a:latin typeface="Arial" pitchFamily="34" charset="0"/>
-                <a:cs typeface="Arial" pitchFamily="34" charset="0"/>
-              </a:endParaRPr>
-            </a:p>
-          </p:txBody>
-        </p:sp>
-        <p:sp>
-          <p:nvSpPr>
-            <p:cNvPr id="84" name="Rectangle 13"/>
-            <p:cNvSpPr>
-              <a:spLocks noChangeArrowheads="1"/>
-            </p:cNvSpPr>
-            <p:nvPr/>
-          </p:nvSpPr>
-          <p:spPr bwMode="auto">
-            <a:xfrm>
-              <a:off x="954427" y="5024684"/>
-              <a:ext cx="362550" cy="157495"/>
-            </a:xfrm>
-            <a:prstGeom prst="rect">
-              <a:avLst/>
-            </a:prstGeom>
-            <a:noFill/>
-            <a:ln w="12700">
-              <a:noFill/>
-              <a:miter lim="800000"/>
-              <a:headEnd/>
-              <a:tailEnd/>
-            </a:ln>
-            <a:effectLst/>
-          </p:spPr>
-          <p:txBody>
-            <a:bodyPr vert="horz" wrap="square" lIns="12700" tIns="12700" rIns="12700" bIns="12700" numCol="1" anchor="t" anchorCtr="0" compatLnSpc="1">
-              <a:prstTxWarp prst="textNoShape">
-                <a:avLst/>
-              </a:prstTxWarp>
-            </a:bodyPr>
-            <a:lstStyle/>
-            <a:p>
-              <a:pPr marL="0" marR="0" lvl="0" indent="0" algn="ctr" defTabSz="914400" rtl="0" eaLnBrk="1" fontAlgn="base" latinLnBrk="0" hangingPunct="1">
-                <a:lnSpc>
-                  <a:spcPct val="100000"/>
-                </a:lnSpc>
-                <a:spcBef>
-                  <a:spcPct val="0"/>
-                </a:spcBef>
-                <a:spcAft>
-                  <a:spcPct val="0"/>
-                </a:spcAft>
-                <a:buClrTx/>
-                <a:buSzTx/>
-                <a:buFontTx/>
-                <a:buNone/>
-                <a:tabLst/>
-              </a:pPr>
-              <a:r>
-                <a:rPr kumimoji="0" lang="uk-UA" sz="800" b="0" i="1" u="none" strike="noStrike" cap="none" normalizeH="0" baseline="0">
-                  <a:ln>
-                    <a:noFill/>
-                  </a:ln>
-                  <a:solidFill>
-                    <a:schemeClr val="tx1"/>
-                  </a:solidFill>
-                  <a:effectLst/>
-                  <a:latin typeface="ISOCPEUR" charset="0"/>
-                  <a:cs typeface="Arial" pitchFamily="34" charset="0"/>
-                </a:rPr>
-                <a:t>Лист</a:t>
-              </a:r>
-              <a:endParaRPr kumimoji="0" lang="ru-RU" sz="800" b="0" i="0" u="none" strike="noStrike" cap="none" normalizeH="0" baseline="0">
-                <a:ln>
-                  <a:noFill/>
-                </a:ln>
-                <a:solidFill>
-                  <a:schemeClr val="tx1"/>
-                </a:solidFill>
-                <a:effectLst/>
-                <a:latin typeface="Arial" pitchFamily="34" charset="0"/>
-                <a:cs typeface="Arial" pitchFamily="34" charset="0"/>
-              </a:endParaRPr>
-            </a:p>
-          </p:txBody>
-        </p:sp>
-        <p:sp>
-          <p:nvSpPr>
-            <p:cNvPr id="85" name="Rectangle 14"/>
-            <p:cNvSpPr>
-              <a:spLocks noChangeArrowheads="1"/>
-            </p:cNvSpPr>
-            <p:nvPr/>
-          </p:nvSpPr>
-          <p:spPr bwMode="auto">
-            <a:xfrm>
-              <a:off x="1355073" y="5024684"/>
-              <a:ext cx="847643" cy="157495"/>
-            </a:xfrm>
-            <a:prstGeom prst="rect">
-              <a:avLst/>
-            </a:prstGeom>
-            <a:noFill/>
-            <a:ln w="12700">
-              <a:noFill/>
-              <a:miter lim="800000"/>
-              <a:headEnd/>
-              <a:tailEnd/>
-            </a:ln>
-            <a:effectLst/>
-          </p:spPr>
-          <p:txBody>
-            <a:bodyPr vert="horz" wrap="square" lIns="12700" tIns="12700" rIns="12700" bIns="12700" numCol="1" anchor="t" anchorCtr="0" compatLnSpc="1">
-              <a:prstTxWarp prst="textNoShape">
-                <a:avLst/>
-              </a:prstTxWarp>
-            </a:bodyPr>
-            <a:lstStyle/>
-            <a:p>
-              <a:pPr marL="0" marR="0" lvl="0" indent="0" algn="ctr" defTabSz="914400" rtl="0" eaLnBrk="1" fontAlgn="base" latinLnBrk="0" hangingPunct="1">
-                <a:lnSpc>
-                  <a:spcPct val="100000"/>
-                </a:lnSpc>
-                <a:spcBef>
-                  <a:spcPct val="0"/>
-                </a:spcBef>
-                <a:spcAft>
-                  <a:spcPct val="0"/>
-                </a:spcAft>
-                <a:buClrTx/>
-                <a:buSzTx/>
-                <a:buFontTx/>
-                <a:buNone/>
-                <a:tabLst/>
-              </a:pPr>
-              <a:r>
-                <a:rPr kumimoji="0" lang="uk-UA" sz="800" b="0" i="1" u="none" strike="noStrike" cap="none" normalizeH="0" baseline="0" dirty="0">
-                  <a:ln>
-                    <a:noFill/>
-                  </a:ln>
-                  <a:solidFill>
-                    <a:schemeClr val="tx1"/>
-                  </a:solidFill>
-                  <a:effectLst/>
-                  <a:latin typeface="ISOCPEUR" charset="0"/>
-                  <a:cs typeface="Arial" pitchFamily="34" charset="0"/>
-                </a:rPr>
-                <a:t>№ </a:t>
-              </a:r>
-              <a:r>
-                <a:rPr kumimoji="0" lang="uk-UA" sz="800" b="0" i="1" u="none" strike="noStrike" cap="none" normalizeH="0" baseline="0" dirty="0" err="1">
-                  <a:ln>
-                    <a:noFill/>
-                  </a:ln>
-                  <a:solidFill>
-                    <a:schemeClr val="tx1"/>
-                  </a:solidFill>
-                  <a:effectLst/>
-                  <a:latin typeface="ISOCPEUR" charset="0"/>
-                  <a:cs typeface="Arial" pitchFamily="34" charset="0"/>
-                </a:rPr>
-                <a:t>докум</a:t>
-              </a:r>
-              <a:r>
-                <a:rPr kumimoji="0" lang="uk-UA" sz="800" b="0" i="1" u="none" strike="noStrike" cap="none" normalizeH="0" baseline="0" dirty="0">
-                  <a:ln>
-                    <a:noFill/>
-                  </a:ln>
-                  <a:solidFill>
-                    <a:schemeClr val="tx1"/>
-                  </a:solidFill>
-                  <a:effectLst/>
-                  <a:latin typeface="ISOCPEUR" charset="0"/>
-                  <a:cs typeface="Arial" pitchFamily="34" charset="0"/>
-                </a:rPr>
-                <a:t>.</a:t>
-              </a:r>
-              <a:endParaRPr kumimoji="0" lang="ru-RU" sz="800" b="0" i="0" u="none" strike="noStrike" cap="none" normalizeH="0" baseline="0" dirty="0">
-                <a:ln>
-                  <a:noFill/>
-                </a:ln>
-                <a:solidFill>
-                  <a:schemeClr val="tx1"/>
-                </a:solidFill>
-                <a:effectLst/>
-                <a:latin typeface="Arial" pitchFamily="34" charset="0"/>
-                <a:cs typeface="Arial" pitchFamily="34" charset="0"/>
-              </a:endParaRPr>
-            </a:p>
-          </p:txBody>
-        </p:sp>
-        <p:sp>
-          <p:nvSpPr>
-            <p:cNvPr id="86" name="Rectangle 15"/>
-            <p:cNvSpPr>
-              <a:spLocks noChangeArrowheads="1"/>
-            </p:cNvSpPr>
-            <p:nvPr/>
-          </p:nvSpPr>
-          <p:spPr bwMode="auto">
-            <a:xfrm>
-              <a:off x="2249702" y="5024684"/>
-              <a:ext cx="505411" cy="157495"/>
-            </a:xfrm>
-            <a:prstGeom prst="rect">
-              <a:avLst/>
-            </a:prstGeom>
-            <a:noFill/>
-            <a:ln w="12700">
-              <a:noFill/>
-              <a:miter lim="800000"/>
-              <a:headEnd/>
-              <a:tailEnd/>
-            </a:ln>
-            <a:effectLst/>
-          </p:spPr>
-          <p:txBody>
-            <a:bodyPr vert="horz" wrap="square" lIns="12700" tIns="12700" rIns="12700" bIns="12700" numCol="1" anchor="t" anchorCtr="0" compatLnSpc="1">
-              <a:prstTxWarp prst="textNoShape">
-                <a:avLst/>
-              </a:prstTxWarp>
-            </a:bodyPr>
-            <a:lstStyle/>
-            <a:p>
-              <a:pPr marL="0" marR="0" lvl="0" indent="0" algn="ctr" defTabSz="914400" rtl="0" eaLnBrk="1" fontAlgn="base" latinLnBrk="0" hangingPunct="1">
-                <a:lnSpc>
-                  <a:spcPct val="100000"/>
-                </a:lnSpc>
-                <a:spcBef>
-                  <a:spcPct val="0"/>
-                </a:spcBef>
-                <a:spcAft>
-                  <a:spcPct val="0"/>
-                </a:spcAft>
-                <a:buClrTx/>
-                <a:buSzTx/>
-                <a:buFontTx/>
-                <a:buNone/>
-                <a:tabLst/>
-              </a:pPr>
-              <a:r>
-                <a:rPr kumimoji="0" lang="uk-UA" sz="700" b="0" i="1" u="none" strike="noStrike" cap="none" normalizeH="0" baseline="0" dirty="0" err="1">
-                  <a:ln>
-                    <a:noFill/>
-                  </a:ln>
-                  <a:solidFill>
-                    <a:schemeClr val="tx1"/>
-                  </a:solidFill>
-                  <a:effectLst/>
-                  <a:latin typeface="ISOCPEUR" charset="0"/>
-                  <a:cs typeface="Arial" pitchFamily="34" charset="0"/>
-                </a:rPr>
-                <a:t>Подпись</a:t>
-              </a:r>
-              <a:endParaRPr kumimoji="0" lang="ru-RU" sz="800" b="0" i="0" u="none" strike="noStrike" cap="none" normalizeH="0" baseline="0" dirty="0">
-                <a:ln>
-                  <a:noFill/>
-                </a:ln>
-                <a:solidFill>
-                  <a:schemeClr val="tx1"/>
-                </a:solidFill>
-                <a:effectLst/>
-                <a:latin typeface="Arial" pitchFamily="34" charset="0"/>
-                <a:cs typeface="Arial" pitchFamily="34" charset="0"/>
-              </a:endParaRPr>
-            </a:p>
-          </p:txBody>
-        </p:sp>
-        <p:sp>
-          <p:nvSpPr>
-            <p:cNvPr id="87" name="Rectangle 16"/>
-            <p:cNvSpPr>
-              <a:spLocks noChangeArrowheads="1"/>
-            </p:cNvSpPr>
-            <p:nvPr/>
-          </p:nvSpPr>
-          <p:spPr bwMode="auto">
-            <a:xfrm>
-              <a:off x="2783685" y="5024684"/>
-              <a:ext cx="329533" cy="157495"/>
-            </a:xfrm>
-            <a:prstGeom prst="rect">
-              <a:avLst/>
-            </a:prstGeom>
-            <a:noFill/>
-            <a:ln w="12700">
-              <a:noFill/>
-              <a:miter lim="800000"/>
-              <a:headEnd/>
-              <a:tailEnd/>
-            </a:ln>
-            <a:effectLst/>
-          </p:spPr>
-          <p:txBody>
-            <a:bodyPr vert="horz" wrap="square" lIns="12700" tIns="12700" rIns="12700" bIns="12700" numCol="1" anchor="t" anchorCtr="0" compatLnSpc="1">
-              <a:prstTxWarp prst="textNoShape">
-                <a:avLst/>
-              </a:prstTxWarp>
-            </a:bodyPr>
-            <a:lstStyle/>
-            <a:p>
-              <a:pPr marL="0" marR="0" lvl="0" indent="0" algn="ctr" defTabSz="914400" rtl="0" eaLnBrk="1" fontAlgn="base" latinLnBrk="0" hangingPunct="1">
-                <a:lnSpc>
-                  <a:spcPct val="100000"/>
-                </a:lnSpc>
-                <a:spcBef>
-                  <a:spcPct val="0"/>
-                </a:spcBef>
-                <a:spcAft>
-                  <a:spcPct val="0"/>
-                </a:spcAft>
-                <a:buClrTx/>
-                <a:buSzTx/>
-                <a:buFontTx/>
-                <a:buNone/>
-                <a:tabLst/>
-              </a:pPr>
-              <a:r>
-                <a:rPr kumimoji="0" lang="uk-UA" sz="800" b="0" i="1" u="none" strike="noStrike" cap="none" normalizeH="0" baseline="0" dirty="0">
-                  <a:ln>
-                    <a:noFill/>
-                  </a:ln>
-                  <a:solidFill>
-                    <a:schemeClr val="tx1"/>
-                  </a:solidFill>
-                  <a:effectLst/>
-                  <a:latin typeface="ISOCPEUR" charset="0"/>
-                  <a:cs typeface="Arial" pitchFamily="34" charset="0"/>
-                </a:rPr>
-                <a:t>Дата</a:t>
-              </a:r>
-              <a:endParaRPr kumimoji="0" lang="ru-RU" sz="800" b="0" i="0" u="none" strike="noStrike" cap="none" normalizeH="0" baseline="0" dirty="0">
-                <a:ln>
-                  <a:noFill/>
-                </a:ln>
-                <a:solidFill>
-                  <a:schemeClr val="tx1"/>
-                </a:solidFill>
-                <a:effectLst/>
-                <a:latin typeface="Arial" pitchFamily="34" charset="0"/>
-                <a:cs typeface="Arial" pitchFamily="34" charset="0"/>
-              </a:endParaRPr>
-            </a:p>
-          </p:txBody>
-        </p:sp>
-        <p:sp>
-          <p:nvSpPr>
-            <p:cNvPr id="88" name="Rectangle 17"/>
-            <p:cNvSpPr>
-              <a:spLocks noChangeArrowheads="1"/>
-            </p:cNvSpPr>
-            <p:nvPr/>
-          </p:nvSpPr>
-          <p:spPr bwMode="auto">
-            <a:xfrm>
-              <a:off x="5307567" y="5567025"/>
-              <a:ext cx="319374" cy="157495"/>
-            </a:xfrm>
-            <a:prstGeom prst="rect">
-              <a:avLst/>
-            </a:prstGeom>
-            <a:noFill/>
-            <a:ln w="12700">
-              <a:noFill/>
-              <a:miter lim="800000"/>
-              <a:headEnd/>
-              <a:tailEnd/>
-            </a:ln>
-            <a:effectLst/>
-          </p:spPr>
-          <p:txBody>
-            <a:bodyPr vert="horz" wrap="square" lIns="12700" tIns="12700" rIns="12700" bIns="12700" numCol="1" anchor="t" anchorCtr="0" compatLnSpc="1">
-              <a:prstTxWarp prst="textNoShape">
-                <a:avLst/>
-              </a:prstTxWarp>
-            </a:bodyPr>
-            <a:lstStyle/>
-            <a:p>
-              <a:pPr marL="0" marR="0" lvl="0" indent="0" algn="ctr" defTabSz="914400" rtl="0" eaLnBrk="1" fontAlgn="base" latinLnBrk="0" hangingPunct="1">
-                <a:lnSpc>
-                  <a:spcPct val="100000"/>
-                </a:lnSpc>
-                <a:spcBef>
-                  <a:spcPct val="0"/>
-                </a:spcBef>
-                <a:spcAft>
-                  <a:spcPct val="0"/>
-                </a:spcAft>
-                <a:buClrTx/>
-                <a:buSzTx/>
-                <a:buFontTx/>
-                <a:buNone/>
-                <a:tabLst/>
-              </a:pPr>
-              <a:r>
-                <a:rPr kumimoji="0" lang="uk-UA" sz="800" b="0" i="1" u="none" strike="noStrike" cap="none" normalizeH="0" baseline="0" dirty="0">
-                  <a:ln>
-                    <a:noFill/>
-                  </a:ln>
-                  <a:solidFill>
-                    <a:schemeClr val="tx1"/>
-                  </a:solidFill>
-                  <a:effectLst/>
-                  <a:latin typeface="ISOCPEUR" charset="0"/>
-                  <a:cs typeface="Arial" pitchFamily="34" charset="0"/>
-                </a:rPr>
-                <a:t>Лист</a:t>
-              </a:r>
-              <a:endParaRPr kumimoji="0" lang="ru-RU" sz="800" b="0" i="0" u="none" strike="noStrike" cap="none" normalizeH="0" baseline="0" dirty="0">
-                <a:ln>
-                  <a:noFill/>
-                </a:ln>
-                <a:solidFill>
-                  <a:schemeClr val="tx1"/>
-                </a:solidFill>
-                <a:effectLst/>
-                <a:latin typeface="Arial" pitchFamily="34" charset="0"/>
-                <a:cs typeface="Arial" pitchFamily="34" charset="0"/>
-              </a:endParaRPr>
-            </a:p>
-          </p:txBody>
-        </p:sp>
-        <p:sp>
-          <p:nvSpPr>
-            <p:cNvPr id="89" name="Rectangle 18"/>
-            <p:cNvSpPr>
-              <a:spLocks noChangeArrowheads="1"/>
-            </p:cNvSpPr>
-            <p:nvPr/>
-          </p:nvSpPr>
-          <p:spPr bwMode="auto">
-            <a:xfrm>
-              <a:off x="5617417" y="5566390"/>
-              <a:ext cx="375884" cy="158130"/>
-            </a:xfrm>
-            <a:prstGeom prst="rect">
-              <a:avLst/>
-            </a:prstGeom>
-            <a:noFill/>
-            <a:ln w="12700">
-              <a:noFill/>
-              <a:miter lim="800000"/>
-              <a:headEnd/>
-              <a:tailEnd/>
-            </a:ln>
-            <a:effectLst/>
-          </p:spPr>
-          <p:txBody>
-            <a:bodyPr vert="horz" wrap="square" lIns="12700" tIns="12700" rIns="12700" bIns="12700" numCol="1" anchor="t" anchorCtr="0" compatLnSpc="1">
-              <a:prstTxWarp prst="textNoShape">
-                <a:avLst/>
-              </a:prstTxWarp>
-            </a:bodyPr>
-            <a:lstStyle/>
-            <a:p>
-              <a:pPr marL="0" marR="0" lvl="0" indent="0" algn="ctr" defTabSz="914400" rtl="0" eaLnBrk="1" fontAlgn="base" latinLnBrk="0" hangingPunct="1">
-                <a:lnSpc>
-                  <a:spcPct val="100000"/>
-                </a:lnSpc>
-                <a:spcBef>
-                  <a:spcPct val="0"/>
-                </a:spcBef>
-                <a:spcAft>
-                  <a:spcPct val="0"/>
-                </a:spcAft>
-                <a:buClrTx/>
-                <a:buSzTx/>
-                <a:buFontTx/>
-                <a:buNone/>
-                <a:tabLst/>
-              </a:pPr>
-              <a:r>
-                <a:rPr lang="ru-RU" sz="800" i="1" dirty="0">
-                  <a:latin typeface="Times New Roman" pitchFamily="18" charset="0"/>
-                  <a:cs typeface="Arial" pitchFamily="34" charset="0"/>
-                </a:rPr>
-                <a:t>6</a:t>
-              </a:r>
-              <a:endParaRPr kumimoji="0" lang="ru-RU" sz="800" b="0" i="0" u="none" strike="noStrike" cap="none" normalizeH="0" baseline="0" dirty="0">
-                <a:ln>
-                  <a:noFill/>
-                </a:ln>
-                <a:solidFill>
-                  <a:schemeClr val="tx1"/>
-                </a:solidFill>
-                <a:effectLst/>
-                <a:latin typeface="Arial" pitchFamily="34" charset="0"/>
-                <a:cs typeface="Arial" pitchFamily="34" charset="0"/>
-              </a:endParaRPr>
-            </a:p>
-          </p:txBody>
-        </p:sp>
-        <p:sp>
-          <p:nvSpPr>
-            <p:cNvPr id="90" name="Rectangle 19"/>
-            <p:cNvSpPr>
-              <a:spLocks noChangeArrowheads="1"/>
-            </p:cNvSpPr>
-            <p:nvPr/>
-          </p:nvSpPr>
-          <p:spPr bwMode="auto">
-            <a:xfrm>
-              <a:off x="3155759" y="4442335"/>
-              <a:ext cx="4005194" cy="243228"/>
-            </a:xfrm>
-            <a:prstGeom prst="rect">
-              <a:avLst/>
-            </a:prstGeom>
-            <a:noFill/>
-            <a:ln w="12700">
-              <a:noFill/>
-              <a:miter lim="800000"/>
-              <a:headEnd/>
-              <a:tailEnd/>
-            </a:ln>
-            <a:effectLst/>
-          </p:spPr>
-          <p:txBody>
-            <a:bodyPr vert="horz" wrap="square" lIns="12700" tIns="12700" rIns="12700" bIns="12700" numCol="1" anchor="t" anchorCtr="0" compatLnSpc="1">
-              <a:prstTxWarp prst="textNoShape">
-                <a:avLst/>
-              </a:prstTxWarp>
-            </a:bodyPr>
-            <a:lstStyle/>
-            <a:p>
-              <a:pPr marL="0" marR="0" lvl="0" indent="0" algn="ctr" defTabSz="914400" rtl="0" eaLnBrk="1" fontAlgn="base" latinLnBrk="0" hangingPunct="1">
-                <a:lnSpc>
-                  <a:spcPct val="100000"/>
-                </a:lnSpc>
-                <a:spcBef>
-                  <a:spcPct val="0"/>
-                </a:spcBef>
-                <a:spcAft>
-                  <a:spcPct val="0"/>
-                </a:spcAft>
-                <a:buClrTx/>
-                <a:buSzTx/>
-                <a:buFontTx/>
-                <a:buNone/>
-                <a:tabLst/>
-              </a:pPr>
-              <a:r>
-                <a:rPr kumimoji="0" lang="uk-UA" sz="800" b="0" i="1" u="none" strike="noStrike" cap="none" normalizeH="0" baseline="0" dirty="0">
-                  <a:ln>
-                    <a:noFill/>
-                  </a:ln>
-                  <a:solidFill>
-                    <a:schemeClr val="tx1"/>
-                  </a:solidFill>
-                  <a:effectLst/>
-                  <a:latin typeface="ISOCPEUR" charset="0"/>
-                  <a:cs typeface="Arial" pitchFamily="34" charset="0"/>
-                </a:rPr>
-                <a:t>СХЕМА АЛГОРИТМА ПМ</a:t>
-              </a:r>
-              <a:r>
-                <a:rPr kumimoji="0" lang="uk-UA" sz="800" b="0" i="1" u="none" strike="noStrike" cap="none" normalizeH="0" dirty="0">
-                  <a:ln>
-                    <a:noFill/>
-                  </a:ln>
-                  <a:solidFill>
-                    <a:schemeClr val="tx1"/>
-                  </a:solidFill>
-                  <a:effectLst/>
-                  <a:latin typeface="ISOCPEUR" charset="0"/>
-                  <a:cs typeface="Arial" pitchFamily="34" charset="0"/>
-                </a:rPr>
-                <a:t> </a:t>
-              </a:r>
-              <a:r>
-                <a:rPr kumimoji="0" lang="ru-RU" sz="800" b="0" i="1" u="none" strike="noStrike" cap="none" normalizeH="0" dirty="0">
-                  <a:ln>
-                    <a:noFill/>
-                  </a:ln>
-                  <a:solidFill>
-                    <a:schemeClr val="tx1"/>
-                  </a:solidFill>
-                  <a:effectLst/>
-                  <a:latin typeface="ISOCPEUR" charset="0"/>
-                  <a:cs typeface="Arial" pitchFamily="34" charset="0"/>
-                </a:rPr>
-                <a:t>НКСС</a:t>
-              </a:r>
-              <a:endParaRPr kumimoji="0" lang="ru-RU" sz="800" b="0" i="0" u="none" strike="noStrike" cap="none" normalizeH="0" baseline="0" dirty="0">
-                <a:ln>
-                  <a:noFill/>
-                </a:ln>
-                <a:solidFill>
-                  <a:schemeClr val="tx1"/>
-                </a:solidFill>
-                <a:effectLst/>
-                <a:latin typeface="Arial" pitchFamily="34" charset="0"/>
-                <a:cs typeface="Arial" pitchFamily="34" charset="0"/>
-              </a:endParaRPr>
-            </a:p>
-          </p:txBody>
-        </p:sp>
-        <p:sp>
-          <p:nvSpPr>
-            <p:cNvPr id="91" name="Line 20"/>
-            <p:cNvSpPr>
-              <a:spLocks noChangeShapeType="1"/>
-            </p:cNvSpPr>
-            <p:nvPr/>
-          </p:nvSpPr>
-          <p:spPr bwMode="auto">
-            <a:xfrm>
-              <a:off x="5297408" y="5013253"/>
-              <a:ext cx="1895927" cy="635"/>
-            </a:xfrm>
-            <a:prstGeom prst="line">
-              <a:avLst/>
-            </a:prstGeom>
-            <a:noFill/>
-            <a:ln w="12700">
-              <a:solidFill>
-                <a:srgbClr val="000000"/>
-              </a:solidFill>
-              <a:round/>
-              <a:headEnd/>
-              <a:tailEnd/>
-            </a:ln>
-            <a:effectLst/>
-          </p:spPr>
-          <p:txBody>
-            <a:bodyPr vert="horz" wrap="square" lIns="91440" tIns="45720" rIns="91440" bIns="45720" numCol="1" anchor="t" anchorCtr="0" compatLnSpc="1">
-              <a:prstTxWarp prst="textNoShape">
-                <a:avLst/>
-              </a:prstTxWarp>
-            </a:bodyPr>
-            <a:lstStyle/>
-            <a:p>
-              <a:endParaRPr lang="ru-RU" sz="800"/>
-            </a:p>
-          </p:txBody>
-        </p:sp>
-        <p:sp>
-          <p:nvSpPr>
-            <p:cNvPr id="92" name="Line 21"/>
-            <p:cNvSpPr>
-              <a:spLocks noChangeShapeType="1"/>
-            </p:cNvSpPr>
-            <p:nvPr/>
-          </p:nvSpPr>
-          <p:spPr bwMode="auto">
-            <a:xfrm>
-              <a:off x="616639" y="5194245"/>
-              <a:ext cx="2510548" cy="635"/>
-            </a:xfrm>
-            <a:prstGeom prst="line">
-              <a:avLst/>
-            </a:prstGeom>
-            <a:noFill/>
-            <a:ln w="12700">
-              <a:solidFill>
-                <a:srgbClr val="000000"/>
-              </a:solidFill>
-              <a:round/>
-              <a:headEnd/>
-              <a:tailEnd/>
-            </a:ln>
-            <a:effectLst/>
-          </p:spPr>
-          <p:txBody>
-            <a:bodyPr vert="horz" wrap="square" lIns="91440" tIns="45720" rIns="91440" bIns="45720" numCol="1" anchor="t" anchorCtr="0" compatLnSpc="1">
-              <a:prstTxWarp prst="textNoShape">
-                <a:avLst/>
-              </a:prstTxWarp>
-            </a:bodyPr>
-            <a:lstStyle/>
-            <a:p>
-              <a:endParaRPr lang="ru-RU" sz="800"/>
-            </a:p>
-          </p:txBody>
-        </p:sp>
-        <p:sp>
-          <p:nvSpPr>
-            <p:cNvPr id="93" name="Line 22"/>
-            <p:cNvSpPr>
-              <a:spLocks noChangeShapeType="1"/>
-            </p:cNvSpPr>
-            <p:nvPr/>
-          </p:nvSpPr>
-          <p:spPr bwMode="auto">
-            <a:xfrm>
-              <a:off x="611560" y="5013253"/>
-              <a:ext cx="2510548" cy="635"/>
-            </a:xfrm>
-            <a:prstGeom prst="line">
-              <a:avLst/>
-            </a:prstGeom>
-            <a:noFill/>
-            <a:ln w="12700">
-              <a:solidFill>
-                <a:srgbClr val="000000"/>
-              </a:solidFill>
-              <a:round/>
-              <a:headEnd/>
-              <a:tailEnd/>
-            </a:ln>
-            <a:effectLst/>
-          </p:spPr>
-          <p:txBody>
-            <a:bodyPr vert="horz" wrap="square" lIns="91440" tIns="45720" rIns="91440" bIns="45720" numCol="1" anchor="t" anchorCtr="0" compatLnSpc="1">
-              <a:prstTxWarp prst="textNoShape">
-                <a:avLst/>
-              </a:prstTxWarp>
-            </a:bodyPr>
-            <a:lstStyle/>
-            <a:p>
-              <a:endParaRPr lang="ru-RU" sz="800"/>
-            </a:p>
-          </p:txBody>
-        </p:sp>
-        <p:sp>
-          <p:nvSpPr>
-            <p:cNvPr id="94" name="Line 23"/>
-            <p:cNvSpPr>
-              <a:spLocks noChangeShapeType="1"/>
-            </p:cNvSpPr>
-            <p:nvPr/>
-          </p:nvSpPr>
-          <p:spPr bwMode="auto">
-            <a:xfrm>
-              <a:off x="611560" y="5732775"/>
-              <a:ext cx="2510548" cy="635"/>
-            </a:xfrm>
-            <a:prstGeom prst="line">
-              <a:avLst/>
-            </a:prstGeom>
-            <a:noFill/>
-            <a:ln w="12700">
-              <a:solidFill>
-                <a:srgbClr val="000000"/>
-              </a:solidFill>
-              <a:round/>
-              <a:headEnd/>
-              <a:tailEnd/>
-            </a:ln>
-            <a:effectLst/>
-          </p:spPr>
-          <p:txBody>
-            <a:bodyPr vert="horz" wrap="square" lIns="91440" tIns="45720" rIns="91440" bIns="45720" numCol="1" anchor="t" anchorCtr="0" compatLnSpc="1">
-              <a:prstTxWarp prst="textNoShape">
-                <a:avLst/>
-              </a:prstTxWarp>
-            </a:bodyPr>
-            <a:lstStyle/>
-            <a:p>
-              <a:endParaRPr lang="ru-RU" sz="800"/>
-            </a:p>
-          </p:txBody>
-        </p:sp>
-        <p:sp>
-          <p:nvSpPr>
-            <p:cNvPr id="95" name="Line 24"/>
-            <p:cNvSpPr>
-              <a:spLocks noChangeShapeType="1"/>
-            </p:cNvSpPr>
-            <p:nvPr/>
-          </p:nvSpPr>
-          <p:spPr bwMode="auto">
-            <a:xfrm>
-              <a:off x="611560" y="5551784"/>
-              <a:ext cx="2510548" cy="635"/>
-            </a:xfrm>
-            <a:prstGeom prst="line">
-              <a:avLst/>
-            </a:prstGeom>
-            <a:noFill/>
-            <a:ln w="12700">
-              <a:solidFill>
-                <a:srgbClr val="000000"/>
-              </a:solidFill>
-              <a:round/>
-              <a:headEnd/>
-              <a:tailEnd/>
-            </a:ln>
-            <a:effectLst/>
-          </p:spPr>
-          <p:txBody>
-            <a:bodyPr vert="horz" wrap="square" lIns="91440" tIns="45720" rIns="91440" bIns="45720" numCol="1" anchor="t" anchorCtr="0" compatLnSpc="1">
-              <a:prstTxWarp prst="textNoShape">
-                <a:avLst/>
-              </a:prstTxWarp>
-            </a:bodyPr>
-            <a:lstStyle/>
-            <a:p>
-              <a:endParaRPr lang="ru-RU" sz="800"/>
-            </a:p>
-          </p:txBody>
-        </p:sp>
-        <p:grpSp>
-          <p:nvGrpSpPr>
-            <p:cNvPr id="96" name="Group 25"/>
-            <p:cNvGrpSpPr>
-              <a:grpSpLocks/>
-            </p:cNvGrpSpPr>
-            <p:nvPr/>
-          </p:nvGrpSpPr>
-          <p:grpSpPr bwMode="auto">
-            <a:xfrm>
-              <a:off x="621084" y="5202501"/>
-              <a:ext cx="1581633" cy="157495"/>
-              <a:chOff x="0" y="0"/>
-              <a:chExt cx="19999" cy="20000"/>
-            </a:xfrm>
-          </p:grpSpPr>
-          <p:sp>
-            <p:nvSpPr>
-              <p:cNvPr id="136" name="Rectangle 26"/>
-              <p:cNvSpPr>
-                <a:spLocks noChangeArrowheads="1"/>
-              </p:cNvSpPr>
-              <p:nvPr/>
-            </p:nvSpPr>
-            <p:spPr bwMode="auto">
-              <a:xfrm>
-                <a:off x="0" y="0"/>
-                <a:ext cx="8856" cy="20000"/>
-              </a:xfrm>
-              <a:prstGeom prst="rect">
-                <a:avLst/>
-              </a:prstGeom>
-              <a:noFill/>
-              <a:ln w="12700">
-                <a:noFill/>
-                <a:miter lim="800000"/>
-                <a:headEnd/>
-                <a:tailEnd/>
-              </a:ln>
-              <a:effectLst/>
-            </p:spPr>
-            <p:txBody>
-              <a:bodyPr vert="horz" wrap="square" lIns="12700" tIns="12700" rIns="12700" bIns="12700" numCol="1" anchor="t" anchorCtr="0" compatLnSpc="1">
-                <a:prstTxWarp prst="textNoShape">
-                  <a:avLst/>
-                </a:prstTxWarp>
-              </a:bodyPr>
-              <a:lstStyle/>
-              <a:p>
-                <a:pPr marL="0" marR="0" lvl="0" indent="0" algn="just" defTabSz="914400" rtl="0" eaLnBrk="1" fontAlgn="base" latinLnBrk="0" hangingPunct="1">
-                  <a:lnSpc>
-                    <a:spcPct val="100000"/>
-                  </a:lnSpc>
-                  <a:spcBef>
-                    <a:spcPct val="0"/>
-                  </a:spcBef>
-                  <a:spcAft>
-                    <a:spcPct val="0"/>
-                  </a:spcAft>
-                  <a:buClrTx/>
-                  <a:buSzTx/>
-                  <a:buFontTx/>
-                  <a:buNone/>
-                  <a:tabLst/>
-                </a:pPr>
-                <a:r>
-                  <a:rPr kumimoji="0" lang="uk-UA" sz="800" b="0" i="1" u="none" strike="noStrike" cap="none" normalizeH="0" baseline="0" dirty="0">
-                    <a:ln>
-                      <a:noFill/>
-                    </a:ln>
-                    <a:solidFill>
-                      <a:schemeClr val="tx1"/>
-                    </a:solidFill>
-                    <a:effectLst/>
-                    <a:latin typeface="ISOCPEUR" charset="0"/>
-                    <a:cs typeface="Arial" pitchFamily="34" charset="0"/>
-                  </a:rPr>
-                  <a:t> </a:t>
-                </a:r>
-                <a:r>
-                  <a:rPr kumimoji="0" lang="uk-UA" sz="800" b="0" i="1" u="none" strike="noStrike" cap="none" normalizeH="0" baseline="0" dirty="0" err="1">
-                    <a:ln>
-                      <a:noFill/>
-                    </a:ln>
-                    <a:solidFill>
-                      <a:schemeClr val="tx1"/>
-                    </a:solidFill>
-                    <a:effectLst/>
-                    <a:latin typeface="ISOCPEUR" charset="0"/>
-                    <a:cs typeface="Arial" pitchFamily="34" charset="0"/>
-                  </a:rPr>
-                  <a:t>Разраб</a:t>
-                </a:r>
-                <a:r>
-                  <a:rPr kumimoji="0" lang="uk-UA" sz="800" b="0" i="1" u="none" strike="noStrike" cap="none" normalizeH="0" baseline="0" dirty="0">
-                    <a:ln>
-                      <a:noFill/>
-                    </a:ln>
-                    <a:solidFill>
-                      <a:schemeClr val="tx1"/>
-                    </a:solidFill>
-                    <a:effectLst/>
-                    <a:latin typeface="ISOCPEUR" charset="0"/>
-                    <a:cs typeface="Arial" pitchFamily="34" charset="0"/>
-                  </a:rPr>
-                  <a:t>.</a:t>
-                </a:r>
-                <a:endParaRPr kumimoji="0" lang="ru-RU" sz="800" b="0" i="0" u="none" strike="noStrike" cap="none" normalizeH="0" baseline="0" dirty="0">
-                  <a:ln>
-                    <a:noFill/>
-                  </a:ln>
-                  <a:solidFill>
-                    <a:schemeClr val="tx1"/>
-                  </a:solidFill>
-                  <a:effectLst/>
-                  <a:latin typeface="Arial" pitchFamily="34" charset="0"/>
-                  <a:cs typeface="Arial" pitchFamily="34" charset="0"/>
-                </a:endParaRPr>
-              </a:p>
-            </p:txBody>
-          </p:sp>
-          <p:sp>
-            <p:nvSpPr>
-              <p:cNvPr id="137" name="Rectangle 27"/>
-              <p:cNvSpPr>
-                <a:spLocks noChangeArrowheads="1"/>
-              </p:cNvSpPr>
-              <p:nvPr/>
-            </p:nvSpPr>
-            <p:spPr bwMode="auto">
-              <a:xfrm>
-                <a:off x="9281" y="0"/>
-                <a:ext cx="10718" cy="20000"/>
-              </a:xfrm>
-              <a:prstGeom prst="rect">
-                <a:avLst/>
-              </a:prstGeom>
-              <a:noFill/>
-              <a:ln w="12700">
-                <a:noFill/>
-                <a:miter lim="800000"/>
-                <a:headEnd/>
-                <a:tailEnd/>
-              </a:ln>
-              <a:effectLst/>
-            </p:spPr>
-            <p:txBody>
-              <a:bodyPr vert="horz" wrap="square" lIns="12700" tIns="12700" rIns="12700" bIns="12700" numCol="1" anchor="t" anchorCtr="0" compatLnSpc="1">
-                <a:prstTxWarp prst="textNoShape">
-                  <a:avLst/>
-                </a:prstTxWarp>
-              </a:bodyPr>
-              <a:lstStyle/>
-              <a:p>
-                <a:pPr marL="0" marR="0" lvl="0" indent="0" algn="just" defTabSz="914400" rtl="0" eaLnBrk="1" fontAlgn="base" latinLnBrk="0" hangingPunct="1">
-                  <a:lnSpc>
-                    <a:spcPct val="100000"/>
-                  </a:lnSpc>
-                  <a:spcBef>
-                    <a:spcPct val="0"/>
-                  </a:spcBef>
-                  <a:spcAft>
-                    <a:spcPct val="0"/>
-                  </a:spcAft>
-                  <a:buClrTx/>
-                  <a:buSzTx/>
-                  <a:buFontTx/>
-                  <a:buNone/>
-                  <a:tabLst/>
-                </a:pPr>
-                <a:r>
-                  <a:rPr lang="ru-RU" sz="800" i="1" dirty="0">
-                    <a:latin typeface="Arial" pitchFamily="34" charset="0"/>
-                    <a:cs typeface="Arial" pitchFamily="34" charset="0"/>
-                  </a:rPr>
-                  <a:t>Федотов А.А</a:t>
-                </a:r>
-                <a:r>
-                  <a:rPr lang="ru-RU" sz="800" dirty="0">
-                    <a:latin typeface="Arial" pitchFamily="34" charset="0"/>
-                    <a:cs typeface="Arial" pitchFamily="34" charset="0"/>
-                  </a:rPr>
-                  <a:t>.</a:t>
-                </a:r>
-                <a:endParaRPr kumimoji="0" lang="ru-RU" sz="800" b="0" i="0" u="none" strike="noStrike" cap="none" normalizeH="0" baseline="0" dirty="0">
-                  <a:ln>
-                    <a:noFill/>
-                  </a:ln>
-                  <a:solidFill>
-                    <a:schemeClr val="tx1"/>
-                  </a:solidFill>
-                  <a:effectLst/>
-                  <a:latin typeface="Arial" pitchFamily="34" charset="0"/>
-                  <a:cs typeface="Arial" pitchFamily="34" charset="0"/>
-                </a:endParaRPr>
-              </a:p>
-            </p:txBody>
-          </p:sp>
-        </p:grpSp>
-        <p:grpSp>
-          <p:nvGrpSpPr>
-            <p:cNvPr id="97" name="Group 28"/>
-            <p:cNvGrpSpPr>
-              <a:grpSpLocks/>
-            </p:cNvGrpSpPr>
-            <p:nvPr/>
-          </p:nvGrpSpPr>
-          <p:grpSpPr bwMode="auto">
-            <a:xfrm>
-              <a:off x="621084" y="5380318"/>
-              <a:ext cx="1581633" cy="157495"/>
-              <a:chOff x="0" y="0"/>
-              <a:chExt cx="19999" cy="20000"/>
-            </a:xfrm>
-          </p:grpSpPr>
-          <p:sp>
-            <p:nvSpPr>
-              <p:cNvPr id="134" name="Rectangle 29"/>
-              <p:cNvSpPr>
-                <a:spLocks noChangeArrowheads="1"/>
-              </p:cNvSpPr>
-              <p:nvPr/>
-            </p:nvSpPr>
-            <p:spPr bwMode="auto">
-              <a:xfrm>
-                <a:off x="0" y="0"/>
-                <a:ext cx="8856" cy="20000"/>
-              </a:xfrm>
-              <a:prstGeom prst="rect">
-                <a:avLst/>
-              </a:prstGeom>
-              <a:noFill/>
-              <a:ln w="12700">
-                <a:noFill/>
-                <a:miter lim="800000"/>
-                <a:headEnd/>
-                <a:tailEnd/>
-              </a:ln>
-              <a:effectLst/>
-            </p:spPr>
-            <p:txBody>
-              <a:bodyPr vert="horz" wrap="square" lIns="12700" tIns="12700" rIns="12700" bIns="12700" numCol="1" anchor="t" anchorCtr="0" compatLnSpc="1">
-                <a:prstTxWarp prst="textNoShape">
-                  <a:avLst/>
-                </a:prstTxWarp>
-              </a:bodyPr>
-              <a:lstStyle/>
-              <a:p>
-                <a:pPr marL="0" marR="0" lvl="0" indent="0" algn="just" defTabSz="914400" rtl="0" eaLnBrk="1" fontAlgn="base" latinLnBrk="0" hangingPunct="1">
-                  <a:lnSpc>
-                    <a:spcPct val="100000"/>
-                  </a:lnSpc>
-                  <a:spcBef>
-                    <a:spcPct val="0"/>
-                  </a:spcBef>
-                  <a:spcAft>
-                    <a:spcPct val="0"/>
-                  </a:spcAft>
-                  <a:buClrTx/>
-                  <a:buSzTx/>
-                  <a:buFontTx/>
-                  <a:buNone/>
-                  <a:tabLst/>
-                </a:pPr>
-                <a:r>
-                  <a:rPr kumimoji="0" lang="uk-UA" sz="800" b="0" i="1" u="none" strike="noStrike" cap="none" normalizeH="0" baseline="0">
-                    <a:ln>
-                      <a:noFill/>
-                    </a:ln>
-                    <a:solidFill>
-                      <a:schemeClr val="tx1"/>
-                    </a:solidFill>
-                    <a:effectLst/>
-                    <a:latin typeface="ISOCPEUR" charset="0"/>
-                    <a:cs typeface="Arial" pitchFamily="34" charset="0"/>
-                  </a:rPr>
-                  <a:t> Провер.</a:t>
-                </a:r>
-                <a:endParaRPr kumimoji="0" lang="ru-RU" sz="800" b="0" i="0" u="none" strike="noStrike" cap="none" normalizeH="0" baseline="0">
-                  <a:ln>
-                    <a:noFill/>
-                  </a:ln>
-                  <a:solidFill>
-                    <a:schemeClr val="tx1"/>
-                  </a:solidFill>
-                  <a:effectLst/>
-                  <a:latin typeface="Arial" pitchFamily="34" charset="0"/>
-                  <a:cs typeface="Arial" pitchFamily="34" charset="0"/>
-                </a:endParaRPr>
-              </a:p>
-            </p:txBody>
-          </p:sp>
-          <p:sp>
-            <p:nvSpPr>
-              <p:cNvPr id="135" name="Rectangle 30"/>
-              <p:cNvSpPr>
-                <a:spLocks noChangeArrowheads="1"/>
-              </p:cNvSpPr>
-              <p:nvPr/>
-            </p:nvSpPr>
-            <p:spPr bwMode="auto">
-              <a:xfrm>
-                <a:off x="9281" y="0"/>
-                <a:ext cx="10718" cy="20000"/>
-              </a:xfrm>
-              <a:prstGeom prst="rect">
-                <a:avLst/>
-              </a:prstGeom>
-              <a:noFill/>
-              <a:ln w="12700">
-                <a:noFill/>
-                <a:miter lim="800000"/>
-                <a:headEnd/>
-                <a:tailEnd/>
-              </a:ln>
-              <a:effectLst/>
-            </p:spPr>
-            <p:txBody>
-              <a:bodyPr vert="horz" wrap="square" lIns="12700" tIns="12700" rIns="12700" bIns="12700" numCol="1" anchor="t" anchorCtr="0" compatLnSpc="1">
-                <a:prstTxWarp prst="textNoShape">
-                  <a:avLst/>
-                </a:prstTxWarp>
-              </a:bodyPr>
-              <a:lstStyle/>
-              <a:p>
-                <a:pPr marL="0" marR="0" lvl="0" indent="0" algn="just" defTabSz="914400" rtl="0" eaLnBrk="1" fontAlgn="base" latinLnBrk="0" hangingPunct="1">
-                  <a:lnSpc>
-                    <a:spcPct val="100000"/>
-                  </a:lnSpc>
-                  <a:spcBef>
-                    <a:spcPct val="0"/>
-                  </a:spcBef>
-                  <a:spcAft>
-                    <a:spcPct val="0"/>
-                  </a:spcAft>
-                  <a:buClrTx/>
-                  <a:buSzTx/>
-                  <a:buFontTx/>
-                  <a:buNone/>
-                  <a:tabLst/>
-                </a:pPr>
-                <a:r>
-                  <a:rPr kumimoji="0" lang="ru-RU" sz="800" b="0" i="1" u="none" strike="noStrike" cap="none" normalizeH="0" baseline="0" dirty="0">
-                    <a:ln>
-                      <a:noFill/>
-                    </a:ln>
-                    <a:solidFill>
-                      <a:schemeClr val="tx1"/>
-                    </a:solidFill>
-                    <a:effectLst/>
-                    <a:latin typeface="Arial" pitchFamily="34" charset="0"/>
-                    <a:cs typeface="Arial" pitchFamily="34" charset="0"/>
-                  </a:rPr>
-                  <a:t>Касимов Р.А</a:t>
-                </a:r>
-                <a:r>
-                  <a:rPr kumimoji="0" lang="ru-RU" sz="800" b="0" i="0" u="none" strike="noStrike" cap="none" normalizeH="0" baseline="0" dirty="0">
-                    <a:ln>
-                      <a:noFill/>
-                    </a:ln>
-                    <a:solidFill>
-                      <a:schemeClr val="tx1"/>
-                    </a:solidFill>
-                    <a:effectLst/>
-                    <a:latin typeface="Arial" pitchFamily="34" charset="0"/>
-                    <a:cs typeface="Arial" pitchFamily="34" charset="0"/>
-                  </a:rPr>
-                  <a:t>.</a:t>
-                </a:r>
-              </a:p>
-            </p:txBody>
-          </p:sp>
-        </p:grpSp>
-        <p:sp>
-          <p:nvSpPr>
-            <p:cNvPr id="132" name="Rectangle 32"/>
-            <p:cNvSpPr>
-              <a:spLocks noChangeArrowheads="1"/>
-            </p:cNvSpPr>
-            <p:nvPr/>
-          </p:nvSpPr>
-          <p:spPr bwMode="auto">
-            <a:xfrm>
-              <a:off x="621084" y="5558134"/>
-              <a:ext cx="700382" cy="157494"/>
-            </a:xfrm>
-            <a:prstGeom prst="rect">
-              <a:avLst/>
-            </a:prstGeom>
-            <a:noFill/>
-            <a:ln w="12700">
-              <a:noFill/>
-              <a:miter lim="800000"/>
-              <a:headEnd/>
-              <a:tailEnd/>
-            </a:ln>
-            <a:effectLst/>
-          </p:spPr>
-          <p:txBody>
-            <a:bodyPr vert="horz" wrap="square" lIns="12700" tIns="12700" rIns="12700" bIns="12700" numCol="1" anchor="t" anchorCtr="0" compatLnSpc="1">
-              <a:prstTxWarp prst="textNoShape">
-                <a:avLst/>
-              </a:prstTxWarp>
-            </a:bodyPr>
-            <a:lstStyle/>
-            <a:p>
-              <a:pPr marL="0" marR="0" lvl="0" indent="0" algn="just" defTabSz="914400" rtl="0" eaLnBrk="1" fontAlgn="base" latinLnBrk="0" hangingPunct="1">
-                <a:lnSpc>
-                  <a:spcPct val="100000"/>
-                </a:lnSpc>
-                <a:spcBef>
-                  <a:spcPct val="0"/>
-                </a:spcBef>
-                <a:spcAft>
-                  <a:spcPct val="0"/>
-                </a:spcAft>
-                <a:buClrTx/>
-                <a:buSzTx/>
-                <a:buFontTx/>
-                <a:buNone/>
-                <a:tabLst/>
-              </a:pPr>
-              <a:r>
-                <a:rPr kumimoji="0" lang="uk-UA" sz="800" b="0" i="1" u="none" strike="noStrike" cap="none" normalizeH="0" baseline="0">
-                  <a:ln>
-                    <a:noFill/>
-                  </a:ln>
-                  <a:solidFill>
-                    <a:schemeClr val="tx1"/>
-                  </a:solidFill>
-                  <a:effectLst/>
-                  <a:latin typeface="ISOCPEUR" charset="0"/>
-                  <a:cs typeface="Arial" pitchFamily="34" charset="0"/>
-                </a:rPr>
-                <a:t> Т. Контр.</a:t>
-              </a:r>
-              <a:endParaRPr kumimoji="0" lang="ru-RU" sz="800" b="0" i="0" u="none" strike="noStrike" cap="none" normalizeH="0" baseline="0">
-                <a:ln>
-                  <a:noFill/>
-                </a:ln>
-                <a:solidFill>
-                  <a:schemeClr val="tx1"/>
-                </a:solidFill>
-                <a:effectLst/>
-                <a:latin typeface="Arial" pitchFamily="34" charset="0"/>
-                <a:cs typeface="Arial" pitchFamily="34" charset="0"/>
-              </a:endParaRPr>
-            </a:p>
-          </p:txBody>
-        </p:sp>
-        <p:sp>
-          <p:nvSpPr>
-            <p:cNvPr id="130" name="Rectangle 35"/>
-            <p:cNvSpPr>
-              <a:spLocks noChangeArrowheads="1"/>
-            </p:cNvSpPr>
-            <p:nvPr/>
-          </p:nvSpPr>
-          <p:spPr bwMode="auto">
-            <a:xfrm>
-              <a:off x="621084" y="5924563"/>
-              <a:ext cx="700382" cy="157494"/>
-            </a:xfrm>
-            <a:prstGeom prst="rect">
-              <a:avLst/>
-            </a:prstGeom>
-            <a:noFill/>
-            <a:ln w="12700">
-              <a:noFill/>
-              <a:miter lim="800000"/>
-              <a:headEnd/>
-              <a:tailEnd/>
-            </a:ln>
-            <a:effectLst/>
-          </p:spPr>
-          <p:txBody>
-            <a:bodyPr vert="horz" wrap="square" lIns="12700" tIns="12700" rIns="12700" bIns="12700" numCol="1" anchor="t" anchorCtr="0" compatLnSpc="1">
-              <a:prstTxWarp prst="textNoShape">
-                <a:avLst/>
-              </a:prstTxWarp>
-            </a:bodyPr>
-            <a:lstStyle/>
-            <a:p>
-              <a:pPr marL="0" marR="0" lvl="0" indent="0" algn="just" defTabSz="914400" rtl="0" eaLnBrk="1" fontAlgn="base" latinLnBrk="0" hangingPunct="1">
-                <a:lnSpc>
-                  <a:spcPct val="100000"/>
-                </a:lnSpc>
-                <a:spcBef>
-                  <a:spcPct val="0"/>
-                </a:spcBef>
-                <a:spcAft>
-                  <a:spcPct val="0"/>
-                </a:spcAft>
-                <a:buClrTx/>
-                <a:buSzTx/>
-                <a:buFontTx/>
-                <a:buNone/>
-                <a:tabLst/>
-              </a:pPr>
-              <a:r>
-                <a:rPr kumimoji="0" lang="uk-UA" sz="800" b="0" i="1" u="none" strike="noStrike" cap="none" normalizeH="0" baseline="0">
-                  <a:ln>
-                    <a:noFill/>
-                  </a:ln>
-                  <a:solidFill>
-                    <a:schemeClr val="tx1"/>
-                  </a:solidFill>
-                  <a:effectLst/>
-                  <a:latin typeface="ISOCPEUR" charset="0"/>
-                  <a:cs typeface="Arial" pitchFamily="34" charset="0"/>
-                </a:rPr>
-                <a:t> Н. Контр.</a:t>
-              </a:r>
-              <a:endParaRPr kumimoji="0" lang="ru-RU" sz="800" b="0" i="0" u="none" strike="noStrike" cap="none" normalizeH="0" baseline="0">
-                <a:ln>
-                  <a:noFill/>
-                </a:ln>
-                <a:solidFill>
-                  <a:schemeClr val="tx1"/>
-                </a:solidFill>
-                <a:effectLst/>
-                <a:latin typeface="Arial" pitchFamily="34" charset="0"/>
-                <a:cs typeface="Arial" pitchFamily="34" charset="0"/>
-              </a:endParaRPr>
-            </a:p>
-          </p:txBody>
-        </p:sp>
-        <p:sp>
-          <p:nvSpPr>
-            <p:cNvPr id="128" name="Rectangle 38"/>
-            <p:cNvSpPr>
-              <a:spLocks noChangeArrowheads="1"/>
-            </p:cNvSpPr>
-            <p:nvPr/>
-          </p:nvSpPr>
-          <p:spPr bwMode="auto">
-            <a:xfrm>
-              <a:off x="621084" y="6100475"/>
-              <a:ext cx="700382" cy="157494"/>
-            </a:xfrm>
-            <a:prstGeom prst="rect">
-              <a:avLst/>
-            </a:prstGeom>
-            <a:noFill/>
-            <a:ln w="12700">
-              <a:noFill/>
-              <a:miter lim="800000"/>
-              <a:headEnd/>
-              <a:tailEnd/>
-            </a:ln>
-            <a:effectLst/>
-          </p:spPr>
-          <p:txBody>
-            <a:bodyPr vert="horz" wrap="square" lIns="12700" tIns="12700" rIns="12700" bIns="12700" numCol="1" anchor="t" anchorCtr="0" compatLnSpc="1">
-              <a:prstTxWarp prst="textNoShape">
-                <a:avLst/>
-              </a:prstTxWarp>
-            </a:bodyPr>
-            <a:lstStyle/>
-            <a:p>
-              <a:pPr marL="0" marR="0" lvl="0" indent="0" algn="just" defTabSz="914400" rtl="0" eaLnBrk="1" fontAlgn="base" latinLnBrk="0" hangingPunct="1">
-                <a:lnSpc>
-                  <a:spcPct val="100000"/>
-                </a:lnSpc>
-                <a:spcBef>
-                  <a:spcPct val="0"/>
-                </a:spcBef>
-                <a:spcAft>
-                  <a:spcPct val="0"/>
-                </a:spcAft>
-                <a:buClrTx/>
-                <a:buSzTx/>
-                <a:buFontTx/>
-                <a:buNone/>
-                <a:tabLst/>
-              </a:pPr>
-              <a:r>
-                <a:rPr kumimoji="0" lang="uk-UA" sz="800" b="0" i="1" u="none" strike="noStrike" cap="none" normalizeH="0" baseline="0" dirty="0">
-                  <a:ln>
-                    <a:noFill/>
-                  </a:ln>
-                  <a:solidFill>
-                    <a:schemeClr val="tx1"/>
-                  </a:solidFill>
-                  <a:effectLst/>
-                  <a:latin typeface="ISOCPEUR" charset="0"/>
-                  <a:cs typeface="Arial" pitchFamily="34" charset="0"/>
-                </a:rPr>
-                <a:t> </a:t>
-              </a:r>
-              <a:r>
-                <a:rPr kumimoji="0" lang="uk-UA" sz="800" b="0" i="1" u="none" strike="noStrike" cap="none" normalizeH="0" baseline="0" dirty="0" err="1">
-                  <a:ln>
-                    <a:noFill/>
-                  </a:ln>
-                  <a:solidFill>
-                    <a:schemeClr val="tx1"/>
-                  </a:solidFill>
-                  <a:effectLst/>
-                  <a:latin typeface="ISOCPEUR" charset="0"/>
-                  <a:cs typeface="Arial" pitchFamily="34" charset="0"/>
-                </a:rPr>
-                <a:t>Утверд</a:t>
-              </a:r>
-              <a:r>
-                <a:rPr kumimoji="0" lang="uk-UA" sz="800" b="0" i="1" u="none" strike="noStrike" cap="none" normalizeH="0" baseline="0" dirty="0">
-                  <a:ln>
-                    <a:noFill/>
-                  </a:ln>
-                  <a:solidFill>
-                    <a:schemeClr val="tx1"/>
-                  </a:solidFill>
-                  <a:effectLst/>
-                  <a:latin typeface="ISOCPEUR" charset="0"/>
-                  <a:cs typeface="Arial" pitchFamily="34" charset="0"/>
-                </a:rPr>
-                <a:t>.</a:t>
-              </a:r>
-              <a:endParaRPr kumimoji="0" lang="ru-RU" sz="800" b="0" i="0" u="none" strike="noStrike" cap="none" normalizeH="0" baseline="0" dirty="0">
-                <a:ln>
-                  <a:noFill/>
-                </a:ln>
-                <a:solidFill>
-                  <a:schemeClr val="tx1"/>
-                </a:solidFill>
-                <a:effectLst/>
-                <a:latin typeface="Arial" pitchFamily="34" charset="0"/>
-                <a:cs typeface="Arial" pitchFamily="34" charset="0"/>
-              </a:endParaRPr>
-            </a:p>
-          </p:txBody>
-        </p:sp>
-        <p:sp>
-          <p:nvSpPr>
-            <p:cNvPr id="101" name="Line 40"/>
-            <p:cNvSpPr>
-              <a:spLocks noChangeShapeType="1"/>
-            </p:cNvSpPr>
-            <p:nvPr/>
-          </p:nvSpPr>
-          <p:spPr bwMode="auto">
-            <a:xfrm>
-              <a:off x="5288519" y="4843057"/>
-              <a:ext cx="635" cy="1419993"/>
-            </a:xfrm>
-            <a:prstGeom prst="line">
-              <a:avLst/>
-            </a:prstGeom>
-            <a:noFill/>
-            <a:ln w="12700">
-              <a:solidFill>
-                <a:srgbClr val="000000"/>
-              </a:solidFill>
-              <a:round/>
-              <a:headEnd/>
-              <a:tailEnd/>
-            </a:ln>
-            <a:effectLst/>
-          </p:spPr>
-          <p:txBody>
-            <a:bodyPr vert="horz" wrap="square" lIns="91440" tIns="45720" rIns="91440" bIns="45720" numCol="1" anchor="t" anchorCtr="0" compatLnSpc="1">
-              <a:prstTxWarp prst="textNoShape">
-                <a:avLst/>
-              </a:prstTxWarp>
-            </a:bodyPr>
-            <a:lstStyle/>
-            <a:p>
-              <a:endParaRPr lang="ru-RU" sz="800"/>
-            </a:p>
-          </p:txBody>
-        </p:sp>
-        <p:sp>
-          <p:nvSpPr>
-            <p:cNvPr id="102" name="Rectangle 41"/>
-            <p:cNvSpPr>
-              <a:spLocks noChangeArrowheads="1"/>
-            </p:cNvSpPr>
-            <p:nvPr/>
-          </p:nvSpPr>
-          <p:spPr bwMode="auto">
-            <a:xfrm>
-              <a:off x="3175749" y="5087898"/>
-              <a:ext cx="2072440" cy="518662"/>
-            </a:xfrm>
-            <a:prstGeom prst="rect">
-              <a:avLst/>
-            </a:prstGeom>
-            <a:noFill/>
-            <a:ln w="12700">
-              <a:noFill/>
-              <a:miter lim="800000"/>
-              <a:headEnd/>
-              <a:tailEnd/>
-            </a:ln>
-            <a:effectLst/>
-          </p:spPr>
-          <p:txBody>
-            <a:bodyPr vert="horz" wrap="square" lIns="12700" tIns="12700" rIns="12700" bIns="12700" numCol="1" anchor="t" anchorCtr="0" compatLnSpc="1">
-              <a:prstTxWarp prst="textNoShape">
-                <a:avLst/>
-              </a:prstTxWarp>
-            </a:bodyPr>
-            <a:lstStyle/>
-            <a:p>
-              <a:pPr marL="0" marR="0" lvl="0" indent="0" algn="ctr" defTabSz="914400" rtl="0" eaLnBrk="1" fontAlgn="base" latinLnBrk="0" hangingPunct="1">
-                <a:lnSpc>
-                  <a:spcPct val="100000"/>
-                </a:lnSpc>
-                <a:spcBef>
-                  <a:spcPct val="0"/>
-                </a:spcBef>
-                <a:spcAft>
-                  <a:spcPct val="0"/>
-                </a:spcAft>
-                <a:buClrTx/>
-                <a:buSzTx/>
-                <a:buFontTx/>
-                <a:buNone/>
-                <a:tabLst/>
-              </a:pPr>
-              <a:r>
-                <a:rPr lang="ru-RU" sz="800" i="1" dirty="0">
-                  <a:latin typeface="Courier New" pitchFamily="49" charset="0"/>
-                  <a:cs typeface="Courier New" pitchFamily="49" charset="0"/>
-                </a:rPr>
-                <a:t>Программный модуль настройки конфигурации сетевого оборудования</a:t>
-              </a:r>
-              <a:endParaRPr kumimoji="0" lang="ru-RU" sz="800" b="0" i="0" u="none" strike="noStrike" cap="none" normalizeH="0" baseline="0" dirty="0">
-                <a:ln>
-                  <a:noFill/>
-                </a:ln>
-                <a:solidFill>
-                  <a:schemeClr val="tx1"/>
-                </a:solidFill>
-                <a:effectLst/>
-                <a:latin typeface="Courier New" pitchFamily="49" charset="0"/>
-                <a:cs typeface="Courier New" pitchFamily="49" charset="0"/>
-              </a:endParaRPr>
-            </a:p>
-          </p:txBody>
-        </p:sp>
-        <p:sp>
-          <p:nvSpPr>
-            <p:cNvPr id="103" name="Line 42"/>
-            <p:cNvSpPr>
-              <a:spLocks noChangeShapeType="1"/>
-            </p:cNvSpPr>
-            <p:nvPr/>
-          </p:nvSpPr>
-          <p:spPr bwMode="auto">
-            <a:xfrm>
-              <a:off x="5292963" y="5553689"/>
-              <a:ext cx="1900372" cy="635"/>
-            </a:xfrm>
-            <a:prstGeom prst="line">
-              <a:avLst/>
-            </a:prstGeom>
-            <a:noFill/>
-            <a:ln w="12700">
-              <a:solidFill>
-                <a:srgbClr val="000000"/>
-              </a:solidFill>
-              <a:round/>
-              <a:headEnd/>
-              <a:tailEnd/>
-            </a:ln>
-            <a:effectLst/>
-          </p:spPr>
-          <p:txBody>
-            <a:bodyPr vert="horz" wrap="square" lIns="91440" tIns="45720" rIns="91440" bIns="45720" numCol="1" anchor="t" anchorCtr="0" compatLnSpc="1">
-              <a:prstTxWarp prst="textNoShape">
-                <a:avLst/>
-              </a:prstTxWarp>
-            </a:bodyPr>
-            <a:lstStyle/>
-            <a:p>
-              <a:endParaRPr lang="ru-RU" sz="800" dirty="0"/>
-            </a:p>
-          </p:txBody>
-        </p:sp>
-        <p:sp>
-          <p:nvSpPr>
-            <p:cNvPr id="104" name="Line 43"/>
-            <p:cNvSpPr>
-              <a:spLocks noChangeShapeType="1"/>
-            </p:cNvSpPr>
-            <p:nvPr/>
-          </p:nvSpPr>
-          <p:spPr bwMode="auto">
-            <a:xfrm>
-              <a:off x="3130997" y="5733411"/>
-              <a:ext cx="4061704" cy="635"/>
-            </a:xfrm>
-            <a:prstGeom prst="line">
-              <a:avLst/>
-            </a:prstGeom>
-            <a:noFill/>
-            <a:ln w="12700">
-              <a:solidFill>
-                <a:srgbClr val="000000"/>
-              </a:solidFill>
-              <a:round/>
-              <a:headEnd/>
-              <a:tailEnd/>
-            </a:ln>
-            <a:effectLst/>
-          </p:spPr>
-          <p:txBody>
-            <a:bodyPr vert="horz" wrap="square" lIns="91440" tIns="45720" rIns="91440" bIns="45720" numCol="1" anchor="t" anchorCtr="0" compatLnSpc="1">
-              <a:prstTxWarp prst="textNoShape">
-                <a:avLst/>
-              </a:prstTxWarp>
-            </a:bodyPr>
-            <a:lstStyle/>
-            <a:p>
-              <a:endParaRPr lang="ru-RU" sz="800" dirty="0"/>
-            </a:p>
-          </p:txBody>
-        </p:sp>
-        <p:sp>
-          <p:nvSpPr>
-            <p:cNvPr id="105" name="Line 44"/>
-            <p:cNvSpPr>
-              <a:spLocks noChangeShapeType="1"/>
-            </p:cNvSpPr>
-            <p:nvPr/>
-          </p:nvSpPr>
-          <p:spPr bwMode="auto">
-            <a:xfrm>
-              <a:off x="6367280" y="4843057"/>
-              <a:ext cx="1905" cy="705551"/>
-            </a:xfrm>
-            <a:prstGeom prst="line">
-              <a:avLst/>
-            </a:prstGeom>
-            <a:noFill/>
-            <a:ln w="12700">
-              <a:solidFill>
-                <a:srgbClr val="000000"/>
-              </a:solidFill>
-              <a:round/>
-              <a:headEnd/>
-              <a:tailEnd/>
-            </a:ln>
-            <a:effectLst/>
-          </p:spPr>
-          <p:txBody>
-            <a:bodyPr vert="horz" wrap="square" lIns="91440" tIns="45720" rIns="91440" bIns="45720" numCol="1" anchor="t" anchorCtr="0" compatLnSpc="1">
-              <a:prstTxWarp prst="textNoShape">
-                <a:avLst/>
-              </a:prstTxWarp>
-            </a:bodyPr>
-            <a:lstStyle/>
-            <a:p>
-              <a:endParaRPr lang="ru-RU" sz="800"/>
-            </a:p>
-          </p:txBody>
-        </p:sp>
-        <p:sp>
-          <p:nvSpPr>
-            <p:cNvPr id="106" name="Rectangle 45"/>
-            <p:cNvSpPr>
-              <a:spLocks noChangeArrowheads="1"/>
-            </p:cNvSpPr>
-            <p:nvPr/>
-          </p:nvSpPr>
-          <p:spPr bwMode="auto">
-            <a:xfrm>
-              <a:off x="5317091" y="4848138"/>
-              <a:ext cx="485728" cy="157495"/>
-            </a:xfrm>
-            <a:prstGeom prst="rect">
-              <a:avLst/>
-            </a:prstGeom>
-            <a:noFill/>
-            <a:ln w="12700">
-              <a:noFill/>
-              <a:miter lim="800000"/>
-              <a:headEnd/>
-              <a:tailEnd/>
-            </a:ln>
-            <a:effectLst/>
-          </p:spPr>
-          <p:txBody>
-            <a:bodyPr vert="horz" wrap="square" lIns="12700" tIns="12700" rIns="12700" bIns="12700" numCol="1" anchor="t" anchorCtr="0" compatLnSpc="1">
-              <a:prstTxWarp prst="textNoShape">
-                <a:avLst/>
-              </a:prstTxWarp>
-            </a:bodyPr>
-            <a:lstStyle/>
-            <a:p>
-              <a:pPr marL="0" marR="0" lvl="0" indent="0" algn="ctr" defTabSz="914400" rtl="0" eaLnBrk="1" fontAlgn="base" latinLnBrk="0" hangingPunct="1">
-                <a:lnSpc>
-                  <a:spcPct val="100000"/>
-                </a:lnSpc>
-                <a:spcBef>
-                  <a:spcPct val="0"/>
-                </a:spcBef>
-                <a:spcAft>
-                  <a:spcPct val="0"/>
-                </a:spcAft>
-                <a:buClrTx/>
-                <a:buSzTx/>
-                <a:buFontTx/>
-                <a:buNone/>
-                <a:tabLst/>
-              </a:pPr>
-              <a:r>
-                <a:rPr kumimoji="0" lang="uk-UA" sz="800" b="0" i="1" u="none" strike="noStrike" cap="none" normalizeH="0" baseline="0" dirty="0" err="1">
-                  <a:ln>
-                    <a:noFill/>
-                  </a:ln>
-                  <a:solidFill>
-                    <a:schemeClr val="tx1"/>
-                  </a:solidFill>
-                  <a:effectLst/>
-                  <a:latin typeface="ISOCPEUR" charset="0"/>
-                  <a:cs typeface="Arial" pitchFamily="34" charset="0"/>
-                </a:rPr>
-                <a:t>Лит</a:t>
-              </a:r>
-              <a:r>
-                <a:rPr kumimoji="0" lang="uk-UA" sz="800" b="0" i="1" u="none" strike="noStrike" cap="none" normalizeH="0" baseline="0" dirty="0">
-                  <a:ln>
-                    <a:noFill/>
-                  </a:ln>
-                  <a:solidFill>
-                    <a:schemeClr val="tx1"/>
-                  </a:solidFill>
-                  <a:effectLst/>
-                  <a:latin typeface="ISOCPEUR" charset="0"/>
-                  <a:cs typeface="Arial" pitchFamily="34" charset="0"/>
-                </a:rPr>
-                <a:t>.</a:t>
-              </a:r>
-              <a:endParaRPr kumimoji="0" lang="ru-RU" sz="800" b="0" i="0" u="none" strike="noStrike" cap="none" normalizeH="0" baseline="0" dirty="0">
-                <a:ln>
-                  <a:noFill/>
-                </a:ln>
-                <a:solidFill>
-                  <a:schemeClr val="tx1"/>
-                </a:solidFill>
-                <a:effectLst/>
-                <a:latin typeface="Arial" pitchFamily="34" charset="0"/>
-                <a:cs typeface="Arial" pitchFamily="34" charset="0"/>
-              </a:endParaRPr>
-            </a:p>
-          </p:txBody>
-        </p:sp>
-        <p:sp>
-          <p:nvSpPr>
-            <p:cNvPr id="107" name="Rectangle 46"/>
-            <p:cNvSpPr>
-              <a:spLocks noChangeArrowheads="1"/>
-            </p:cNvSpPr>
-            <p:nvPr/>
-          </p:nvSpPr>
-          <p:spPr bwMode="auto">
-            <a:xfrm>
-              <a:off x="6026953" y="5567025"/>
-              <a:ext cx="485728" cy="157495"/>
-            </a:xfrm>
-            <a:prstGeom prst="rect">
-              <a:avLst/>
-            </a:prstGeom>
-            <a:noFill/>
-            <a:ln w="12700">
-              <a:noFill/>
-              <a:miter lim="800000"/>
-              <a:headEnd/>
-              <a:tailEnd/>
-            </a:ln>
-            <a:effectLst/>
-          </p:spPr>
-          <p:txBody>
-            <a:bodyPr vert="horz" wrap="square" lIns="12700" tIns="12700" rIns="12700" bIns="12700" numCol="1" anchor="t" anchorCtr="0" compatLnSpc="1">
-              <a:prstTxWarp prst="textNoShape">
-                <a:avLst/>
-              </a:prstTxWarp>
-            </a:bodyPr>
-            <a:lstStyle/>
-            <a:p>
-              <a:pPr marL="0" marR="0" lvl="0" indent="0" algn="ctr" defTabSz="914400" rtl="0" eaLnBrk="1" fontAlgn="base" latinLnBrk="0" hangingPunct="1">
-                <a:lnSpc>
-                  <a:spcPct val="100000"/>
-                </a:lnSpc>
-                <a:spcBef>
-                  <a:spcPct val="0"/>
-                </a:spcBef>
-                <a:spcAft>
-                  <a:spcPct val="0"/>
-                </a:spcAft>
-                <a:buClrTx/>
-                <a:buSzTx/>
-                <a:buFontTx/>
-                <a:buNone/>
-                <a:tabLst/>
-              </a:pPr>
-              <a:r>
-                <a:rPr kumimoji="0" lang="uk-UA" sz="800" b="0" i="1" u="none" strike="noStrike" cap="none" normalizeH="0" baseline="0">
-                  <a:ln>
-                    <a:noFill/>
-                  </a:ln>
-                  <a:solidFill>
-                    <a:schemeClr val="tx1"/>
-                  </a:solidFill>
-                  <a:effectLst/>
-                  <a:latin typeface="ISOCPEUR" charset="0"/>
-                  <a:cs typeface="Arial" pitchFamily="34" charset="0"/>
-                </a:rPr>
-                <a:t>Листов</a:t>
-              </a:r>
-              <a:endParaRPr kumimoji="0" lang="ru-RU" sz="800" b="0" i="0" u="none" strike="noStrike" cap="none" normalizeH="0" baseline="0">
-                <a:ln>
-                  <a:noFill/>
-                </a:ln>
-                <a:solidFill>
-                  <a:schemeClr val="tx1"/>
-                </a:solidFill>
-                <a:effectLst/>
-                <a:latin typeface="Arial" pitchFamily="34" charset="0"/>
-                <a:cs typeface="Arial" pitchFamily="34" charset="0"/>
-              </a:endParaRPr>
-            </a:p>
-          </p:txBody>
-        </p:sp>
-        <p:sp>
-          <p:nvSpPr>
-            <p:cNvPr id="108" name="Rectangle 47"/>
-            <p:cNvSpPr>
-              <a:spLocks noChangeArrowheads="1"/>
-            </p:cNvSpPr>
-            <p:nvPr/>
-          </p:nvSpPr>
-          <p:spPr bwMode="auto">
-            <a:xfrm>
-              <a:off x="6506967" y="5567025"/>
-              <a:ext cx="510491" cy="157494"/>
-            </a:xfrm>
-            <a:prstGeom prst="rect">
-              <a:avLst/>
-            </a:prstGeom>
-            <a:noFill/>
-            <a:ln w="12700">
-              <a:noFill/>
-              <a:miter lim="800000"/>
-              <a:headEnd/>
-              <a:tailEnd/>
-            </a:ln>
-            <a:effectLst/>
-          </p:spPr>
-          <p:txBody>
-            <a:bodyPr vert="horz" wrap="square" lIns="12700" tIns="12700" rIns="12700" bIns="12700" numCol="1" anchor="t" anchorCtr="0" compatLnSpc="1">
-              <a:prstTxWarp prst="textNoShape">
-                <a:avLst/>
-              </a:prstTxWarp>
-            </a:bodyPr>
-            <a:lstStyle/>
-            <a:p>
-              <a:pPr marL="0" marR="0" lvl="0" indent="0" algn="ctr" defTabSz="914400" rtl="0" eaLnBrk="1" fontAlgn="base" latinLnBrk="0" hangingPunct="1">
-                <a:lnSpc>
-                  <a:spcPct val="100000"/>
-                </a:lnSpc>
-                <a:spcBef>
-                  <a:spcPct val="0"/>
-                </a:spcBef>
-                <a:spcAft>
-                  <a:spcPct val="0"/>
-                </a:spcAft>
-                <a:buClrTx/>
-                <a:buSzTx/>
-                <a:buFontTx/>
-                <a:buNone/>
-                <a:tabLst/>
-              </a:pPr>
-              <a:r>
-                <a:rPr kumimoji="0" lang="uk-UA" sz="800" b="0" i="1" u="none" strike="noStrike" cap="none" normalizeH="0" baseline="0" dirty="0">
-                  <a:ln>
-                    <a:noFill/>
-                  </a:ln>
-                  <a:solidFill>
-                    <a:schemeClr val="tx1"/>
-                  </a:solidFill>
-                  <a:effectLst/>
-                  <a:latin typeface="Times New Roman" pitchFamily="18" charset="0"/>
-                  <a:cs typeface="Arial" pitchFamily="34" charset="0"/>
-                </a:rPr>
-                <a:t>1</a:t>
-              </a:r>
-              <a:r>
-                <a:rPr kumimoji="0" lang="en-US" sz="800" b="0" i="1" u="none" strike="noStrike" cap="none" normalizeH="0" baseline="0" dirty="0">
-                  <a:ln>
-                    <a:noFill/>
-                  </a:ln>
-                  <a:solidFill>
-                    <a:schemeClr val="tx1"/>
-                  </a:solidFill>
-                  <a:effectLst/>
-                  <a:latin typeface="Times New Roman" pitchFamily="18" charset="0"/>
-                  <a:cs typeface="Arial" pitchFamily="34" charset="0"/>
-                </a:rPr>
-                <a:t>1</a:t>
-              </a:r>
-              <a:endParaRPr kumimoji="0" lang="ru-RU" sz="800" b="0" i="0" u="none" strike="noStrike" cap="none" normalizeH="0" baseline="0" dirty="0">
-                <a:ln>
-                  <a:noFill/>
-                </a:ln>
-                <a:solidFill>
-                  <a:schemeClr val="tx1"/>
-                </a:solidFill>
-                <a:effectLst/>
-                <a:latin typeface="Arial" pitchFamily="34" charset="0"/>
-                <a:cs typeface="Arial" pitchFamily="34" charset="0"/>
-              </a:endParaRPr>
-            </a:p>
-          </p:txBody>
-        </p:sp>
-        <p:sp>
-          <p:nvSpPr>
-            <p:cNvPr id="109" name="Line 48"/>
-            <p:cNvSpPr>
-              <a:spLocks noChangeShapeType="1"/>
-            </p:cNvSpPr>
-            <p:nvPr/>
-          </p:nvSpPr>
-          <p:spPr bwMode="auto">
-            <a:xfrm>
-              <a:off x="5468842" y="5024049"/>
-              <a:ext cx="635" cy="524559"/>
-            </a:xfrm>
-            <a:prstGeom prst="line">
-              <a:avLst/>
-            </a:prstGeom>
-            <a:noFill/>
-            <a:ln w="12700">
-              <a:solidFill>
-                <a:srgbClr val="000000"/>
-              </a:solidFill>
-              <a:round/>
-              <a:headEnd/>
-              <a:tailEnd/>
-            </a:ln>
-            <a:effectLst/>
-          </p:spPr>
-          <p:txBody>
-            <a:bodyPr vert="horz" wrap="square" lIns="91440" tIns="45720" rIns="91440" bIns="45720" numCol="1" anchor="t" anchorCtr="0" compatLnSpc="1">
-              <a:prstTxWarp prst="textNoShape">
-                <a:avLst/>
-              </a:prstTxWarp>
-            </a:bodyPr>
-            <a:lstStyle/>
-            <a:p>
-              <a:endParaRPr lang="ru-RU" sz="800"/>
-            </a:p>
-          </p:txBody>
-        </p:sp>
-        <p:sp>
-          <p:nvSpPr>
-            <p:cNvPr id="110" name="Line 49"/>
-            <p:cNvSpPr>
-              <a:spLocks noChangeShapeType="1"/>
-            </p:cNvSpPr>
-            <p:nvPr/>
-          </p:nvSpPr>
-          <p:spPr bwMode="auto">
-            <a:xfrm>
-              <a:off x="5648529" y="5024049"/>
-              <a:ext cx="635" cy="524559"/>
-            </a:xfrm>
-            <a:prstGeom prst="line">
-              <a:avLst/>
-            </a:prstGeom>
-            <a:noFill/>
-            <a:ln w="12700">
-              <a:solidFill>
-                <a:srgbClr val="000000"/>
-              </a:solidFill>
-              <a:round/>
-              <a:headEnd/>
-              <a:tailEnd/>
-            </a:ln>
-            <a:effectLst/>
-          </p:spPr>
-          <p:txBody>
-            <a:bodyPr vert="horz" wrap="square" lIns="91440" tIns="45720" rIns="91440" bIns="45720" numCol="1" anchor="t" anchorCtr="0" compatLnSpc="1">
-              <a:prstTxWarp prst="textNoShape">
-                <a:avLst/>
-              </a:prstTxWarp>
-            </a:bodyPr>
-            <a:lstStyle/>
-            <a:p>
-              <a:endParaRPr lang="ru-RU" sz="800"/>
-            </a:p>
-          </p:txBody>
-        </p:sp>
-        <p:sp>
-          <p:nvSpPr>
-            <p:cNvPr id="111" name="Rectangle 50"/>
-            <p:cNvSpPr>
-              <a:spLocks noChangeArrowheads="1"/>
-            </p:cNvSpPr>
-            <p:nvPr/>
-          </p:nvSpPr>
-          <p:spPr bwMode="auto">
-            <a:xfrm>
-              <a:off x="5317091" y="5876934"/>
-              <a:ext cx="1847672" cy="224176"/>
-            </a:xfrm>
-            <a:prstGeom prst="rect">
-              <a:avLst/>
-            </a:prstGeom>
-            <a:noFill/>
-            <a:ln w="12700">
-              <a:noFill/>
-              <a:miter lim="800000"/>
-              <a:headEnd/>
-              <a:tailEnd/>
-            </a:ln>
-            <a:effectLst/>
-          </p:spPr>
-          <p:txBody>
-            <a:bodyPr vert="horz" wrap="square" lIns="12700" tIns="12700" rIns="12700" bIns="12700" numCol="1" anchor="t" anchorCtr="0" compatLnSpc="1">
-              <a:prstTxWarp prst="textNoShape">
-                <a:avLst/>
-              </a:prstTxWarp>
-            </a:bodyPr>
-            <a:lstStyle/>
-            <a:p>
-              <a:pPr marL="0" marR="0" lvl="0" indent="0" algn="ctr" defTabSz="914400" rtl="0" eaLnBrk="1" fontAlgn="base" latinLnBrk="0" hangingPunct="1">
-                <a:lnSpc>
-                  <a:spcPct val="100000"/>
-                </a:lnSpc>
-                <a:spcBef>
-                  <a:spcPct val="0"/>
-                </a:spcBef>
-                <a:spcAft>
-                  <a:spcPct val="0"/>
-                </a:spcAft>
-                <a:buClrTx/>
-                <a:buSzTx/>
-                <a:buFontTx/>
-                <a:buNone/>
-                <a:tabLst/>
-              </a:pPr>
-              <a:r>
-                <a:rPr lang="ru-RU" sz="800" i="1" dirty="0">
-                  <a:latin typeface="Courier New" pitchFamily="49" charset="0"/>
-                  <a:cs typeface="Courier New" pitchFamily="49" charset="0"/>
-                </a:rPr>
-                <a:t>НИУ «МИЭТ»</a:t>
-              </a:r>
-              <a:endParaRPr kumimoji="0" lang="ru-RU" sz="800" b="0" i="0" u="none" strike="noStrike" cap="none" normalizeH="0" baseline="0" dirty="0">
-                <a:ln>
-                  <a:noFill/>
-                </a:ln>
-                <a:solidFill>
-                  <a:schemeClr val="tx1"/>
-                </a:solidFill>
-                <a:effectLst/>
-                <a:latin typeface="Courier New" pitchFamily="49" charset="0"/>
-                <a:cs typeface="Courier New" pitchFamily="49" charset="0"/>
-              </a:endParaRPr>
-            </a:p>
-          </p:txBody>
-        </p:sp>
-        <p:sp>
-          <p:nvSpPr>
-            <p:cNvPr id="112" name="Line 51"/>
-            <p:cNvSpPr>
-              <a:spLocks noChangeShapeType="1"/>
-            </p:cNvSpPr>
-            <p:nvPr/>
-          </p:nvSpPr>
-          <p:spPr bwMode="auto">
-            <a:xfrm>
-              <a:off x="611560" y="4293096"/>
-              <a:ext cx="6577331" cy="635"/>
-            </a:xfrm>
-            <a:prstGeom prst="line">
-              <a:avLst/>
-            </a:prstGeom>
-            <a:noFill/>
-            <a:ln w="12700">
-              <a:solidFill>
-                <a:srgbClr val="000000"/>
-              </a:solidFill>
-              <a:round/>
-              <a:headEnd/>
-              <a:tailEnd/>
-            </a:ln>
-            <a:effectLst/>
-          </p:spPr>
-          <p:txBody>
-            <a:bodyPr vert="horz" wrap="square" lIns="91440" tIns="45720" rIns="91440" bIns="45720" numCol="1" anchor="t" anchorCtr="0" compatLnSpc="1">
-              <a:prstTxWarp prst="textNoShape">
-                <a:avLst/>
-              </a:prstTxWarp>
-            </a:bodyPr>
-            <a:lstStyle/>
-            <a:p>
-              <a:endParaRPr lang="ru-RU" sz="800"/>
-            </a:p>
-          </p:txBody>
-        </p:sp>
-        <p:sp>
-          <p:nvSpPr>
-            <p:cNvPr id="113" name="Line 52"/>
-            <p:cNvSpPr>
-              <a:spLocks noChangeShapeType="1"/>
-            </p:cNvSpPr>
-            <p:nvPr/>
-          </p:nvSpPr>
-          <p:spPr bwMode="auto">
-            <a:xfrm>
-              <a:off x="611560" y="4473453"/>
-              <a:ext cx="2510548" cy="635"/>
-            </a:xfrm>
-            <a:prstGeom prst="line">
-              <a:avLst/>
-            </a:prstGeom>
-            <a:noFill/>
-            <a:ln w="12700">
-              <a:solidFill>
-                <a:srgbClr val="000000"/>
-              </a:solidFill>
-              <a:round/>
-              <a:headEnd/>
-              <a:tailEnd/>
-            </a:ln>
-            <a:effectLst/>
-          </p:spPr>
-          <p:txBody>
-            <a:bodyPr vert="horz" wrap="square" lIns="91440" tIns="45720" rIns="91440" bIns="45720" numCol="1" anchor="t" anchorCtr="0" compatLnSpc="1">
-              <a:prstTxWarp prst="textNoShape">
-                <a:avLst/>
-              </a:prstTxWarp>
-            </a:bodyPr>
-            <a:lstStyle/>
-            <a:p>
-              <a:endParaRPr lang="ru-RU" sz="800"/>
-            </a:p>
-          </p:txBody>
-        </p:sp>
-        <p:sp>
-          <p:nvSpPr>
-            <p:cNvPr id="114" name="Line 53"/>
-            <p:cNvSpPr>
-              <a:spLocks noChangeShapeType="1"/>
-            </p:cNvSpPr>
-            <p:nvPr/>
-          </p:nvSpPr>
-          <p:spPr bwMode="auto">
-            <a:xfrm>
-              <a:off x="611560" y="4653175"/>
-              <a:ext cx="2510548" cy="635"/>
-            </a:xfrm>
-            <a:prstGeom prst="line">
-              <a:avLst/>
-            </a:prstGeom>
-            <a:noFill/>
-            <a:ln w="12700">
-              <a:solidFill>
-                <a:srgbClr val="000000"/>
-              </a:solidFill>
-              <a:round/>
-              <a:headEnd/>
-              <a:tailEnd/>
-            </a:ln>
-            <a:effectLst/>
-          </p:spPr>
-          <p:txBody>
-            <a:bodyPr vert="horz" wrap="square" lIns="91440" tIns="45720" rIns="91440" bIns="45720" numCol="1" anchor="t" anchorCtr="0" compatLnSpc="1">
-              <a:prstTxWarp prst="textNoShape">
-                <a:avLst/>
-              </a:prstTxWarp>
-            </a:bodyPr>
-            <a:lstStyle/>
-            <a:p>
-              <a:endParaRPr lang="ru-RU" sz="800"/>
-            </a:p>
-          </p:txBody>
-        </p:sp>
-        <p:sp>
-          <p:nvSpPr>
-            <p:cNvPr id="115" name="Line 54"/>
-            <p:cNvSpPr>
-              <a:spLocks noChangeShapeType="1"/>
-            </p:cNvSpPr>
-            <p:nvPr/>
-          </p:nvSpPr>
-          <p:spPr bwMode="auto">
-            <a:xfrm>
-              <a:off x="611560" y="5373332"/>
-              <a:ext cx="2510548" cy="635"/>
-            </a:xfrm>
-            <a:prstGeom prst="line">
-              <a:avLst/>
-            </a:prstGeom>
-            <a:noFill/>
-            <a:ln w="12700">
-              <a:solidFill>
-                <a:srgbClr val="000000"/>
-              </a:solidFill>
-              <a:round/>
-              <a:headEnd/>
-              <a:tailEnd/>
-            </a:ln>
-            <a:effectLst/>
-          </p:spPr>
-          <p:txBody>
-            <a:bodyPr vert="horz" wrap="square" lIns="91440" tIns="45720" rIns="91440" bIns="45720" numCol="1" anchor="t" anchorCtr="0" compatLnSpc="1">
-              <a:prstTxWarp prst="textNoShape">
-                <a:avLst/>
-              </a:prstTxWarp>
-            </a:bodyPr>
-            <a:lstStyle/>
-            <a:p>
-              <a:endParaRPr lang="ru-RU" sz="800" dirty="0"/>
-            </a:p>
-          </p:txBody>
-        </p:sp>
-        <p:sp>
-          <p:nvSpPr>
-            <p:cNvPr id="126" name="Rectangle 56"/>
-            <p:cNvSpPr>
-              <a:spLocks noChangeArrowheads="1"/>
-            </p:cNvSpPr>
-            <p:nvPr/>
-          </p:nvSpPr>
-          <p:spPr bwMode="auto">
-            <a:xfrm>
-              <a:off x="621084" y="5735951"/>
-              <a:ext cx="700382" cy="157494"/>
-            </a:xfrm>
-            <a:prstGeom prst="rect">
-              <a:avLst/>
-            </a:prstGeom>
-            <a:noFill/>
-            <a:ln w="12700">
-              <a:noFill/>
-              <a:miter lim="800000"/>
-              <a:headEnd/>
-              <a:tailEnd/>
-            </a:ln>
-            <a:effectLst/>
-          </p:spPr>
-          <p:txBody>
-            <a:bodyPr vert="horz" wrap="square" lIns="12700" tIns="12700" rIns="12700" bIns="12700" numCol="1" anchor="t" anchorCtr="0" compatLnSpc="1">
-              <a:prstTxWarp prst="textNoShape">
-                <a:avLst/>
-              </a:prstTxWarp>
-            </a:bodyPr>
-            <a:lstStyle/>
-            <a:p>
-              <a:pPr marL="0" marR="0" lvl="0" indent="0" algn="just" defTabSz="914400" rtl="0" eaLnBrk="1" fontAlgn="base" latinLnBrk="0" hangingPunct="1">
-                <a:lnSpc>
-                  <a:spcPct val="100000"/>
-                </a:lnSpc>
-                <a:spcBef>
-                  <a:spcPct val="0"/>
-                </a:spcBef>
-                <a:spcAft>
-                  <a:spcPct val="0"/>
-                </a:spcAft>
-                <a:buClrTx/>
-                <a:buSzTx/>
-                <a:buFontTx/>
-                <a:buNone/>
-                <a:tabLst/>
-              </a:pPr>
-              <a:r>
-                <a:rPr kumimoji="0" lang="uk-UA" sz="800" b="0" i="1" u="none" strike="noStrike" cap="none" normalizeH="0" baseline="0">
-                  <a:ln>
-                    <a:noFill/>
-                  </a:ln>
-                  <a:solidFill>
-                    <a:schemeClr val="tx1"/>
-                  </a:solidFill>
-                  <a:effectLst/>
-                  <a:latin typeface="ISOCPEUR" charset="0"/>
-                  <a:cs typeface="Arial" pitchFamily="34" charset="0"/>
-                </a:rPr>
-                <a:t> Реценз.</a:t>
-              </a:r>
-              <a:endParaRPr kumimoji="0" lang="ru-RU" sz="800" b="0" i="0" u="none" strike="noStrike" cap="none" normalizeH="0" baseline="0">
-                <a:ln>
-                  <a:noFill/>
-                </a:ln>
-                <a:solidFill>
-                  <a:schemeClr val="tx1"/>
-                </a:solidFill>
-                <a:effectLst/>
-                <a:latin typeface="Arial" pitchFamily="34" charset="0"/>
-                <a:cs typeface="Arial" pitchFamily="34" charset="0"/>
-              </a:endParaRPr>
-            </a:p>
-          </p:txBody>
-        </p:sp>
-        <p:sp>
-          <p:nvSpPr>
-            <p:cNvPr id="117" name="Line 58"/>
-            <p:cNvSpPr>
-              <a:spLocks noChangeShapeType="1"/>
-            </p:cNvSpPr>
-            <p:nvPr/>
-          </p:nvSpPr>
-          <p:spPr bwMode="auto">
-            <a:xfrm>
-              <a:off x="5828852" y="4837977"/>
-              <a:ext cx="1905" cy="710631"/>
-            </a:xfrm>
-            <a:prstGeom prst="line">
-              <a:avLst/>
-            </a:prstGeom>
-            <a:noFill/>
-            <a:ln w="12700">
-              <a:solidFill>
-                <a:srgbClr val="000000"/>
-              </a:solidFill>
-              <a:round/>
-              <a:headEnd/>
-              <a:tailEnd/>
-            </a:ln>
-            <a:effectLst/>
-          </p:spPr>
-          <p:txBody>
-            <a:bodyPr vert="horz" wrap="square" lIns="91440" tIns="45720" rIns="91440" bIns="45720" numCol="1" anchor="t" anchorCtr="0" compatLnSpc="1">
-              <a:prstTxWarp prst="textNoShape">
-                <a:avLst/>
-              </a:prstTxWarp>
-            </a:bodyPr>
-            <a:lstStyle/>
-            <a:p>
-              <a:endParaRPr lang="ru-RU" sz="800"/>
-            </a:p>
-          </p:txBody>
-        </p:sp>
-        <p:sp>
-          <p:nvSpPr>
-            <p:cNvPr id="118" name="Rectangle 59"/>
-            <p:cNvSpPr>
-              <a:spLocks noChangeArrowheads="1"/>
-            </p:cNvSpPr>
-            <p:nvPr/>
-          </p:nvSpPr>
-          <p:spPr bwMode="auto">
-            <a:xfrm>
-              <a:off x="5860599" y="4848138"/>
-              <a:ext cx="485728" cy="157495"/>
-            </a:xfrm>
-            <a:prstGeom prst="rect">
-              <a:avLst/>
-            </a:prstGeom>
-            <a:noFill/>
-            <a:ln w="12700">
-              <a:noFill/>
-              <a:miter lim="800000"/>
-              <a:headEnd/>
-              <a:tailEnd/>
-            </a:ln>
-            <a:effectLst/>
-          </p:spPr>
-          <p:txBody>
-            <a:bodyPr vert="horz" wrap="square" lIns="12700" tIns="12700" rIns="12700" bIns="12700" numCol="1" anchor="t" anchorCtr="0" compatLnSpc="1">
-              <a:prstTxWarp prst="textNoShape">
-                <a:avLst/>
-              </a:prstTxWarp>
-            </a:bodyPr>
-            <a:lstStyle/>
-            <a:p>
-              <a:pPr marL="0" marR="0" lvl="0" indent="0" algn="ctr" defTabSz="914400" rtl="0" eaLnBrk="1" fontAlgn="base" latinLnBrk="0" hangingPunct="1">
-                <a:lnSpc>
-                  <a:spcPct val="100000"/>
-                </a:lnSpc>
-                <a:spcBef>
-                  <a:spcPct val="0"/>
-                </a:spcBef>
-                <a:spcAft>
-                  <a:spcPct val="0"/>
-                </a:spcAft>
-                <a:buClrTx/>
-                <a:buSzTx/>
-                <a:buFontTx/>
-                <a:buNone/>
-                <a:tabLst/>
-              </a:pPr>
-              <a:r>
-                <a:rPr kumimoji="0" lang="uk-UA" sz="800" b="0" i="1" u="none" strike="noStrike" cap="none" normalizeH="0" baseline="0">
-                  <a:ln>
-                    <a:noFill/>
-                  </a:ln>
-                  <a:solidFill>
-                    <a:schemeClr val="tx1"/>
-                  </a:solidFill>
-                  <a:effectLst/>
-                  <a:latin typeface="ISOCPEUR" charset="0"/>
-                  <a:cs typeface="Arial" pitchFamily="34" charset="0"/>
-                </a:rPr>
-                <a:t>Масса</a:t>
-              </a:r>
-              <a:endParaRPr kumimoji="0" lang="ru-RU" sz="800" b="0" i="0" u="none" strike="noStrike" cap="none" normalizeH="0" baseline="0">
-                <a:ln>
-                  <a:noFill/>
-                </a:ln>
-                <a:solidFill>
-                  <a:schemeClr val="tx1"/>
-                </a:solidFill>
-                <a:effectLst/>
-                <a:latin typeface="Arial" pitchFamily="34" charset="0"/>
-                <a:cs typeface="Arial" pitchFamily="34" charset="0"/>
-              </a:endParaRPr>
-            </a:p>
-          </p:txBody>
-        </p:sp>
-        <p:sp>
-          <p:nvSpPr>
-            <p:cNvPr id="119" name="Rectangle 60"/>
-            <p:cNvSpPr>
-              <a:spLocks noChangeArrowheads="1"/>
-            </p:cNvSpPr>
-            <p:nvPr/>
-          </p:nvSpPr>
-          <p:spPr bwMode="auto">
-            <a:xfrm>
-              <a:off x="6403471" y="4848138"/>
-              <a:ext cx="766371" cy="157495"/>
-            </a:xfrm>
-            <a:prstGeom prst="rect">
-              <a:avLst/>
-            </a:prstGeom>
-            <a:noFill/>
-            <a:ln w="12700">
-              <a:noFill/>
-              <a:miter lim="800000"/>
-              <a:headEnd/>
-              <a:tailEnd/>
-            </a:ln>
-            <a:effectLst/>
-          </p:spPr>
-          <p:txBody>
-            <a:bodyPr vert="horz" wrap="square" lIns="12700" tIns="12700" rIns="12700" bIns="12700" numCol="1" anchor="t" anchorCtr="0" compatLnSpc="1">
-              <a:prstTxWarp prst="textNoShape">
-                <a:avLst/>
-              </a:prstTxWarp>
-            </a:bodyPr>
-            <a:lstStyle/>
-            <a:p>
-              <a:pPr marL="0" marR="0" lvl="0" indent="0" algn="ctr" defTabSz="914400" rtl="0" eaLnBrk="1" fontAlgn="base" latinLnBrk="0" hangingPunct="1">
-                <a:lnSpc>
-                  <a:spcPct val="100000"/>
-                </a:lnSpc>
-                <a:spcBef>
-                  <a:spcPct val="0"/>
-                </a:spcBef>
-                <a:spcAft>
-                  <a:spcPct val="0"/>
-                </a:spcAft>
-                <a:buClrTx/>
-                <a:buSzTx/>
-                <a:buFontTx/>
-                <a:buNone/>
-                <a:tabLst/>
-              </a:pPr>
-              <a:r>
-                <a:rPr kumimoji="0" lang="uk-UA" sz="800" b="0" i="1" u="none" strike="noStrike" cap="none" normalizeH="0" baseline="0">
-                  <a:ln>
-                    <a:noFill/>
-                  </a:ln>
-                  <a:solidFill>
-                    <a:schemeClr val="tx1"/>
-                  </a:solidFill>
-                  <a:effectLst/>
-                  <a:latin typeface="ISOCPEUR" charset="0"/>
-                  <a:cs typeface="Arial" pitchFamily="34" charset="0"/>
-                </a:rPr>
-                <a:t>Масштаб</a:t>
-              </a:r>
-              <a:endParaRPr kumimoji="0" lang="ru-RU" sz="800" b="0" i="0" u="none" strike="noStrike" cap="none" normalizeH="0" baseline="0">
-                <a:ln>
-                  <a:noFill/>
-                </a:ln>
-                <a:solidFill>
-                  <a:schemeClr val="tx1"/>
-                </a:solidFill>
-                <a:effectLst/>
-                <a:latin typeface="Arial" pitchFamily="34" charset="0"/>
-                <a:cs typeface="Arial" pitchFamily="34" charset="0"/>
-              </a:endParaRPr>
-            </a:p>
-          </p:txBody>
-        </p:sp>
-        <p:sp>
-          <p:nvSpPr>
-            <p:cNvPr id="120" name="Line 61"/>
-            <p:cNvSpPr>
-              <a:spLocks noChangeShapeType="1"/>
-            </p:cNvSpPr>
-            <p:nvPr/>
-          </p:nvSpPr>
-          <p:spPr bwMode="auto">
-            <a:xfrm>
-              <a:off x="6008540" y="5557499"/>
-              <a:ext cx="635" cy="172101"/>
-            </a:xfrm>
-            <a:prstGeom prst="line">
-              <a:avLst/>
-            </a:prstGeom>
-            <a:noFill/>
-            <a:ln w="12700">
-              <a:solidFill>
-                <a:srgbClr val="000000"/>
-              </a:solidFill>
-              <a:round/>
-              <a:headEnd/>
-              <a:tailEnd/>
-            </a:ln>
-            <a:effectLst/>
-          </p:spPr>
-          <p:txBody>
-            <a:bodyPr vert="horz" wrap="square" lIns="91440" tIns="45720" rIns="91440" bIns="45720" numCol="1" anchor="t" anchorCtr="0" compatLnSpc="1">
-              <a:prstTxWarp prst="textNoShape">
-                <a:avLst/>
-              </a:prstTxWarp>
-            </a:bodyPr>
-            <a:lstStyle/>
-            <a:p>
-              <a:endParaRPr lang="ru-RU" sz="800" dirty="0"/>
-            </a:p>
-          </p:txBody>
-        </p:sp>
-        <p:sp>
-          <p:nvSpPr>
-            <p:cNvPr id="122" name="Rectangle 63"/>
-            <p:cNvSpPr>
-              <a:spLocks noChangeArrowheads="1"/>
-            </p:cNvSpPr>
-            <p:nvPr/>
-          </p:nvSpPr>
-          <p:spPr bwMode="auto">
-            <a:xfrm>
-              <a:off x="5860599" y="5200596"/>
-              <a:ext cx="485728" cy="157495"/>
-            </a:xfrm>
-            <a:prstGeom prst="rect">
-              <a:avLst/>
-            </a:prstGeom>
-            <a:noFill/>
-            <a:ln w="12700">
-              <a:noFill/>
-              <a:miter lim="800000"/>
-              <a:headEnd/>
-              <a:tailEnd/>
-            </a:ln>
-            <a:effectLst/>
-          </p:spPr>
-          <p:txBody>
-            <a:bodyPr vert="horz" wrap="square" lIns="12700" tIns="12700" rIns="12700" bIns="12700" numCol="1" anchor="t" anchorCtr="0" compatLnSpc="1">
-              <a:prstTxWarp prst="textNoShape">
-                <a:avLst/>
-              </a:prstTxWarp>
-            </a:bodyPr>
-            <a:lstStyle/>
-            <a:p>
-              <a:pPr marL="0" marR="0" lvl="0" indent="0" algn="ctr" defTabSz="914400" rtl="0" eaLnBrk="1" fontAlgn="base" latinLnBrk="0" hangingPunct="1">
-                <a:lnSpc>
-                  <a:spcPct val="100000"/>
-                </a:lnSpc>
-                <a:spcBef>
-                  <a:spcPct val="0"/>
-                </a:spcBef>
-                <a:spcAft>
-                  <a:spcPct val="0"/>
-                </a:spcAft>
-                <a:buClrTx/>
-                <a:buSzTx/>
-                <a:buFontTx/>
-                <a:buNone/>
-                <a:tabLst/>
-              </a:pPr>
-              <a:r>
-                <a:rPr kumimoji="0" lang="uk-UA" sz="800" b="0" i="1" u="none" strike="noStrike" cap="none" normalizeH="0" baseline="0">
-                  <a:ln>
-                    <a:noFill/>
-                  </a:ln>
-                  <a:solidFill>
-                    <a:schemeClr val="tx1"/>
-                  </a:solidFill>
-                  <a:effectLst/>
-                  <a:latin typeface="Times New Roman" pitchFamily="18" charset="0"/>
-                  <a:cs typeface="Arial" pitchFamily="34" charset="0"/>
-                </a:rPr>
-                <a:t>1</a:t>
-              </a:r>
-              <a:endParaRPr kumimoji="0" lang="ru-RU" sz="800" b="0" i="0" u="none" strike="noStrike" cap="none" normalizeH="0" baseline="0">
-                <a:ln>
-                  <a:noFill/>
-                </a:ln>
-                <a:solidFill>
-                  <a:schemeClr val="tx1"/>
-                </a:solidFill>
-                <a:effectLst/>
-                <a:latin typeface="Arial" pitchFamily="34" charset="0"/>
-                <a:cs typeface="Arial" pitchFamily="34" charset="0"/>
-              </a:endParaRPr>
-            </a:p>
-          </p:txBody>
-        </p:sp>
-        <p:sp>
-          <p:nvSpPr>
-            <p:cNvPr id="123" name="Rectangle 64"/>
-            <p:cNvSpPr>
-              <a:spLocks noChangeArrowheads="1"/>
-            </p:cNvSpPr>
-            <p:nvPr/>
-          </p:nvSpPr>
-          <p:spPr bwMode="auto">
-            <a:xfrm>
-              <a:off x="6403471" y="5200596"/>
-              <a:ext cx="766371" cy="157495"/>
-            </a:xfrm>
-            <a:prstGeom prst="rect">
-              <a:avLst/>
-            </a:prstGeom>
-            <a:noFill/>
-            <a:ln w="12700">
-              <a:noFill/>
-              <a:miter lim="800000"/>
-              <a:headEnd/>
-              <a:tailEnd/>
-            </a:ln>
-            <a:effectLst/>
-          </p:spPr>
-          <p:txBody>
-            <a:bodyPr vert="horz" wrap="square" lIns="12700" tIns="12700" rIns="12700" bIns="12700" numCol="1" anchor="t" anchorCtr="0" compatLnSpc="1">
-              <a:prstTxWarp prst="textNoShape">
-                <a:avLst/>
-              </a:prstTxWarp>
-            </a:bodyPr>
-            <a:lstStyle/>
-            <a:p>
-              <a:pPr marL="0" marR="0" lvl="0" indent="0" algn="ctr" defTabSz="914400" rtl="0" eaLnBrk="1" fontAlgn="base" latinLnBrk="0" hangingPunct="1">
-                <a:lnSpc>
-                  <a:spcPct val="100000"/>
-                </a:lnSpc>
-                <a:spcBef>
-                  <a:spcPct val="0"/>
-                </a:spcBef>
-                <a:spcAft>
-                  <a:spcPct val="0"/>
-                </a:spcAft>
-                <a:buClrTx/>
-                <a:buSzTx/>
-                <a:buFontTx/>
-                <a:buNone/>
-                <a:tabLst/>
-              </a:pPr>
-              <a:r>
-                <a:rPr kumimoji="0" lang="uk-UA" sz="800" b="0" i="1" u="none" strike="noStrike" cap="none" normalizeH="0" baseline="0">
-                  <a:ln>
-                    <a:noFill/>
-                  </a:ln>
-                  <a:solidFill>
-                    <a:schemeClr val="tx1"/>
-                  </a:solidFill>
-                  <a:effectLst/>
-                  <a:latin typeface="Times New Roman" pitchFamily="18" charset="0"/>
-                  <a:cs typeface="Arial" pitchFamily="34" charset="0"/>
-                </a:rPr>
-                <a:t>1 : 1</a:t>
-              </a:r>
-              <a:endParaRPr kumimoji="0" lang="ru-RU" sz="800" b="0" i="0" u="none" strike="noStrike" cap="none" normalizeH="0" baseline="0">
-                <a:ln>
-                  <a:noFill/>
-                </a:ln>
-                <a:solidFill>
-                  <a:schemeClr val="tx1"/>
-                </a:solidFill>
-                <a:effectLst/>
-                <a:latin typeface="Arial" pitchFamily="34" charset="0"/>
-                <a:cs typeface="Arial" pitchFamily="34" charset="0"/>
-              </a:endParaRPr>
-            </a:p>
-          </p:txBody>
-        </p:sp>
-        <p:sp>
-          <p:nvSpPr>
-            <p:cNvPr id="124" name="Line 65"/>
-            <p:cNvSpPr>
-              <a:spLocks noChangeShapeType="1"/>
-            </p:cNvSpPr>
-            <p:nvPr/>
-          </p:nvSpPr>
-          <p:spPr bwMode="auto">
-            <a:xfrm>
-              <a:off x="611560" y="4829086"/>
-              <a:ext cx="2510548" cy="635"/>
-            </a:xfrm>
-            <a:prstGeom prst="line">
-              <a:avLst/>
-            </a:prstGeom>
-            <a:noFill/>
-            <a:ln w="12700">
-              <a:solidFill>
-                <a:srgbClr val="000000"/>
-              </a:solidFill>
-              <a:round/>
-              <a:headEnd/>
-              <a:tailEnd/>
-            </a:ln>
-            <a:effectLst/>
-          </p:spPr>
-          <p:txBody>
-            <a:bodyPr vert="horz" wrap="square" lIns="91440" tIns="45720" rIns="91440" bIns="45720" numCol="1" anchor="t" anchorCtr="0" compatLnSpc="1">
-              <a:prstTxWarp prst="textNoShape">
-                <a:avLst/>
-              </a:prstTxWarp>
-            </a:bodyPr>
-            <a:lstStyle/>
-            <a:p>
-              <a:endParaRPr lang="ru-RU" sz="800"/>
-            </a:p>
-          </p:txBody>
-        </p:sp>
-        <p:sp>
-          <p:nvSpPr>
-            <p:cNvPr id="125" name="Line 9"/>
-            <p:cNvSpPr>
-              <a:spLocks noChangeShapeType="1"/>
-            </p:cNvSpPr>
-            <p:nvPr/>
-          </p:nvSpPr>
-          <p:spPr bwMode="auto">
-            <a:xfrm>
-              <a:off x="611560" y="4293096"/>
-              <a:ext cx="635" cy="1962968"/>
-            </a:xfrm>
-            <a:prstGeom prst="line">
-              <a:avLst/>
-            </a:prstGeom>
-            <a:noFill/>
-            <a:ln w="12700">
-              <a:solidFill>
-                <a:srgbClr val="000000"/>
-              </a:solidFill>
-              <a:round/>
-              <a:headEnd/>
-              <a:tailEnd/>
-            </a:ln>
-            <a:effectLst/>
-          </p:spPr>
-          <p:txBody>
-            <a:bodyPr vert="horz" wrap="square" lIns="91440" tIns="45720" rIns="91440" bIns="45720" numCol="1" anchor="t" anchorCtr="0" compatLnSpc="1">
-              <a:prstTxWarp prst="textNoShape">
-                <a:avLst/>
-              </a:prstTxWarp>
-            </a:bodyPr>
-            <a:lstStyle/>
-            <a:p>
-              <a:endParaRPr lang="ru-RU" sz="800"/>
-            </a:p>
-          </p:txBody>
-        </p:sp>
-      </p:grpSp>
       <p:pic>
         <p:nvPicPr>
           <p:cNvPr id="10" name="Рисунок 9">
@@ -16488,753 +8875,6 @@
           </a:p>
         </p:txBody>
       </p:sp>
-      <p:graphicFrame>
-        <p:nvGraphicFramePr>
-          <p:cNvPr id="8" name="Group 10">
-            <a:extLst>
-              <a:ext uri="{FF2B5EF4-FFF2-40B4-BE49-F238E27FC236}">
-                <a16:creationId xmlns:a16="http://schemas.microsoft.com/office/drawing/2014/main" id="{22A01D60-98A3-4891-BCB3-AFDF989EABD4}"/>
-              </a:ext>
-            </a:extLst>
-          </p:cNvPr>
-          <p:cNvGraphicFramePr>
-            <a:graphicFrameLocks noGrp="1"/>
-          </p:cNvGraphicFramePr>
-          <p:nvPr>
-            <p:extLst>
-              <p:ext uri="{D42A27DB-BD31-4B8C-83A1-F6EECF244321}">
-                <p14:modId xmlns:p14="http://schemas.microsoft.com/office/powerpoint/2010/main" val="2488448790"/>
-              </p:ext>
-            </p:extLst>
-          </p:nvPr>
-        </p:nvGraphicFramePr>
-        <p:xfrm>
-          <a:off x="6156325" y="6254750"/>
-          <a:ext cx="2822575" cy="412740"/>
-        </p:xfrm>
-        <a:graphic>
-          <a:graphicData uri="http://schemas.openxmlformats.org/drawingml/2006/table">
-            <a:tbl>
-              <a:tblPr/>
-              <a:tblGrid>
-                <a:gridCol w="792163">
-                  <a:extLst>
-                    <a:ext uri="{9D8B030D-6E8A-4147-A177-3AD203B41FA5}">
-                      <a16:colId xmlns:a16="http://schemas.microsoft.com/office/drawing/2014/main" val="20000"/>
-                    </a:ext>
-                  </a:extLst>
-                </a:gridCol>
-                <a:gridCol w="1008062">
-                  <a:extLst>
-                    <a:ext uri="{9D8B030D-6E8A-4147-A177-3AD203B41FA5}">
-                      <a16:colId xmlns:a16="http://schemas.microsoft.com/office/drawing/2014/main" val="20001"/>
-                    </a:ext>
-                  </a:extLst>
-                </a:gridCol>
-                <a:gridCol w="649288">
-                  <a:extLst>
-                    <a:ext uri="{9D8B030D-6E8A-4147-A177-3AD203B41FA5}">
-                      <a16:colId xmlns:a16="http://schemas.microsoft.com/office/drawing/2014/main" val="20002"/>
-                    </a:ext>
-                  </a:extLst>
-                </a:gridCol>
-                <a:gridCol w="373062">
-                  <a:extLst>
-                    <a:ext uri="{9D8B030D-6E8A-4147-A177-3AD203B41FA5}">
-                      <a16:colId xmlns:a16="http://schemas.microsoft.com/office/drawing/2014/main" val="20003"/>
-                    </a:ext>
-                  </a:extLst>
-                </a:gridCol>
-              </a:tblGrid>
-              <a:tr h="0">
-                <a:tc>
-                  <a:txBody>
-                    <a:bodyPr/>
-                    <a:lstStyle/>
-                    <a:p>
-                      <a:pPr marL="0" marR="0" lvl="0" indent="0" algn="l" defTabSz="914400" rtl="0" eaLnBrk="1" fontAlgn="base" latinLnBrk="0" hangingPunct="1">
-                        <a:lnSpc>
-                          <a:spcPct val="100000"/>
-                        </a:lnSpc>
-                        <a:spcBef>
-                          <a:spcPct val="0"/>
-                        </a:spcBef>
-                        <a:spcAft>
-                          <a:spcPct val="0"/>
-                        </a:spcAft>
-                        <a:buClrTx/>
-                        <a:buSzTx/>
-                        <a:buFontTx/>
-                        <a:buNone/>
-                        <a:tabLst/>
-                      </a:pPr>
-                      <a:r>
-                        <a:rPr kumimoji="0" lang="ru-RU" sz="1000" b="0" i="0" u="none" strike="noStrike" cap="none" normalizeH="0" baseline="0" dirty="0">
-                          <a:ln>
-                            <a:noFill/>
-                          </a:ln>
-                          <a:solidFill>
-                            <a:schemeClr val="tx1"/>
-                          </a:solidFill>
-                          <a:effectLst/>
-                          <a:latin typeface="Times New Roman" pitchFamily="18" charset="0"/>
-                          <a:cs typeface="Times New Roman" pitchFamily="18" charset="0"/>
-                        </a:rPr>
-                        <a:t>Разработал</a:t>
-                      </a:r>
-                      <a:endParaRPr kumimoji="0" lang="ru-RU" sz="1000" b="0" i="0" u="none" strike="noStrike" cap="none" normalizeH="0" baseline="0" dirty="0">
-                        <a:ln>
-                          <a:noFill/>
-                        </a:ln>
-                        <a:solidFill>
-                          <a:schemeClr val="tx1"/>
-                        </a:solidFill>
-                        <a:effectLst/>
-                        <a:latin typeface="Arial" charset="0"/>
-                      </a:endParaRPr>
-                    </a:p>
-                  </a:txBody>
-                  <a:tcPr marL="71962" marR="71962" marT="17991" marB="35979" horzOverflow="overflow">
-                    <a:lnL w="12700" cap="flat" cmpd="sng" algn="ctr">
-                      <a:solidFill>
-                        <a:srgbClr val="000000"/>
-                      </a:solidFill>
-                      <a:prstDash val="solid"/>
-                      <a:round/>
-                      <a:headEnd type="none" w="med" len="med"/>
-                      <a:tailEnd type="none" w="med" len="med"/>
-                    </a:lnL>
-                    <a:lnR w="12700" cap="flat" cmpd="sng" algn="ctr">
-                      <a:solidFill>
-                        <a:srgbClr val="000000"/>
-                      </a:solidFill>
-                      <a:prstDash val="solid"/>
-                      <a:round/>
-                      <a:headEnd type="none" w="med" len="med"/>
-                      <a:tailEnd type="none" w="med" len="med"/>
-                    </a:lnR>
-                    <a:lnT w="12700" cap="flat" cmpd="sng" algn="ctr">
-                      <a:solidFill>
-                        <a:srgbClr val="000000"/>
-                      </a:solidFill>
-                      <a:prstDash val="solid"/>
-                      <a:round/>
-                      <a:headEnd type="none" w="med" len="med"/>
-                      <a:tailEnd type="none" w="med" len="med"/>
-                    </a:lnT>
-                    <a:lnB w="12700" cap="flat" cmpd="sng" algn="ctr">
-                      <a:solidFill>
-                        <a:srgbClr val="000000"/>
-                      </a:solidFill>
-                      <a:prstDash val="solid"/>
-                      <a:round/>
-                      <a:headEnd type="none" w="med" len="med"/>
-                      <a:tailEnd type="none" w="med" len="med"/>
-                    </a:lnB>
-                    <a:lnTlToBr>
-                      <a:noFill/>
-                    </a:lnTlToBr>
-                    <a:lnBlToTr>
-                      <a:noFill/>
-                    </a:lnBlToTr>
-                    <a:noFill/>
-                  </a:tcPr>
-                </a:tc>
-                <a:tc>
-                  <a:txBody>
-                    <a:bodyPr/>
-                    <a:lstStyle/>
-                    <a:p>
-                      <a:pPr marL="0" marR="0" lvl="0" indent="0" algn="l" defTabSz="914400" rtl="0" eaLnBrk="1" fontAlgn="base" latinLnBrk="0" hangingPunct="1">
-                        <a:lnSpc>
-                          <a:spcPct val="100000"/>
-                        </a:lnSpc>
-                        <a:spcBef>
-                          <a:spcPct val="0"/>
-                        </a:spcBef>
-                        <a:spcAft>
-                          <a:spcPct val="0"/>
-                        </a:spcAft>
-                        <a:buClrTx/>
-                        <a:buSzTx/>
-                        <a:buFontTx/>
-                        <a:buNone/>
-                        <a:tabLst/>
-                      </a:pPr>
-                      <a:r>
-                        <a:rPr kumimoji="0" lang="ru-RU" sz="1000" b="0" i="0" u="none" strike="noStrike" cap="none" normalizeH="0" baseline="0" dirty="0">
-                          <a:ln>
-                            <a:noFill/>
-                          </a:ln>
-                          <a:solidFill>
-                            <a:schemeClr val="tx1"/>
-                          </a:solidFill>
-                          <a:effectLst/>
-                          <a:latin typeface="Times New Roman" pitchFamily="18" charset="0"/>
-                          <a:cs typeface="Times New Roman" pitchFamily="18" charset="0"/>
-                        </a:rPr>
-                        <a:t>Федотов А. А</a:t>
-                      </a:r>
-                    </a:p>
-                  </a:txBody>
-                  <a:tcPr marL="71962" marR="71962" marT="17991" marB="35979" horzOverflow="overflow">
-                    <a:lnL w="12700" cap="flat" cmpd="sng" algn="ctr">
-                      <a:solidFill>
-                        <a:srgbClr val="000000"/>
-                      </a:solidFill>
-                      <a:prstDash val="solid"/>
-                      <a:round/>
-                      <a:headEnd type="none" w="med" len="med"/>
-                      <a:tailEnd type="none" w="med" len="med"/>
-                    </a:lnL>
-                    <a:lnR w="12700" cap="flat" cmpd="sng" algn="ctr">
-                      <a:solidFill>
-                        <a:srgbClr val="000000"/>
-                      </a:solidFill>
-                      <a:prstDash val="solid"/>
-                      <a:round/>
-                      <a:headEnd type="none" w="med" len="med"/>
-                      <a:tailEnd type="none" w="med" len="med"/>
-                    </a:lnR>
-                    <a:lnT w="12700" cap="flat" cmpd="sng" algn="ctr">
-                      <a:solidFill>
-                        <a:srgbClr val="000000"/>
-                      </a:solidFill>
-                      <a:prstDash val="solid"/>
-                      <a:round/>
-                      <a:headEnd type="none" w="med" len="med"/>
-                      <a:tailEnd type="none" w="med" len="med"/>
-                    </a:lnT>
-                    <a:lnB w="12700" cap="flat" cmpd="sng" algn="ctr">
-                      <a:solidFill>
-                        <a:srgbClr val="000000"/>
-                      </a:solidFill>
-                      <a:prstDash val="solid"/>
-                      <a:round/>
-                      <a:headEnd type="none" w="med" len="med"/>
-                      <a:tailEnd type="none" w="med" len="med"/>
-                    </a:lnB>
-                    <a:lnTlToBr>
-                      <a:noFill/>
-                    </a:lnTlToBr>
-                    <a:lnBlToTr>
-                      <a:noFill/>
-                    </a:lnBlToTr>
-                    <a:noFill/>
-                  </a:tcPr>
-                </a:tc>
-                <a:tc>
-                  <a:txBody>
-                    <a:bodyPr/>
-                    <a:lstStyle/>
-                    <a:p>
-                      <a:pPr marL="0" marR="0" lvl="0" indent="0" algn="l" defTabSz="914400" rtl="0" eaLnBrk="1" fontAlgn="base" latinLnBrk="0" hangingPunct="1">
-                        <a:lnSpc>
-                          <a:spcPct val="100000"/>
-                        </a:lnSpc>
-                        <a:spcBef>
-                          <a:spcPct val="20000"/>
-                        </a:spcBef>
-                        <a:spcAft>
-                          <a:spcPct val="0"/>
-                        </a:spcAft>
-                        <a:buClrTx/>
-                        <a:buSzTx/>
-                        <a:buFontTx/>
-                        <a:buNone/>
-                        <a:tabLst/>
-                      </a:pPr>
-                      <a:endParaRPr kumimoji="0" lang="ru-RU" sz="1000" b="0" i="0" u="none" strike="noStrike" cap="none" normalizeH="0" baseline="0" dirty="0">
-                        <a:ln>
-                          <a:noFill/>
-                        </a:ln>
-                        <a:solidFill>
-                          <a:schemeClr val="tx1"/>
-                        </a:solidFill>
-                        <a:effectLst/>
-                        <a:latin typeface="Arial" charset="0"/>
-                      </a:endParaRPr>
-                    </a:p>
-                  </a:txBody>
-                  <a:tcPr marL="71962" marR="71962" marT="17991" marB="35979" horzOverflow="overflow">
-                    <a:lnL w="12700" cap="flat" cmpd="sng" algn="ctr">
-                      <a:solidFill>
-                        <a:srgbClr val="000000"/>
-                      </a:solidFill>
-                      <a:prstDash val="solid"/>
-                      <a:round/>
-                      <a:headEnd type="none" w="med" len="med"/>
-                      <a:tailEnd type="none" w="med" len="med"/>
-                    </a:lnL>
-                    <a:lnR w="12700" cap="flat" cmpd="sng" algn="ctr">
-                      <a:solidFill>
-                        <a:srgbClr val="000000"/>
-                      </a:solidFill>
-                      <a:prstDash val="solid"/>
-                      <a:round/>
-                      <a:headEnd type="none" w="med" len="med"/>
-                      <a:tailEnd type="none" w="med" len="med"/>
-                    </a:lnR>
-                    <a:lnT w="12700" cap="flat" cmpd="sng" algn="ctr">
-                      <a:solidFill>
-                        <a:srgbClr val="000000"/>
-                      </a:solidFill>
-                      <a:prstDash val="solid"/>
-                      <a:round/>
-                      <a:headEnd type="none" w="med" len="med"/>
-                      <a:tailEnd type="none" w="med" len="med"/>
-                    </a:lnT>
-                    <a:lnB w="12700" cap="flat" cmpd="sng" algn="ctr">
-                      <a:solidFill>
-                        <a:srgbClr val="000000"/>
-                      </a:solidFill>
-                      <a:prstDash val="solid"/>
-                      <a:round/>
-                      <a:headEnd type="none" w="med" len="med"/>
-                      <a:tailEnd type="none" w="med" len="med"/>
-                    </a:lnB>
-                    <a:lnTlToBr>
-                      <a:noFill/>
-                    </a:lnTlToBr>
-                    <a:lnBlToTr>
-                      <a:noFill/>
-                    </a:lnBlToTr>
-                    <a:noFill/>
-                  </a:tcPr>
-                </a:tc>
-                <a:tc>
-                  <a:txBody>
-                    <a:bodyPr/>
-                    <a:lstStyle/>
-                    <a:p>
-                      <a:pPr marL="0" marR="0" lvl="0" indent="0" algn="l" defTabSz="914400" rtl="0" eaLnBrk="1" fontAlgn="base" latinLnBrk="0" hangingPunct="1">
-                        <a:lnSpc>
-                          <a:spcPct val="100000"/>
-                        </a:lnSpc>
-                        <a:spcBef>
-                          <a:spcPct val="20000"/>
-                        </a:spcBef>
-                        <a:spcAft>
-                          <a:spcPct val="0"/>
-                        </a:spcAft>
-                        <a:buClrTx/>
-                        <a:buSzTx/>
-                        <a:buFontTx/>
-                        <a:buNone/>
-                        <a:tabLst/>
-                      </a:pPr>
-                      <a:r>
-                        <a:rPr kumimoji="0" lang="ru-RU" sz="1000" b="0" i="0" u="none" strike="noStrike" cap="none" normalizeH="0" baseline="0" dirty="0">
-                          <a:ln>
-                            <a:noFill/>
-                          </a:ln>
-                          <a:solidFill>
-                            <a:schemeClr val="tx1"/>
-                          </a:solidFill>
-                          <a:effectLst/>
-                          <a:latin typeface="Times New Roman" pitchFamily="18" charset="0"/>
-                        </a:rPr>
-                        <a:t>7</a:t>
-                      </a:r>
-                    </a:p>
-                  </a:txBody>
-                  <a:tcPr marL="71962" marR="71962" marT="17991" marB="35979" horzOverflow="overflow">
-                    <a:lnL w="12700" cap="flat" cmpd="sng" algn="ctr">
-                      <a:solidFill>
-                        <a:srgbClr val="000000"/>
-                      </a:solidFill>
-                      <a:prstDash val="solid"/>
-                      <a:round/>
-                      <a:headEnd type="none" w="med" len="med"/>
-                      <a:tailEnd type="none" w="med" len="med"/>
-                    </a:lnL>
-                    <a:lnR w="12700" cap="flat" cmpd="sng" algn="ctr">
-                      <a:solidFill>
-                        <a:srgbClr val="000000"/>
-                      </a:solidFill>
-                      <a:prstDash val="solid"/>
-                      <a:round/>
-                      <a:headEnd type="none" w="med" len="med"/>
-                      <a:tailEnd type="none" w="med" len="med"/>
-                    </a:lnR>
-                    <a:lnT w="12700" cap="flat" cmpd="sng" algn="ctr">
-                      <a:solidFill>
-                        <a:srgbClr val="000000"/>
-                      </a:solidFill>
-                      <a:prstDash val="solid"/>
-                      <a:round/>
-                      <a:headEnd type="none" w="med" len="med"/>
-                      <a:tailEnd type="none" w="med" len="med"/>
-                    </a:lnT>
-                    <a:lnB w="12700" cap="flat" cmpd="sng" algn="ctr">
-                      <a:solidFill>
-                        <a:srgbClr val="000000"/>
-                      </a:solidFill>
-                      <a:prstDash val="solid"/>
-                      <a:round/>
-                      <a:headEnd type="none" w="med" len="med"/>
-                      <a:tailEnd type="none" w="med" len="med"/>
-                    </a:lnB>
-                    <a:lnTlToBr>
-                      <a:noFill/>
-                    </a:lnTlToBr>
-                    <a:lnBlToTr>
-                      <a:noFill/>
-                    </a:lnBlToTr>
-                    <a:noFill/>
-                  </a:tcPr>
-                </a:tc>
-                <a:extLst>
-                  <a:ext uri="{0D108BD9-81ED-4DB2-BD59-A6C34878D82A}">
-                    <a16:rowId xmlns:a16="http://schemas.microsoft.com/office/drawing/2014/main" val="10000"/>
-                  </a:ext>
-                </a:extLst>
-              </a:tr>
-              <a:tr h="0">
-                <a:tc>
-                  <a:txBody>
-                    <a:bodyPr/>
-                    <a:lstStyle/>
-                    <a:p>
-                      <a:pPr marL="0" marR="0" lvl="0" indent="0" algn="l" defTabSz="914400" rtl="0" eaLnBrk="1" fontAlgn="base" latinLnBrk="0" hangingPunct="1">
-                        <a:lnSpc>
-                          <a:spcPct val="100000"/>
-                        </a:lnSpc>
-                        <a:spcBef>
-                          <a:spcPct val="0"/>
-                        </a:spcBef>
-                        <a:spcAft>
-                          <a:spcPct val="0"/>
-                        </a:spcAft>
-                        <a:buClrTx/>
-                        <a:buSzTx/>
-                        <a:buFontTx/>
-                        <a:buNone/>
-                        <a:tabLst/>
-                      </a:pPr>
-                      <a:r>
-                        <a:rPr kumimoji="0" lang="ru-RU" sz="1000" b="0" i="0" u="none" strike="noStrike" cap="none" normalizeH="0" baseline="0">
-                          <a:ln>
-                            <a:noFill/>
-                          </a:ln>
-                          <a:solidFill>
-                            <a:schemeClr val="tx1"/>
-                          </a:solidFill>
-                          <a:effectLst/>
-                          <a:latin typeface="Times New Roman" pitchFamily="18" charset="0"/>
-                          <a:cs typeface="Times New Roman" pitchFamily="18" charset="0"/>
-                        </a:rPr>
-                        <a:t>Утвердил</a:t>
-                      </a:r>
-                      <a:endParaRPr kumimoji="0" lang="ru-RU" sz="1000" b="0" i="0" u="none" strike="noStrike" cap="none" normalizeH="0" baseline="0">
-                        <a:ln>
-                          <a:noFill/>
-                        </a:ln>
-                        <a:solidFill>
-                          <a:schemeClr val="tx1"/>
-                        </a:solidFill>
-                        <a:effectLst/>
-                        <a:latin typeface="Arial" charset="0"/>
-                      </a:endParaRPr>
-                    </a:p>
-                  </a:txBody>
-                  <a:tcPr marL="71962" marR="71962" marT="17991" marB="35979" horzOverflow="overflow">
-                    <a:lnL w="12700" cap="flat" cmpd="sng" algn="ctr">
-                      <a:solidFill>
-                        <a:srgbClr val="000000"/>
-                      </a:solidFill>
-                      <a:prstDash val="solid"/>
-                      <a:round/>
-                      <a:headEnd type="none" w="med" len="med"/>
-                      <a:tailEnd type="none" w="med" len="med"/>
-                    </a:lnL>
-                    <a:lnR w="12700" cap="flat" cmpd="sng" algn="ctr">
-                      <a:solidFill>
-                        <a:srgbClr val="000000"/>
-                      </a:solidFill>
-                      <a:prstDash val="solid"/>
-                      <a:round/>
-                      <a:headEnd type="none" w="med" len="med"/>
-                      <a:tailEnd type="none" w="med" len="med"/>
-                    </a:lnR>
-                    <a:lnT w="12700" cap="flat" cmpd="sng" algn="ctr">
-                      <a:solidFill>
-                        <a:srgbClr val="000000"/>
-                      </a:solidFill>
-                      <a:prstDash val="solid"/>
-                      <a:round/>
-                      <a:headEnd type="none" w="med" len="med"/>
-                      <a:tailEnd type="none" w="med" len="med"/>
-                    </a:lnT>
-                    <a:lnB w="12700" cap="flat" cmpd="sng" algn="ctr">
-                      <a:solidFill>
-                        <a:srgbClr val="000000"/>
-                      </a:solidFill>
-                      <a:prstDash val="solid"/>
-                      <a:round/>
-                      <a:headEnd type="none" w="med" len="med"/>
-                      <a:tailEnd type="none" w="med" len="med"/>
-                    </a:lnB>
-                    <a:lnTlToBr>
-                      <a:noFill/>
-                    </a:lnTlToBr>
-                    <a:lnBlToTr>
-                      <a:noFill/>
-                    </a:lnBlToTr>
-                    <a:noFill/>
-                  </a:tcPr>
-                </a:tc>
-                <a:tc>
-                  <a:txBody>
-                    <a:bodyPr/>
-                    <a:lstStyle/>
-                    <a:p>
-                      <a:pPr marL="0" marR="0" lvl="0" indent="0" algn="l" defTabSz="914400" rtl="0" eaLnBrk="1" fontAlgn="base" latinLnBrk="0" hangingPunct="1">
-                        <a:lnSpc>
-                          <a:spcPct val="100000"/>
-                        </a:lnSpc>
-                        <a:spcBef>
-                          <a:spcPct val="0"/>
-                        </a:spcBef>
-                        <a:spcAft>
-                          <a:spcPct val="0"/>
-                        </a:spcAft>
-                        <a:buClrTx/>
-                        <a:buSzTx/>
-                        <a:buFontTx/>
-                        <a:buNone/>
-                        <a:tabLst/>
-                      </a:pPr>
-                      <a:r>
-                        <a:rPr kumimoji="0" lang="ru-RU" sz="1000" b="0" i="0" u="none" strike="noStrike" cap="none" normalizeH="0" baseline="0" dirty="0">
-                          <a:ln>
-                            <a:noFill/>
-                          </a:ln>
-                          <a:solidFill>
-                            <a:schemeClr val="tx1"/>
-                          </a:solidFill>
-                          <a:effectLst/>
-                          <a:latin typeface="Times New Roman" pitchFamily="18" charset="0"/>
-                          <a:cs typeface="Times New Roman" pitchFamily="18" charset="0"/>
-                        </a:rPr>
-                        <a:t>Касимов Р. А</a:t>
-                      </a:r>
-                    </a:p>
-                  </a:txBody>
-                  <a:tcPr marL="71962" marR="71962" marT="17991" marB="35979" horzOverflow="overflow">
-                    <a:lnL w="12700" cap="flat" cmpd="sng" algn="ctr">
-                      <a:solidFill>
-                        <a:srgbClr val="000000"/>
-                      </a:solidFill>
-                      <a:prstDash val="solid"/>
-                      <a:round/>
-                      <a:headEnd type="none" w="med" len="med"/>
-                      <a:tailEnd type="none" w="med" len="med"/>
-                    </a:lnL>
-                    <a:lnR w="12700" cap="flat" cmpd="sng" algn="ctr">
-                      <a:solidFill>
-                        <a:srgbClr val="000000"/>
-                      </a:solidFill>
-                      <a:prstDash val="solid"/>
-                      <a:round/>
-                      <a:headEnd type="none" w="med" len="med"/>
-                      <a:tailEnd type="none" w="med" len="med"/>
-                    </a:lnR>
-                    <a:lnT w="12700" cap="flat" cmpd="sng" algn="ctr">
-                      <a:solidFill>
-                        <a:srgbClr val="000000"/>
-                      </a:solidFill>
-                      <a:prstDash val="solid"/>
-                      <a:round/>
-                      <a:headEnd type="none" w="med" len="med"/>
-                      <a:tailEnd type="none" w="med" len="med"/>
-                    </a:lnT>
-                    <a:lnB w="12700" cap="flat" cmpd="sng" algn="ctr">
-                      <a:solidFill>
-                        <a:srgbClr val="000000"/>
-                      </a:solidFill>
-                      <a:prstDash val="solid"/>
-                      <a:round/>
-                      <a:headEnd type="none" w="med" len="med"/>
-                      <a:tailEnd type="none" w="med" len="med"/>
-                    </a:lnB>
-                    <a:lnTlToBr>
-                      <a:noFill/>
-                    </a:lnTlToBr>
-                    <a:lnBlToTr>
-                      <a:noFill/>
-                    </a:lnBlToTr>
-                    <a:noFill/>
-                  </a:tcPr>
-                </a:tc>
-                <a:tc>
-                  <a:txBody>
-                    <a:bodyPr/>
-                    <a:lstStyle/>
-                    <a:p>
-                      <a:pPr marL="0" marR="0" lvl="0" indent="0" algn="l" defTabSz="914400" rtl="0" eaLnBrk="1" fontAlgn="base" latinLnBrk="0" hangingPunct="1">
-                        <a:lnSpc>
-                          <a:spcPct val="100000"/>
-                        </a:lnSpc>
-                        <a:spcBef>
-                          <a:spcPct val="20000"/>
-                        </a:spcBef>
-                        <a:spcAft>
-                          <a:spcPct val="0"/>
-                        </a:spcAft>
-                        <a:buClrTx/>
-                        <a:buSzTx/>
-                        <a:buFontTx/>
-                        <a:buNone/>
-                        <a:tabLst/>
-                      </a:pPr>
-                      <a:endParaRPr kumimoji="0" lang="ru-RU" sz="1000" b="0" i="0" u="none" strike="noStrike" cap="none" normalizeH="0" baseline="0">
-                        <a:ln>
-                          <a:noFill/>
-                        </a:ln>
-                        <a:solidFill>
-                          <a:schemeClr val="tx1"/>
-                        </a:solidFill>
-                        <a:effectLst/>
-                        <a:latin typeface="Arial" charset="0"/>
-                      </a:endParaRPr>
-                    </a:p>
-                  </a:txBody>
-                  <a:tcPr marL="71962" marR="71962" marT="17991" marB="35979" horzOverflow="overflow">
-                    <a:lnL w="12700" cap="flat" cmpd="sng" algn="ctr">
-                      <a:solidFill>
-                        <a:srgbClr val="000000"/>
-                      </a:solidFill>
-                      <a:prstDash val="solid"/>
-                      <a:round/>
-                      <a:headEnd type="none" w="med" len="med"/>
-                      <a:tailEnd type="none" w="med" len="med"/>
-                    </a:lnL>
-                    <a:lnR w="12700" cap="flat" cmpd="sng" algn="ctr">
-                      <a:solidFill>
-                        <a:srgbClr val="000000"/>
-                      </a:solidFill>
-                      <a:prstDash val="solid"/>
-                      <a:round/>
-                      <a:headEnd type="none" w="med" len="med"/>
-                      <a:tailEnd type="none" w="med" len="med"/>
-                    </a:lnR>
-                    <a:lnT w="12700" cap="flat" cmpd="sng" algn="ctr">
-                      <a:solidFill>
-                        <a:srgbClr val="000000"/>
-                      </a:solidFill>
-                      <a:prstDash val="solid"/>
-                      <a:round/>
-                      <a:headEnd type="none" w="med" len="med"/>
-                      <a:tailEnd type="none" w="med" len="med"/>
-                    </a:lnT>
-                    <a:lnB w="12700" cap="flat" cmpd="sng" algn="ctr">
-                      <a:solidFill>
-                        <a:srgbClr val="000000"/>
-                      </a:solidFill>
-                      <a:prstDash val="solid"/>
-                      <a:round/>
-                      <a:headEnd type="none" w="med" len="med"/>
-                      <a:tailEnd type="none" w="med" len="med"/>
-                    </a:lnB>
-                    <a:lnTlToBr>
-                      <a:noFill/>
-                    </a:lnTlToBr>
-                    <a:lnBlToTr>
-                      <a:noFill/>
-                    </a:lnBlToTr>
-                    <a:noFill/>
-                  </a:tcPr>
-                </a:tc>
-                <a:tc>
-                  <a:txBody>
-                    <a:bodyPr/>
-                    <a:lstStyle/>
-                    <a:p>
-                      <a:pPr marL="0" marR="0" lvl="0" indent="0" algn="l" defTabSz="914400" rtl="0" eaLnBrk="1" fontAlgn="base" latinLnBrk="0" hangingPunct="1">
-                        <a:lnSpc>
-                          <a:spcPct val="100000"/>
-                        </a:lnSpc>
-                        <a:spcBef>
-                          <a:spcPct val="20000"/>
-                        </a:spcBef>
-                        <a:spcAft>
-                          <a:spcPct val="0"/>
-                        </a:spcAft>
-                        <a:buClrTx/>
-                        <a:buSzTx/>
-                        <a:buFontTx/>
-                        <a:buNone/>
-                        <a:tabLst/>
-                      </a:pPr>
-                      <a:endParaRPr kumimoji="0" lang="ru-RU" sz="1000" b="0" i="0" u="none" strike="noStrike" cap="none" normalizeH="0" baseline="0" dirty="0">
-                        <a:ln>
-                          <a:noFill/>
-                        </a:ln>
-                        <a:solidFill>
-                          <a:schemeClr val="tx1"/>
-                        </a:solidFill>
-                        <a:effectLst/>
-                        <a:latin typeface="Arial" charset="0"/>
-                      </a:endParaRPr>
-                    </a:p>
-                  </a:txBody>
-                  <a:tcPr marL="71962" marR="71962" marT="17991" marB="35979" horzOverflow="overflow">
-                    <a:lnL w="12700" cap="flat" cmpd="sng" algn="ctr">
-                      <a:solidFill>
-                        <a:srgbClr val="000000"/>
-                      </a:solidFill>
-                      <a:prstDash val="solid"/>
-                      <a:round/>
-                      <a:headEnd type="none" w="med" len="med"/>
-                      <a:tailEnd type="none" w="med" len="med"/>
-                    </a:lnL>
-                    <a:lnR w="12700" cap="flat" cmpd="sng" algn="ctr">
-                      <a:solidFill>
-                        <a:srgbClr val="000000"/>
-                      </a:solidFill>
-                      <a:prstDash val="solid"/>
-                      <a:round/>
-                      <a:headEnd type="none" w="med" len="med"/>
-                      <a:tailEnd type="none" w="med" len="med"/>
-                    </a:lnR>
-                    <a:lnT w="12700" cap="flat" cmpd="sng" algn="ctr">
-                      <a:solidFill>
-                        <a:srgbClr val="000000"/>
-                      </a:solidFill>
-                      <a:prstDash val="solid"/>
-                      <a:round/>
-                      <a:headEnd type="none" w="med" len="med"/>
-                      <a:tailEnd type="none" w="med" len="med"/>
-                    </a:lnT>
-                    <a:lnB w="12700" cap="flat" cmpd="sng" algn="ctr">
-                      <a:solidFill>
-                        <a:srgbClr val="000000"/>
-                      </a:solidFill>
-                      <a:prstDash val="solid"/>
-                      <a:round/>
-                      <a:headEnd type="none" w="med" len="med"/>
-                      <a:tailEnd type="none" w="med" len="med"/>
-                    </a:lnB>
-                    <a:lnTlToBr>
-                      <a:noFill/>
-                    </a:lnTlToBr>
-                    <a:lnBlToTr>
-                      <a:noFill/>
-                    </a:lnBlToTr>
-                    <a:noFill/>
-                  </a:tcPr>
-                </a:tc>
-                <a:extLst>
-                  <a:ext uri="{0D108BD9-81ED-4DB2-BD59-A6C34878D82A}">
-                    <a16:rowId xmlns:a16="http://schemas.microsoft.com/office/drawing/2014/main" val="10001"/>
-                  </a:ext>
-                </a:extLst>
-              </a:tr>
-            </a:tbl>
-          </a:graphicData>
-        </a:graphic>
-      </p:graphicFrame>
       <p:sp>
         <p:nvSpPr>
           <p:cNvPr id="9" name="Line 158">
@@ -17609,753 +9249,6 @@
           </a:p>
         </p:txBody>
       </p:sp>
-      <p:graphicFrame>
-        <p:nvGraphicFramePr>
-          <p:cNvPr id="7" name="Group 10">
-            <a:extLst>
-              <a:ext uri="{FF2B5EF4-FFF2-40B4-BE49-F238E27FC236}">
-                <a16:creationId xmlns:a16="http://schemas.microsoft.com/office/drawing/2014/main" id="{33DC72EB-545F-4009-AFF5-7C51C65A125F}"/>
-              </a:ext>
-            </a:extLst>
-          </p:cNvPr>
-          <p:cNvGraphicFramePr>
-            <a:graphicFrameLocks noGrp="1"/>
-          </p:cNvGraphicFramePr>
-          <p:nvPr>
-            <p:extLst>
-              <p:ext uri="{D42A27DB-BD31-4B8C-83A1-F6EECF244321}">
-                <p14:modId xmlns:p14="http://schemas.microsoft.com/office/powerpoint/2010/main" val="663709452"/>
-              </p:ext>
-            </p:extLst>
-          </p:nvPr>
-        </p:nvGraphicFramePr>
-        <p:xfrm>
-          <a:off x="6156325" y="6254750"/>
-          <a:ext cx="2822575" cy="412740"/>
-        </p:xfrm>
-        <a:graphic>
-          <a:graphicData uri="http://schemas.openxmlformats.org/drawingml/2006/table">
-            <a:tbl>
-              <a:tblPr/>
-              <a:tblGrid>
-                <a:gridCol w="792163">
-                  <a:extLst>
-                    <a:ext uri="{9D8B030D-6E8A-4147-A177-3AD203B41FA5}">
-                      <a16:colId xmlns:a16="http://schemas.microsoft.com/office/drawing/2014/main" val="20000"/>
-                    </a:ext>
-                  </a:extLst>
-                </a:gridCol>
-                <a:gridCol w="1008062">
-                  <a:extLst>
-                    <a:ext uri="{9D8B030D-6E8A-4147-A177-3AD203B41FA5}">
-                      <a16:colId xmlns:a16="http://schemas.microsoft.com/office/drawing/2014/main" val="20001"/>
-                    </a:ext>
-                  </a:extLst>
-                </a:gridCol>
-                <a:gridCol w="649288">
-                  <a:extLst>
-                    <a:ext uri="{9D8B030D-6E8A-4147-A177-3AD203B41FA5}">
-                      <a16:colId xmlns:a16="http://schemas.microsoft.com/office/drawing/2014/main" val="20002"/>
-                    </a:ext>
-                  </a:extLst>
-                </a:gridCol>
-                <a:gridCol w="373062">
-                  <a:extLst>
-                    <a:ext uri="{9D8B030D-6E8A-4147-A177-3AD203B41FA5}">
-                      <a16:colId xmlns:a16="http://schemas.microsoft.com/office/drawing/2014/main" val="20003"/>
-                    </a:ext>
-                  </a:extLst>
-                </a:gridCol>
-              </a:tblGrid>
-              <a:tr h="0">
-                <a:tc>
-                  <a:txBody>
-                    <a:bodyPr/>
-                    <a:lstStyle/>
-                    <a:p>
-                      <a:pPr marL="0" marR="0" lvl="0" indent="0" algn="l" defTabSz="914400" rtl="0" eaLnBrk="1" fontAlgn="base" latinLnBrk="0" hangingPunct="1">
-                        <a:lnSpc>
-                          <a:spcPct val="100000"/>
-                        </a:lnSpc>
-                        <a:spcBef>
-                          <a:spcPct val="0"/>
-                        </a:spcBef>
-                        <a:spcAft>
-                          <a:spcPct val="0"/>
-                        </a:spcAft>
-                        <a:buClrTx/>
-                        <a:buSzTx/>
-                        <a:buFontTx/>
-                        <a:buNone/>
-                        <a:tabLst/>
-                      </a:pPr>
-                      <a:r>
-                        <a:rPr kumimoji="0" lang="ru-RU" sz="1000" b="0" i="0" u="none" strike="noStrike" cap="none" normalizeH="0" baseline="0" dirty="0">
-                          <a:ln>
-                            <a:noFill/>
-                          </a:ln>
-                          <a:solidFill>
-                            <a:schemeClr val="tx1"/>
-                          </a:solidFill>
-                          <a:effectLst/>
-                          <a:latin typeface="Times New Roman" pitchFamily="18" charset="0"/>
-                          <a:cs typeface="Times New Roman" pitchFamily="18" charset="0"/>
-                        </a:rPr>
-                        <a:t>Разработал</a:t>
-                      </a:r>
-                      <a:endParaRPr kumimoji="0" lang="ru-RU" sz="1000" b="0" i="0" u="none" strike="noStrike" cap="none" normalizeH="0" baseline="0" dirty="0">
-                        <a:ln>
-                          <a:noFill/>
-                        </a:ln>
-                        <a:solidFill>
-                          <a:schemeClr val="tx1"/>
-                        </a:solidFill>
-                        <a:effectLst/>
-                        <a:latin typeface="Arial" charset="0"/>
-                      </a:endParaRPr>
-                    </a:p>
-                  </a:txBody>
-                  <a:tcPr marL="71962" marR="71962" marT="17991" marB="35979" horzOverflow="overflow">
-                    <a:lnL w="12700" cap="flat" cmpd="sng" algn="ctr">
-                      <a:solidFill>
-                        <a:srgbClr val="000000"/>
-                      </a:solidFill>
-                      <a:prstDash val="solid"/>
-                      <a:round/>
-                      <a:headEnd type="none" w="med" len="med"/>
-                      <a:tailEnd type="none" w="med" len="med"/>
-                    </a:lnL>
-                    <a:lnR w="12700" cap="flat" cmpd="sng" algn="ctr">
-                      <a:solidFill>
-                        <a:srgbClr val="000000"/>
-                      </a:solidFill>
-                      <a:prstDash val="solid"/>
-                      <a:round/>
-                      <a:headEnd type="none" w="med" len="med"/>
-                      <a:tailEnd type="none" w="med" len="med"/>
-                    </a:lnR>
-                    <a:lnT w="12700" cap="flat" cmpd="sng" algn="ctr">
-                      <a:solidFill>
-                        <a:srgbClr val="000000"/>
-                      </a:solidFill>
-                      <a:prstDash val="solid"/>
-                      <a:round/>
-                      <a:headEnd type="none" w="med" len="med"/>
-                      <a:tailEnd type="none" w="med" len="med"/>
-                    </a:lnT>
-                    <a:lnB w="12700" cap="flat" cmpd="sng" algn="ctr">
-                      <a:solidFill>
-                        <a:srgbClr val="000000"/>
-                      </a:solidFill>
-                      <a:prstDash val="solid"/>
-                      <a:round/>
-                      <a:headEnd type="none" w="med" len="med"/>
-                      <a:tailEnd type="none" w="med" len="med"/>
-                    </a:lnB>
-                    <a:lnTlToBr>
-                      <a:noFill/>
-                    </a:lnTlToBr>
-                    <a:lnBlToTr>
-                      <a:noFill/>
-                    </a:lnBlToTr>
-                    <a:noFill/>
-                  </a:tcPr>
-                </a:tc>
-                <a:tc>
-                  <a:txBody>
-                    <a:bodyPr/>
-                    <a:lstStyle/>
-                    <a:p>
-                      <a:pPr marL="0" marR="0" lvl="0" indent="0" algn="l" defTabSz="914400" rtl="0" eaLnBrk="1" fontAlgn="base" latinLnBrk="0" hangingPunct="1">
-                        <a:lnSpc>
-                          <a:spcPct val="100000"/>
-                        </a:lnSpc>
-                        <a:spcBef>
-                          <a:spcPct val="0"/>
-                        </a:spcBef>
-                        <a:spcAft>
-                          <a:spcPct val="0"/>
-                        </a:spcAft>
-                        <a:buClrTx/>
-                        <a:buSzTx/>
-                        <a:buFontTx/>
-                        <a:buNone/>
-                        <a:tabLst/>
-                      </a:pPr>
-                      <a:r>
-                        <a:rPr kumimoji="0" lang="ru-RU" sz="1000" b="0" i="0" u="none" strike="noStrike" cap="none" normalizeH="0" baseline="0" dirty="0">
-                          <a:ln>
-                            <a:noFill/>
-                          </a:ln>
-                          <a:solidFill>
-                            <a:schemeClr val="tx1"/>
-                          </a:solidFill>
-                          <a:effectLst/>
-                          <a:latin typeface="Times New Roman" pitchFamily="18" charset="0"/>
-                          <a:cs typeface="Times New Roman" pitchFamily="18" charset="0"/>
-                        </a:rPr>
-                        <a:t>Федотов А. А</a:t>
-                      </a:r>
-                    </a:p>
-                  </a:txBody>
-                  <a:tcPr marL="71962" marR="71962" marT="17991" marB="35979" horzOverflow="overflow">
-                    <a:lnL w="12700" cap="flat" cmpd="sng" algn="ctr">
-                      <a:solidFill>
-                        <a:srgbClr val="000000"/>
-                      </a:solidFill>
-                      <a:prstDash val="solid"/>
-                      <a:round/>
-                      <a:headEnd type="none" w="med" len="med"/>
-                      <a:tailEnd type="none" w="med" len="med"/>
-                    </a:lnL>
-                    <a:lnR w="12700" cap="flat" cmpd="sng" algn="ctr">
-                      <a:solidFill>
-                        <a:srgbClr val="000000"/>
-                      </a:solidFill>
-                      <a:prstDash val="solid"/>
-                      <a:round/>
-                      <a:headEnd type="none" w="med" len="med"/>
-                      <a:tailEnd type="none" w="med" len="med"/>
-                    </a:lnR>
-                    <a:lnT w="12700" cap="flat" cmpd="sng" algn="ctr">
-                      <a:solidFill>
-                        <a:srgbClr val="000000"/>
-                      </a:solidFill>
-                      <a:prstDash val="solid"/>
-                      <a:round/>
-                      <a:headEnd type="none" w="med" len="med"/>
-                      <a:tailEnd type="none" w="med" len="med"/>
-                    </a:lnT>
-                    <a:lnB w="12700" cap="flat" cmpd="sng" algn="ctr">
-                      <a:solidFill>
-                        <a:srgbClr val="000000"/>
-                      </a:solidFill>
-                      <a:prstDash val="solid"/>
-                      <a:round/>
-                      <a:headEnd type="none" w="med" len="med"/>
-                      <a:tailEnd type="none" w="med" len="med"/>
-                    </a:lnB>
-                    <a:lnTlToBr>
-                      <a:noFill/>
-                    </a:lnTlToBr>
-                    <a:lnBlToTr>
-                      <a:noFill/>
-                    </a:lnBlToTr>
-                    <a:noFill/>
-                  </a:tcPr>
-                </a:tc>
-                <a:tc>
-                  <a:txBody>
-                    <a:bodyPr/>
-                    <a:lstStyle/>
-                    <a:p>
-                      <a:pPr marL="0" marR="0" lvl="0" indent="0" algn="l" defTabSz="914400" rtl="0" eaLnBrk="1" fontAlgn="base" latinLnBrk="0" hangingPunct="1">
-                        <a:lnSpc>
-                          <a:spcPct val="100000"/>
-                        </a:lnSpc>
-                        <a:spcBef>
-                          <a:spcPct val="20000"/>
-                        </a:spcBef>
-                        <a:spcAft>
-                          <a:spcPct val="0"/>
-                        </a:spcAft>
-                        <a:buClrTx/>
-                        <a:buSzTx/>
-                        <a:buFontTx/>
-                        <a:buNone/>
-                        <a:tabLst/>
-                      </a:pPr>
-                      <a:endParaRPr kumimoji="0" lang="ru-RU" sz="1000" b="0" i="0" u="none" strike="noStrike" cap="none" normalizeH="0" baseline="0">
-                        <a:ln>
-                          <a:noFill/>
-                        </a:ln>
-                        <a:solidFill>
-                          <a:schemeClr val="tx1"/>
-                        </a:solidFill>
-                        <a:effectLst/>
-                        <a:latin typeface="Arial" charset="0"/>
-                      </a:endParaRPr>
-                    </a:p>
-                  </a:txBody>
-                  <a:tcPr marL="71962" marR="71962" marT="17991" marB="35979" horzOverflow="overflow">
-                    <a:lnL w="12700" cap="flat" cmpd="sng" algn="ctr">
-                      <a:solidFill>
-                        <a:srgbClr val="000000"/>
-                      </a:solidFill>
-                      <a:prstDash val="solid"/>
-                      <a:round/>
-                      <a:headEnd type="none" w="med" len="med"/>
-                      <a:tailEnd type="none" w="med" len="med"/>
-                    </a:lnL>
-                    <a:lnR w="12700" cap="flat" cmpd="sng" algn="ctr">
-                      <a:solidFill>
-                        <a:srgbClr val="000000"/>
-                      </a:solidFill>
-                      <a:prstDash val="solid"/>
-                      <a:round/>
-                      <a:headEnd type="none" w="med" len="med"/>
-                      <a:tailEnd type="none" w="med" len="med"/>
-                    </a:lnR>
-                    <a:lnT w="12700" cap="flat" cmpd="sng" algn="ctr">
-                      <a:solidFill>
-                        <a:srgbClr val="000000"/>
-                      </a:solidFill>
-                      <a:prstDash val="solid"/>
-                      <a:round/>
-                      <a:headEnd type="none" w="med" len="med"/>
-                      <a:tailEnd type="none" w="med" len="med"/>
-                    </a:lnT>
-                    <a:lnB w="12700" cap="flat" cmpd="sng" algn="ctr">
-                      <a:solidFill>
-                        <a:srgbClr val="000000"/>
-                      </a:solidFill>
-                      <a:prstDash val="solid"/>
-                      <a:round/>
-                      <a:headEnd type="none" w="med" len="med"/>
-                      <a:tailEnd type="none" w="med" len="med"/>
-                    </a:lnB>
-                    <a:lnTlToBr>
-                      <a:noFill/>
-                    </a:lnTlToBr>
-                    <a:lnBlToTr>
-                      <a:noFill/>
-                    </a:lnBlToTr>
-                    <a:noFill/>
-                  </a:tcPr>
-                </a:tc>
-                <a:tc>
-                  <a:txBody>
-                    <a:bodyPr/>
-                    <a:lstStyle/>
-                    <a:p>
-                      <a:pPr marL="0" marR="0" lvl="0" indent="0" algn="l" defTabSz="914400" rtl="0" eaLnBrk="1" fontAlgn="base" latinLnBrk="0" hangingPunct="1">
-                        <a:lnSpc>
-                          <a:spcPct val="100000"/>
-                        </a:lnSpc>
-                        <a:spcBef>
-                          <a:spcPct val="20000"/>
-                        </a:spcBef>
-                        <a:spcAft>
-                          <a:spcPct val="0"/>
-                        </a:spcAft>
-                        <a:buClrTx/>
-                        <a:buSzTx/>
-                        <a:buFontTx/>
-                        <a:buNone/>
-                        <a:tabLst/>
-                      </a:pPr>
-                      <a:r>
-                        <a:rPr kumimoji="0" lang="ru-RU" sz="1000" b="0" i="0" u="none" strike="noStrike" cap="none" normalizeH="0" baseline="0" dirty="0">
-                          <a:ln>
-                            <a:noFill/>
-                          </a:ln>
-                          <a:solidFill>
-                            <a:schemeClr val="tx1"/>
-                          </a:solidFill>
-                          <a:effectLst/>
-                          <a:latin typeface="Times New Roman" pitchFamily="18" charset="0"/>
-                        </a:rPr>
-                        <a:t>8</a:t>
-                      </a:r>
-                    </a:p>
-                  </a:txBody>
-                  <a:tcPr marL="71962" marR="71962" marT="17991" marB="35979" horzOverflow="overflow">
-                    <a:lnL w="12700" cap="flat" cmpd="sng" algn="ctr">
-                      <a:solidFill>
-                        <a:srgbClr val="000000"/>
-                      </a:solidFill>
-                      <a:prstDash val="solid"/>
-                      <a:round/>
-                      <a:headEnd type="none" w="med" len="med"/>
-                      <a:tailEnd type="none" w="med" len="med"/>
-                    </a:lnL>
-                    <a:lnR w="12700" cap="flat" cmpd="sng" algn="ctr">
-                      <a:solidFill>
-                        <a:srgbClr val="000000"/>
-                      </a:solidFill>
-                      <a:prstDash val="solid"/>
-                      <a:round/>
-                      <a:headEnd type="none" w="med" len="med"/>
-                      <a:tailEnd type="none" w="med" len="med"/>
-                    </a:lnR>
-                    <a:lnT w="12700" cap="flat" cmpd="sng" algn="ctr">
-                      <a:solidFill>
-                        <a:srgbClr val="000000"/>
-                      </a:solidFill>
-                      <a:prstDash val="solid"/>
-                      <a:round/>
-                      <a:headEnd type="none" w="med" len="med"/>
-                      <a:tailEnd type="none" w="med" len="med"/>
-                    </a:lnT>
-                    <a:lnB w="12700" cap="flat" cmpd="sng" algn="ctr">
-                      <a:solidFill>
-                        <a:srgbClr val="000000"/>
-                      </a:solidFill>
-                      <a:prstDash val="solid"/>
-                      <a:round/>
-                      <a:headEnd type="none" w="med" len="med"/>
-                      <a:tailEnd type="none" w="med" len="med"/>
-                    </a:lnB>
-                    <a:lnTlToBr>
-                      <a:noFill/>
-                    </a:lnTlToBr>
-                    <a:lnBlToTr>
-                      <a:noFill/>
-                    </a:lnBlToTr>
-                    <a:noFill/>
-                  </a:tcPr>
-                </a:tc>
-                <a:extLst>
-                  <a:ext uri="{0D108BD9-81ED-4DB2-BD59-A6C34878D82A}">
-                    <a16:rowId xmlns:a16="http://schemas.microsoft.com/office/drawing/2014/main" val="10000"/>
-                  </a:ext>
-                </a:extLst>
-              </a:tr>
-              <a:tr h="0">
-                <a:tc>
-                  <a:txBody>
-                    <a:bodyPr/>
-                    <a:lstStyle/>
-                    <a:p>
-                      <a:pPr marL="0" marR="0" lvl="0" indent="0" algn="l" defTabSz="914400" rtl="0" eaLnBrk="1" fontAlgn="base" latinLnBrk="0" hangingPunct="1">
-                        <a:lnSpc>
-                          <a:spcPct val="100000"/>
-                        </a:lnSpc>
-                        <a:spcBef>
-                          <a:spcPct val="0"/>
-                        </a:spcBef>
-                        <a:spcAft>
-                          <a:spcPct val="0"/>
-                        </a:spcAft>
-                        <a:buClrTx/>
-                        <a:buSzTx/>
-                        <a:buFontTx/>
-                        <a:buNone/>
-                        <a:tabLst/>
-                      </a:pPr>
-                      <a:r>
-                        <a:rPr kumimoji="0" lang="ru-RU" sz="1000" b="0" i="0" u="none" strike="noStrike" cap="none" normalizeH="0" baseline="0">
-                          <a:ln>
-                            <a:noFill/>
-                          </a:ln>
-                          <a:solidFill>
-                            <a:schemeClr val="tx1"/>
-                          </a:solidFill>
-                          <a:effectLst/>
-                          <a:latin typeface="Times New Roman" pitchFamily="18" charset="0"/>
-                          <a:cs typeface="Times New Roman" pitchFamily="18" charset="0"/>
-                        </a:rPr>
-                        <a:t>Утвердил</a:t>
-                      </a:r>
-                      <a:endParaRPr kumimoji="0" lang="ru-RU" sz="1000" b="0" i="0" u="none" strike="noStrike" cap="none" normalizeH="0" baseline="0">
-                        <a:ln>
-                          <a:noFill/>
-                        </a:ln>
-                        <a:solidFill>
-                          <a:schemeClr val="tx1"/>
-                        </a:solidFill>
-                        <a:effectLst/>
-                        <a:latin typeface="Arial" charset="0"/>
-                      </a:endParaRPr>
-                    </a:p>
-                  </a:txBody>
-                  <a:tcPr marL="71962" marR="71962" marT="17991" marB="35979" horzOverflow="overflow">
-                    <a:lnL w="12700" cap="flat" cmpd="sng" algn="ctr">
-                      <a:solidFill>
-                        <a:srgbClr val="000000"/>
-                      </a:solidFill>
-                      <a:prstDash val="solid"/>
-                      <a:round/>
-                      <a:headEnd type="none" w="med" len="med"/>
-                      <a:tailEnd type="none" w="med" len="med"/>
-                    </a:lnL>
-                    <a:lnR w="12700" cap="flat" cmpd="sng" algn="ctr">
-                      <a:solidFill>
-                        <a:srgbClr val="000000"/>
-                      </a:solidFill>
-                      <a:prstDash val="solid"/>
-                      <a:round/>
-                      <a:headEnd type="none" w="med" len="med"/>
-                      <a:tailEnd type="none" w="med" len="med"/>
-                    </a:lnR>
-                    <a:lnT w="12700" cap="flat" cmpd="sng" algn="ctr">
-                      <a:solidFill>
-                        <a:srgbClr val="000000"/>
-                      </a:solidFill>
-                      <a:prstDash val="solid"/>
-                      <a:round/>
-                      <a:headEnd type="none" w="med" len="med"/>
-                      <a:tailEnd type="none" w="med" len="med"/>
-                    </a:lnT>
-                    <a:lnB w="12700" cap="flat" cmpd="sng" algn="ctr">
-                      <a:solidFill>
-                        <a:srgbClr val="000000"/>
-                      </a:solidFill>
-                      <a:prstDash val="solid"/>
-                      <a:round/>
-                      <a:headEnd type="none" w="med" len="med"/>
-                      <a:tailEnd type="none" w="med" len="med"/>
-                    </a:lnB>
-                    <a:lnTlToBr>
-                      <a:noFill/>
-                    </a:lnTlToBr>
-                    <a:lnBlToTr>
-                      <a:noFill/>
-                    </a:lnBlToTr>
-                    <a:noFill/>
-                  </a:tcPr>
-                </a:tc>
-                <a:tc>
-                  <a:txBody>
-                    <a:bodyPr/>
-                    <a:lstStyle/>
-                    <a:p>
-                      <a:pPr marL="0" marR="0" lvl="0" indent="0" algn="l" defTabSz="914400" rtl="0" eaLnBrk="1" fontAlgn="base" latinLnBrk="0" hangingPunct="1">
-                        <a:lnSpc>
-                          <a:spcPct val="100000"/>
-                        </a:lnSpc>
-                        <a:spcBef>
-                          <a:spcPct val="0"/>
-                        </a:spcBef>
-                        <a:spcAft>
-                          <a:spcPct val="0"/>
-                        </a:spcAft>
-                        <a:buClrTx/>
-                        <a:buSzTx/>
-                        <a:buFontTx/>
-                        <a:buNone/>
-                        <a:tabLst/>
-                      </a:pPr>
-                      <a:r>
-                        <a:rPr kumimoji="0" lang="ru-RU" sz="1000" b="0" i="0" u="none" strike="noStrike" cap="none" normalizeH="0" baseline="0" dirty="0">
-                          <a:ln>
-                            <a:noFill/>
-                          </a:ln>
-                          <a:solidFill>
-                            <a:schemeClr val="tx1"/>
-                          </a:solidFill>
-                          <a:effectLst/>
-                          <a:latin typeface="Times New Roman" pitchFamily="18" charset="0"/>
-                          <a:cs typeface="Times New Roman" pitchFamily="18" charset="0"/>
-                        </a:rPr>
-                        <a:t>Касимов Р. А</a:t>
-                      </a:r>
-                    </a:p>
-                  </a:txBody>
-                  <a:tcPr marL="71962" marR="71962" marT="17991" marB="35979" horzOverflow="overflow">
-                    <a:lnL w="12700" cap="flat" cmpd="sng" algn="ctr">
-                      <a:solidFill>
-                        <a:srgbClr val="000000"/>
-                      </a:solidFill>
-                      <a:prstDash val="solid"/>
-                      <a:round/>
-                      <a:headEnd type="none" w="med" len="med"/>
-                      <a:tailEnd type="none" w="med" len="med"/>
-                    </a:lnL>
-                    <a:lnR w="12700" cap="flat" cmpd="sng" algn="ctr">
-                      <a:solidFill>
-                        <a:srgbClr val="000000"/>
-                      </a:solidFill>
-                      <a:prstDash val="solid"/>
-                      <a:round/>
-                      <a:headEnd type="none" w="med" len="med"/>
-                      <a:tailEnd type="none" w="med" len="med"/>
-                    </a:lnR>
-                    <a:lnT w="12700" cap="flat" cmpd="sng" algn="ctr">
-                      <a:solidFill>
-                        <a:srgbClr val="000000"/>
-                      </a:solidFill>
-                      <a:prstDash val="solid"/>
-                      <a:round/>
-                      <a:headEnd type="none" w="med" len="med"/>
-                      <a:tailEnd type="none" w="med" len="med"/>
-                    </a:lnT>
-                    <a:lnB w="12700" cap="flat" cmpd="sng" algn="ctr">
-                      <a:solidFill>
-                        <a:srgbClr val="000000"/>
-                      </a:solidFill>
-                      <a:prstDash val="solid"/>
-                      <a:round/>
-                      <a:headEnd type="none" w="med" len="med"/>
-                      <a:tailEnd type="none" w="med" len="med"/>
-                    </a:lnB>
-                    <a:lnTlToBr>
-                      <a:noFill/>
-                    </a:lnTlToBr>
-                    <a:lnBlToTr>
-                      <a:noFill/>
-                    </a:lnBlToTr>
-                    <a:noFill/>
-                  </a:tcPr>
-                </a:tc>
-                <a:tc>
-                  <a:txBody>
-                    <a:bodyPr/>
-                    <a:lstStyle/>
-                    <a:p>
-                      <a:pPr marL="0" marR="0" lvl="0" indent="0" algn="l" defTabSz="914400" rtl="0" eaLnBrk="1" fontAlgn="base" latinLnBrk="0" hangingPunct="1">
-                        <a:lnSpc>
-                          <a:spcPct val="100000"/>
-                        </a:lnSpc>
-                        <a:spcBef>
-                          <a:spcPct val="20000"/>
-                        </a:spcBef>
-                        <a:spcAft>
-                          <a:spcPct val="0"/>
-                        </a:spcAft>
-                        <a:buClrTx/>
-                        <a:buSzTx/>
-                        <a:buFontTx/>
-                        <a:buNone/>
-                        <a:tabLst/>
-                      </a:pPr>
-                      <a:endParaRPr kumimoji="0" lang="ru-RU" sz="1000" b="0" i="0" u="none" strike="noStrike" cap="none" normalizeH="0" baseline="0">
-                        <a:ln>
-                          <a:noFill/>
-                        </a:ln>
-                        <a:solidFill>
-                          <a:schemeClr val="tx1"/>
-                        </a:solidFill>
-                        <a:effectLst/>
-                        <a:latin typeface="Arial" charset="0"/>
-                      </a:endParaRPr>
-                    </a:p>
-                  </a:txBody>
-                  <a:tcPr marL="71962" marR="71962" marT="17991" marB="35979" horzOverflow="overflow">
-                    <a:lnL w="12700" cap="flat" cmpd="sng" algn="ctr">
-                      <a:solidFill>
-                        <a:srgbClr val="000000"/>
-                      </a:solidFill>
-                      <a:prstDash val="solid"/>
-                      <a:round/>
-                      <a:headEnd type="none" w="med" len="med"/>
-                      <a:tailEnd type="none" w="med" len="med"/>
-                    </a:lnL>
-                    <a:lnR w="12700" cap="flat" cmpd="sng" algn="ctr">
-                      <a:solidFill>
-                        <a:srgbClr val="000000"/>
-                      </a:solidFill>
-                      <a:prstDash val="solid"/>
-                      <a:round/>
-                      <a:headEnd type="none" w="med" len="med"/>
-                      <a:tailEnd type="none" w="med" len="med"/>
-                    </a:lnR>
-                    <a:lnT w="12700" cap="flat" cmpd="sng" algn="ctr">
-                      <a:solidFill>
-                        <a:srgbClr val="000000"/>
-                      </a:solidFill>
-                      <a:prstDash val="solid"/>
-                      <a:round/>
-                      <a:headEnd type="none" w="med" len="med"/>
-                      <a:tailEnd type="none" w="med" len="med"/>
-                    </a:lnT>
-                    <a:lnB w="12700" cap="flat" cmpd="sng" algn="ctr">
-                      <a:solidFill>
-                        <a:srgbClr val="000000"/>
-                      </a:solidFill>
-                      <a:prstDash val="solid"/>
-                      <a:round/>
-                      <a:headEnd type="none" w="med" len="med"/>
-                      <a:tailEnd type="none" w="med" len="med"/>
-                    </a:lnB>
-                    <a:lnTlToBr>
-                      <a:noFill/>
-                    </a:lnTlToBr>
-                    <a:lnBlToTr>
-                      <a:noFill/>
-                    </a:lnBlToTr>
-                    <a:noFill/>
-                  </a:tcPr>
-                </a:tc>
-                <a:tc>
-                  <a:txBody>
-                    <a:bodyPr/>
-                    <a:lstStyle/>
-                    <a:p>
-                      <a:pPr marL="0" marR="0" lvl="0" indent="0" algn="l" defTabSz="914400" rtl="0" eaLnBrk="1" fontAlgn="base" latinLnBrk="0" hangingPunct="1">
-                        <a:lnSpc>
-                          <a:spcPct val="100000"/>
-                        </a:lnSpc>
-                        <a:spcBef>
-                          <a:spcPct val="20000"/>
-                        </a:spcBef>
-                        <a:spcAft>
-                          <a:spcPct val="0"/>
-                        </a:spcAft>
-                        <a:buClrTx/>
-                        <a:buSzTx/>
-                        <a:buFontTx/>
-                        <a:buNone/>
-                        <a:tabLst/>
-                      </a:pPr>
-                      <a:endParaRPr kumimoji="0" lang="ru-RU" sz="1000" b="0" i="0" u="none" strike="noStrike" cap="none" normalizeH="0" baseline="0" dirty="0">
-                        <a:ln>
-                          <a:noFill/>
-                        </a:ln>
-                        <a:solidFill>
-                          <a:schemeClr val="tx1"/>
-                        </a:solidFill>
-                        <a:effectLst/>
-                        <a:latin typeface="Arial" charset="0"/>
-                      </a:endParaRPr>
-                    </a:p>
-                  </a:txBody>
-                  <a:tcPr marL="71962" marR="71962" marT="17991" marB="35979" horzOverflow="overflow">
-                    <a:lnL w="12700" cap="flat" cmpd="sng" algn="ctr">
-                      <a:solidFill>
-                        <a:srgbClr val="000000"/>
-                      </a:solidFill>
-                      <a:prstDash val="solid"/>
-                      <a:round/>
-                      <a:headEnd type="none" w="med" len="med"/>
-                      <a:tailEnd type="none" w="med" len="med"/>
-                    </a:lnL>
-                    <a:lnR w="12700" cap="flat" cmpd="sng" algn="ctr">
-                      <a:solidFill>
-                        <a:srgbClr val="000000"/>
-                      </a:solidFill>
-                      <a:prstDash val="solid"/>
-                      <a:round/>
-                      <a:headEnd type="none" w="med" len="med"/>
-                      <a:tailEnd type="none" w="med" len="med"/>
-                    </a:lnR>
-                    <a:lnT w="12700" cap="flat" cmpd="sng" algn="ctr">
-                      <a:solidFill>
-                        <a:srgbClr val="000000"/>
-                      </a:solidFill>
-                      <a:prstDash val="solid"/>
-                      <a:round/>
-                      <a:headEnd type="none" w="med" len="med"/>
-                      <a:tailEnd type="none" w="med" len="med"/>
-                    </a:lnT>
-                    <a:lnB w="12700" cap="flat" cmpd="sng" algn="ctr">
-                      <a:solidFill>
-                        <a:srgbClr val="000000"/>
-                      </a:solidFill>
-                      <a:prstDash val="solid"/>
-                      <a:round/>
-                      <a:headEnd type="none" w="med" len="med"/>
-                      <a:tailEnd type="none" w="med" len="med"/>
-                    </a:lnB>
-                    <a:lnTlToBr>
-                      <a:noFill/>
-                    </a:lnTlToBr>
-                    <a:lnBlToTr>
-                      <a:noFill/>
-                    </a:lnBlToTr>
-                    <a:noFill/>
-                  </a:tcPr>
-                </a:tc>
-                <a:extLst>
-                  <a:ext uri="{0D108BD9-81ED-4DB2-BD59-A6C34878D82A}">
-                    <a16:rowId xmlns:a16="http://schemas.microsoft.com/office/drawing/2014/main" val="10001"/>
-                  </a:ext>
-                </a:extLst>
-              </a:tr>
-            </a:tbl>
-          </a:graphicData>
-        </a:graphic>
-      </p:graphicFrame>
       <p:sp>
         <p:nvSpPr>
           <p:cNvPr id="8" name="Line 158">
@@ -18673,7 +9566,7 @@
           <p:nvPr>
             <p:extLst>
               <p:ext uri="{D42A27DB-BD31-4B8C-83A1-F6EECF244321}">
-                <p14:modId xmlns:p14="http://schemas.microsoft.com/office/powerpoint/2010/main" val="1461187523"/>
+                <p14:modId xmlns:p14="http://schemas.microsoft.com/office/powerpoint/2010/main" val="1690351132"/>
               </p:ext>
             </p:extLst>
           </p:nvPr>
@@ -19046,7 +9939,16 @@
                           </a:solidFill>
                           <a:effectLst/>
                         </a:rPr>
-                        <a:t>Результат прохождения</a:t>
+                        <a:t>Результат </a:t>
+                      </a:r>
+                      <a:r>
+                        <a:rPr lang="ru-RU" sz="1100" b="0" dirty="0" err="1">
+                          <a:solidFill>
+                            <a:schemeClr val="tx1"/>
+                          </a:solidFill>
+                          <a:effectLst/>
+                        </a:rPr>
+                        <a:t>прохожде-ния</a:t>
                       </a:r>
                       <a:endParaRPr lang="ru-RU" sz="1100" b="0" dirty="0">
                         <a:solidFill>
